--- a/documentation/EECS448_Project4_Group8.pptx
+++ b/documentation/EECS448_Project4_Group8.pptx
@@ -11,7 +11,9 @@
     <p:sldId id="260" r:id="rId5"/>
     <p:sldId id="264" r:id="rId6"/>
     <p:sldId id="268" r:id="rId7"/>
-    <p:sldId id="265" r:id="rId8"/>
+    <p:sldId id="269" r:id="rId8"/>
+    <p:sldId id="271" r:id="rId9"/>
+    <p:sldId id="270" r:id="rId10"/>
   </p:sldIdLst>
   <p:sldSz cx="12192000" cy="6858000"/>
   <p:notesSz cx="6858000" cy="9144000"/>
@@ -125,7 +127,9 @@
             <p14:sldId id="260"/>
             <p14:sldId id="264"/>
             <p14:sldId id="268"/>
-            <p14:sldId id="265"/>
+            <p14:sldId id="269"/>
+            <p14:sldId id="271"/>
+            <p14:sldId id="270"/>
           </p14:sldIdLst>
         </p14:section>
       </p14:sectionLst>
@@ -135,6 +139,3882 @@
     </p:ext>
   </p:extLst>
 </p:presentation>
+</file>
+
+<file path=ppt/charts/chart1.xml><?xml version="1.0" encoding="utf-8"?>
+<c:chartSpace xmlns:c="http://schemas.openxmlformats.org/drawingml/2006/chart" xmlns:a="http://schemas.openxmlformats.org/drawingml/2006/main" xmlns:r="http://schemas.openxmlformats.org/officeDocument/2006/relationships">
+  <c:date1904 val="0"/>
+  <c:lang val="en-US"/>
+  <c:roundedCorners val="0"/>
+  <mc:AlternateContent xmlns:mc="http://schemas.openxmlformats.org/markup-compatibility/2006">
+    <mc:Choice xmlns:c14="http://schemas.microsoft.com/office/drawing/2007/8/2/chart" Requires="c14">
+      <c14:style val="102"/>
+    </mc:Choice>
+    <mc:Fallback>
+      <c:style val="2"/>
+    </mc:Fallback>
+  </mc:AlternateContent>
+  <c:chart>
+    <c:title>
+      <c:tx>
+        <c:rich>
+          <a:bodyPr/>
+          <a:lstStyle/>
+          <a:p>
+            <a:pPr>
+              <a:defRPr/>
+            </a:pPr>
+            <a:r>
+              <a:rPr lang="en-US"/>
+              <a:t>Cost Per Month($)</a:t>
+            </a:r>
+          </a:p>
+        </c:rich>
+      </c:tx>
+      <c:layout/>
+      <c:overlay val="0"/>
+    </c:title>
+    <c:autoTitleDeleted val="0"/>
+    <c:plotArea>
+      <c:layout/>
+      <c:pieChart>
+        <c:varyColors val="1"/>
+        <c:ser>
+          <c:idx val="0"/>
+          <c:order val="0"/>
+          <c:tx>
+            <c:strRef>
+              <c:f>Sheet1!$B$1</c:f>
+              <c:strCache>
+                <c:ptCount val="1"/>
+                <c:pt idx="0">
+                  <c:v>Per Month($)</c:v>
+                </c:pt>
+              </c:strCache>
+            </c:strRef>
+          </c:tx>
+          <c:dLbls>
+            <c:spPr>
+              <a:noFill/>
+              <a:ln>
+                <a:noFill/>
+              </a:ln>
+              <a:effectLst/>
+            </c:spPr>
+            <c:showLegendKey val="0"/>
+            <c:showVal val="1"/>
+            <c:showCatName val="0"/>
+            <c:showSerName val="0"/>
+            <c:showPercent val="0"/>
+            <c:showBubbleSize val="0"/>
+            <c:showLeaderLines val="1"/>
+            <c:extLst xmlns:c16r2="http://schemas.microsoft.com/office/drawing/2015/06/chart">
+              <c:ext xmlns:c15="http://schemas.microsoft.com/office/drawing/2012/chart" uri="{CE6537A1-D6FC-4f65-9D91-7224C49458BB}">
+                <c15:layout/>
+              </c:ext>
+            </c:extLst>
+          </c:dLbls>
+          <c:cat>
+            <c:strRef>
+              <c:f>Sheet1!$A$2:$A$6</c:f>
+              <c:strCache>
+                <c:ptCount val="5"/>
+                <c:pt idx="0">
+                  <c:v>Instance Type</c:v>
+                </c:pt>
+                <c:pt idx="1">
+                  <c:v>Storage</c:v>
+                </c:pt>
+                <c:pt idx="2">
+                  <c:v>Backup Storage</c:v>
+                </c:pt>
+                <c:pt idx="3">
+                  <c:v>Network Egress</c:v>
+                </c:pt>
+                <c:pt idx="4">
+                  <c:v>SQL</c:v>
+                </c:pt>
+              </c:strCache>
+            </c:strRef>
+          </c:cat>
+          <c:val>
+            <c:numRef>
+              <c:f>Sheet1!$B$2:$B$6</c:f>
+              <c:numCache>
+                <c:formatCode>0.00</c:formatCode>
+                <c:ptCount val="5"/>
+                <c:pt idx="0">
+                  <c:v>27.724799999999995</c:v>
+                </c:pt>
+                <c:pt idx="1">
+                  <c:v>1.36</c:v>
+                </c:pt>
+                <c:pt idx="2">
+                  <c:v>0.16</c:v>
+                </c:pt>
+                <c:pt idx="3">
+                  <c:v>7.6</c:v>
+                </c:pt>
+                <c:pt idx="4">
+                  <c:v>15</c:v>
+                </c:pt>
+              </c:numCache>
+            </c:numRef>
+          </c:val>
+          <c:extLst xmlns:c16r2="http://schemas.microsoft.com/office/drawing/2015/06/chart">
+            <c:ext xmlns:c16="http://schemas.microsoft.com/office/drawing/2014/chart" uri="{C3380CC4-5D6E-409C-BE32-E72D297353CC}">
+              <c16:uniqueId val="{00000000-17B5-4013-AD5C-FDDAFFC1C69A}"/>
+            </c:ext>
+          </c:extLst>
+        </c:ser>
+        <c:dLbls>
+          <c:showLegendKey val="0"/>
+          <c:showVal val="0"/>
+          <c:showCatName val="0"/>
+          <c:showSerName val="0"/>
+          <c:showPercent val="0"/>
+          <c:showBubbleSize val="0"/>
+          <c:showLeaderLines val="1"/>
+        </c:dLbls>
+        <c:firstSliceAng val="0"/>
+      </c:pieChart>
+    </c:plotArea>
+    <c:legend>
+      <c:legendPos val="r"/>
+      <c:layout/>
+      <c:overlay val="0"/>
+    </c:legend>
+    <c:plotVisOnly val="1"/>
+    <c:dispBlanksAs val="gap"/>
+    <c:showDLblsOverMax val="0"/>
+  </c:chart>
+  <c:spPr>
+    <a:noFill/>
+    <a:ln>
+      <a:noFill/>
+    </a:ln>
+  </c:spPr>
+  <c:externalData r:id="rId1">
+    <c:autoUpdate val="0"/>
+  </c:externalData>
+</c:chartSpace>
+</file>
+
+<file path=ppt/diagrams/colors1.xml><?xml version="1.0" encoding="utf-8"?>
+<dgm:colorsDef xmlns:dgm="http://schemas.openxmlformats.org/drawingml/2006/diagram" xmlns:a="http://schemas.openxmlformats.org/drawingml/2006/main" uniqueId="urn:microsoft.com/office/officeart/2005/8/colors/accent1_2">
+  <dgm:title val=""/>
+  <dgm:desc val=""/>
+  <dgm:catLst>
+    <dgm:cat type="accent1" pri="11200"/>
+  </dgm:catLst>
+  <dgm:styleLbl name="node0">
+    <dgm:fillClrLst meth="repeat">
+      <a:schemeClr val="accent1"/>
+    </dgm:fillClrLst>
+    <dgm:linClrLst meth="repeat">
+      <a:schemeClr val="lt1"/>
+    </dgm:linClrLst>
+    <dgm:effectClrLst/>
+    <dgm:txLinClrLst/>
+    <dgm:txFillClrLst/>
+    <dgm:txEffectClrLst/>
+  </dgm:styleLbl>
+  <dgm:styleLbl name="alignNode1">
+    <dgm:fillClrLst meth="repeat">
+      <a:schemeClr val="accent1"/>
+    </dgm:fillClrLst>
+    <dgm:linClrLst meth="repeat">
+      <a:schemeClr val="accent1"/>
+    </dgm:linClrLst>
+    <dgm:effectClrLst/>
+    <dgm:txLinClrLst/>
+    <dgm:txFillClrLst/>
+    <dgm:txEffectClrLst/>
+  </dgm:styleLbl>
+  <dgm:styleLbl name="node1">
+    <dgm:fillClrLst meth="repeat">
+      <a:schemeClr val="accent1"/>
+    </dgm:fillClrLst>
+    <dgm:linClrLst meth="repeat">
+      <a:schemeClr val="lt1"/>
+    </dgm:linClrLst>
+    <dgm:effectClrLst/>
+    <dgm:txLinClrLst/>
+    <dgm:txFillClrLst/>
+    <dgm:txEffectClrLst/>
+  </dgm:styleLbl>
+  <dgm:styleLbl name="lnNode1">
+    <dgm:fillClrLst meth="repeat">
+      <a:schemeClr val="accent1"/>
+    </dgm:fillClrLst>
+    <dgm:linClrLst meth="repeat">
+      <a:schemeClr val="lt1"/>
+    </dgm:linClrLst>
+    <dgm:effectClrLst/>
+    <dgm:txLinClrLst/>
+    <dgm:txFillClrLst/>
+    <dgm:txEffectClrLst/>
+  </dgm:styleLbl>
+  <dgm:styleLbl name="vennNode1">
+    <dgm:fillClrLst meth="repeat">
+      <a:schemeClr val="accent1">
+        <a:alpha val="50000"/>
+      </a:schemeClr>
+    </dgm:fillClrLst>
+    <dgm:linClrLst meth="repeat">
+      <a:schemeClr val="lt1"/>
+    </dgm:linClrLst>
+    <dgm:effectClrLst/>
+    <dgm:txLinClrLst/>
+    <dgm:txFillClrLst/>
+    <dgm:txEffectClrLst/>
+  </dgm:styleLbl>
+  <dgm:styleLbl name="node2">
+    <dgm:fillClrLst meth="repeat">
+      <a:schemeClr val="accent1"/>
+    </dgm:fillClrLst>
+    <dgm:linClrLst meth="repeat">
+      <a:schemeClr val="lt1"/>
+    </dgm:linClrLst>
+    <dgm:effectClrLst/>
+    <dgm:txLinClrLst/>
+    <dgm:txFillClrLst/>
+    <dgm:txEffectClrLst/>
+  </dgm:styleLbl>
+  <dgm:styleLbl name="node3">
+    <dgm:fillClrLst meth="repeat">
+      <a:schemeClr val="accent1"/>
+    </dgm:fillClrLst>
+    <dgm:linClrLst meth="repeat">
+      <a:schemeClr val="lt1"/>
+    </dgm:linClrLst>
+    <dgm:effectClrLst/>
+    <dgm:txLinClrLst/>
+    <dgm:txFillClrLst/>
+    <dgm:txEffectClrLst/>
+  </dgm:styleLbl>
+  <dgm:styleLbl name="node4">
+    <dgm:fillClrLst meth="repeat">
+      <a:schemeClr val="accent1"/>
+    </dgm:fillClrLst>
+    <dgm:linClrLst meth="repeat">
+      <a:schemeClr val="lt1"/>
+    </dgm:linClrLst>
+    <dgm:effectClrLst/>
+    <dgm:txLinClrLst/>
+    <dgm:txFillClrLst/>
+    <dgm:txEffectClrLst/>
+  </dgm:styleLbl>
+  <dgm:styleLbl name="fgImgPlace1">
+    <dgm:fillClrLst meth="repeat">
+      <a:schemeClr val="accent1">
+        <a:tint val="50000"/>
+      </a:schemeClr>
+    </dgm:fillClrLst>
+    <dgm:linClrLst meth="repeat">
+      <a:schemeClr val="lt1"/>
+    </dgm:linClrLst>
+    <dgm:effectClrLst/>
+    <dgm:txLinClrLst/>
+    <dgm:txFillClrLst meth="repeat">
+      <a:schemeClr val="lt1"/>
+    </dgm:txFillClrLst>
+    <dgm:txEffectClrLst/>
+  </dgm:styleLbl>
+  <dgm:styleLbl name="alignImgPlace1">
+    <dgm:fillClrLst meth="repeat">
+      <a:schemeClr val="accent1">
+        <a:tint val="50000"/>
+      </a:schemeClr>
+    </dgm:fillClrLst>
+    <dgm:linClrLst meth="repeat">
+      <a:schemeClr val="lt1"/>
+    </dgm:linClrLst>
+    <dgm:effectClrLst/>
+    <dgm:txLinClrLst/>
+    <dgm:txFillClrLst meth="repeat">
+      <a:schemeClr val="lt1"/>
+    </dgm:txFillClrLst>
+    <dgm:txEffectClrLst/>
+  </dgm:styleLbl>
+  <dgm:styleLbl name="bgImgPlace1">
+    <dgm:fillClrLst meth="repeat">
+      <a:schemeClr val="accent1">
+        <a:tint val="50000"/>
+      </a:schemeClr>
+    </dgm:fillClrLst>
+    <dgm:linClrLst meth="repeat">
+      <a:schemeClr val="lt1"/>
+    </dgm:linClrLst>
+    <dgm:effectClrLst/>
+    <dgm:txLinClrLst/>
+    <dgm:txFillClrLst meth="repeat">
+      <a:schemeClr val="lt1"/>
+    </dgm:txFillClrLst>
+    <dgm:txEffectClrLst/>
+  </dgm:styleLbl>
+  <dgm:styleLbl name="sibTrans2D1">
+    <dgm:fillClrLst meth="repeat">
+      <a:schemeClr val="accent1">
+        <a:tint val="60000"/>
+      </a:schemeClr>
+    </dgm:fillClrLst>
+    <dgm:linClrLst meth="repeat">
+      <a:schemeClr val="accent1">
+        <a:tint val="60000"/>
+      </a:schemeClr>
+    </dgm:linClrLst>
+    <dgm:effectClrLst/>
+    <dgm:txLinClrLst/>
+    <dgm:txFillClrLst/>
+    <dgm:txEffectClrLst/>
+  </dgm:styleLbl>
+  <dgm:styleLbl name="fgSibTrans2D1">
+    <dgm:fillClrLst meth="repeat">
+      <a:schemeClr val="accent1">
+        <a:tint val="60000"/>
+      </a:schemeClr>
+    </dgm:fillClrLst>
+    <dgm:linClrLst meth="repeat">
+      <a:schemeClr val="accent1">
+        <a:tint val="60000"/>
+      </a:schemeClr>
+    </dgm:linClrLst>
+    <dgm:effectClrLst/>
+    <dgm:txLinClrLst/>
+    <dgm:txFillClrLst/>
+    <dgm:txEffectClrLst/>
+  </dgm:styleLbl>
+  <dgm:styleLbl name="bgSibTrans2D1">
+    <dgm:fillClrLst meth="repeat">
+      <a:schemeClr val="accent1">
+        <a:tint val="60000"/>
+      </a:schemeClr>
+    </dgm:fillClrLst>
+    <dgm:linClrLst meth="repeat">
+      <a:schemeClr val="accent1">
+        <a:tint val="60000"/>
+      </a:schemeClr>
+    </dgm:linClrLst>
+    <dgm:effectClrLst/>
+    <dgm:txLinClrLst/>
+    <dgm:txFillClrLst/>
+    <dgm:txEffectClrLst/>
+  </dgm:styleLbl>
+  <dgm:styleLbl name="sibTrans1D1">
+    <dgm:fillClrLst meth="repeat">
+      <a:schemeClr val="accent1"/>
+    </dgm:fillClrLst>
+    <dgm:linClrLst meth="repeat">
+      <a:schemeClr val="accent1"/>
+    </dgm:linClrLst>
+    <dgm:effectClrLst/>
+    <dgm:txLinClrLst/>
+    <dgm:txFillClrLst meth="repeat">
+      <a:schemeClr val="tx1"/>
+    </dgm:txFillClrLst>
+    <dgm:txEffectClrLst/>
+  </dgm:styleLbl>
+  <dgm:styleLbl name="callout">
+    <dgm:fillClrLst meth="repeat">
+      <a:schemeClr val="accent1"/>
+    </dgm:fillClrLst>
+    <dgm:linClrLst meth="repeat">
+      <a:schemeClr val="accent1">
+        <a:tint val="50000"/>
+      </a:schemeClr>
+    </dgm:linClrLst>
+    <dgm:effectClrLst/>
+    <dgm:txLinClrLst/>
+    <dgm:txFillClrLst meth="repeat">
+      <a:schemeClr val="tx1"/>
+    </dgm:txFillClrLst>
+    <dgm:txEffectClrLst/>
+  </dgm:styleLbl>
+  <dgm:styleLbl name="asst0">
+    <dgm:fillClrLst meth="repeat">
+      <a:schemeClr val="accent1"/>
+    </dgm:fillClrLst>
+    <dgm:linClrLst meth="repeat">
+      <a:schemeClr val="lt1"/>
+    </dgm:linClrLst>
+    <dgm:effectClrLst/>
+    <dgm:txLinClrLst/>
+    <dgm:txFillClrLst/>
+    <dgm:txEffectClrLst/>
+  </dgm:styleLbl>
+  <dgm:styleLbl name="asst1">
+    <dgm:fillClrLst meth="repeat">
+      <a:schemeClr val="accent1"/>
+    </dgm:fillClrLst>
+    <dgm:linClrLst meth="repeat">
+      <a:schemeClr val="lt1"/>
+    </dgm:linClrLst>
+    <dgm:effectClrLst/>
+    <dgm:txLinClrLst/>
+    <dgm:txFillClrLst/>
+    <dgm:txEffectClrLst/>
+  </dgm:styleLbl>
+  <dgm:styleLbl name="asst2">
+    <dgm:fillClrLst meth="repeat">
+      <a:schemeClr val="accent1"/>
+    </dgm:fillClrLst>
+    <dgm:linClrLst meth="repeat">
+      <a:schemeClr val="lt1"/>
+    </dgm:linClrLst>
+    <dgm:effectClrLst/>
+    <dgm:txLinClrLst/>
+    <dgm:txFillClrLst/>
+    <dgm:txEffectClrLst/>
+  </dgm:styleLbl>
+  <dgm:styleLbl name="asst3">
+    <dgm:fillClrLst meth="repeat">
+      <a:schemeClr val="accent1"/>
+    </dgm:fillClrLst>
+    <dgm:linClrLst meth="repeat">
+      <a:schemeClr val="lt1"/>
+    </dgm:linClrLst>
+    <dgm:effectClrLst/>
+    <dgm:txLinClrLst/>
+    <dgm:txFillClrLst/>
+    <dgm:txEffectClrLst/>
+  </dgm:styleLbl>
+  <dgm:styleLbl name="asst4">
+    <dgm:fillClrLst meth="repeat">
+      <a:schemeClr val="accent1"/>
+    </dgm:fillClrLst>
+    <dgm:linClrLst meth="repeat">
+      <a:schemeClr val="lt1"/>
+    </dgm:linClrLst>
+    <dgm:effectClrLst/>
+    <dgm:txLinClrLst/>
+    <dgm:txFillClrLst/>
+    <dgm:txEffectClrLst/>
+  </dgm:styleLbl>
+  <dgm:styleLbl name="parChTrans2D1">
+    <dgm:fillClrLst meth="repeat">
+      <a:schemeClr val="accent1">
+        <a:tint val="60000"/>
+      </a:schemeClr>
+    </dgm:fillClrLst>
+    <dgm:linClrLst meth="repeat">
+      <a:schemeClr val="accent1">
+        <a:tint val="60000"/>
+      </a:schemeClr>
+    </dgm:linClrLst>
+    <dgm:effectClrLst/>
+    <dgm:txLinClrLst/>
+    <dgm:txFillClrLst meth="repeat">
+      <a:schemeClr val="lt1"/>
+    </dgm:txFillClrLst>
+    <dgm:txEffectClrLst/>
+  </dgm:styleLbl>
+  <dgm:styleLbl name="parChTrans2D2">
+    <dgm:fillClrLst meth="repeat">
+      <a:schemeClr val="accent1"/>
+    </dgm:fillClrLst>
+    <dgm:linClrLst meth="repeat">
+      <a:schemeClr val="accent1"/>
+    </dgm:linClrLst>
+    <dgm:effectClrLst/>
+    <dgm:txLinClrLst/>
+    <dgm:txFillClrLst meth="repeat">
+      <a:schemeClr val="lt1"/>
+    </dgm:txFillClrLst>
+    <dgm:txEffectClrLst/>
+  </dgm:styleLbl>
+  <dgm:styleLbl name="parChTrans2D3">
+    <dgm:fillClrLst meth="repeat">
+      <a:schemeClr val="accent1"/>
+    </dgm:fillClrLst>
+    <dgm:linClrLst meth="repeat">
+      <a:schemeClr val="accent1"/>
+    </dgm:linClrLst>
+    <dgm:effectClrLst/>
+    <dgm:txLinClrLst/>
+    <dgm:txFillClrLst meth="repeat">
+      <a:schemeClr val="lt1"/>
+    </dgm:txFillClrLst>
+    <dgm:txEffectClrLst/>
+  </dgm:styleLbl>
+  <dgm:styleLbl name="parChTrans2D4">
+    <dgm:fillClrLst meth="repeat">
+      <a:schemeClr val="accent1"/>
+    </dgm:fillClrLst>
+    <dgm:linClrLst meth="repeat">
+      <a:schemeClr val="accent1"/>
+    </dgm:linClrLst>
+    <dgm:effectClrLst/>
+    <dgm:txLinClrLst/>
+    <dgm:txFillClrLst meth="repeat">
+      <a:schemeClr val="lt1"/>
+    </dgm:txFillClrLst>
+    <dgm:txEffectClrLst/>
+  </dgm:styleLbl>
+  <dgm:styleLbl name="parChTrans1D1">
+    <dgm:fillClrLst meth="repeat">
+      <a:schemeClr val="accent1"/>
+    </dgm:fillClrLst>
+    <dgm:linClrLst meth="repeat">
+      <a:schemeClr val="accent1">
+        <a:shade val="60000"/>
+      </a:schemeClr>
+    </dgm:linClrLst>
+    <dgm:effectClrLst/>
+    <dgm:txLinClrLst/>
+    <dgm:txFillClrLst meth="repeat">
+      <a:schemeClr val="tx1"/>
+    </dgm:txFillClrLst>
+    <dgm:txEffectClrLst/>
+  </dgm:styleLbl>
+  <dgm:styleLbl name="parChTrans1D2">
+    <dgm:fillClrLst meth="repeat">
+      <a:schemeClr val="accent1"/>
+    </dgm:fillClrLst>
+    <dgm:linClrLst meth="repeat">
+      <a:schemeClr val="accent1">
+        <a:shade val="60000"/>
+      </a:schemeClr>
+    </dgm:linClrLst>
+    <dgm:effectClrLst/>
+    <dgm:txLinClrLst/>
+    <dgm:txFillClrLst meth="repeat">
+      <a:schemeClr val="tx1"/>
+    </dgm:txFillClrLst>
+    <dgm:txEffectClrLst/>
+  </dgm:styleLbl>
+  <dgm:styleLbl name="parChTrans1D3">
+    <dgm:fillClrLst meth="repeat">
+      <a:schemeClr val="accent1"/>
+    </dgm:fillClrLst>
+    <dgm:linClrLst meth="repeat">
+      <a:schemeClr val="accent1">
+        <a:shade val="80000"/>
+      </a:schemeClr>
+    </dgm:linClrLst>
+    <dgm:effectClrLst/>
+    <dgm:txLinClrLst/>
+    <dgm:txFillClrLst meth="repeat">
+      <a:schemeClr val="tx1"/>
+    </dgm:txFillClrLst>
+    <dgm:txEffectClrLst/>
+  </dgm:styleLbl>
+  <dgm:styleLbl name="parChTrans1D4">
+    <dgm:fillClrLst meth="repeat">
+      <a:schemeClr val="accent1"/>
+    </dgm:fillClrLst>
+    <dgm:linClrLst meth="repeat">
+      <a:schemeClr val="accent1">
+        <a:shade val="80000"/>
+      </a:schemeClr>
+    </dgm:linClrLst>
+    <dgm:effectClrLst/>
+    <dgm:txLinClrLst/>
+    <dgm:txFillClrLst meth="repeat">
+      <a:schemeClr val="tx1"/>
+    </dgm:txFillClrLst>
+    <dgm:txEffectClrLst/>
+  </dgm:styleLbl>
+  <dgm:styleLbl name="fgAcc1">
+    <dgm:fillClrLst meth="repeat">
+      <a:schemeClr val="lt1">
+        <a:alpha val="90000"/>
+      </a:schemeClr>
+    </dgm:fillClrLst>
+    <dgm:linClrLst meth="repeat">
+      <a:schemeClr val="accent1"/>
+    </dgm:linClrLst>
+    <dgm:effectClrLst/>
+    <dgm:txLinClrLst/>
+    <dgm:txFillClrLst meth="repeat">
+      <a:schemeClr val="dk1"/>
+    </dgm:txFillClrLst>
+    <dgm:txEffectClrLst/>
+  </dgm:styleLbl>
+  <dgm:styleLbl name="conFgAcc1">
+    <dgm:fillClrLst meth="repeat">
+      <a:schemeClr val="lt1">
+        <a:alpha val="90000"/>
+      </a:schemeClr>
+    </dgm:fillClrLst>
+    <dgm:linClrLst meth="repeat">
+      <a:schemeClr val="accent1"/>
+    </dgm:linClrLst>
+    <dgm:effectClrLst/>
+    <dgm:txLinClrLst/>
+    <dgm:txFillClrLst meth="repeat">
+      <a:schemeClr val="dk1"/>
+    </dgm:txFillClrLst>
+    <dgm:txEffectClrLst/>
+  </dgm:styleLbl>
+  <dgm:styleLbl name="alignAcc1">
+    <dgm:fillClrLst meth="repeat">
+      <a:schemeClr val="lt1">
+        <a:alpha val="90000"/>
+      </a:schemeClr>
+    </dgm:fillClrLst>
+    <dgm:linClrLst meth="repeat">
+      <a:schemeClr val="accent1"/>
+    </dgm:linClrLst>
+    <dgm:effectClrLst/>
+    <dgm:txLinClrLst/>
+    <dgm:txFillClrLst meth="repeat">
+      <a:schemeClr val="dk1"/>
+    </dgm:txFillClrLst>
+    <dgm:txEffectClrLst/>
+  </dgm:styleLbl>
+  <dgm:styleLbl name="trAlignAcc1">
+    <dgm:fillClrLst meth="repeat">
+      <a:schemeClr val="lt1">
+        <a:alpha val="40000"/>
+      </a:schemeClr>
+    </dgm:fillClrLst>
+    <dgm:linClrLst meth="repeat">
+      <a:schemeClr val="accent1"/>
+    </dgm:linClrLst>
+    <dgm:effectClrLst/>
+    <dgm:txLinClrLst/>
+    <dgm:txFillClrLst meth="repeat">
+      <a:schemeClr val="dk1"/>
+    </dgm:txFillClrLst>
+    <dgm:txEffectClrLst/>
+  </dgm:styleLbl>
+  <dgm:styleLbl name="bgAcc1">
+    <dgm:fillClrLst meth="repeat">
+      <a:schemeClr val="lt1">
+        <a:alpha val="90000"/>
+      </a:schemeClr>
+    </dgm:fillClrLst>
+    <dgm:linClrLst meth="repeat">
+      <a:schemeClr val="accent1"/>
+    </dgm:linClrLst>
+    <dgm:effectClrLst/>
+    <dgm:txLinClrLst/>
+    <dgm:txFillClrLst meth="repeat">
+      <a:schemeClr val="dk1"/>
+    </dgm:txFillClrLst>
+    <dgm:txEffectClrLst/>
+  </dgm:styleLbl>
+  <dgm:styleLbl name="solidFgAcc1">
+    <dgm:fillClrLst meth="repeat">
+      <a:schemeClr val="lt1"/>
+    </dgm:fillClrLst>
+    <dgm:linClrLst meth="repeat">
+      <a:schemeClr val="accent1"/>
+    </dgm:linClrLst>
+    <dgm:effectClrLst/>
+    <dgm:txLinClrLst/>
+    <dgm:txFillClrLst meth="repeat">
+      <a:schemeClr val="dk1"/>
+    </dgm:txFillClrLst>
+    <dgm:txEffectClrLst/>
+  </dgm:styleLbl>
+  <dgm:styleLbl name="solidAlignAcc1">
+    <dgm:fillClrLst meth="repeat">
+      <a:schemeClr val="lt1"/>
+    </dgm:fillClrLst>
+    <dgm:linClrLst meth="repeat">
+      <a:schemeClr val="accent1"/>
+    </dgm:linClrLst>
+    <dgm:effectClrLst/>
+    <dgm:txLinClrLst/>
+    <dgm:txFillClrLst meth="repeat">
+      <a:schemeClr val="dk1"/>
+    </dgm:txFillClrLst>
+    <dgm:txEffectClrLst/>
+  </dgm:styleLbl>
+  <dgm:styleLbl name="solidBgAcc1">
+    <dgm:fillClrLst meth="repeat">
+      <a:schemeClr val="lt1"/>
+    </dgm:fillClrLst>
+    <dgm:linClrLst meth="repeat">
+      <a:schemeClr val="accent1"/>
+    </dgm:linClrLst>
+    <dgm:effectClrLst/>
+    <dgm:txLinClrLst/>
+    <dgm:txFillClrLst meth="repeat">
+      <a:schemeClr val="dk1"/>
+    </dgm:txFillClrLst>
+    <dgm:txEffectClrLst/>
+  </dgm:styleLbl>
+  <dgm:styleLbl name="fgAccFollowNode1">
+    <dgm:fillClrLst meth="repeat">
+      <a:schemeClr val="accent1">
+        <a:alpha val="90000"/>
+        <a:tint val="40000"/>
+      </a:schemeClr>
+    </dgm:fillClrLst>
+    <dgm:linClrLst meth="repeat">
+      <a:schemeClr val="accent1">
+        <a:alpha val="90000"/>
+        <a:tint val="40000"/>
+      </a:schemeClr>
+    </dgm:linClrLst>
+    <dgm:effectClrLst/>
+    <dgm:txLinClrLst/>
+    <dgm:txFillClrLst meth="repeat">
+      <a:schemeClr val="dk1"/>
+    </dgm:txFillClrLst>
+    <dgm:txEffectClrLst/>
+  </dgm:styleLbl>
+  <dgm:styleLbl name="alignAccFollowNode1">
+    <dgm:fillClrLst meth="repeat">
+      <a:schemeClr val="accent1">
+        <a:alpha val="90000"/>
+        <a:tint val="40000"/>
+      </a:schemeClr>
+    </dgm:fillClrLst>
+    <dgm:linClrLst meth="repeat">
+      <a:schemeClr val="accent1">
+        <a:alpha val="90000"/>
+        <a:tint val="40000"/>
+      </a:schemeClr>
+    </dgm:linClrLst>
+    <dgm:effectClrLst/>
+    <dgm:txLinClrLst/>
+    <dgm:txFillClrLst meth="repeat">
+      <a:schemeClr val="dk1"/>
+    </dgm:txFillClrLst>
+    <dgm:txEffectClrLst/>
+  </dgm:styleLbl>
+  <dgm:styleLbl name="bgAccFollowNode1">
+    <dgm:fillClrLst meth="repeat">
+      <a:schemeClr val="accent1">
+        <a:alpha val="90000"/>
+        <a:tint val="40000"/>
+      </a:schemeClr>
+    </dgm:fillClrLst>
+    <dgm:linClrLst meth="repeat">
+      <a:schemeClr val="accent1">
+        <a:alpha val="90000"/>
+        <a:tint val="40000"/>
+      </a:schemeClr>
+    </dgm:linClrLst>
+    <dgm:effectClrLst/>
+    <dgm:txLinClrLst/>
+    <dgm:txFillClrLst meth="repeat">
+      <a:schemeClr val="dk1"/>
+    </dgm:txFillClrLst>
+    <dgm:txEffectClrLst/>
+  </dgm:styleLbl>
+  <dgm:styleLbl name="fgAcc0">
+    <dgm:fillClrLst meth="repeat">
+      <a:schemeClr val="lt1">
+        <a:alpha val="90000"/>
+      </a:schemeClr>
+    </dgm:fillClrLst>
+    <dgm:linClrLst meth="repeat">
+      <a:schemeClr val="accent1"/>
+    </dgm:linClrLst>
+    <dgm:effectClrLst/>
+    <dgm:txLinClrLst/>
+    <dgm:txFillClrLst meth="repeat">
+      <a:schemeClr val="dk1"/>
+    </dgm:txFillClrLst>
+    <dgm:txEffectClrLst/>
+  </dgm:styleLbl>
+  <dgm:styleLbl name="fgAcc2">
+    <dgm:fillClrLst meth="repeat">
+      <a:schemeClr val="lt1">
+        <a:alpha val="90000"/>
+      </a:schemeClr>
+    </dgm:fillClrLst>
+    <dgm:linClrLst meth="repeat">
+      <a:schemeClr val="accent1"/>
+    </dgm:linClrLst>
+    <dgm:effectClrLst/>
+    <dgm:txLinClrLst/>
+    <dgm:txFillClrLst meth="repeat">
+      <a:schemeClr val="dk1"/>
+    </dgm:txFillClrLst>
+    <dgm:txEffectClrLst/>
+  </dgm:styleLbl>
+  <dgm:styleLbl name="fgAcc3">
+    <dgm:fillClrLst meth="repeat">
+      <a:schemeClr val="lt1">
+        <a:alpha val="90000"/>
+      </a:schemeClr>
+    </dgm:fillClrLst>
+    <dgm:linClrLst meth="repeat">
+      <a:schemeClr val="accent1"/>
+    </dgm:linClrLst>
+    <dgm:effectClrLst/>
+    <dgm:txLinClrLst/>
+    <dgm:txFillClrLst meth="repeat">
+      <a:schemeClr val="dk1"/>
+    </dgm:txFillClrLst>
+    <dgm:txEffectClrLst/>
+  </dgm:styleLbl>
+  <dgm:styleLbl name="fgAcc4">
+    <dgm:fillClrLst meth="repeat">
+      <a:schemeClr val="lt1">
+        <a:alpha val="90000"/>
+      </a:schemeClr>
+    </dgm:fillClrLst>
+    <dgm:linClrLst meth="repeat">
+      <a:schemeClr val="accent1"/>
+    </dgm:linClrLst>
+    <dgm:effectClrLst/>
+    <dgm:txLinClrLst/>
+    <dgm:txFillClrLst meth="repeat">
+      <a:schemeClr val="dk1"/>
+    </dgm:txFillClrLst>
+    <dgm:txEffectClrLst/>
+  </dgm:styleLbl>
+  <dgm:styleLbl name="bgShp">
+    <dgm:fillClrLst meth="repeat">
+      <a:schemeClr val="accent1">
+        <a:tint val="40000"/>
+      </a:schemeClr>
+    </dgm:fillClrLst>
+    <dgm:linClrLst meth="repeat">
+      <a:schemeClr val="accent1"/>
+    </dgm:linClrLst>
+    <dgm:effectClrLst/>
+    <dgm:txLinClrLst/>
+    <dgm:txFillClrLst meth="repeat">
+      <a:schemeClr val="dk1"/>
+    </dgm:txFillClrLst>
+    <dgm:txEffectClrLst/>
+  </dgm:styleLbl>
+  <dgm:styleLbl name="dkBgShp">
+    <dgm:fillClrLst meth="repeat">
+      <a:schemeClr val="accent1">
+        <a:shade val="80000"/>
+      </a:schemeClr>
+    </dgm:fillClrLst>
+    <dgm:linClrLst meth="repeat">
+      <a:schemeClr val="accent1"/>
+    </dgm:linClrLst>
+    <dgm:effectClrLst/>
+    <dgm:txLinClrLst/>
+    <dgm:txFillClrLst meth="repeat">
+      <a:schemeClr val="lt1"/>
+    </dgm:txFillClrLst>
+    <dgm:txEffectClrLst/>
+  </dgm:styleLbl>
+  <dgm:styleLbl name="trBgShp">
+    <dgm:fillClrLst meth="repeat">
+      <a:schemeClr val="accent1">
+        <a:tint val="50000"/>
+        <a:alpha val="40000"/>
+      </a:schemeClr>
+    </dgm:fillClrLst>
+    <dgm:linClrLst meth="repeat">
+      <a:schemeClr val="accent1"/>
+    </dgm:linClrLst>
+    <dgm:effectClrLst/>
+    <dgm:txLinClrLst/>
+    <dgm:txFillClrLst meth="repeat">
+      <a:schemeClr val="lt1"/>
+    </dgm:txFillClrLst>
+    <dgm:txEffectClrLst/>
+  </dgm:styleLbl>
+  <dgm:styleLbl name="fgShp">
+    <dgm:fillClrLst meth="repeat">
+      <a:schemeClr val="accent1">
+        <a:tint val="60000"/>
+      </a:schemeClr>
+    </dgm:fillClrLst>
+    <dgm:linClrLst meth="repeat">
+      <a:schemeClr val="lt1"/>
+    </dgm:linClrLst>
+    <dgm:effectClrLst/>
+    <dgm:txLinClrLst/>
+    <dgm:txFillClrLst meth="repeat">
+      <a:schemeClr val="dk1"/>
+    </dgm:txFillClrLst>
+    <dgm:txEffectClrLst/>
+  </dgm:styleLbl>
+  <dgm:styleLbl name="revTx">
+    <dgm:fillClrLst meth="repeat">
+      <a:schemeClr val="lt1">
+        <a:alpha val="0"/>
+      </a:schemeClr>
+    </dgm:fillClrLst>
+    <dgm:linClrLst meth="repeat">
+      <a:schemeClr val="dk1">
+        <a:alpha val="0"/>
+      </a:schemeClr>
+    </dgm:linClrLst>
+    <dgm:effectClrLst/>
+    <dgm:txLinClrLst/>
+    <dgm:txFillClrLst meth="repeat">
+      <a:schemeClr val="tx1"/>
+    </dgm:txFillClrLst>
+    <dgm:txEffectClrLst/>
+  </dgm:styleLbl>
+</dgm:colorsDef>
+</file>
+
+<file path=ppt/diagrams/data1.xml><?xml version="1.0" encoding="utf-8"?>
+<dgm:dataModel xmlns:dgm="http://schemas.openxmlformats.org/drawingml/2006/diagram" xmlns:a="http://schemas.openxmlformats.org/drawingml/2006/main">
+  <dgm:ptLst>
+    <dgm:pt modelId="{AF7DFD7E-9A16-4628-8E23-A118C5592846}" type="doc">
+      <dgm:prSet loTypeId="urn:microsoft.com/office/officeart/2005/8/layout/chevron2" loCatId="process" qsTypeId="urn:microsoft.com/office/officeart/2005/8/quickstyle/simple1" qsCatId="simple" csTypeId="urn:microsoft.com/office/officeart/2005/8/colors/accent1_2" csCatId="accent1" phldr="1"/>
+      <dgm:spPr/>
+    </dgm:pt>
+    <dgm:pt modelId="{4087DDC9-0D62-422E-86FA-37F5FAA2F40E}">
+      <dgm:prSet phldrT="[Text]"/>
+      <dgm:spPr/>
+      <dgm:t>
+        <a:bodyPr/>
+        <a:lstStyle/>
+        <a:p>
+          <a:r>
+            <a:rPr lang="en-US"/>
+            <a:t>August</a:t>
+          </a:r>
+        </a:p>
+      </dgm:t>
+    </dgm:pt>
+    <dgm:pt modelId="{766D7D79-29B4-4F8C-B71F-ADE6490741E8}" type="parTrans" cxnId="{3BC78D1B-F6AF-4716-A8D5-0015E991B2DC}">
+      <dgm:prSet/>
+      <dgm:spPr/>
+      <dgm:t>
+        <a:bodyPr/>
+        <a:lstStyle/>
+        <a:p>
+          <a:endParaRPr lang="en-US"/>
+        </a:p>
+      </dgm:t>
+    </dgm:pt>
+    <dgm:pt modelId="{1439D019-205C-4C2B-AFEA-F58D0CE5B029}" type="sibTrans" cxnId="{3BC78D1B-F6AF-4716-A8D5-0015E991B2DC}">
+      <dgm:prSet/>
+      <dgm:spPr/>
+      <dgm:t>
+        <a:bodyPr/>
+        <a:lstStyle/>
+        <a:p>
+          <a:endParaRPr lang="en-US"/>
+        </a:p>
+      </dgm:t>
+    </dgm:pt>
+    <dgm:pt modelId="{EC892054-F040-4287-89CD-A04CC0A0F2E5}">
+      <dgm:prSet phldrT="[Text]"/>
+      <dgm:spPr/>
+      <dgm:t>
+        <a:bodyPr/>
+        <a:lstStyle/>
+        <a:p>
+          <a:r>
+            <a:rPr lang="en-US"/>
+            <a:t>September</a:t>
+          </a:r>
+        </a:p>
+      </dgm:t>
+    </dgm:pt>
+    <dgm:pt modelId="{8658DF41-9709-402A-BD5E-892EB241071B}" type="parTrans" cxnId="{CE850373-3502-4FFE-8EB1-FA4FAEA1A626}">
+      <dgm:prSet/>
+      <dgm:spPr/>
+      <dgm:t>
+        <a:bodyPr/>
+        <a:lstStyle/>
+        <a:p>
+          <a:endParaRPr lang="en-US"/>
+        </a:p>
+      </dgm:t>
+    </dgm:pt>
+    <dgm:pt modelId="{588A5B50-1ED2-4AB2-96C7-46F6569C318E}" type="sibTrans" cxnId="{CE850373-3502-4FFE-8EB1-FA4FAEA1A626}">
+      <dgm:prSet/>
+      <dgm:spPr/>
+      <dgm:t>
+        <a:bodyPr/>
+        <a:lstStyle/>
+        <a:p>
+          <a:endParaRPr lang="en-US"/>
+        </a:p>
+      </dgm:t>
+    </dgm:pt>
+    <dgm:pt modelId="{63AAB755-9F61-4CB1-AF76-078C74E6E4B2}">
+      <dgm:prSet phldrT="[Text]"/>
+      <dgm:spPr/>
+      <dgm:t>
+        <a:bodyPr/>
+        <a:lstStyle/>
+        <a:p>
+          <a:r>
+            <a:rPr lang="en-US"/>
+            <a:t>October</a:t>
+          </a:r>
+        </a:p>
+      </dgm:t>
+    </dgm:pt>
+    <dgm:pt modelId="{A66A13DC-B894-49F1-88D1-F8EF3D775AAD}" type="parTrans" cxnId="{25B4489C-0E22-4763-8368-D72E1C7E2548}">
+      <dgm:prSet/>
+      <dgm:spPr/>
+      <dgm:t>
+        <a:bodyPr/>
+        <a:lstStyle/>
+        <a:p>
+          <a:endParaRPr lang="en-US"/>
+        </a:p>
+      </dgm:t>
+    </dgm:pt>
+    <dgm:pt modelId="{CFCE1FD8-8C7B-4E28-B4FC-E4443F961126}" type="sibTrans" cxnId="{25B4489C-0E22-4763-8368-D72E1C7E2548}">
+      <dgm:prSet/>
+      <dgm:spPr/>
+      <dgm:t>
+        <a:bodyPr/>
+        <a:lstStyle/>
+        <a:p>
+          <a:endParaRPr lang="en-US"/>
+        </a:p>
+      </dgm:t>
+    </dgm:pt>
+    <dgm:pt modelId="{E795C10D-A9FF-4CD6-ACAD-7E1714721232}">
+      <dgm:prSet phldrT="[Text]"/>
+      <dgm:spPr/>
+      <dgm:t>
+        <a:bodyPr/>
+        <a:lstStyle/>
+        <a:p>
+          <a:r>
+            <a:rPr lang="en-US"/>
+            <a:t>November</a:t>
+          </a:r>
+        </a:p>
+      </dgm:t>
+    </dgm:pt>
+    <dgm:pt modelId="{AF156AA3-1C88-4CAA-8FF9-EA4DCDDD5B3E}" type="parTrans" cxnId="{F96CF2E1-C226-4A29-8910-7C1049A6E58E}">
+      <dgm:prSet/>
+      <dgm:spPr/>
+      <dgm:t>
+        <a:bodyPr/>
+        <a:lstStyle/>
+        <a:p>
+          <a:endParaRPr lang="en-US"/>
+        </a:p>
+      </dgm:t>
+    </dgm:pt>
+    <dgm:pt modelId="{4BD4FA73-E0A4-4EDC-8C79-7649088B4BDA}" type="sibTrans" cxnId="{F96CF2E1-C226-4A29-8910-7C1049A6E58E}">
+      <dgm:prSet/>
+      <dgm:spPr/>
+      <dgm:t>
+        <a:bodyPr/>
+        <a:lstStyle/>
+        <a:p>
+          <a:endParaRPr lang="en-US"/>
+        </a:p>
+      </dgm:t>
+    </dgm:pt>
+    <dgm:pt modelId="{0C690963-C99A-4256-84F3-C75782EDCF5A}">
+      <dgm:prSet phldrT="[Text]"/>
+      <dgm:spPr/>
+      <dgm:t>
+        <a:bodyPr/>
+        <a:lstStyle/>
+        <a:p>
+          <a:r>
+            <a:rPr lang="en-US"/>
+            <a:t>December</a:t>
+          </a:r>
+        </a:p>
+      </dgm:t>
+    </dgm:pt>
+    <dgm:pt modelId="{EA7F451C-2E2E-43FD-85F3-A6C20F6564D3}" type="parTrans" cxnId="{73E991B0-E2BA-43BC-8BDC-5E8B11F7B553}">
+      <dgm:prSet/>
+      <dgm:spPr/>
+      <dgm:t>
+        <a:bodyPr/>
+        <a:lstStyle/>
+        <a:p>
+          <a:endParaRPr lang="en-US"/>
+        </a:p>
+      </dgm:t>
+    </dgm:pt>
+    <dgm:pt modelId="{9DCDDE4A-BC80-46B0-AB29-970A3DB117D4}" type="sibTrans" cxnId="{73E991B0-E2BA-43BC-8BDC-5E8B11F7B553}">
+      <dgm:prSet/>
+      <dgm:spPr/>
+      <dgm:t>
+        <a:bodyPr/>
+        <a:lstStyle/>
+        <a:p>
+          <a:endParaRPr lang="en-US"/>
+        </a:p>
+      </dgm:t>
+    </dgm:pt>
+    <dgm:pt modelId="{2A12CDF9-54C3-405E-9CED-E29A5472FD5A}">
+      <dgm:prSet phldrT="[Text]"/>
+      <dgm:spPr/>
+      <dgm:t>
+        <a:bodyPr/>
+        <a:lstStyle/>
+        <a:p>
+          <a:r>
+            <a:rPr lang="en-US"/>
+            <a:t>January</a:t>
+          </a:r>
+        </a:p>
+      </dgm:t>
+    </dgm:pt>
+    <dgm:pt modelId="{C89DC828-33B8-44E8-AB76-97877C341F60}" type="parTrans" cxnId="{0B93966C-DC67-4292-AE50-775B6B386496}">
+      <dgm:prSet/>
+      <dgm:spPr/>
+      <dgm:t>
+        <a:bodyPr/>
+        <a:lstStyle/>
+        <a:p>
+          <a:endParaRPr lang="en-US"/>
+        </a:p>
+      </dgm:t>
+    </dgm:pt>
+    <dgm:pt modelId="{B733FB6F-387F-41A6-B8EF-DCCFD936A129}" type="sibTrans" cxnId="{0B93966C-DC67-4292-AE50-775B6B386496}">
+      <dgm:prSet/>
+      <dgm:spPr/>
+      <dgm:t>
+        <a:bodyPr/>
+        <a:lstStyle/>
+        <a:p>
+          <a:endParaRPr lang="en-US"/>
+        </a:p>
+      </dgm:t>
+    </dgm:pt>
+    <dgm:pt modelId="{A18770F7-DCCE-4179-869D-3EDB733792D8}">
+      <dgm:prSet phldrT="[Text]"/>
+      <dgm:spPr/>
+      <dgm:t>
+        <a:bodyPr/>
+        <a:lstStyle/>
+        <a:p>
+          <a:r>
+            <a:rPr lang="en-US"/>
+            <a:t>Finish and publish product</a:t>
+          </a:r>
+        </a:p>
+      </dgm:t>
+    </dgm:pt>
+    <dgm:pt modelId="{D7B74FC0-3D45-48A4-8848-98F618F21C49}" type="parTrans" cxnId="{DB056220-71AB-4010-9D9D-B3047120BB83}">
+      <dgm:prSet/>
+      <dgm:spPr/>
+      <dgm:t>
+        <a:bodyPr/>
+        <a:lstStyle/>
+        <a:p>
+          <a:endParaRPr lang="en-US"/>
+        </a:p>
+      </dgm:t>
+    </dgm:pt>
+    <dgm:pt modelId="{2248A4FE-C6C0-4C9D-A9AE-AE4561212394}" type="sibTrans" cxnId="{DB056220-71AB-4010-9D9D-B3047120BB83}">
+      <dgm:prSet/>
+      <dgm:spPr/>
+      <dgm:t>
+        <a:bodyPr/>
+        <a:lstStyle/>
+        <a:p>
+          <a:endParaRPr lang="en-US"/>
+        </a:p>
+      </dgm:t>
+    </dgm:pt>
+    <dgm:pt modelId="{B6F65F3A-EF69-45C7-BDAB-6DC82466B236}">
+      <dgm:prSet phldrT="[Text]"/>
+      <dgm:spPr/>
+      <dgm:t>
+        <a:bodyPr/>
+        <a:lstStyle/>
+        <a:p>
+          <a:r>
+            <a:rPr lang="en-US"/>
+            <a:t>Advertise on Wescoe Beach</a:t>
+          </a:r>
+        </a:p>
+      </dgm:t>
+    </dgm:pt>
+    <dgm:pt modelId="{4EEEA542-F21A-46C4-9740-31F61AA60F73}" type="parTrans" cxnId="{43E0CB1C-3ECE-46E0-8B83-36ABD7C8D214}">
+      <dgm:prSet/>
+      <dgm:spPr/>
+      <dgm:t>
+        <a:bodyPr/>
+        <a:lstStyle/>
+        <a:p>
+          <a:endParaRPr lang="en-US"/>
+        </a:p>
+      </dgm:t>
+    </dgm:pt>
+    <dgm:pt modelId="{331BB716-140D-4F1C-99D1-289602BDA672}" type="sibTrans" cxnId="{43E0CB1C-3ECE-46E0-8B83-36ABD7C8D214}">
+      <dgm:prSet/>
+      <dgm:spPr/>
+      <dgm:t>
+        <a:bodyPr/>
+        <a:lstStyle/>
+        <a:p>
+          <a:endParaRPr lang="en-US"/>
+        </a:p>
+      </dgm:t>
+    </dgm:pt>
+    <dgm:pt modelId="{09598DF5-FD39-4CB5-9EC5-99551F2FDE11}">
+      <dgm:prSet phldrT="[Text]"/>
+      <dgm:spPr/>
+      <dgm:t>
+        <a:bodyPr/>
+        <a:lstStyle/>
+        <a:p>
+          <a:r>
+            <a:rPr lang="en-US"/>
+            <a:t>Finalize Internet Banner and App</a:t>
+          </a:r>
+        </a:p>
+      </dgm:t>
+    </dgm:pt>
+    <dgm:pt modelId="{A0336756-0554-4C31-B867-012E74F3393F}" type="parTrans" cxnId="{EFE97712-2DC1-4F16-9BC3-D7BD88DAF8DC}">
+      <dgm:prSet/>
+      <dgm:spPr/>
+      <dgm:t>
+        <a:bodyPr/>
+        <a:lstStyle/>
+        <a:p>
+          <a:endParaRPr lang="en-US"/>
+        </a:p>
+      </dgm:t>
+    </dgm:pt>
+    <dgm:pt modelId="{D248E9BF-DF39-4DFB-B05D-DCAB228894FE}" type="sibTrans" cxnId="{EFE97712-2DC1-4F16-9BC3-D7BD88DAF8DC}">
+      <dgm:prSet/>
+      <dgm:spPr/>
+      <dgm:t>
+        <a:bodyPr/>
+        <a:lstStyle/>
+        <a:p>
+          <a:endParaRPr lang="en-US"/>
+        </a:p>
+      </dgm:t>
+    </dgm:pt>
+    <dgm:pt modelId="{AE8CB98D-D6C9-442B-BEF9-44F40E03B704}">
+      <dgm:prSet phldrT="[Text]"/>
+      <dgm:spPr/>
+      <dgm:t>
+        <a:bodyPr/>
+        <a:lstStyle/>
+        <a:p>
+          <a:r>
+            <a:rPr lang="en-US"/>
+            <a:t>Start Advertise on Other Websites</a:t>
+          </a:r>
+        </a:p>
+      </dgm:t>
+    </dgm:pt>
+    <dgm:pt modelId="{0C9D6037-7969-4B0D-8EFD-EBD00EC4C216}" type="parTrans" cxnId="{E581BA94-9488-4817-BA27-45449175260C}">
+      <dgm:prSet/>
+      <dgm:spPr/>
+      <dgm:t>
+        <a:bodyPr/>
+        <a:lstStyle/>
+        <a:p>
+          <a:endParaRPr lang="en-US"/>
+        </a:p>
+      </dgm:t>
+    </dgm:pt>
+    <dgm:pt modelId="{03236A27-C9DC-4D4C-A2D3-C74FC28715B4}" type="sibTrans" cxnId="{E581BA94-9488-4817-BA27-45449175260C}">
+      <dgm:prSet/>
+      <dgm:spPr/>
+      <dgm:t>
+        <a:bodyPr/>
+        <a:lstStyle/>
+        <a:p>
+          <a:endParaRPr lang="en-US"/>
+        </a:p>
+      </dgm:t>
+    </dgm:pt>
+    <dgm:pt modelId="{3568DEA4-98F4-46DE-A199-C73149E1CCE9}">
+      <dgm:prSet phldrT="[Text]"/>
+      <dgm:spPr/>
+      <dgm:t>
+        <a:bodyPr/>
+        <a:lstStyle/>
+        <a:p>
+          <a:r>
+            <a:rPr lang="en-US"/>
+            <a:t>Launch App on Amazon App Store</a:t>
+          </a:r>
+        </a:p>
+      </dgm:t>
+    </dgm:pt>
+    <dgm:pt modelId="{526C632D-70DF-491F-8F93-8F18F1D2EAA5}" type="parTrans" cxnId="{F732751E-6F69-4F47-AB47-C1F9ECF20A2C}">
+      <dgm:prSet/>
+      <dgm:spPr/>
+      <dgm:t>
+        <a:bodyPr/>
+        <a:lstStyle/>
+        <a:p>
+          <a:endParaRPr lang="en-US"/>
+        </a:p>
+      </dgm:t>
+    </dgm:pt>
+    <dgm:pt modelId="{2FFDF4C2-A284-452F-B83B-489F74309113}" type="sibTrans" cxnId="{F732751E-6F69-4F47-AB47-C1F9ECF20A2C}">
+      <dgm:prSet/>
+      <dgm:spPr/>
+      <dgm:t>
+        <a:bodyPr/>
+        <a:lstStyle/>
+        <a:p>
+          <a:endParaRPr lang="en-US"/>
+        </a:p>
+      </dgm:t>
+    </dgm:pt>
+    <dgm:pt modelId="{2B914022-8D75-4A9E-BB04-5AA37E5DE9E8}">
+      <dgm:prSet phldrT="[Text]" custT="1"/>
+      <dgm:spPr/>
+      <dgm:t>
+        <a:bodyPr/>
+        <a:lstStyle/>
+        <a:p>
+          <a:r>
+            <a:rPr lang="en-US" sz="2000"/>
+            <a:t>Promote Workout Buddy at the Fit Expo</a:t>
+          </a:r>
+          <a:r>
+            <a:rPr lang="en-US" sz="2000">
+              <a:latin typeface="Times New Roman" panose="02020603050405020304" pitchFamily="18" charset="0"/>
+              <a:cs typeface="Times New Roman" panose="02020603050405020304" pitchFamily="18" charset="0"/>
+            </a:rPr>
+            <a:t>™</a:t>
+          </a:r>
+          <a:endParaRPr lang="en-US" sz="2000"/>
+        </a:p>
+      </dgm:t>
+    </dgm:pt>
+    <dgm:pt modelId="{7F192FE3-0032-48AD-97B9-5ED175B2912A}" type="parTrans" cxnId="{F4FA8B70-2E2B-49AA-AD1B-D34C360FA45A}">
+      <dgm:prSet/>
+      <dgm:spPr/>
+      <dgm:t>
+        <a:bodyPr/>
+        <a:lstStyle/>
+        <a:p>
+          <a:endParaRPr lang="en-US"/>
+        </a:p>
+      </dgm:t>
+    </dgm:pt>
+    <dgm:pt modelId="{C48061CC-5C2D-44DE-BAFB-D5D64CF78F53}" type="sibTrans" cxnId="{F4FA8B70-2E2B-49AA-AD1B-D34C360FA45A}">
+      <dgm:prSet/>
+      <dgm:spPr/>
+      <dgm:t>
+        <a:bodyPr/>
+        <a:lstStyle/>
+        <a:p>
+          <a:endParaRPr lang="en-US"/>
+        </a:p>
+      </dgm:t>
+    </dgm:pt>
+    <dgm:pt modelId="{1C755A74-1203-4148-9F18-46E0E160683C}" type="pres">
+      <dgm:prSet presAssocID="{AF7DFD7E-9A16-4628-8E23-A118C5592846}" presName="linearFlow" presStyleCnt="0">
+        <dgm:presLayoutVars>
+          <dgm:dir/>
+          <dgm:animLvl val="lvl"/>
+          <dgm:resizeHandles val="exact"/>
+        </dgm:presLayoutVars>
+      </dgm:prSet>
+      <dgm:spPr/>
+    </dgm:pt>
+    <dgm:pt modelId="{65A33BC2-D41E-4E51-ACBB-3F054CCEB442}" type="pres">
+      <dgm:prSet presAssocID="{4087DDC9-0D62-422E-86FA-37F5FAA2F40E}" presName="composite" presStyleCnt="0"/>
+      <dgm:spPr/>
+    </dgm:pt>
+    <dgm:pt modelId="{8DC59275-E945-466E-BFD0-F17688E2AEEF}" type="pres">
+      <dgm:prSet presAssocID="{4087DDC9-0D62-422E-86FA-37F5FAA2F40E}" presName="parentText" presStyleLbl="alignNode1" presStyleIdx="0" presStyleCnt="6">
+        <dgm:presLayoutVars>
+          <dgm:chMax val="1"/>
+          <dgm:bulletEnabled val="1"/>
+        </dgm:presLayoutVars>
+      </dgm:prSet>
+      <dgm:spPr/>
+      <dgm:t>
+        <a:bodyPr/>
+        <a:lstStyle/>
+        <a:p>
+          <a:endParaRPr lang="en-US"/>
+        </a:p>
+      </dgm:t>
+    </dgm:pt>
+    <dgm:pt modelId="{70017266-FF61-4E1B-8009-202161DB4AB8}" type="pres">
+      <dgm:prSet presAssocID="{4087DDC9-0D62-422E-86FA-37F5FAA2F40E}" presName="descendantText" presStyleLbl="alignAcc1" presStyleIdx="0" presStyleCnt="6">
+        <dgm:presLayoutVars>
+          <dgm:bulletEnabled val="1"/>
+        </dgm:presLayoutVars>
+      </dgm:prSet>
+      <dgm:spPr/>
+      <dgm:t>
+        <a:bodyPr/>
+        <a:lstStyle/>
+        <a:p>
+          <a:endParaRPr lang="en-US"/>
+        </a:p>
+      </dgm:t>
+    </dgm:pt>
+    <dgm:pt modelId="{E8912721-BD0B-4592-A217-13074FFB7E90}" type="pres">
+      <dgm:prSet presAssocID="{1439D019-205C-4C2B-AFEA-F58D0CE5B029}" presName="sp" presStyleCnt="0"/>
+      <dgm:spPr/>
+    </dgm:pt>
+    <dgm:pt modelId="{5B48215C-4FE5-40C6-84B3-56D162578037}" type="pres">
+      <dgm:prSet presAssocID="{EC892054-F040-4287-89CD-A04CC0A0F2E5}" presName="composite" presStyleCnt="0"/>
+      <dgm:spPr/>
+    </dgm:pt>
+    <dgm:pt modelId="{01D7A17F-EA3F-4DD4-8DD2-4F281BC75D23}" type="pres">
+      <dgm:prSet presAssocID="{EC892054-F040-4287-89CD-A04CC0A0F2E5}" presName="parentText" presStyleLbl="alignNode1" presStyleIdx="1" presStyleCnt="6">
+        <dgm:presLayoutVars>
+          <dgm:chMax val="1"/>
+          <dgm:bulletEnabled val="1"/>
+        </dgm:presLayoutVars>
+      </dgm:prSet>
+      <dgm:spPr/>
+      <dgm:t>
+        <a:bodyPr/>
+        <a:lstStyle/>
+        <a:p>
+          <a:endParaRPr lang="en-US"/>
+        </a:p>
+      </dgm:t>
+    </dgm:pt>
+    <dgm:pt modelId="{7B310177-EC72-481A-A084-E731C2C10A99}" type="pres">
+      <dgm:prSet presAssocID="{EC892054-F040-4287-89CD-A04CC0A0F2E5}" presName="descendantText" presStyleLbl="alignAcc1" presStyleIdx="1" presStyleCnt="6">
+        <dgm:presLayoutVars>
+          <dgm:bulletEnabled val="1"/>
+        </dgm:presLayoutVars>
+      </dgm:prSet>
+      <dgm:spPr/>
+      <dgm:t>
+        <a:bodyPr/>
+        <a:lstStyle/>
+        <a:p>
+          <a:endParaRPr lang="en-US"/>
+        </a:p>
+      </dgm:t>
+    </dgm:pt>
+    <dgm:pt modelId="{CEC82B07-762D-4146-9CAD-647964649F20}" type="pres">
+      <dgm:prSet presAssocID="{588A5B50-1ED2-4AB2-96C7-46F6569C318E}" presName="sp" presStyleCnt="0"/>
+      <dgm:spPr/>
+    </dgm:pt>
+    <dgm:pt modelId="{DF8746E1-1552-4662-B893-920D304FECC4}" type="pres">
+      <dgm:prSet presAssocID="{63AAB755-9F61-4CB1-AF76-078C74E6E4B2}" presName="composite" presStyleCnt="0"/>
+      <dgm:spPr/>
+    </dgm:pt>
+    <dgm:pt modelId="{502862AB-C42E-4CEA-9658-E48C1351D6DF}" type="pres">
+      <dgm:prSet presAssocID="{63AAB755-9F61-4CB1-AF76-078C74E6E4B2}" presName="parentText" presStyleLbl="alignNode1" presStyleIdx="2" presStyleCnt="6">
+        <dgm:presLayoutVars>
+          <dgm:chMax val="1"/>
+          <dgm:bulletEnabled val="1"/>
+        </dgm:presLayoutVars>
+      </dgm:prSet>
+      <dgm:spPr/>
+      <dgm:t>
+        <a:bodyPr/>
+        <a:lstStyle/>
+        <a:p>
+          <a:endParaRPr lang="en-US"/>
+        </a:p>
+      </dgm:t>
+    </dgm:pt>
+    <dgm:pt modelId="{68B0FF87-1A7E-43AD-8849-4DD0958B9D95}" type="pres">
+      <dgm:prSet presAssocID="{63AAB755-9F61-4CB1-AF76-078C74E6E4B2}" presName="descendantText" presStyleLbl="alignAcc1" presStyleIdx="2" presStyleCnt="6">
+        <dgm:presLayoutVars>
+          <dgm:bulletEnabled val="1"/>
+        </dgm:presLayoutVars>
+      </dgm:prSet>
+      <dgm:spPr/>
+      <dgm:t>
+        <a:bodyPr/>
+        <a:lstStyle/>
+        <a:p>
+          <a:endParaRPr lang="en-US"/>
+        </a:p>
+      </dgm:t>
+    </dgm:pt>
+    <dgm:pt modelId="{7A965016-F521-4C9A-9A36-7A8AC3E7FB11}" type="pres">
+      <dgm:prSet presAssocID="{CFCE1FD8-8C7B-4E28-B4FC-E4443F961126}" presName="sp" presStyleCnt="0"/>
+      <dgm:spPr/>
+    </dgm:pt>
+    <dgm:pt modelId="{CD7F8113-6B12-4884-95F3-F87BCA997535}" type="pres">
+      <dgm:prSet presAssocID="{E795C10D-A9FF-4CD6-ACAD-7E1714721232}" presName="composite" presStyleCnt="0"/>
+      <dgm:spPr/>
+    </dgm:pt>
+    <dgm:pt modelId="{08B71C12-2474-4965-962E-A8A7CD64A9DE}" type="pres">
+      <dgm:prSet presAssocID="{E795C10D-A9FF-4CD6-ACAD-7E1714721232}" presName="parentText" presStyleLbl="alignNode1" presStyleIdx="3" presStyleCnt="6">
+        <dgm:presLayoutVars>
+          <dgm:chMax val="1"/>
+          <dgm:bulletEnabled val="1"/>
+        </dgm:presLayoutVars>
+      </dgm:prSet>
+      <dgm:spPr/>
+      <dgm:t>
+        <a:bodyPr/>
+        <a:lstStyle/>
+        <a:p>
+          <a:endParaRPr lang="en-US"/>
+        </a:p>
+      </dgm:t>
+    </dgm:pt>
+    <dgm:pt modelId="{51D0B19D-522C-426A-ADD5-6EFD1FE1F4FF}" type="pres">
+      <dgm:prSet presAssocID="{E795C10D-A9FF-4CD6-ACAD-7E1714721232}" presName="descendantText" presStyleLbl="alignAcc1" presStyleIdx="3" presStyleCnt="6">
+        <dgm:presLayoutVars>
+          <dgm:bulletEnabled val="1"/>
+        </dgm:presLayoutVars>
+      </dgm:prSet>
+      <dgm:spPr/>
+      <dgm:t>
+        <a:bodyPr/>
+        <a:lstStyle/>
+        <a:p>
+          <a:endParaRPr lang="en-US"/>
+        </a:p>
+      </dgm:t>
+    </dgm:pt>
+    <dgm:pt modelId="{BCA9BC83-53C1-4F20-98A0-DF077BC448F9}" type="pres">
+      <dgm:prSet presAssocID="{4BD4FA73-E0A4-4EDC-8C79-7649088B4BDA}" presName="sp" presStyleCnt="0"/>
+      <dgm:spPr/>
+    </dgm:pt>
+    <dgm:pt modelId="{9331573D-7787-4468-A81E-3C639A5AD19F}" type="pres">
+      <dgm:prSet presAssocID="{0C690963-C99A-4256-84F3-C75782EDCF5A}" presName="composite" presStyleCnt="0"/>
+      <dgm:spPr/>
+    </dgm:pt>
+    <dgm:pt modelId="{888CD793-DE9E-4902-AFFD-3C4EC569F421}" type="pres">
+      <dgm:prSet presAssocID="{0C690963-C99A-4256-84F3-C75782EDCF5A}" presName="parentText" presStyleLbl="alignNode1" presStyleIdx="4" presStyleCnt="6">
+        <dgm:presLayoutVars>
+          <dgm:chMax val="1"/>
+          <dgm:bulletEnabled val="1"/>
+        </dgm:presLayoutVars>
+      </dgm:prSet>
+      <dgm:spPr/>
+      <dgm:t>
+        <a:bodyPr/>
+        <a:lstStyle/>
+        <a:p>
+          <a:endParaRPr lang="en-US"/>
+        </a:p>
+      </dgm:t>
+    </dgm:pt>
+    <dgm:pt modelId="{B6AC5BA2-2E21-42FB-A6AE-8CAD30655012}" type="pres">
+      <dgm:prSet presAssocID="{0C690963-C99A-4256-84F3-C75782EDCF5A}" presName="descendantText" presStyleLbl="alignAcc1" presStyleIdx="4" presStyleCnt="6">
+        <dgm:presLayoutVars>
+          <dgm:bulletEnabled val="1"/>
+        </dgm:presLayoutVars>
+      </dgm:prSet>
+      <dgm:spPr/>
+      <dgm:t>
+        <a:bodyPr/>
+        <a:lstStyle/>
+        <a:p>
+          <a:endParaRPr lang="en-US"/>
+        </a:p>
+      </dgm:t>
+    </dgm:pt>
+    <dgm:pt modelId="{0E5C8B53-EB4A-4AB8-BC9C-F91C3614E9E8}" type="pres">
+      <dgm:prSet presAssocID="{9DCDDE4A-BC80-46B0-AB29-970A3DB117D4}" presName="sp" presStyleCnt="0"/>
+      <dgm:spPr/>
+    </dgm:pt>
+    <dgm:pt modelId="{2208644B-56C7-4D4A-ABF5-75DA2B77DA21}" type="pres">
+      <dgm:prSet presAssocID="{2A12CDF9-54C3-405E-9CED-E29A5472FD5A}" presName="composite" presStyleCnt="0"/>
+      <dgm:spPr/>
+    </dgm:pt>
+    <dgm:pt modelId="{F25141FA-3429-4490-8CAC-A304FD9721E4}" type="pres">
+      <dgm:prSet presAssocID="{2A12CDF9-54C3-405E-9CED-E29A5472FD5A}" presName="parentText" presStyleLbl="alignNode1" presStyleIdx="5" presStyleCnt="6">
+        <dgm:presLayoutVars>
+          <dgm:chMax val="1"/>
+          <dgm:bulletEnabled val="1"/>
+        </dgm:presLayoutVars>
+      </dgm:prSet>
+      <dgm:spPr/>
+      <dgm:t>
+        <a:bodyPr/>
+        <a:lstStyle/>
+        <a:p>
+          <a:endParaRPr lang="en-US"/>
+        </a:p>
+      </dgm:t>
+    </dgm:pt>
+    <dgm:pt modelId="{F853A8D1-9D81-4511-8A78-9357718A1F9A}" type="pres">
+      <dgm:prSet presAssocID="{2A12CDF9-54C3-405E-9CED-E29A5472FD5A}" presName="descendantText" presStyleLbl="alignAcc1" presStyleIdx="5" presStyleCnt="6">
+        <dgm:presLayoutVars>
+          <dgm:bulletEnabled val="1"/>
+        </dgm:presLayoutVars>
+      </dgm:prSet>
+      <dgm:spPr/>
+      <dgm:t>
+        <a:bodyPr/>
+        <a:lstStyle/>
+        <a:p>
+          <a:endParaRPr lang="en-US"/>
+        </a:p>
+      </dgm:t>
+    </dgm:pt>
+  </dgm:ptLst>
+  <dgm:cxnLst>
+    <dgm:cxn modelId="{F02AE5B1-3631-443E-8F9A-FCCF09B9246A}" type="presOf" srcId="{63AAB755-9F61-4CB1-AF76-078C74E6E4B2}" destId="{502862AB-C42E-4CEA-9658-E48C1351D6DF}" srcOrd="0" destOrd="0" presId="urn:microsoft.com/office/officeart/2005/8/layout/chevron2"/>
+    <dgm:cxn modelId="{5AE23D04-7932-4842-9DEF-42BF6A52180B}" type="presOf" srcId="{09598DF5-FD39-4CB5-9EC5-99551F2FDE11}" destId="{68B0FF87-1A7E-43AD-8849-4DD0958B9D95}" srcOrd="0" destOrd="0" presId="urn:microsoft.com/office/officeart/2005/8/layout/chevron2"/>
+    <dgm:cxn modelId="{73E991B0-E2BA-43BC-8BDC-5E8B11F7B553}" srcId="{AF7DFD7E-9A16-4628-8E23-A118C5592846}" destId="{0C690963-C99A-4256-84F3-C75782EDCF5A}" srcOrd="4" destOrd="0" parTransId="{EA7F451C-2E2E-43FD-85F3-A6C20F6564D3}" sibTransId="{9DCDDE4A-BC80-46B0-AB29-970A3DB117D4}"/>
+    <dgm:cxn modelId="{C196DEBD-0187-4A0E-B407-D69A06A2D277}" type="presOf" srcId="{EC892054-F040-4287-89CD-A04CC0A0F2E5}" destId="{01D7A17F-EA3F-4DD4-8DD2-4F281BC75D23}" srcOrd="0" destOrd="0" presId="urn:microsoft.com/office/officeart/2005/8/layout/chevron2"/>
+    <dgm:cxn modelId="{F732751E-6F69-4F47-AB47-C1F9ECF20A2C}" srcId="{0C690963-C99A-4256-84F3-C75782EDCF5A}" destId="{3568DEA4-98F4-46DE-A199-C73149E1CCE9}" srcOrd="0" destOrd="0" parTransId="{526C632D-70DF-491F-8F93-8F18F1D2EAA5}" sibTransId="{2FFDF4C2-A284-452F-B83B-489F74309113}"/>
+    <dgm:cxn modelId="{1D3B2FB8-95B0-41A1-B6DA-8514F2D8CDD7}" type="presOf" srcId="{2B914022-8D75-4A9E-BB04-5AA37E5DE9E8}" destId="{F853A8D1-9D81-4511-8A78-9357718A1F9A}" srcOrd="0" destOrd="0" presId="urn:microsoft.com/office/officeart/2005/8/layout/chevron2"/>
+    <dgm:cxn modelId="{E581BA94-9488-4817-BA27-45449175260C}" srcId="{E795C10D-A9FF-4CD6-ACAD-7E1714721232}" destId="{AE8CB98D-D6C9-442B-BEF9-44F40E03B704}" srcOrd="0" destOrd="0" parTransId="{0C9D6037-7969-4B0D-8EFD-EBD00EC4C216}" sibTransId="{03236A27-C9DC-4D4C-A2D3-C74FC28715B4}"/>
+    <dgm:cxn modelId="{CE850373-3502-4FFE-8EB1-FA4FAEA1A626}" srcId="{AF7DFD7E-9A16-4628-8E23-A118C5592846}" destId="{EC892054-F040-4287-89CD-A04CC0A0F2E5}" srcOrd="1" destOrd="0" parTransId="{8658DF41-9709-402A-BD5E-892EB241071B}" sibTransId="{588A5B50-1ED2-4AB2-96C7-46F6569C318E}"/>
+    <dgm:cxn modelId="{3BC78D1B-F6AF-4716-A8D5-0015E991B2DC}" srcId="{AF7DFD7E-9A16-4628-8E23-A118C5592846}" destId="{4087DDC9-0D62-422E-86FA-37F5FAA2F40E}" srcOrd="0" destOrd="0" parTransId="{766D7D79-29B4-4F8C-B71F-ADE6490741E8}" sibTransId="{1439D019-205C-4C2B-AFEA-F58D0CE5B029}"/>
+    <dgm:cxn modelId="{EFE97712-2DC1-4F16-9BC3-D7BD88DAF8DC}" srcId="{63AAB755-9F61-4CB1-AF76-078C74E6E4B2}" destId="{09598DF5-FD39-4CB5-9EC5-99551F2FDE11}" srcOrd="0" destOrd="0" parTransId="{A0336756-0554-4C31-B867-012E74F3393F}" sibTransId="{D248E9BF-DF39-4DFB-B05D-DCAB228894FE}"/>
+    <dgm:cxn modelId="{43E0CB1C-3ECE-46E0-8B83-36ABD7C8D214}" srcId="{EC892054-F040-4287-89CD-A04CC0A0F2E5}" destId="{B6F65F3A-EF69-45C7-BDAB-6DC82466B236}" srcOrd="0" destOrd="0" parTransId="{4EEEA542-F21A-46C4-9740-31F61AA60F73}" sibTransId="{331BB716-140D-4F1C-99D1-289602BDA672}"/>
+    <dgm:cxn modelId="{F1D411AD-BF95-4747-BCE5-45690C5CDAEB}" type="presOf" srcId="{AF7DFD7E-9A16-4628-8E23-A118C5592846}" destId="{1C755A74-1203-4148-9F18-46E0E160683C}" srcOrd="0" destOrd="0" presId="urn:microsoft.com/office/officeart/2005/8/layout/chevron2"/>
+    <dgm:cxn modelId="{0B93966C-DC67-4292-AE50-775B6B386496}" srcId="{AF7DFD7E-9A16-4628-8E23-A118C5592846}" destId="{2A12CDF9-54C3-405E-9CED-E29A5472FD5A}" srcOrd="5" destOrd="0" parTransId="{C89DC828-33B8-44E8-AB76-97877C341F60}" sibTransId="{B733FB6F-387F-41A6-B8EF-DCCFD936A129}"/>
+    <dgm:cxn modelId="{D079E4F7-416F-437B-A29D-54DA7B4019F6}" type="presOf" srcId="{B6F65F3A-EF69-45C7-BDAB-6DC82466B236}" destId="{7B310177-EC72-481A-A084-E731C2C10A99}" srcOrd="0" destOrd="0" presId="urn:microsoft.com/office/officeart/2005/8/layout/chevron2"/>
+    <dgm:cxn modelId="{25B4489C-0E22-4763-8368-D72E1C7E2548}" srcId="{AF7DFD7E-9A16-4628-8E23-A118C5592846}" destId="{63AAB755-9F61-4CB1-AF76-078C74E6E4B2}" srcOrd="2" destOrd="0" parTransId="{A66A13DC-B894-49F1-88D1-F8EF3D775AAD}" sibTransId="{CFCE1FD8-8C7B-4E28-B4FC-E4443F961126}"/>
+    <dgm:cxn modelId="{C559C49F-6A92-4F16-96D9-06A6CFA30308}" type="presOf" srcId="{E795C10D-A9FF-4CD6-ACAD-7E1714721232}" destId="{08B71C12-2474-4965-962E-A8A7CD64A9DE}" srcOrd="0" destOrd="0" presId="urn:microsoft.com/office/officeart/2005/8/layout/chevron2"/>
+    <dgm:cxn modelId="{F4FA8B70-2E2B-49AA-AD1B-D34C360FA45A}" srcId="{2A12CDF9-54C3-405E-9CED-E29A5472FD5A}" destId="{2B914022-8D75-4A9E-BB04-5AA37E5DE9E8}" srcOrd="0" destOrd="0" parTransId="{7F192FE3-0032-48AD-97B9-5ED175B2912A}" sibTransId="{C48061CC-5C2D-44DE-BAFB-D5D64CF78F53}"/>
+    <dgm:cxn modelId="{F96CF2E1-C226-4A29-8910-7C1049A6E58E}" srcId="{AF7DFD7E-9A16-4628-8E23-A118C5592846}" destId="{E795C10D-A9FF-4CD6-ACAD-7E1714721232}" srcOrd="3" destOrd="0" parTransId="{AF156AA3-1C88-4CAA-8FF9-EA4DCDDD5B3E}" sibTransId="{4BD4FA73-E0A4-4EDC-8C79-7649088B4BDA}"/>
+    <dgm:cxn modelId="{DBF5FD11-62C2-49AB-B7E6-FB26C49037A9}" type="presOf" srcId="{2A12CDF9-54C3-405E-9CED-E29A5472FD5A}" destId="{F25141FA-3429-4490-8CAC-A304FD9721E4}" srcOrd="0" destOrd="0" presId="urn:microsoft.com/office/officeart/2005/8/layout/chevron2"/>
+    <dgm:cxn modelId="{02540A6B-0347-4FE1-830D-B746D6C1F246}" type="presOf" srcId="{AE8CB98D-D6C9-442B-BEF9-44F40E03B704}" destId="{51D0B19D-522C-426A-ADD5-6EFD1FE1F4FF}" srcOrd="0" destOrd="0" presId="urn:microsoft.com/office/officeart/2005/8/layout/chevron2"/>
+    <dgm:cxn modelId="{E6A093DB-D46B-4A62-A4EE-73E0B5CA7058}" type="presOf" srcId="{4087DDC9-0D62-422E-86FA-37F5FAA2F40E}" destId="{8DC59275-E945-466E-BFD0-F17688E2AEEF}" srcOrd="0" destOrd="0" presId="urn:microsoft.com/office/officeart/2005/8/layout/chevron2"/>
+    <dgm:cxn modelId="{DEE81E70-0A03-4466-B08A-DC15357E3ECD}" type="presOf" srcId="{A18770F7-DCCE-4179-869D-3EDB733792D8}" destId="{70017266-FF61-4E1B-8009-202161DB4AB8}" srcOrd="0" destOrd="0" presId="urn:microsoft.com/office/officeart/2005/8/layout/chevron2"/>
+    <dgm:cxn modelId="{DB056220-71AB-4010-9D9D-B3047120BB83}" srcId="{4087DDC9-0D62-422E-86FA-37F5FAA2F40E}" destId="{A18770F7-DCCE-4179-869D-3EDB733792D8}" srcOrd="0" destOrd="0" parTransId="{D7B74FC0-3D45-48A4-8848-98F618F21C49}" sibTransId="{2248A4FE-C6C0-4C9D-A9AE-AE4561212394}"/>
+    <dgm:cxn modelId="{B3FA604B-8FE7-402A-9A40-662AFB787A6B}" type="presOf" srcId="{0C690963-C99A-4256-84F3-C75782EDCF5A}" destId="{888CD793-DE9E-4902-AFFD-3C4EC569F421}" srcOrd="0" destOrd="0" presId="urn:microsoft.com/office/officeart/2005/8/layout/chevron2"/>
+    <dgm:cxn modelId="{AB312B9B-C184-4FBC-8925-ED1C44BF28FF}" type="presOf" srcId="{3568DEA4-98F4-46DE-A199-C73149E1CCE9}" destId="{B6AC5BA2-2E21-42FB-A6AE-8CAD30655012}" srcOrd="0" destOrd="0" presId="urn:microsoft.com/office/officeart/2005/8/layout/chevron2"/>
+    <dgm:cxn modelId="{CEBA4F1F-B99A-4030-BFD2-147CE87CD56A}" type="presParOf" srcId="{1C755A74-1203-4148-9F18-46E0E160683C}" destId="{65A33BC2-D41E-4E51-ACBB-3F054CCEB442}" srcOrd="0" destOrd="0" presId="urn:microsoft.com/office/officeart/2005/8/layout/chevron2"/>
+    <dgm:cxn modelId="{E721A4D6-95A7-4150-9785-ABCEB6B37211}" type="presParOf" srcId="{65A33BC2-D41E-4E51-ACBB-3F054CCEB442}" destId="{8DC59275-E945-466E-BFD0-F17688E2AEEF}" srcOrd="0" destOrd="0" presId="urn:microsoft.com/office/officeart/2005/8/layout/chevron2"/>
+    <dgm:cxn modelId="{11608701-06B9-4BCD-82F8-63E116BC2AB7}" type="presParOf" srcId="{65A33BC2-D41E-4E51-ACBB-3F054CCEB442}" destId="{70017266-FF61-4E1B-8009-202161DB4AB8}" srcOrd="1" destOrd="0" presId="urn:microsoft.com/office/officeart/2005/8/layout/chevron2"/>
+    <dgm:cxn modelId="{1EA3C86C-89C8-44C6-A54C-45E08378FEF3}" type="presParOf" srcId="{1C755A74-1203-4148-9F18-46E0E160683C}" destId="{E8912721-BD0B-4592-A217-13074FFB7E90}" srcOrd="1" destOrd="0" presId="urn:microsoft.com/office/officeart/2005/8/layout/chevron2"/>
+    <dgm:cxn modelId="{3702BED6-30F4-4AA0-A960-9A182E755617}" type="presParOf" srcId="{1C755A74-1203-4148-9F18-46E0E160683C}" destId="{5B48215C-4FE5-40C6-84B3-56D162578037}" srcOrd="2" destOrd="0" presId="urn:microsoft.com/office/officeart/2005/8/layout/chevron2"/>
+    <dgm:cxn modelId="{3DB93F5E-C883-4E2A-8212-C2ED65C2DA93}" type="presParOf" srcId="{5B48215C-4FE5-40C6-84B3-56D162578037}" destId="{01D7A17F-EA3F-4DD4-8DD2-4F281BC75D23}" srcOrd="0" destOrd="0" presId="urn:microsoft.com/office/officeart/2005/8/layout/chevron2"/>
+    <dgm:cxn modelId="{7401E956-C601-43CC-87B7-3A8B0B25A75B}" type="presParOf" srcId="{5B48215C-4FE5-40C6-84B3-56D162578037}" destId="{7B310177-EC72-481A-A084-E731C2C10A99}" srcOrd="1" destOrd="0" presId="urn:microsoft.com/office/officeart/2005/8/layout/chevron2"/>
+    <dgm:cxn modelId="{36CB8D46-DAB7-47C8-A436-89E2C3B42CFA}" type="presParOf" srcId="{1C755A74-1203-4148-9F18-46E0E160683C}" destId="{CEC82B07-762D-4146-9CAD-647964649F20}" srcOrd="3" destOrd="0" presId="urn:microsoft.com/office/officeart/2005/8/layout/chevron2"/>
+    <dgm:cxn modelId="{9E0E8389-46D6-4900-B930-EAB1C11EE809}" type="presParOf" srcId="{1C755A74-1203-4148-9F18-46E0E160683C}" destId="{DF8746E1-1552-4662-B893-920D304FECC4}" srcOrd="4" destOrd="0" presId="urn:microsoft.com/office/officeart/2005/8/layout/chevron2"/>
+    <dgm:cxn modelId="{D8A8D2B5-198F-4BA7-A450-01F6DD21B862}" type="presParOf" srcId="{DF8746E1-1552-4662-B893-920D304FECC4}" destId="{502862AB-C42E-4CEA-9658-E48C1351D6DF}" srcOrd="0" destOrd="0" presId="urn:microsoft.com/office/officeart/2005/8/layout/chevron2"/>
+    <dgm:cxn modelId="{6F06607A-C4CF-4D68-9ABC-BCB81EF9E560}" type="presParOf" srcId="{DF8746E1-1552-4662-B893-920D304FECC4}" destId="{68B0FF87-1A7E-43AD-8849-4DD0958B9D95}" srcOrd="1" destOrd="0" presId="urn:microsoft.com/office/officeart/2005/8/layout/chevron2"/>
+    <dgm:cxn modelId="{2B761941-6963-449B-97D2-BF1E827B9E93}" type="presParOf" srcId="{1C755A74-1203-4148-9F18-46E0E160683C}" destId="{7A965016-F521-4C9A-9A36-7A8AC3E7FB11}" srcOrd="5" destOrd="0" presId="urn:microsoft.com/office/officeart/2005/8/layout/chevron2"/>
+    <dgm:cxn modelId="{CB7BA0C4-FC7D-4D6E-95D6-E95E9909E6C1}" type="presParOf" srcId="{1C755A74-1203-4148-9F18-46E0E160683C}" destId="{CD7F8113-6B12-4884-95F3-F87BCA997535}" srcOrd="6" destOrd="0" presId="urn:microsoft.com/office/officeart/2005/8/layout/chevron2"/>
+    <dgm:cxn modelId="{A82C34C0-D949-4E74-8C15-73153F8FC031}" type="presParOf" srcId="{CD7F8113-6B12-4884-95F3-F87BCA997535}" destId="{08B71C12-2474-4965-962E-A8A7CD64A9DE}" srcOrd="0" destOrd="0" presId="urn:microsoft.com/office/officeart/2005/8/layout/chevron2"/>
+    <dgm:cxn modelId="{25CBFB20-2A97-4431-A1B9-EFA79FA5CD80}" type="presParOf" srcId="{CD7F8113-6B12-4884-95F3-F87BCA997535}" destId="{51D0B19D-522C-426A-ADD5-6EFD1FE1F4FF}" srcOrd="1" destOrd="0" presId="urn:microsoft.com/office/officeart/2005/8/layout/chevron2"/>
+    <dgm:cxn modelId="{BB9FF474-8639-4246-82EB-1A4476433706}" type="presParOf" srcId="{1C755A74-1203-4148-9F18-46E0E160683C}" destId="{BCA9BC83-53C1-4F20-98A0-DF077BC448F9}" srcOrd="7" destOrd="0" presId="urn:microsoft.com/office/officeart/2005/8/layout/chevron2"/>
+    <dgm:cxn modelId="{33FF2EB6-851C-48A6-AB64-16E8ADB9A34D}" type="presParOf" srcId="{1C755A74-1203-4148-9F18-46E0E160683C}" destId="{9331573D-7787-4468-A81E-3C639A5AD19F}" srcOrd="8" destOrd="0" presId="urn:microsoft.com/office/officeart/2005/8/layout/chevron2"/>
+    <dgm:cxn modelId="{5783C778-FA17-4405-A6B5-1DD3A7551634}" type="presParOf" srcId="{9331573D-7787-4468-A81E-3C639A5AD19F}" destId="{888CD793-DE9E-4902-AFFD-3C4EC569F421}" srcOrd="0" destOrd="0" presId="urn:microsoft.com/office/officeart/2005/8/layout/chevron2"/>
+    <dgm:cxn modelId="{CEC35EC8-EC8A-48B4-9E8E-F771A421D847}" type="presParOf" srcId="{9331573D-7787-4468-A81E-3C639A5AD19F}" destId="{B6AC5BA2-2E21-42FB-A6AE-8CAD30655012}" srcOrd="1" destOrd="0" presId="urn:microsoft.com/office/officeart/2005/8/layout/chevron2"/>
+    <dgm:cxn modelId="{99890394-7225-44A9-A321-81A13A7CB619}" type="presParOf" srcId="{1C755A74-1203-4148-9F18-46E0E160683C}" destId="{0E5C8B53-EB4A-4AB8-BC9C-F91C3614E9E8}" srcOrd="9" destOrd="0" presId="urn:microsoft.com/office/officeart/2005/8/layout/chevron2"/>
+    <dgm:cxn modelId="{4E31286A-2D99-46E2-8E8B-D123E7886282}" type="presParOf" srcId="{1C755A74-1203-4148-9F18-46E0E160683C}" destId="{2208644B-56C7-4D4A-ABF5-75DA2B77DA21}" srcOrd="10" destOrd="0" presId="urn:microsoft.com/office/officeart/2005/8/layout/chevron2"/>
+    <dgm:cxn modelId="{65888734-E501-4EF2-8AD0-848261ED33F0}" type="presParOf" srcId="{2208644B-56C7-4D4A-ABF5-75DA2B77DA21}" destId="{F25141FA-3429-4490-8CAC-A304FD9721E4}" srcOrd="0" destOrd="0" presId="urn:microsoft.com/office/officeart/2005/8/layout/chevron2"/>
+    <dgm:cxn modelId="{8A2B7A57-0ED7-46A3-8FE5-2F7B883A5247}" type="presParOf" srcId="{2208644B-56C7-4D4A-ABF5-75DA2B77DA21}" destId="{F853A8D1-9D81-4511-8A78-9357718A1F9A}" srcOrd="1" destOrd="0" presId="urn:microsoft.com/office/officeart/2005/8/layout/chevron2"/>
+  </dgm:cxnLst>
+  <dgm:bg/>
+  <dgm:whole/>
+  <dgm:extLst>
+    <a:ext uri="http://schemas.microsoft.com/office/drawing/2008/diagram">
+      <dsp:dataModelExt xmlns:dsp="http://schemas.microsoft.com/office/drawing/2008/diagram" relId="rId7" minVer="http://schemas.openxmlformats.org/drawingml/2006/diagram"/>
+    </a:ext>
+  </dgm:extLst>
+</dgm:dataModel>
+</file>
+
+<file path=ppt/diagrams/drawing1.xml><?xml version="1.0" encoding="utf-8"?>
+<dsp:drawing xmlns:dgm="http://schemas.openxmlformats.org/drawingml/2006/diagram" xmlns:dsp="http://schemas.microsoft.com/office/drawing/2008/diagram" xmlns:a="http://schemas.openxmlformats.org/drawingml/2006/main">
+  <dsp:spTree>
+    <dsp:nvGrpSpPr>
+      <dsp:cNvPr id="0" name=""/>
+      <dsp:cNvGrpSpPr/>
+    </dsp:nvGrpSpPr>
+    <dsp:grpSpPr/>
+    <dsp:sp modelId="{8DC59275-E945-466E-BFD0-F17688E2AEEF}">
+      <dsp:nvSpPr>
+        <dsp:cNvPr id="0" name=""/>
+        <dsp:cNvSpPr/>
+      </dsp:nvSpPr>
+      <dsp:spPr>
+        <a:xfrm rot="5400000">
+          <a:off x="-127464" y="130077"/>
+          <a:ext cx="849762" cy="594833"/>
+        </a:xfrm>
+        <a:prstGeom prst="chevron">
+          <a:avLst/>
+        </a:prstGeom>
+        <a:solidFill>
+          <a:schemeClr val="accent1">
+            <a:hueOff val="0"/>
+            <a:satOff val="0"/>
+            <a:lumOff val="0"/>
+            <a:alphaOff val="0"/>
+          </a:schemeClr>
+        </a:solidFill>
+        <a:ln w="10795" cap="flat" cmpd="sng" algn="ctr">
+          <a:solidFill>
+            <a:schemeClr val="accent1">
+              <a:hueOff val="0"/>
+              <a:satOff val="0"/>
+              <a:lumOff val="0"/>
+              <a:alphaOff val="0"/>
+            </a:schemeClr>
+          </a:solidFill>
+          <a:prstDash val="solid"/>
+        </a:ln>
+        <a:effectLst/>
+      </dsp:spPr>
+      <dsp:style>
+        <a:lnRef idx="2">
+          <a:scrgbClr r="0" g="0" b="0"/>
+        </a:lnRef>
+        <a:fillRef idx="1">
+          <a:scrgbClr r="0" g="0" b="0"/>
+        </a:fillRef>
+        <a:effectRef idx="0">
+          <a:scrgbClr r="0" g="0" b="0"/>
+        </a:effectRef>
+        <a:fontRef idx="minor">
+          <a:schemeClr val="lt1"/>
+        </a:fontRef>
+      </dsp:style>
+      <dsp:txBody>
+        <a:bodyPr spcFirstLastPara="0" vert="horz" wrap="square" lIns="5715" tIns="5715" rIns="5715" bIns="5715" numCol="1" spcCol="1270" anchor="ctr" anchorCtr="0">
+          <a:noAutofit/>
+        </a:bodyPr>
+        <a:lstStyle/>
+        <a:p>
+          <a:pPr lvl="0" algn="ctr" defTabSz="400050">
+            <a:lnSpc>
+              <a:spcPct val="90000"/>
+            </a:lnSpc>
+            <a:spcBef>
+              <a:spcPct val="0"/>
+            </a:spcBef>
+            <a:spcAft>
+              <a:spcPct val="35000"/>
+            </a:spcAft>
+          </a:pPr>
+          <a:r>
+            <a:rPr lang="en-US" sz="900" kern="1200"/>
+            <a:t>August</a:t>
+          </a:r>
+        </a:p>
+      </dsp:txBody>
+      <dsp:txXfrm rot="-5400000">
+        <a:off x="1" y="300030"/>
+        <a:ext cx="594833" cy="254929"/>
+      </dsp:txXfrm>
+    </dsp:sp>
+    <dsp:sp modelId="{70017266-FF61-4E1B-8009-202161DB4AB8}">
+      <dsp:nvSpPr>
+        <dsp:cNvPr id="0" name=""/>
+        <dsp:cNvSpPr/>
+      </dsp:nvSpPr>
+      <dsp:spPr>
+        <a:xfrm rot="5400000">
+          <a:off x="3681120" y="-3083673"/>
+          <a:ext cx="552345" cy="6724918"/>
+        </a:xfrm>
+        <a:prstGeom prst="round2SameRect">
+          <a:avLst/>
+        </a:prstGeom>
+        <a:solidFill>
+          <a:schemeClr val="lt1">
+            <a:alpha val="90000"/>
+            <a:hueOff val="0"/>
+            <a:satOff val="0"/>
+            <a:lumOff val="0"/>
+            <a:alphaOff val="0"/>
+          </a:schemeClr>
+        </a:solidFill>
+        <a:ln w="10795" cap="flat" cmpd="sng" algn="ctr">
+          <a:solidFill>
+            <a:schemeClr val="accent1">
+              <a:hueOff val="0"/>
+              <a:satOff val="0"/>
+              <a:lumOff val="0"/>
+              <a:alphaOff val="0"/>
+            </a:schemeClr>
+          </a:solidFill>
+          <a:prstDash val="solid"/>
+        </a:ln>
+        <a:effectLst/>
+      </dsp:spPr>
+      <dsp:style>
+        <a:lnRef idx="2">
+          <a:scrgbClr r="0" g="0" b="0"/>
+        </a:lnRef>
+        <a:fillRef idx="1">
+          <a:scrgbClr r="0" g="0" b="0"/>
+        </a:fillRef>
+        <a:effectRef idx="0">
+          <a:scrgbClr r="0" g="0" b="0"/>
+        </a:effectRef>
+        <a:fontRef idx="minor"/>
+      </dsp:style>
+      <dsp:txBody>
+        <a:bodyPr spcFirstLastPara="0" vert="horz" wrap="square" lIns="227584" tIns="20320" rIns="20320" bIns="20320" numCol="1" spcCol="1270" anchor="ctr" anchorCtr="0">
+          <a:noAutofit/>
+        </a:bodyPr>
+        <a:lstStyle/>
+        <a:p>
+          <a:pPr marL="285750" lvl="1" indent="-285750" algn="l" defTabSz="1422400">
+            <a:lnSpc>
+              <a:spcPct val="90000"/>
+            </a:lnSpc>
+            <a:spcBef>
+              <a:spcPct val="0"/>
+            </a:spcBef>
+            <a:spcAft>
+              <a:spcPct val="15000"/>
+            </a:spcAft>
+            <a:buChar char="••"/>
+          </a:pPr>
+          <a:r>
+            <a:rPr lang="en-US" sz="3200" kern="1200"/>
+            <a:t>Finish and publish product</a:t>
+          </a:r>
+        </a:p>
+      </dsp:txBody>
+      <dsp:txXfrm rot="-5400000">
+        <a:off x="594834" y="29576"/>
+        <a:ext cx="6697955" cy="498419"/>
+      </dsp:txXfrm>
+    </dsp:sp>
+    <dsp:sp modelId="{01D7A17F-EA3F-4DD4-8DD2-4F281BC75D23}">
+      <dsp:nvSpPr>
+        <dsp:cNvPr id="0" name=""/>
+        <dsp:cNvSpPr/>
+      </dsp:nvSpPr>
+      <dsp:spPr>
+        <a:xfrm rot="5400000">
+          <a:off x="-127464" y="881099"/>
+          <a:ext cx="849762" cy="594833"/>
+        </a:xfrm>
+        <a:prstGeom prst="chevron">
+          <a:avLst/>
+        </a:prstGeom>
+        <a:solidFill>
+          <a:schemeClr val="accent1">
+            <a:hueOff val="0"/>
+            <a:satOff val="0"/>
+            <a:lumOff val="0"/>
+            <a:alphaOff val="0"/>
+          </a:schemeClr>
+        </a:solidFill>
+        <a:ln w="10795" cap="flat" cmpd="sng" algn="ctr">
+          <a:solidFill>
+            <a:schemeClr val="accent1">
+              <a:hueOff val="0"/>
+              <a:satOff val="0"/>
+              <a:lumOff val="0"/>
+              <a:alphaOff val="0"/>
+            </a:schemeClr>
+          </a:solidFill>
+          <a:prstDash val="solid"/>
+        </a:ln>
+        <a:effectLst/>
+      </dsp:spPr>
+      <dsp:style>
+        <a:lnRef idx="2">
+          <a:scrgbClr r="0" g="0" b="0"/>
+        </a:lnRef>
+        <a:fillRef idx="1">
+          <a:scrgbClr r="0" g="0" b="0"/>
+        </a:fillRef>
+        <a:effectRef idx="0">
+          <a:scrgbClr r="0" g="0" b="0"/>
+        </a:effectRef>
+        <a:fontRef idx="minor">
+          <a:schemeClr val="lt1"/>
+        </a:fontRef>
+      </dsp:style>
+      <dsp:txBody>
+        <a:bodyPr spcFirstLastPara="0" vert="horz" wrap="square" lIns="5715" tIns="5715" rIns="5715" bIns="5715" numCol="1" spcCol="1270" anchor="ctr" anchorCtr="0">
+          <a:noAutofit/>
+        </a:bodyPr>
+        <a:lstStyle/>
+        <a:p>
+          <a:pPr lvl="0" algn="ctr" defTabSz="400050">
+            <a:lnSpc>
+              <a:spcPct val="90000"/>
+            </a:lnSpc>
+            <a:spcBef>
+              <a:spcPct val="0"/>
+            </a:spcBef>
+            <a:spcAft>
+              <a:spcPct val="35000"/>
+            </a:spcAft>
+          </a:pPr>
+          <a:r>
+            <a:rPr lang="en-US" sz="900" kern="1200"/>
+            <a:t>September</a:t>
+          </a:r>
+        </a:p>
+      </dsp:txBody>
+      <dsp:txXfrm rot="-5400000">
+        <a:off x="1" y="1051052"/>
+        <a:ext cx="594833" cy="254929"/>
+      </dsp:txXfrm>
+    </dsp:sp>
+    <dsp:sp modelId="{7B310177-EC72-481A-A084-E731C2C10A99}">
+      <dsp:nvSpPr>
+        <dsp:cNvPr id="0" name=""/>
+        <dsp:cNvSpPr/>
+      </dsp:nvSpPr>
+      <dsp:spPr>
+        <a:xfrm rot="5400000">
+          <a:off x="3681120" y="-2332650"/>
+          <a:ext cx="552345" cy="6724918"/>
+        </a:xfrm>
+        <a:prstGeom prst="round2SameRect">
+          <a:avLst/>
+        </a:prstGeom>
+        <a:solidFill>
+          <a:schemeClr val="lt1">
+            <a:alpha val="90000"/>
+            <a:hueOff val="0"/>
+            <a:satOff val="0"/>
+            <a:lumOff val="0"/>
+            <a:alphaOff val="0"/>
+          </a:schemeClr>
+        </a:solidFill>
+        <a:ln w="10795" cap="flat" cmpd="sng" algn="ctr">
+          <a:solidFill>
+            <a:schemeClr val="accent1">
+              <a:hueOff val="0"/>
+              <a:satOff val="0"/>
+              <a:lumOff val="0"/>
+              <a:alphaOff val="0"/>
+            </a:schemeClr>
+          </a:solidFill>
+          <a:prstDash val="solid"/>
+        </a:ln>
+        <a:effectLst/>
+      </dsp:spPr>
+      <dsp:style>
+        <a:lnRef idx="2">
+          <a:scrgbClr r="0" g="0" b="0"/>
+        </a:lnRef>
+        <a:fillRef idx="1">
+          <a:scrgbClr r="0" g="0" b="0"/>
+        </a:fillRef>
+        <a:effectRef idx="0">
+          <a:scrgbClr r="0" g="0" b="0"/>
+        </a:effectRef>
+        <a:fontRef idx="minor"/>
+      </dsp:style>
+      <dsp:txBody>
+        <a:bodyPr spcFirstLastPara="0" vert="horz" wrap="square" lIns="227584" tIns="20320" rIns="20320" bIns="20320" numCol="1" spcCol="1270" anchor="ctr" anchorCtr="0">
+          <a:noAutofit/>
+        </a:bodyPr>
+        <a:lstStyle/>
+        <a:p>
+          <a:pPr marL="285750" lvl="1" indent="-285750" algn="l" defTabSz="1422400">
+            <a:lnSpc>
+              <a:spcPct val="90000"/>
+            </a:lnSpc>
+            <a:spcBef>
+              <a:spcPct val="0"/>
+            </a:spcBef>
+            <a:spcAft>
+              <a:spcPct val="15000"/>
+            </a:spcAft>
+            <a:buChar char="••"/>
+          </a:pPr>
+          <a:r>
+            <a:rPr lang="en-US" sz="3200" kern="1200"/>
+            <a:t>Advertise on Wescoe Beach</a:t>
+          </a:r>
+        </a:p>
+      </dsp:txBody>
+      <dsp:txXfrm rot="-5400000">
+        <a:off x="594834" y="780599"/>
+        <a:ext cx="6697955" cy="498419"/>
+      </dsp:txXfrm>
+    </dsp:sp>
+    <dsp:sp modelId="{502862AB-C42E-4CEA-9658-E48C1351D6DF}">
+      <dsp:nvSpPr>
+        <dsp:cNvPr id="0" name=""/>
+        <dsp:cNvSpPr/>
+      </dsp:nvSpPr>
+      <dsp:spPr>
+        <a:xfrm rot="5400000">
+          <a:off x="-127464" y="1632122"/>
+          <a:ext cx="849762" cy="594833"/>
+        </a:xfrm>
+        <a:prstGeom prst="chevron">
+          <a:avLst/>
+        </a:prstGeom>
+        <a:solidFill>
+          <a:schemeClr val="accent1">
+            <a:hueOff val="0"/>
+            <a:satOff val="0"/>
+            <a:lumOff val="0"/>
+            <a:alphaOff val="0"/>
+          </a:schemeClr>
+        </a:solidFill>
+        <a:ln w="10795" cap="flat" cmpd="sng" algn="ctr">
+          <a:solidFill>
+            <a:schemeClr val="accent1">
+              <a:hueOff val="0"/>
+              <a:satOff val="0"/>
+              <a:lumOff val="0"/>
+              <a:alphaOff val="0"/>
+            </a:schemeClr>
+          </a:solidFill>
+          <a:prstDash val="solid"/>
+        </a:ln>
+        <a:effectLst/>
+      </dsp:spPr>
+      <dsp:style>
+        <a:lnRef idx="2">
+          <a:scrgbClr r="0" g="0" b="0"/>
+        </a:lnRef>
+        <a:fillRef idx="1">
+          <a:scrgbClr r="0" g="0" b="0"/>
+        </a:fillRef>
+        <a:effectRef idx="0">
+          <a:scrgbClr r="0" g="0" b="0"/>
+        </a:effectRef>
+        <a:fontRef idx="minor">
+          <a:schemeClr val="lt1"/>
+        </a:fontRef>
+      </dsp:style>
+      <dsp:txBody>
+        <a:bodyPr spcFirstLastPara="0" vert="horz" wrap="square" lIns="5715" tIns="5715" rIns="5715" bIns="5715" numCol="1" spcCol="1270" anchor="ctr" anchorCtr="0">
+          <a:noAutofit/>
+        </a:bodyPr>
+        <a:lstStyle/>
+        <a:p>
+          <a:pPr lvl="0" algn="ctr" defTabSz="400050">
+            <a:lnSpc>
+              <a:spcPct val="90000"/>
+            </a:lnSpc>
+            <a:spcBef>
+              <a:spcPct val="0"/>
+            </a:spcBef>
+            <a:spcAft>
+              <a:spcPct val="35000"/>
+            </a:spcAft>
+          </a:pPr>
+          <a:r>
+            <a:rPr lang="en-US" sz="900" kern="1200"/>
+            <a:t>October</a:t>
+          </a:r>
+        </a:p>
+      </dsp:txBody>
+      <dsp:txXfrm rot="-5400000">
+        <a:off x="1" y="1802075"/>
+        <a:ext cx="594833" cy="254929"/>
+      </dsp:txXfrm>
+    </dsp:sp>
+    <dsp:sp modelId="{68B0FF87-1A7E-43AD-8849-4DD0958B9D95}">
+      <dsp:nvSpPr>
+        <dsp:cNvPr id="0" name=""/>
+        <dsp:cNvSpPr/>
+      </dsp:nvSpPr>
+      <dsp:spPr>
+        <a:xfrm rot="5400000">
+          <a:off x="3681120" y="-1581628"/>
+          <a:ext cx="552345" cy="6724918"/>
+        </a:xfrm>
+        <a:prstGeom prst="round2SameRect">
+          <a:avLst/>
+        </a:prstGeom>
+        <a:solidFill>
+          <a:schemeClr val="lt1">
+            <a:alpha val="90000"/>
+            <a:hueOff val="0"/>
+            <a:satOff val="0"/>
+            <a:lumOff val="0"/>
+            <a:alphaOff val="0"/>
+          </a:schemeClr>
+        </a:solidFill>
+        <a:ln w="10795" cap="flat" cmpd="sng" algn="ctr">
+          <a:solidFill>
+            <a:schemeClr val="accent1">
+              <a:hueOff val="0"/>
+              <a:satOff val="0"/>
+              <a:lumOff val="0"/>
+              <a:alphaOff val="0"/>
+            </a:schemeClr>
+          </a:solidFill>
+          <a:prstDash val="solid"/>
+        </a:ln>
+        <a:effectLst/>
+      </dsp:spPr>
+      <dsp:style>
+        <a:lnRef idx="2">
+          <a:scrgbClr r="0" g="0" b="0"/>
+        </a:lnRef>
+        <a:fillRef idx="1">
+          <a:scrgbClr r="0" g="0" b="0"/>
+        </a:fillRef>
+        <a:effectRef idx="0">
+          <a:scrgbClr r="0" g="0" b="0"/>
+        </a:effectRef>
+        <a:fontRef idx="minor"/>
+      </dsp:style>
+      <dsp:txBody>
+        <a:bodyPr spcFirstLastPara="0" vert="horz" wrap="square" lIns="227584" tIns="20320" rIns="20320" bIns="20320" numCol="1" spcCol="1270" anchor="ctr" anchorCtr="0">
+          <a:noAutofit/>
+        </a:bodyPr>
+        <a:lstStyle/>
+        <a:p>
+          <a:pPr marL="285750" lvl="1" indent="-285750" algn="l" defTabSz="1422400">
+            <a:lnSpc>
+              <a:spcPct val="90000"/>
+            </a:lnSpc>
+            <a:spcBef>
+              <a:spcPct val="0"/>
+            </a:spcBef>
+            <a:spcAft>
+              <a:spcPct val="15000"/>
+            </a:spcAft>
+            <a:buChar char="••"/>
+          </a:pPr>
+          <a:r>
+            <a:rPr lang="en-US" sz="3200" kern="1200"/>
+            <a:t>Finalize Internet Banner and App</a:t>
+          </a:r>
+        </a:p>
+      </dsp:txBody>
+      <dsp:txXfrm rot="-5400000">
+        <a:off x="594834" y="1531621"/>
+        <a:ext cx="6697955" cy="498419"/>
+      </dsp:txXfrm>
+    </dsp:sp>
+    <dsp:sp modelId="{08B71C12-2474-4965-962E-A8A7CD64A9DE}">
+      <dsp:nvSpPr>
+        <dsp:cNvPr id="0" name=""/>
+        <dsp:cNvSpPr/>
+      </dsp:nvSpPr>
+      <dsp:spPr>
+        <a:xfrm rot="5400000">
+          <a:off x="-127464" y="2383144"/>
+          <a:ext cx="849762" cy="594833"/>
+        </a:xfrm>
+        <a:prstGeom prst="chevron">
+          <a:avLst/>
+        </a:prstGeom>
+        <a:solidFill>
+          <a:schemeClr val="accent1">
+            <a:hueOff val="0"/>
+            <a:satOff val="0"/>
+            <a:lumOff val="0"/>
+            <a:alphaOff val="0"/>
+          </a:schemeClr>
+        </a:solidFill>
+        <a:ln w="10795" cap="flat" cmpd="sng" algn="ctr">
+          <a:solidFill>
+            <a:schemeClr val="accent1">
+              <a:hueOff val="0"/>
+              <a:satOff val="0"/>
+              <a:lumOff val="0"/>
+              <a:alphaOff val="0"/>
+            </a:schemeClr>
+          </a:solidFill>
+          <a:prstDash val="solid"/>
+        </a:ln>
+        <a:effectLst/>
+      </dsp:spPr>
+      <dsp:style>
+        <a:lnRef idx="2">
+          <a:scrgbClr r="0" g="0" b="0"/>
+        </a:lnRef>
+        <a:fillRef idx="1">
+          <a:scrgbClr r="0" g="0" b="0"/>
+        </a:fillRef>
+        <a:effectRef idx="0">
+          <a:scrgbClr r="0" g="0" b="0"/>
+        </a:effectRef>
+        <a:fontRef idx="minor">
+          <a:schemeClr val="lt1"/>
+        </a:fontRef>
+      </dsp:style>
+      <dsp:txBody>
+        <a:bodyPr spcFirstLastPara="0" vert="horz" wrap="square" lIns="5715" tIns="5715" rIns="5715" bIns="5715" numCol="1" spcCol="1270" anchor="ctr" anchorCtr="0">
+          <a:noAutofit/>
+        </a:bodyPr>
+        <a:lstStyle/>
+        <a:p>
+          <a:pPr lvl="0" algn="ctr" defTabSz="400050">
+            <a:lnSpc>
+              <a:spcPct val="90000"/>
+            </a:lnSpc>
+            <a:spcBef>
+              <a:spcPct val="0"/>
+            </a:spcBef>
+            <a:spcAft>
+              <a:spcPct val="35000"/>
+            </a:spcAft>
+          </a:pPr>
+          <a:r>
+            <a:rPr lang="en-US" sz="900" kern="1200"/>
+            <a:t>November</a:t>
+          </a:r>
+        </a:p>
+      </dsp:txBody>
+      <dsp:txXfrm rot="-5400000">
+        <a:off x="1" y="2553097"/>
+        <a:ext cx="594833" cy="254929"/>
+      </dsp:txXfrm>
+    </dsp:sp>
+    <dsp:sp modelId="{51D0B19D-522C-426A-ADD5-6EFD1FE1F4FF}">
+      <dsp:nvSpPr>
+        <dsp:cNvPr id="0" name=""/>
+        <dsp:cNvSpPr/>
+      </dsp:nvSpPr>
+      <dsp:spPr>
+        <a:xfrm rot="5400000">
+          <a:off x="3681120" y="-830606"/>
+          <a:ext cx="552345" cy="6724918"/>
+        </a:xfrm>
+        <a:prstGeom prst="round2SameRect">
+          <a:avLst/>
+        </a:prstGeom>
+        <a:solidFill>
+          <a:schemeClr val="lt1">
+            <a:alpha val="90000"/>
+            <a:hueOff val="0"/>
+            <a:satOff val="0"/>
+            <a:lumOff val="0"/>
+            <a:alphaOff val="0"/>
+          </a:schemeClr>
+        </a:solidFill>
+        <a:ln w="10795" cap="flat" cmpd="sng" algn="ctr">
+          <a:solidFill>
+            <a:schemeClr val="accent1">
+              <a:hueOff val="0"/>
+              <a:satOff val="0"/>
+              <a:lumOff val="0"/>
+              <a:alphaOff val="0"/>
+            </a:schemeClr>
+          </a:solidFill>
+          <a:prstDash val="solid"/>
+        </a:ln>
+        <a:effectLst/>
+      </dsp:spPr>
+      <dsp:style>
+        <a:lnRef idx="2">
+          <a:scrgbClr r="0" g="0" b="0"/>
+        </a:lnRef>
+        <a:fillRef idx="1">
+          <a:scrgbClr r="0" g="0" b="0"/>
+        </a:fillRef>
+        <a:effectRef idx="0">
+          <a:scrgbClr r="0" g="0" b="0"/>
+        </a:effectRef>
+        <a:fontRef idx="minor"/>
+      </dsp:style>
+      <dsp:txBody>
+        <a:bodyPr spcFirstLastPara="0" vert="horz" wrap="square" lIns="227584" tIns="20320" rIns="20320" bIns="20320" numCol="1" spcCol="1270" anchor="ctr" anchorCtr="0">
+          <a:noAutofit/>
+        </a:bodyPr>
+        <a:lstStyle/>
+        <a:p>
+          <a:pPr marL="285750" lvl="1" indent="-285750" algn="l" defTabSz="1422400">
+            <a:lnSpc>
+              <a:spcPct val="90000"/>
+            </a:lnSpc>
+            <a:spcBef>
+              <a:spcPct val="0"/>
+            </a:spcBef>
+            <a:spcAft>
+              <a:spcPct val="15000"/>
+            </a:spcAft>
+            <a:buChar char="••"/>
+          </a:pPr>
+          <a:r>
+            <a:rPr lang="en-US" sz="3200" kern="1200"/>
+            <a:t>Start Advertise on Other Websites</a:t>
+          </a:r>
+        </a:p>
+      </dsp:txBody>
+      <dsp:txXfrm rot="-5400000">
+        <a:off x="594834" y="2282643"/>
+        <a:ext cx="6697955" cy="498419"/>
+      </dsp:txXfrm>
+    </dsp:sp>
+    <dsp:sp modelId="{888CD793-DE9E-4902-AFFD-3C4EC569F421}">
+      <dsp:nvSpPr>
+        <dsp:cNvPr id="0" name=""/>
+        <dsp:cNvSpPr/>
+      </dsp:nvSpPr>
+      <dsp:spPr>
+        <a:xfrm rot="5400000">
+          <a:off x="-127464" y="3134166"/>
+          <a:ext cx="849762" cy="594833"/>
+        </a:xfrm>
+        <a:prstGeom prst="chevron">
+          <a:avLst/>
+        </a:prstGeom>
+        <a:solidFill>
+          <a:schemeClr val="accent1">
+            <a:hueOff val="0"/>
+            <a:satOff val="0"/>
+            <a:lumOff val="0"/>
+            <a:alphaOff val="0"/>
+          </a:schemeClr>
+        </a:solidFill>
+        <a:ln w="10795" cap="flat" cmpd="sng" algn="ctr">
+          <a:solidFill>
+            <a:schemeClr val="accent1">
+              <a:hueOff val="0"/>
+              <a:satOff val="0"/>
+              <a:lumOff val="0"/>
+              <a:alphaOff val="0"/>
+            </a:schemeClr>
+          </a:solidFill>
+          <a:prstDash val="solid"/>
+        </a:ln>
+        <a:effectLst/>
+      </dsp:spPr>
+      <dsp:style>
+        <a:lnRef idx="2">
+          <a:scrgbClr r="0" g="0" b="0"/>
+        </a:lnRef>
+        <a:fillRef idx="1">
+          <a:scrgbClr r="0" g="0" b="0"/>
+        </a:fillRef>
+        <a:effectRef idx="0">
+          <a:scrgbClr r="0" g="0" b="0"/>
+        </a:effectRef>
+        <a:fontRef idx="minor">
+          <a:schemeClr val="lt1"/>
+        </a:fontRef>
+      </dsp:style>
+      <dsp:txBody>
+        <a:bodyPr spcFirstLastPara="0" vert="horz" wrap="square" lIns="5715" tIns="5715" rIns="5715" bIns="5715" numCol="1" spcCol="1270" anchor="ctr" anchorCtr="0">
+          <a:noAutofit/>
+        </a:bodyPr>
+        <a:lstStyle/>
+        <a:p>
+          <a:pPr lvl="0" algn="ctr" defTabSz="400050">
+            <a:lnSpc>
+              <a:spcPct val="90000"/>
+            </a:lnSpc>
+            <a:spcBef>
+              <a:spcPct val="0"/>
+            </a:spcBef>
+            <a:spcAft>
+              <a:spcPct val="35000"/>
+            </a:spcAft>
+          </a:pPr>
+          <a:r>
+            <a:rPr lang="en-US" sz="900" kern="1200"/>
+            <a:t>December</a:t>
+          </a:r>
+        </a:p>
+      </dsp:txBody>
+      <dsp:txXfrm rot="-5400000">
+        <a:off x="1" y="3304119"/>
+        <a:ext cx="594833" cy="254929"/>
+      </dsp:txXfrm>
+    </dsp:sp>
+    <dsp:sp modelId="{B6AC5BA2-2E21-42FB-A6AE-8CAD30655012}">
+      <dsp:nvSpPr>
+        <dsp:cNvPr id="0" name=""/>
+        <dsp:cNvSpPr/>
+      </dsp:nvSpPr>
+      <dsp:spPr>
+        <a:xfrm rot="5400000">
+          <a:off x="3681120" y="-79584"/>
+          <a:ext cx="552345" cy="6724918"/>
+        </a:xfrm>
+        <a:prstGeom prst="round2SameRect">
+          <a:avLst/>
+        </a:prstGeom>
+        <a:solidFill>
+          <a:schemeClr val="lt1">
+            <a:alpha val="90000"/>
+            <a:hueOff val="0"/>
+            <a:satOff val="0"/>
+            <a:lumOff val="0"/>
+            <a:alphaOff val="0"/>
+          </a:schemeClr>
+        </a:solidFill>
+        <a:ln w="10795" cap="flat" cmpd="sng" algn="ctr">
+          <a:solidFill>
+            <a:schemeClr val="accent1">
+              <a:hueOff val="0"/>
+              <a:satOff val="0"/>
+              <a:lumOff val="0"/>
+              <a:alphaOff val="0"/>
+            </a:schemeClr>
+          </a:solidFill>
+          <a:prstDash val="solid"/>
+        </a:ln>
+        <a:effectLst/>
+      </dsp:spPr>
+      <dsp:style>
+        <a:lnRef idx="2">
+          <a:scrgbClr r="0" g="0" b="0"/>
+        </a:lnRef>
+        <a:fillRef idx="1">
+          <a:scrgbClr r="0" g="0" b="0"/>
+        </a:fillRef>
+        <a:effectRef idx="0">
+          <a:scrgbClr r="0" g="0" b="0"/>
+        </a:effectRef>
+        <a:fontRef idx="minor"/>
+      </dsp:style>
+      <dsp:txBody>
+        <a:bodyPr spcFirstLastPara="0" vert="horz" wrap="square" lIns="227584" tIns="20320" rIns="20320" bIns="20320" numCol="1" spcCol="1270" anchor="ctr" anchorCtr="0">
+          <a:noAutofit/>
+        </a:bodyPr>
+        <a:lstStyle/>
+        <a:p>
+          <a:pPr marL="285750" lvl="1" indent="-285750" algn="l" defTabSz="1422400">
+            <a:lnSpc>
+              <a:spcPct val="90000"/>
+            </a:lnSpc>
+            <a:spcBef>
+              <a:spcPct val="0"/>
+            </a:spcBef>
+            <a:spcAft>
+              <a:spcPct val="15000"/>
+            </a:spcAft>
+            <a:buChar char="••"/>
+          </a:pPr>
+          <a:r>
+            <a:rPr lang="en-US" sz="3200" kern="1200"/>
+            <a:t>Launch App on Amazon App Store</a:t>
+          </a:r>
+        </a:p>
+      </dsp:txBody>
+      <dsp:txXfrm rot="-5400000">
+        <a:off x="594834" y="3033665"/>
+        <a:ext cx="6697955" cy="498419"/>
+      </dsp:txXfrm>
+    </dsp:sp>
+    <dsp:sp modelId="{F25141FA-3429-4490-8CAC-A304FD9721E4}">
+      <dsp:nvSpPr>
+        <dsp:cNvPr id="0" name=""/>
+        <dsp:cNvSpPr/>
+      </dsp:nvSpPr>
+      <dsp:spPr>
+        <a:xfrm rot="5400000">
+          <a:off x="-127464" y="3885188"/>
+          <a:ext cx="849762" cy="594833"/>
+        </a:xfrm>
+        <a:prstGeom prst="chevron">
+          <a:avLst/>
+        </a:prstGeom>
+        <a:solidFill>
+          <a:schemeClr val="accent1">
+            <a:hueOff val="0"/>
+            <a:satOff val="0"/>
+            <a:lumOff val="0"/>
+            <a:alphaOff val="0"/>
+          </a:schemeClr>
+        </a:solidFill>
+        <a:ln w="10795" cap="flat" cmpd="sng" algn="ctr">
+          <a:solidFill>
+            <a:schemeClr val="accent1">
+              <a:hueOff val="0"/>
+              <a:satOff val="0"/>
+              <a:lumOff val="0"/>
+              <a:alphaOff val="0"/>
+            </a:schemeClr>
+          </a:solidFill>
+          <a:prstDash val="solid"/>
+        </a:ln>
+        <a:effectLst/>
+      </dsp:spPr>
+      <dsp:style>
+        <a:lnRef idx="2">
+          <a:scrgbClr r="0" g="0" b="0"/>
+        </a:lnRef>
+        <a:fillRef idx="1">
+          <a:scrgbClr r="0" g="0" b="0"/>
+        </a:fillRef>
+        <a:effectRef idx="0">
+          <a:scrgbClr r="0" g="0" b="0"/>
+        </a:effectRef>
+        <a:fontRef idx="minor">
+          <a:schemeClr val="lt1"/>
+        </a:fontRef>
+      </dsp:style>
+      <dsp:txBody>
+        <a:bodyPr spcFirstLastPara="0" vert="horz" wrap="square" lIns="5715" tIns="5715" rIns="5715" bIns="5715" numCol="1" spcCol="1270" anchor="ctr" anchorCtr="0">
+          <a:noAutofit/>
+        </a:bodyPr>
+        <a:lstStyle/>
+        <a:p>
+          <a:pPr lvl="0" algn="ctr" defTabSz="400050">
+            <a:lnSpc>
+              <a:spcPct val="90000"/>
+            </a:lnSpc>
+            <a:spcBef>
+              <a:spcPct val="0"/>
+            </a:spcBef>
+            <a:spcAft>
+              <a:spcPct val="35000"/>
+            </a:spcAft>
+          </a:pPr>
+          <a:r>
+            <a:rPr lang="en-US" sz="900" kern="1200"/>
+            <a:t>January</a:t>
+          </a:r>
+        </a:p>
+      </dsp:txBody>
+      <dsp:txXfrm rot="-5400000">
+        <a:off x="1" y="4055141"/>
+        <a:ext cx="594833" cy="254929"/>
+      </dsp:txXfrm>
+    </dsp:sp>
+    <dsp:sp modelId="{F853A8D1-9D81-4511-8A78-9357718A1F9A}">
+      <dsp:nvSpPr>
+        <dsp:cNvPr id="0" name=""/>
+        <dsp:cNvSpPr/>
+      </dsp:nvSpPr>
+      <dsp:spPr>
+        <a:xfrm rot="5400000">
+          <a:off x="3681120" y="671437"/>
+          <a:ext cx="552345" cy="6724918"/>
+        </a:xfrm>
+        <a:prstGeom prst="round2SameRect">
+          <a:avLst/>
+        </a:prstGeom>
+        <a:solidFill>
+          <a:schemeClr val="lt1">
+            <a:alpha val="90000"/>
+            <a:hueOff val="0"/>
+            <a:satOff val="0"/>
+            <a:lumOff val="0"/>
+            <a:alphaOff val="0"/>
+          </a:schemeClr>
+        </a:solidFill>
+        <a:ln w="10795" cap="flat" cmpd="sng" algn="ctr">
+          <a:solidFill>
+            <a:schemeClr val="accent1">
+              <a:hueOff val="0"/>
+              <a:satOff val="0"/>
+              <a:lumOff val="0"/>
+              <a:alphaOff val="0"/>
+            </a:schemeClr>
+          </a:solidFill>
+          <a:prstDash val="solid"/>
+        </a:ln>
+        <a:effectLst/>
+      </dsp:spPr>
+      <dsp:style>
+        <a:lnRef idx="2">
+          <a:scrgbClr r="0" g="0" b="0"/>
+        </a:lnRef>
+        <a:fillRef idx="1">
+          <a:scrgbClr r="0" g="0" b="0"/>
+        </a:fillRef>
+        <a:effectRef idx="0">
+          <a:scrgbClr r="0" g="0" b="0"/>
+        </a:effectRef>
+        <a:fontRef idx="minor"/>
+      </dsp:style>
+      <dsp:txBody>
+        <a:bodyPr spcFirstLastPara="0" vert="horz" wrap="square" lIns="142240" tIns="12700" rIns="12700" bIns="12700" numCol="1" spcCol="1270" anchor="ctr" anchorCtr="0">
+          <a:noAutofit/>
+        </a:bodyPr>
+        <a:lstStyle/>
+        <a:p>
+          <a:pPr marL="228600" lvl="1" indent="-228600" algn="l" defTabSz="889000">
+            <a:lnSpc>
+              <a:spcPct val="90000"/>
+            </a:lnSpc>
+            <a:spcBef>
+              <a:spcPct val="0"/>
+            </a:spcBef>
+            <a:spcAft>
+              <a:spcPct val="15000"/>
+            </a:spcAft>
+            <a:buChar char="••"/>
+          </a:pPr>
+          <a:r>
+            <a:rPr lang="en-US" sz="2000" kern="1200"/>
+            <a:t>Promote Workout Buddy at the Fit Expo</a:t>
+          </a:r>
+          <a:r>
+            <a:rPr lang="en-US" sz="2000" kern="1200">
+              <a:latin typeface="Times New Roman" panose="02020603050405020304" pitchFamily="18" charset="0"/>
+              <a:cs typeface="Times New Roman" panose="02020603050405020304" pitchFamily="18" charset="0"/>
+            </a:rPr>
+            <a:t>™</a:t>
+          </a:r>
+          <a:endParaRPr lang="en-US" sz="2000" kern="1200"/>
+        </a:p>
+      </dsp:txBody>
+      <dsp:txXfrm rot="-5400000">
+        <a:off x="594834" y="3784687"/>
+        <a:ext cx="6697955" cy="498419"/>
+      </dsp:txXfrm>
+    </dsp:sp>
+  </dsp:spTree>
+</dsp:drawing>
+</file>
+
+<file path=ppt/diagrams/layout1.xml><?xml version="1.0" encoding="utf-8"?>
+<dgm:layoutDef xmlns:dgm="http://schemas.openxmlformats.org/drawingml/2006/diagram" xmlns:a="http://schemas.openxmlformats.org/drawingml/2006/main" uniqueId="urn:microsoft.com/office/officeart/2005/8/layout/chevron2">
+  <dgm:title val=""/>
+  <dgm:desc val=""/>
+  <dgm:catLst>
+    <dgm:cat type="process" pri="12000"/>
+    <dgm:cat type="list" pri="16000"/>
+    <dgm:cat type="convert" pri="11000"/>
+  </dgm:catLst>
+  <dgm:sampData>
+    <dgm:dataModel>
+      <dgm:ptLst>
+        <dgm:pt modelId="0" type="doc"/>
+        <dgm:pt modelId="1">
+          <dgm:prSet phldr="1"/>
+        </dgm:pt>
+        <dgm:pt modelId="11">
+          <dgm:prSet phldr="1"/>
+        </dgm:pt>
+        <dgm:pt modelId="12">
+          <dgm:prSet phldr="1"/>
+        </dgm:pt>
+        <dgm:pt modelId="2">
+          <dgm:prSet phldr="1"/>
+        </dgm:pt>
+        <dgm:pt modelId="21">
+          <dgm:prSet phldr="1"/>
+        </dgm:pt>
+        <dgm:pt modelId="22">
+          <dgm:prSet phldr="1"/>
+        </dgm:pt>
+        <dgm:pt modelId="3">
+          <dgm:prSet phldr="1"/>
+        </dgm:pt>
+        <dgm:pt modelId="31">
+          <dgm:prSet phldr="1"/>
+        </dgm:pt>
+        <dgm:pt modelId="32">
+          <dgm:prSet phldr="1"/>
+        </dgm:pt>
+      </dgm:ptLst>
+      <dgm:cxnLst>
+        <dgm:cxn modelId="4" srcId="0" destId="1" srcOrd="0" destOrd="0"/>
+        <dgm:cxn modelId="5" srcId="0" destId="2" srcOrd="1" destOrd="0"/>
+        <dgm:cxn modelId="6" srcId="0" destId="3" srcOrd="2" destOrd="0"/>
+        <dgm:cxn modelId="13" srcId="1" destId="11" srcOrd="0" destOrd="0"/>
+        <dgm:cxn modelId="14" srcId="1" destId="12" srcOrd="1" destOrd="0"/>
+        <dgm:cxn modelId="23" srcId="2" destId="21" srcOrd="0" destOrd="0"/>
+        <dgm:cxn modelId="24" srcId="2" destId="22" srcOrd="1" destOrd="0"/>
+        <dgm:cxn modelId="33" srcId="3" destId="31" srcOrd="0" destOrd="0"/>
+        <dgm:cxn modelId="34" srcId="3" destId="32" srcOrd="1" destOrd="0"/>
+      </dgm:cxnLst>
+      <dgm:bg/>
+      <dgm:whole/>
+    </dgm:dataModel>
+  </dgm:sampData>
+  <dgm:styleData>
+    <dgm:dataModel>
+      <dgm:ptLst>
+        <dgm:pt modelId="0" type="doc"/>
+        <dgm:pt modelId="1"/>
+      </dgm:ptLst>
+      <dgm:cxnLst>
+        <dgm:cxn modelId="4" srcId="0" destId="1" srcOrd="0" destOrd="0"/>
+      </dgm:cxnLst>
+      <dgm:bg/>
+      <dgm:whole/>
+    </dgm:dataModel>
+  </dgm:styleData>
+  <dgm:clrData>
+    <dgm:dataModel>
+      <dgm:ptLst>
+        <dgm:pt modelId="0" type="doc"/>
+        <dgm:pt modelId="1"/>
+        <dgm:pt modelId="11"/>
+        <dgm:pt modelId="2"/>
+        <dgm:pt modelId="21"/>
+        <dgm:pt modelId="3"/>
+        <dgm:pt modelId="31"/>
+        <dgm:pt modelId="4"/>
+        <dgm:pt modelId="41"/>
+      </dgm:ptLst>
+      <dgm:cxnLst>
+        <dgm:cxn modelId="5" srcId="0" destId="1" srcOrd="0" destOrd="0"/>
+        <dgm:cxn modelId="6" srcId="0" destId="2" srcOrd="1" destOrd="0"/>
+        <dgm:cxn modelId="7" srcId="0" destId="3" srcOrd="2" destOrd="0"/>
+        <dgm:cxn modelId="8" srcId="0" destId="4" srcOrd="3" destOrd="0"/>
+        <dgm:cxn modelId="13" srcId="1" destId="11" srcOrd="0" destOrd="0"/>
+        <dgm:cxn modelId="23" srcId="2" destId="21" srcOrd="0" destOrd="0"/>
+        <dgm:cxn modelId="33" srcId="3" destId="31" srcOrd="0" destOrd="0"/>
+        <dgm:cxn modelId="43" srcId="4" destId="41" srcOrd="0" destOrd="0"/>
+      </dgm:cxnLst>
+      <dgm:bg/>
+      <dgm:whole/>
+    </dgm:dataModel>
+  </dgm:clrData>
+  <dgm:layoutNode name="linearFlow">
+    <dgm:varLst>
+      <dgm:dir/>
+      <dgm:animLvl val="lvl"/>
+      <dgm:resizeHandles val="exact"/>
+    </dgm:varLst>
+    <dgm:alg type="lin">
+      <dgm:param type="linDir" val="fromT"/>
+      <dgm:param type="nodeHorzAlign" val="l"/>
+    </dgm:alg>
+    <dgm:shape xmlns:r="http://schemas.openxmlformats.org/officeDocument/2006/relationships" r:blip="">
+      <dgm:adjLst/>
+    </dgm:shape>
+    <dgm:presOf/>
+    <dgm:constrLst>
+      <dgm:constr type="h" for="ch" forName="composite" refType="h"/>
+      <dgm:constr type="w" for="ch" forName="composite" refType="w"/>
+      <dgm:constr type="h" for="des" forName="parentText" op="equ"/>
+      <dgm:constr type="h" for="ch" forName="sp" val="-14.88"/>
+      <dgm:constr type="h" for="ch" forName="sp" refType="w" refFor="des" refForName="parentText" op="gte" fact="-0.3"/>
+      <dgm:constr type="primFontSz" for="des" forName="parentText" op="equ" val="65"/>
+      <dgm:constr type="primFontSz" for="des" forName="descendantText" op="equ" val="65"/>
+    </dgm:constrLst>
+    <dgm:ruleLst/>
+    <dgm:forEach name="Name0" axis="ch" ptType="node">
+      <dgm:layoutNode name="composite">
+        <dgm:alg type="composite"/>
+        <dgm:shape xmlns:r="http://schemas.openxmlformats.org/officeDocument/2006/relationships" r:blip="">
+          <dgm:adjLst/>
+        </dgm:shape>
+        <dgm:presOf/>
+        <dgm:choose name="Name1">
+          <dgm:if name="Name2" func="var" arg="dir" op="equ" val="norm">
+            <dgm:constrLst>
+              <dgm:constr type="t" for="ch" forName="parentText"/>
+              <dgm:constr type="l" for="ch" forName="parentText"/>
+              <dgm:constr type="w" for="ch" forName="parentText" refType="w" fact="0.4"/>
+              <dgm:constr type="h" for="ch" forName="parentText" refType="h"/>
+              <dgm:constr type="w" for="ch" forName="parentText" refType="w" op="lte" fact="0.5"/>
+              <dgm:constr type="w" for="ch" forName="parentText" refType="h" refFor="ch" refForName="parentText" op="lte" fact="0.7"/>
+              <dgm:constr type="h" for="ch" forName="parentText" refType="w" refFor="ch" refForName="parentText" op="lte" fact="3"/>
+              <dgm:constr type="l" for="ch" forName="descendantText" refType="w" refFor="ch" refForName="parentText"/>
+              <dgm:constr type="w" for="ch" forName="descendantText" refType="w"/>
+              <dgm:constr type="wOff" for="ch" forName="descendantText" refType="w" refFor="ch" refForName="parentText" fact="-1"/>
+              <dgm:constr type="t" for="ch" forName="descendantText"/>
+              <dgm:constr type="b" for="ch" forName="descendantText" refType="h" refFor="ch" refForName="parentText"/>
+              <dgm:constr type="bOff" for="ch" forName="descendantText" refType="w" refFor="ch" refForName="parentText" fact="-0.5"/>
+            </dgm:constrLst>
+          </dgm:if>
+          <dgm:else name="Name3">
+            <dgm:constrLst>
+              <dgm:constr type="t" for="ch" forName="parentText"/>
+              <dgm:constr type="r" for="ch" forName="parentText" refType="w"/>
+              <dgm:constr type="w" for="ch" forName="parentText" refType="w" fact="0.4"/>
+              <dgm:constr type="h" for="ch" forName="parentText" refType="h"/>
+              <dgm:constr type="w" for="ch" forName="parentText" refType="w" op="lte" fact="0.5"/>
+              <dgm:constr type="w" for="ch" forName="parentText" refType="h" refFor="ch" refForName="parentText" op="lte" fact="0.7"/>
+              <dgm:constr type="h" for="ch" forName="parentText" refType="w" refFor="ch" refForName="parentText" op="lte" fact="3"/>
+              <dgm:constr type="l" for="ch" forName="descendantText"/>
+              <dgm:constr type="w" for="ch" forName="descendantText" refType="w"/>
+              <dgm:constr type="wOff" for="ch" forName="descendantText" refType="w" refFor="ch" refForName="parentText" fact="-1"/>
+              <dgm:constr type="t" for="ch" forName="descendantText"/>
+              <dgm:constr type="b" for="ch" forName="descendantText" refType="h" refFor="ch" refForName="parentText"/>
+              <dgm:constr type="bOff" for="ch" forName="descendantText" refType="w" refFor="ch" refForName="parentText" fact="-0.5"/>
+            </dgm:constrLst>
+          </dgm:else>
+        </dgm:choose>
+        <dgm:ruleLst/>
+        <dgm:layoutNode name="parentText" styleLbl="alignNode1">
+          <dgm:varLst>
+            <dgm:chMax val="1"/>
+            <dgm:bulletEnabled val="1"/>
+          </dgm:varLst>
+          <dgm:alg type="tx"/>
+          <dgm:shape xmlns:r="http://schemas.openxmlformats.org/officeDocument/2006/relationships" rot="90" type="chevron" r:blip="">
+            <dgm:adjLst/>
+          </dgm:shape>
+          <dgm:presOf axis="self" ptType="node"/>
+          <dgm:constrLst>
+            <dgm:constr type="lMarg" refType="primFontSz" fact="0.05"/>
+            <dgm:constr type="rMarg" refType="primFontSz" fact="0.05"/>
+            <dgm:constr type="tMarg" refType="primFontSz" fact="0.05"/>
+            <dgm:constr type="bMarg" refType="primFontSz" fact="0.05"/>
+          </dgm:constrLst>
+          <dgm:ruleLst>
+            <dgm:rule type="h" val="100" fact="NaN" max="NaN"/>
+            <dgm:rule type="primFontSz" val="24" fact="NaN" max="NaN"/>
+            <dgm:rule type="h" val="110" fact="NaN" max="NaN"/>
+            <dgm:rule type="primFontSz" val="18" fact="NaN" max="NaN"/>
+            <dgm:rule type="h" val="INF" fact="NaN" max="NaN"/>
+            <dgm:rule type="primFontSz" val="5" fact="NaN" max="NaN"/>
+          </dgm:ruleLst>
+        </dgm:layoutNode>
+        <dgm:layoutNode name="descendantText" styleLbl="alignAcc1">
+          <dgm:varLst>
+            <dgm:bulletEnabled val="1"/>
+          </dgm:varLst>
+          <dgm:choose name="Name4">
+            <dgm:if name="Name5" func="var" arg="dir" op="equ" val="norm">
+              <dgm:alg type="tx">
+                <dgm:param type="stBulletLvl" val="1"/>
+                <dgm:param type="txAnchorVertCh" val="mid"/>
+              </dgm:alg>
+              <dgm:shape xmlns:r="http://schemas.openxmlformats.org/officeDocument/2006/relationships" rot="90" type="round2SameRect" r:blip="">
+                <dgm:adjLst/>
+              </dgm:shape>
+            </dgm:if>
+            <dgm:else name="Name6">
+              <dgm:alg type="tx">
+                <dgm:param type="stBulletLvl" val="1"/>
+                <dgm:param type="txAnchorVertCh" val="mid"/>
+              </dgm:alg>
+              <dgm:shape xmlns:r="http://schemas.openxmlformats.org/officeDocument/2006/relationships" rot="-90" type="round2SameRect" r:blip="">
+                <dgm:adjLst/>
+              </dgm:shape>
+            </dgm:else>
+          </dgm:choose>
+          <dgm:presOf axis="des" ptType="node"/>
+          <dgm:choose name="Name7">
+            <dgm:if name="Name8" func="var" arg="dir" op="equ" val="norm">
+              <dgm:constrLst>
+                <dgm:constr type="secFontSz" refType="primFontSz"/>
+                <dgm:constr type="tMarg" refType="primFontSz" fact="0.05"/>
+                <dgm:constr type="bMarg" refType="primFontSz" fact="0.05"/>
+                <dgm:constr type="rMarg" refType="primFontSz" fact="0.05"/>
+              </dgm:constrLst>
+            </dgm:if>
+            <dgm:else name="Name9">
+              <dgm:constrLst>
+                <dgm:constr type="secFontSz" refType="primFontSz"/>
+                <dgm:constr type="tMarg" refType="primFontSz" fact="0.05"/>
+                <dgm:constr type="bMarg" refType="primFontSz" fact="0.05"/>
+                <dgm:constr type="lMarg" refType="primFontSz" fact="0.05"/>
+              </dgm:constrLst>
+            </dgm:else>
+          </dgm:choose>
+          <dgm:ruleLst>
+            <dgm:rule type="primFontSz" val="5" fact="NaN" max="NaN"/>
+          </dgm:ruleLst>
+        </dgm:layoutNode>
+      </dgm:layoutNode>
+      <dgm:forEach name="Name10" axis="followSib" ptType="sibTrans" cnt="1">
+        <dgm:layoutNode name="sp">
+          <dgm:alg type="sp"/>
+          <dgm:shape xmlns:r="http://schemas.openxmlformats.org/officeDocument/2006/relationships" r:blip="">
+            <dgm:adjLst/>
+          </dgm:shape>
+          <dgm:presOf axis="self"/>
+          <dgm:constrLst>
+            <dgm:constr type="w" val="1"/>
+            <dgm:constr type="h" val="37.5"/>
+          </dgm:constrLst>
+          <dgm:ruleLst/>
+        </dgm:layoutNode>
+      </dgm:forEach>
+    </dgm:forEach>
+  </dgm:layoutNode>
+</dgm:layoutDef>
+</file>
+
+<file path=ppt/diagrams/quickStyle1.xml><?xml version="1.0" encoding="utf-8"?>
+<dgm:styleDef xmlns:dgm="http://schemas.openxmlformats.org/drawingml/2006/diagram" xmlns:a="http://schemas.openxmlformats.org/drawingml/2006/main" uniqueId="urn:microsoft.com/office/officeart/2005/8/quickstyle/simple1">
+  <dgm:title val=""/>
+  <dgm:desc val=""/>
+  <dgm:catLst>
+    <dgm:cat type="simple" pri="10100"/>
+  </dgm:catLst>
+  <dgm:scene3d>
+    <a:camera prst="orthographicFront"/>
+    <a:lightRig rig="threePt" dir="t"/>
+  </dgm:scene3d>
+  <dgm:styleLbl name="node0">
+    <dgm:scene3d>
+      <a:camera prst="orthographicFront"/>
+      <a:lightRig rig="threePt" dir="t"/>
+    </dgm:scene3d>
+    <dgm:sp3d/>
+    <dgm:txPr/>
+    <dgm:style>
+      <a:lnRef idx="2">
+        <a:scrgbClr r="0" g="0" b="0"/>
+      </a:lnRef>
+      <a:fillRef idx="1">
+        <a:scrgbClr r="0" g="0" b="0"/>
+      </a:fillRef>
+      <a:effectRef idx="0">
+        <a:scrgbClr r="0" g="0" b="0"/>
+      </a:effectRef>
+      <a:fontRef idx="minor">
+        <a:schemeClr val="lt1"/>
+      </a:fontRef>
+    </dgm:style>
+  </dgm:styleLbl>
+  <dgm:styleLbl name="lnNode1">
+    <dgm:scene3d>
+      <a:camera prst="orthographicFront"/>
+      <a:lightRig rig="threePt" dir="t"/>
+    </dgm:scene3d>
+    <dgm:sp3d/>
+    <dgm:txPr/>
+    <dgm:style>
+      <a:lnRef idx="2">
+        <a:scrgbClr r="0" g="0" b="0"/>
+      </a:lnRef>
+      <a:fillRef idx="1">
+        <a:scrgbClr r="0" g="0" b="0"/>
+      </a:fillRef>
+      <a:effectRef idx="0">
+        <a:scrgbClr r="0" g="0" b="0"/>
+      </a:effectRef>
+      <a:fontRef idx="minor">
+        <a:schemeClr val="lt1"/>
+      </a:fontRef>
+    </dgm:style>
+  </dgm:styleLbl>
+  <dgm:styleLbl name="vennNode1">
+    <dgm:scene3d>
+      <a:camera prst="orthographicFront"/>
+      <a:lightRig rig="threePt" dir="t"/>
+    </dgm:scene3d>
+    <dgm:sp3d/>
+    <dgm:txPr/>
+    <dgm:style>
+      <a:lnRef idx="2">
+        <a:scrgbClr r="0" g="0" b="0"/>
+      </a:lnRef>
+      <a:fillRef idx="1">
+        <a:scrgbClr r="0" g="0" b="0"/>
+      </a:fillRef>
+      <a:effectRef idx="0">
+        <a:scrgbClr r="0" g="0" b="0"/>
+      </a:effectRef>
+      <a:fontRef idx="minor">
+        <a:schemeClr val="tx1"/>
+      </a:fontRef>
+    </dgm:style>
+  </dgm:styleLbl>
+  <dgm:styleLbl name="alignNode1">
+    <dgm:scene3d>
+      <a:camera prst="orthographicFront"/>
+      <a:lightRig rig="threePt" dir="t"/>
+    </dgm:scene3d>
+    <dgm:sp3d/>
+    <dgm:txPr/>
+    <dgm:style>
+      <a:lnRef idx="2">
+        <a:scrgbClr r="0" g="0" b="0"/>
+      </a:lnRef>
+      <a:fillRef idx="1">
+        <a:scrgbClr r="0" g="0" b="0"/>
+      </a:fillRef>
+      <a:effectRef idx="0">
+        <a:scrgbClr r="0" g="0" b="0"/>
+      </a:effectRef>
+      <a:fontRef idx="minor">
+        <a:schemeClr val="lt1"/>
+      </a:fontRef>
+    </dgm:style>
+  </dgm:styleLbl>
+  <dgm:styleLbl name="node1">
+    <dgm:scene3d>
+      <a:camera prst="orthographicFront"/>
+      <a:lightRig rig="threePt" dir="t"/>
+    </dgm:scene3d>
+    <dgm:sp3d/>
+    <dgm:txPr/>
+    <dgm:style>
+      <a:lnRef idx="2">
+        <a:scrgbClr r="0" g="0" b="0"/>
+      </a:lnRef>
+      <a:fillRef idx="1">
+        <a:scrgbClr r="0" g="0" b="0"/>
+      </a:fillRef>
+      <a:effectRef idx="0">
+        <a:scrgbClr r="0" g="0" b="0"/>
+      </a:effectRef>
+      <a:fontRef idx="minor">
+        <a:schemeClr val="lt1"/>
+      </a:fontRef>
+    </dgm:style>
+  </dgm:styleLbl>
+  <dgm:styleLbl name="node2">
+    <dgm:scene3d>
+      <a:camera prst="orthographicFront"/>
+      <a:lightRig rig="threePt" dir="t"/>
+    </dgm:scene3d>
+    <dgm:sp3d/>
+    <dgm:txPr/>
+    <dgm:style>
+      <a:lnRef idx="2">
+        <a:scrgbClr r="0" g="0" b="0"/>
+      </a:lnRef>
+      <a:fillRef idx="1">
+        <a:scrgbClr r="0" g="0" b="0"/>
+      </a:fillRef>
+      <a:effectRef idx="0">
+        <a:scrgbClr r="0" g="0" b="0"/>
+      </a:effectRef>
+      <a:fontRef idx="minor">
+        <a:schemeClr val="lt1"/>
+      </a:fontRef>
+    </dgm:style>
+  </dgm:styleLbl>
+  <dgm:styleLbl name="node3">
+    <dgm:scene3d>
+      <a:camera prst="orthographicFront"/>
+      <a:lightRig rig="threePt" dir="t"/>
+    </dgm:scene3d>
+    <dgm:sp3d/>
+    <dgm:txPr/>
+    <dgm:style>
+      <a:lnRef idx="2">
+        <a:scrgbClr r="0" g="0" b="0"/>
+      </a:lnRef>
+      <a:fillRef idx="1">
+        <a:scrgbClr r="0" g="0" b="0"/>
+      </a:fillRef>
+      <a:effectRef idx="0">
+        <a:scrgbClr r="0" g="0" b="0"/>
+      </a:effectRef>
+      <a:fontRef idx="minor">
+        <a:schemeClr val="lt1"/>
+      </a:fontRef>
+    </dgm:style>
+  </dgm:styleLbl>
+  <dgm:styleLbl name="node4">
+    <dgm:scene3d>
+      <a:camera prst="orthographicFront"/>
+      <a:lightRig rig="threePt" dir="t"/>
+    </dgm:scene3d>
+    <dgm:sp3d/>
+    <dgm:txPr/>
+    <dgm:style>
+      <a:lnRef idx="2">
+        <a:scrgbClr r="0" g="0" b="0"/>
+      </a:lnRef>
+      <a:fillRef idx="1">
+        <a:scrgbClr r="0" g="0" b="0"/>
+      </a:fillRef>
+      <a:effectRef idx="0">
+        <a:scrgbClr r="0" g="0" b="0"/>
+      </a:effectRef>
+      <a:fontRef idx="minor">
+        <a:schemeClr val="lt1"/>
+      </a:fontRef>
+    </dgm:style>
+  </dgm:styleLbl>
+  <dgm:styleLbl name="fgImgPlace1">
+    <dgm:scene3d>
+      <a:camera prst="orthographicFront"/>
+      <a:lightRig rig="threePt" dir="t"/>
+    </dgm:scene3d>
+    <dgm:sp3d/>
+    <dgm:txPr/>
+    <dgm:style>
+      <a:lnRef idx="2">
+        <a:scrgbClr r="0" g="0" b="0"/>
+      </a:lnRef>
+      <a:fillRef idx="1">
+        <a:scrgbClr r="0" g="0" b="0"/>
+      </a:fillRef>
+      <a:effectRef idx="0">
+        <a:scrgbClr r="0" g="0" b="0"/>
+      </a:effectRef>
+      <a:fontRef idx="minor"/>
+    </dgm:style>
+  </dgm:styleLbl>
+  <dgm:styleLbl name="alignImgPlace1">
+    <dgm:scene3d>
+      <a:camera prst="orthographicFront"/>
+      <a:lightRig rig="threePt" dir="t"/>
+    </dgm:scene3d>
+    <dgm:sp3d/>
+    <dgm:txPr/>
+    <dgm:style>
+      <a:lnRef idx="2">
+        <a:scrgbClr r="0" g="0" b="0"/>
+      </a:lnRef>
+      <a:fillRef idx="1">
+        <a:scrgbClr r="0" g="0" b="0"/>
+      </a:fillRef>
+      <a:effectRef idx="0">
+        <a:scrgbClr r="0" g="0" b="0"/>
+      </a:effectRef>
+      <a:fontRef idx="minor"/>
+    </dgm:style>
+  </dgm:styleLbl>
+  <dgm:styleLbl name="bgImgPlace1">
+    <dgm:scene3d>
+      <a:camera prst="orthographicFront"/>
+      <a:lightRig rig="threePt" dir="t"/>
+    </dgm:scene3d>
+    <dgm:sp3d/>
+    <dgm:txPr/>
+    <dgm:style>
+      <a:lnRef idx="2">
+        <a:scrgbClr r="0" g="0" b="0"/>
+      </a:lnRef>
+      <a:fillRef idx="1">
+        <a:scrgbClr r="0" g="0" b="0"/>
+      </a:fillRef>
+      <a:effectRef idx="0">
+        <a:scrgbClr r="0" g="0" b="0"/>
+      </a:effectRef>
+      <a:fontRef idx="minor"/>
+    </dgm:style>
+  </dgm:styleLbl>
+  <dgm:styleLbl name="sibTrans2D1">
+    <dgm:scene3d>
+      <a:camera prst="orthographicFront"/>
+      <a:lightRig rig="threePt" dir="t"/>
+    </dgm:scene3d>
+    <dgm:sp3d/>
+    <dgm:txPr/>
+    <dgm:style>
+      <a:lnRef idx="0">
+        <a:scrgbClr r="0" g="0" b="0"/>
+      </a:lnRef>
+      <a:fillRef idx="1">
+        <a:scrgbClr r="0" g="0" b="0"/>
+      </a:fillRef>
+      <a:effectRef idx="0">
+        <a:scrgbClr r="0" g="0" b="0"/>
+      </a:effectRef>
+      <a:fontRef idx="minor">
+        <a:schemeClr val="lt1"/>
+      </a:fontRef>
+    </dgm:style>
+  </dgm:styleLbl>
+  <dgm:styleLbl name="fgSibTrans2D1">
+    <dgm:scene3d>
+      <a:camera prst="orthographicFront"/>
+      <a:lightRig rig="threePt" dir="t"/>
+    </dgm:scene3d>
+    <dgm:sp3d/>
+    <dgm:txPr/>
+    <dgm:style>
+      <a:lnRef idx="0">
+        <a:scrgbClr r="0" g="0" b="0"/>
+      </a:lnRef>
+      <a:fillRef idx="1">
+        <a:scrgbClr r="0" g="0" b="0"/>
+      </a:fillRef>
+      <a:effectRef idx="0">
+        <a:scrgbClr r="0" g="0" b="0"/>
+      </a:effectRef>
+      <a:fontRef idx="minor">
+        <a:schemeClr val="lt1"/>
+      </a:fontRef>
+    </dgm:style>
+  </dgm:styleLbl>
+  <dgm:styleLbl name="bgSibTrans2D1">
+    <dgm:scene3d>
+      <a:camera prst="orthographicFront"/>
+      <a:lightRig rig="threePt" dir="t"/>
+    </dgm:scene3d>
+    <dgm:sp3d/>
+    <dgm:txPr/>
+    <dgm:style>
+      <a:lnRef idx="0">
+        <a:scrgbClr r="0" g="0" b="0"/>
+      </a:lnRef>
+      <a:fillRef idx="1">
+        <a:scrgbClr r="0" g="0" b="0"/>
+      </a:fillRef>
+      <a:effectRef idx="0">
+        <a:scrgbClr r="0" g="0" b="0"/>
+      </a:effectRef>
+      <a:fontRef idx="minor">
+        <a:schemeClr val="lt1"/>
+      </a:fontRef>
+    </dgm:style>
+  </dgm:styleLbl>
+  <dgm:styleLbl name="sibTrans1D1">
+    <dgm:scene3d>
+      <a:camera prst="orthographicFront"/>
+      <a:lightRig rig="threePt" dir="t"/>
+    </dgm:scene3d>
+    <dgm:sp3d/>
+    <dgm:txPr/>
+    <dgm:style>
+      <a:lnRef idx="1">
+        <a:scrgbClr r="0" g="0" b="0"/>
+      </a:lnRef>
+      <a:fillRef idx="0">
+        <a:scrgbClr r="0" g="0" b="0"/>
+      </a:fillRef>
+      <a:effectRef idx="0">
+        <a:scrgbClr r="0" g="0" b="0"/>
+      </a:effectRef>
+      <a:fontRef idx="minor"/>
+    </dgm:style>
+  </dgm:styleLbl>
+  <dgm:styleLbl name="callout">
+    <dgm:scene3d>
+      <a:camera prst="orthographicFront"/>
+      <a:lightRig rig="threePt" dir="t"/>
+    </dgm:scene3d>
+    <dgm:sp3d/>
+    <dgm:txPr/>
+    <dgm:style>
+      <a:lnRef idx="2">
+        <a:scrgbClr r="0" g="0" b="0"/>
+      </a:lnRef>
+      <a:fillRef idx="1">
+        <a:scrgbClr r="0" g="0" b="0"/>
+      </a:fillRef>
+      <a:effectRef idx="0">
+        <a:scrgbClr r="0" g="0" b="0"/>
+      </a:effectRef>
+      <a:fontRef idx="minor"/>
+    </dgm:style>
+  </dgm:styleLbl>
+  <dgm:styleLbl name="asst0">
+    <dgm:scene3d>
+      <a:camera prst="orthographicFront"/>
+      <a:lightRig rig="threePt" dir="t"/>
+    </dgm:scene3d>
+    <dgm:sp3d/>
+    <dgm:txPr/>
+    <dgm:style>
+      <a:lnRef idx="2">
+        <a:scrgbClr r="0" g="0" b="0"/>
+      </a:lnRef>
+      <a:fillRef idx="1">
+        <a:scrgbClr r="0" g="0" b="0"/>
+      </a:fillRef>
+      <a:effectRef idx="0">
+        <a:scrgbClr r="0" g="0" b="0"/>
+      </a:effectRef>
+      <a:fontRef idx="minor">
+        <a:schemeClr val="lt1"/>
+      </a:fontRef>
+    </dgm:style>
+  </dgm:styleLbl>
+  <dgm:styleLbl name="asst1">
+    <dgm:scene3d>
+      <a:camera prst="orthographicFront"/>
+      <a:lightRig rig="threePt" dir="t"/>
+    </dgm:scene3d>
+    <dgm:sp3d/>
+    <dgm:txPr/>
+    <dgm:style>
+      <a:lnRef idx="2">
+        <a:scrgbClr r="0" g="0" b="0"/>
+      </a:lnRef>
+      <a:fillRef idx="1">
+        <a:scrgbClr r="0" g="0" b="0"/>
+      </a:fillRef>
+      <a:effectRef idx="0">
+        <a:scrgbClr r="0" g="0" b="0"/>
+      </a:effectRef>
+      <a:fontRef idx="minor">
+        <a:schemeClr val="lt1"/>
+      </a:fontRef>
+    </dgm:style>
+  </dgm:styleLbl>
+  <dgm:styleLbl name="asst2">
+    <dgm:scene3d>
+      <a:camera prst="orthographicFront"/>
+      <a:lightRig rig="threePt" dir="t"/>
+    </dgm:scene3d>
+    <dgm:sp3d/>
+    <dgm:txPr/>
+    <dgm:style>
+      <a:lnRef idx="2">
+        <a:scrgbClr r="0" g="0" b="0"/>
+      </a:lnRef>
+      <a:fillRef idx="1">
+        <a:scrgbClr r="0" g="0" b="0"/>
+      </a:fillRef>
+      <a:effectRef idx="0">
+        <a:scrgbClr r="0" g="0" b="0"/>
+      </a:effectRef>
+      <a:fontRef idx="minor">
+        <a:schemeClr val="lt1"/>
+      </a:fontRef>
+    </dgm:style>
+  </dgm:styleLbl>
+  <dgm:styleLbl name="asst3">
+    <dgm:scene3d>
+      <a:camera prst="orthographicFront"/>
+      <a:lightRig rig="threePt" dir="t"/>
+    </dgm:scene3d>
+    <dgm:sp3d/>
+    <dgm:txPr/>
+    <dgm:style>
+      <a:lnRef idx="2">
+        <a:scrgbClr r="0" g="0" b="0"/>
+      </a:lnRef>
+      <a:fillRef idx="1">
+        <a:scrgbClr r="0" g="0" b="0"/>
+      </a:fillRef>
+      <a:effectRef idx="0">
+        <a:scrgbClr r="0" g="0" b="0"/>
+      </a:effectRef>
+      <a:fontRef idx="minor">
+        <a:schemeClr val="lt1"/>
+      </a:fontRef>
+    </dgm:style>
+  </dgm:styleLbl>
+  <dgm:styleLbl name="asst4">
+    <dgm:scene3d>
+      <a:camera prst="orthographicFront"/>
+      <a:lightRig rig="threePt" dir="t"/>
+    </dgm:scene3d>
+    <dgm:sp3d/>
+    <dgm:txPr/>
+    <dgm:style>
+      <a:lnRef idx="2">
+        <a:scrgbClr r="0" g="0" b="0"/>
+      </a:lnRef>
+      <a:fillRef idx="1">
+        <a:scrgbClr r="0" g="0" b="0"/>
+      </a:fillRef>
+      <a:effectRef idx="0">
+        <a:scrgbClr r="0" g="0" b="0"/>
+      </a:effectRef>
+      <a:fontRef idx="minor">
+        <a:schemeClr val="lt1"/>
+      </a:fontRef>
+    </dgm:style>
+  </dgm:styleLbl>
+  <dgm:styleLbl name="parChTrans2D1">
+    <dgm:scene3d>
+      <a:camera prst="orthographicFront"/>
+      <a:lightRig rig="threePt" dir="t"/>
+    </dgm:scene3d>
+    <dgm:sp3d/>
+    <dgm:txPr/>
+    <dgm:style>
+      <a:lnRef idx="2">
+        <a:scrgbClr r="0" g="0" b="0"/>
+      </a:lnRef>
+      <a:fillRef idx="1">
+        <a:scrgbClr r="0" g="0" b="0"/>
+      </a:fillRef>
+      <a:effectRef idx="0">
+        <a:scrgbClr r="0" g="0" b="0"/>
+      </a:effectRef>
+      <a:fontRef idx="minor">
+        <a:schemeClr val="lt1"/>
+      </a:fontRef>
+    </dgm:style>
+  </dgm:styleLbl>
+  <dgm:styleLbl name="parChTrans2D2">
+    <dgm:scene3d>
+      <a:camera prst="orthographicFront"/>
+      <a:lightRig rig="threePt" dir="t"/>
+    </dgm:scene3d>
+    <dgm:sp3d/>
+    <dgm:txPr/>
+    <dgm:style>
+      <a:lnRef idx="2">
+        <a:scrgbClr r="0" g="0" b="0"/>
+      </a:lnRef>
+      <a:fillRef idx="1">
+        <a:scrgbClr r="0" g="0" b="0"/>
+      </a:fillRef>
+      <a:effectRef idx="0">
+        <a:scrgbClr r="0" g="0" b="0"/>
+      </a:effectRef>
+      <a:fontRef idx="minor">
+        <a:schemeClr val="lt1"/>
+      </a:fontRef>
+    </dgm:style>
+  </dgm:styleLbl>
+  <dgm:styleLbl name="parChTrans2D3">
+    <dgm:scene3d>
+      <a:camera prst="orthographicFront"/>
+      <a:lightRig rig="threePt" dir="t"/>
+    </dgm:scene3d>
+    <dgm:sp3d/>
+    <dgm:txPr/>
+    <dgm:style>
+      <a:lnRef idx="2">
+        <a:scrgbClr r="0" g="0" b="0"/>
+      </a:lnRef>
+      <a:fillRef idx="1">
+        <a:scrgbClr r="0" g="0" b="0"/>
+      </a:fillRef>
+      <a:effectRef idx="0">
+        <a:scrgbClr r="0" g="0" b="0"/>
+      </a:effectRef>
+      <a:fontRef idx="minor">
+        <a:schemeClr val="lt1"/>
+      </a:fontRef>
+    </dgm:style>
+  </dgm:styleLbl>
+  <dgm:styleLbl name="parChTrans2D4">
+    <dgm:scene3d>
+      <a:camera prst="orthographicFront"/>
+      <a:lightRig rig="threePt" dir="t"/>
+    </dgm:scene3d>
+    <dgm:sp3d/>
+    <dgm:txPr/>
+    <dgm:style>
+      <a:lnRef idx="2">
+        <a:scrgbClr r="0" g="0" b="0"/>
+      </a:lnRef>
+      <a:fillRef idx="1">
+        <a:scrgbClr r="0" g="0" b="0"/>
+      </a:fillRef>
+      <a:effectRef idx="0">
+        <a:scrgbClr r="0" g="0" b="0"/>
+      </a:effectRef>
+      <a:fontRef idx="minor">
+        <a:schemeClr val="lt1"/>
+      </a:fontRef>
+    </dgm:style>
+  </dgm:styleLbl>
+  <dgm:styleLbl name="parChTrans1D1">
+    <dgm:scene3d>
+      <a:camera prst="orthographicFront"/>
+      <a:lightRig rig="threePt" dir="t"/>
+    </dgm:scene3d>
+    <dgm:sp3d/>
+    <dgm:txPr/>
+    <dgm:style>
+      <a:lnRef idx="2">
+        <a:scrgbClr r="0" g="0" b="0"/>
+      </a:lnRef>
+      <a:fillRef idx="0">
+        <a:scrgbClr r="0" g="0" b="0"/>
+      </a:fillRef>
+      <a:effectRef idx="0">
+        <a:scrgbClr r="0" g="0" b="0"/>
+      </a:effectRef>
+      <a:fontRef idx="minor"/>
+    </dgm:style>
+  </dgm:styleLbl>
+  <dgm:styleLbl name="parChTrans1D2">
+    <dgm:scene3d>
+      <a:camera prst="orthographicFront"/>
+      <a:lightRig rig="threePt" dir="t"/>
+    </dgm:scene3d>
+    <dgm:sp3d/>
+    <dgm:txPr/>
+    <dgm:style>
+      <a:lnRef idx="2">
+        <a:scrgbClr r="0" g="0" b="0"/>
+      </a:lnRef>
+      <a:fillRef idx="0">
+        <a:scrgbClr r="0" g="0" b="0"/>
+      </a:fillRef>
+      <a:effectRef idx="0">
+        <a:scrgbClr r="0" g="0" b="0"/>
+      </a:effectRef>
+      <a:fontRef idx="minor"/>
+    </dgm:style>
+  </dgm:styleLbl>
+  <dgm:styleLbl name="parChTrans1D3">
+    <dgm:scene3d>
+      <a:camera prst="orthographicFront"/>
+      <a:lightRig rig="threePt" dir="t"/>
+    </dgm:scene3d>
+    <dgm:sp3d/>
+    <dgm:txPr/>
+    <dgm:style>
+      <a:lnRef idx="2">
+        <a:scrgbClr r="0" g="0" b="0"/>
+      </a:lnRef>
+      <a:fillRef idx="0">
+        <a:scrgbClr r="0" g="0" b="0"/>
+      </a:fillRef>
+      <a:effectRef idx="0">
+        <a:scrgbClr r="0" g="0" b="0"/>
+      </a:effectRef>
+      <a:fontRef idx="minor"/>
+    </dgm:style>
+  </dgm:styleLbl>
+  <dgm:styleLbl name="parChTrans1D4">
+    <dgm:scene3d>
+      <a:camera prst="orthographicFront"/>
+      <a:lightRig rig="threePt" dir="t"/>
+    </dgm:scene3d>
+    <dgm:sp3d/>
+    <dgm:txPr/>
+    <dgm:style>
+      <a:lnRef idx="2">
+        <a:scrgbClr r="0" g="0" b="0"/>
+      </a:lnRef>
+      <a:fillRef idx="0">
+        <a:scrgbClr r="0" g="0" b="0"/>
+      </a:fillRef>
+      <a:effectRef idx="0">
+        <a:scrgbClr r="0" g="0" b="0"/>
+      </a:effectRef>
+      <a:fontRef idx="minor"/>
+    </dgm:style>
+  </dgm:styleLbl>
+  <dgm:styleLbl name="fgAcc1">
+    <dgm:scene3d>
+      <a:camera prst="orthographicFront"/>
+      <a:lightRig rig="threePt" dir="t"/>
+    </dgm:scene3d>
+    <dgm:sp3d/>
+    <dgm:txPr/>
+    <dgm:style>
+      <a:lnRef idx="2">
+        <a:scrgbClr r="0" g="0" b="0"/>
+      </a:lnRef>
+      <a:fillRef idx="1">
+        <a:scrgbClr r="0" g="0" b="0"/>
+      </a:fillRef>
+      <a:effectRef idx="0">
+        <a:scrgbClr r="0" g="0" b="0"/>
+      </a:effectRef>
+      <a:fontRef idx="minor"/>
+    </dgm:style>
+  </dgm:styleLbl>
+  <dgm:styleLbl name="conFgAcc1">
+    <dgm:scene3d>
+      <a:camera prst="orthographicFront"/>
+      <a:lightRig rig="threePt" dir="t"/>
+    </dgm:scene3d>
+    <dgm:sp3d/>
+    <dgm:txPr/>
+    <dgm:style>
+      <a:lnRef idx="2">
+        <a:scrgbClr r="0" g="0" b="0"/>
+      </a:lnRef>
+      <a:fillRef idx="1">
+        <a:scrgbClr r="0" g="0" b="0"/>
+      </a:fillRef>
+      <a:effectRef idx="0">
+        <a:scrgbClr r="0" g="0" b="0"/>
+      </a:effectRef>
+      <a:fontRef idx="minor"/>
+    </dgm:style>
+  </dgm:styleLbl>
+  <dgm:styleLbl name="alignAcc1">
+    <dgm:scene3d>
+      <a:camera prst="orthographicFront"/>
+      <a:lightRig rig="threePt" dir="t"/>
+    </dgm:scene3d>
+    <dgm:sp3d/>
+    <dgm:txPr/>
+    <dgm:style>
+      <a:lnRef idx="2">
+        <a:scrgbClr r="0" g="0" b="0"/>
+      </a:lnRef>
+      <a:fillRef idx="1">
+        <a:scrgbClr r="0" g="0" b="0"/>
+      </a:fillRef>
+      <a:effectRef idx="0">
+        <a:scrgbClr r="0" g="0" b="0"/>
+      </a:effectRef>
+      <a:fontRef idx="minor"/>
+    </dgm:style>
+  </dgm:styleLbl>
+  <dgm:styleLbl name="trAlignAcc1">
+    <dgm:scene3d>
+      <a:camera prst="orthographicFront"/>
+      <a:lightRig rig="threePt" dir="t"/>
+    </dgm:scene3d>
+    <dgm:sp3d/>
+    <dgm:txPr/>
+    <dgm:style>
+      <a:lnRef idx="1">
+        <a:scrgbClr r="0" g="0" b="0"/>
+      </a:lnRef>
+      <a:fillRef idx="1">
+        <a:scrgbClr r="0" g="0" b="0"/>
+      </a:fillRef>
+      <a:effectRef idx="0">
+        <a:scrgbClr r="0" g="0" b="0"/>
+      </a:effectRef>
+      <a:fontRef idx="minor"/>
+    </dgm:style>
+  </dgm:styleLbl>
+  <dgm:styleLbl name="bgAcc1">
+    <dgm:scene3d>
+      <a:camera prst="orthographicFront"/>
+      <a:lightRig rig="threePt" dir="t"/>
+    </dgm:scene3d>
+    <dgm:sp3d/>
+    <dgm:txPr/>
+    <dgm:style>
+      <a:lnRef idx="2">
+        <a:scrgbClr r="0" g="0" b="0"/>
+      </a:lnRef>
+      <a:fillRef idx="1">
+        <a:scrgbClr r="0" g="0" b="0"/>
+      </a:fillRef>
+      <a:effectRef idx="0">
+        <a:scrgbClr r="0" g="0" b="0"/>
+      </a:effectRef>
+      <a:fontRef idx="minor"/>
+    </dgm:style>
+  </dgm:styleLbl>
+  <dgm:styleLbl name="solidFgAcc1">
+    <dgm:scene3d>
+      <a:camera prst="orthographicFront"/>
+      <a:lightRig rig="threePt" dir="t"/>
+    </dgm:scene3d>
+    <dgm:sp3d/>
+    <dgm:txPr/>
+    <dgm:style>
+      <a:lnRef idx="2">
+        <a:scrgbClr r="0" g="0" b="0"/>
+      </a:lnRef>
+      <a:fillRef idx="1">
+        <a:scrgbClr r="0" g="0" b="0"/>
+      </a:fillRef>
+      <a:effectRef idx="0">
+        <a:scrgbClr r="0" g="0" b="0"/>
+      </a:effectRef>
+      <a:fontRef idx="minor"/>
+    </dgm:style>
+  </dgm:styleLbl>
+  <dgm:styleLbl name="solidAlignAcc1">
+    <dgm:scene3d>
+      <a:camera prst="orthographicFront"/>
+      <a:lightRig rig="threePt" dir="t"/>
+    </dgm:scene3d>
+    <dgm:sp3d/>
+    <dgm:txPr/>
+    <dgm:style>
+      <a:lnRef idx="2">
+        <a:scrgbClr r="0" g="0" b="0"/>
+      </a:lnRef>
+      <a:fillRef idx="1">
+        <a:scrgbClr r="0" g="0" b="0"/>
+      </a:fillRef>
+      <a:effectRef idx="0">
+        <a:scrgbClr r="0" g="0" b="0"/>
+      </a:effectRef>
+      <a:fontRef idx="minor"/>
+    </dgm:style>
+  </dgm:styleLbl>
+  <dgm:styleLbl name="solidBgAcc1">
+    <dgm:scene3d>
+      <a:camera prst="orthographicFront"/>
+      <a:lightRig rig="threePt" dir="t"/>
+    </dgm:scene3d>
+    <dgm:sp3d/>
+    <dgm:txPr/>
+    <dgm:style>
+      <a:lnRef idx="2">
+        <a:scrgbClr r="0" g="0" b="0"/>
+      </a:lnRef>
+      <a:fillRef idx="1">
+        <a:scrgbClr r="0" g="0" b="0"/>
+      </a:fillRef>
+      <a:effectRef idx="0">
+        <a:scrgbClr r="0" g="0" b="0"/>
+      </a:effectRef>
+      <a:fontRef idx="minor"/>
+    </dgm:style>
+  </dgm:styleLbl>
+  <dgm:styleLbl name="fgAccFollowNode1">
+    <dgm:scene3d>
+      <a:camera prst="orthographicFront"/>
+      <a:lightRig rig="threePt" dir="t"/>
+    </dgm:scene3d>
+    <dgm:sp3d/>
+    <dgm:txPr/>
+    <dgm:style>
+      <a:lnRef idx="2">
+        <a:scrgbClr r="0" g="0" b="0"/>
+      </a:lnRef>
+      <a:fillRef idx="1">
+        <a:scrgbClr r="0" g="0" b="0"/>
+      </a:fillRef>
+      <a:effectRef idx="0">
+        <a:scrgbClr r="0" g="0" b="0"/>
+      </a:effectRef>
+      <a:fontRef idx="minor"/>
+    </dgm:style>
+  </dgm:styleLbl>
+  <dgm:styleLbl name="alignAccFollowNode1">
+    <dgm:scene3d>
+      <a:camera prst="orthographicFront"/>
+      <a:lightRig rig="threePt" dir="t"/>
+    </dgm:scene3d>
+    <dgm:sp3d/>
+    <dgm:txPr/>
+    <dgm:style>
+      <a:lnRef idx="2">
+        <a:scrgbClr r="0" g="0" b="0"/>
+      </a:lnRef>
+      <a:fillRef idx="1">
+        <a:scrgbClr r="0" g="0" b="0"/>
+      </a:fillRef>
+      <a:effectRef idx="0">
+        <a:scrgbClr r="0" g="0" b="0"/>
+      </a:effectRef>
+      <a:fontRef idx="minor"/>
+    </dgm:style>
+  </dgm:styleLbl>
+  <dgm:styleLbl name="bgAccFollowNode1">
+    <dgm:scene3d>
+      <a:camera prst="orthographicFront"/>
+      <a:lightRig rig="threePt" dir="t"/>
+    </dgm:scene3d>
+    <dgm:sp3d/>
+    <dgm:txPr/>
+    <dgm:style>
+      <a:lnRef idx="2">
+        <a:scrgbClr r="0" g="0" b="0"/>
+      </a:lnRef>
+      <a:fillRef idx="1">
+        <a:scrgbClr r="0" g="0" b="0"/>
+      </a:fillRef>
+      <a:effectRef idx="0">
+        <a:scrgbClr r="0" g="0" b="0"/>
+      </a:effectRef>
+      <a:fontRef idx="minor"/>
+    </dgm:style>
+  </dgm:styleLbl>
+  <dgm:styleLbl name="fgAcc0">
+    <dgm:scene3d>
+      <a:camera prst="orthographicFront"/>
+      <a:lightRig rig="threePt" dir="t"/>
+    </dgm:scene3d>
+    <dgm:sp3d/>
+    <dgm:txPr/>
+    <dgm:style>
+      <a:lnRef idx="2">
+        <a:scrgbClr r="0" g="0" b="0"/>
+      </a:lnRef>
+      <a:fillRef idx="1">
+        <a:scrgbClr r="0" g="0" b="0"/>
+      </a:fillRef>
+      <a:effectRef idx="0">
+        <a:scrgbClr r="0" g="0" b="0"/>
+      </a:effectRef>
+      <a:fontRef idx="minor"/>
+    </dgm:style>
+  </dgm:styleLbl>
+  <dgm:styleLbl name="fgAcc2">
+    <dgm:scene3d>
+      <a:camera prst="orthographicFront"/>
+      <a:lightRig rig="threePt" dir="t"/>
+    </dgm:scene3d>
+    <dgm:sp3d/>
+    <dgm:txPr/>
+    <dgm:style>
+      <a:lnRef idx="2">
+        <a:scrgbClr r="0" g="0" b="0"/>
+      </a:lnRef>
+      <a:fillRef idx="1">
+        <a:scrgbClr r="0" g="0" b="0"/>
+      </a:fillRef>
+      <a:effectRef idx="0">
+        <a:scrgbClr r="0" g="0" b="0"/>
+      </a:effectRef>
+      <a:fontRef idx="minor"/>
+    </dgm:style>
+  </dgm:styleLbl>
+  <dgm:styleLbl name="fgAcc3">
+    <dgm:scene3d>
+      <a:camera prst="orthographicFront"/>
+      <a:lightRig rig="threePt" dir="t"/>
+    </dgm:scene3d>
+    <dgm:sp3d/>
+    <dgm:txPr/>
+    <dgm:style>
+      <a:lnRef idx="2">
+        <a:scrgbClr r="0" g="0" b="0"/>
+      </a:lnRef>
+      <a:fillRef idx="1">
+        <a:scrgbClr r="0" g="0" b="0"/>
+      </a:fillRef>
+      <a:effectRef idx="0">
+        <a:scrgbClr r="0" g="0" b="0"/>
+      </a:effectRef>
+      <a:fontRef idx="minor"/>
+    </dgm:style>
+  </dgm:styleLbl>
+  <dgm:styleLbl name="fgAcc4">
+    <dgm:scene3d>
+      <a:camera prst="orthographicFront"/>
+      <a:lightRig rig="threePt" dir="t"/>
+    </dgm:scene3d>
+    <dgm:sp3d/>
+    <dgm:txPr/>
+    <dgm:style>
+      <a:lnRef idx="2">
+        <a:scrgbClr r="0" g="0" b="0"/>
+      </a:lnRef>
+      <a:fillRef idx="1">
+        <a:scrgbClr r="0" g="0" b="0"/>
+      </a:fillRef>
+      <a:effectRef idx="0">
+        <a:scrgbClr r="0" g="0" b="0"/>
+      </a:effectRef>
+      <a:fontRef idx="minor"/>
+    </dgm:style>
+  </dgm:styleLbl>
+  <dgm:styleLbl name="bgShp">
+    <dgm:scene3d>
+      <a:camera prst="orthographicFront"/>
+      <a:lightRig rig="threePt" dir="t"/>
+    </dgm:scene3d>
+    <dgm:sp3d/>
+    <dgm:txPr/>
+    <dgm:style>
+      <a:lnRef idx="0">
+        <a:scrgbClr r="0" g="0" b="0"/>
+      </a:lnRef>
+      <a:fillRef idx="1">
+        <a:scrgbClr r="0" g="0" b="0"/>
+      </a:fillRef>
+      <a:effectRef idx="0">
+        <a:scrgbClr r="0" g="0" b="0"/>
+      </a:effectRef>
+      <a:fontRef idx="minor"/>
+    </dgm:style>
+  </dgm:styleLbl>
+  <dgm:styleLbl name="dkBgShp">
+    <dgm:scene3d>
+      <a:camera prst="orthographicFront"/>
+      <a:lightRig rig="threePt" dir="t"/>
+    </dgm:scene3d>
+    <dgm:sp3d/>
+    <dgm:txPr/>
+    <dgm:style>
+      <a:lnRef idx="0">
+        <a:scrgbClr r="0" g="0" b="0"/>
+      </a:lnRef>
+      <a:fillRef idx="1">
+        <a:scrgbClr r="0" g="0" b="0"/>
+      </a:fillRef>
+      <a:effectRef idx="0">
+        <a:scrgbClr r="0" g="0" b="0"/>
+      </a:effectRef>
+      <a:fontRef idx="minor"/>
+    </dgm:style>
+  </dgm:styleLbl>
+  <dgm:styleLbl name="trBgShp">
+    <dgm:scene3d>
+      <a:camera prst="orthographicFront"/>
+      <a:lightRig rig="threePt" dir="t"/>
+    </dgm:scene3d>
+    <dgm:sp3d/>
+    <dgm:txPr/>
+    <dgm:style>
+      <a:lnRef idx="0">
+        <a:scrgbClr r="0" g="0" b="0"/>
+      </a:lnRef>
+      <a:fillRef idx="1">
+        <a:scrgbClr r="0" g="0" b="0"/>
+      </a:fillRef>
+      <a:effectRef idx="0">
+        <a:scrgbClr r="0" g="0" b="0"/>
+      </a:effectRef>
+      <a:fontRef idx="minor"/>
+    </dgm:style>
+  </dgm:styleLbl>
+  <dgm:styleLbl name="fgShp">
+    <dgm:scene3d>
+      <a:camera prst="orthographicFront"/>
+      <a:lightRig rig="threePt" dir="t"/>
+    </dgm:scene3d>
+    <dgm:sp3d/>
+    <dgm:txPr/>
+    <dgm:style>
+      <a:lnRef idx="2">
+        <a:scrgbClr r="0" g="0" b="0"/>
+      </a:lnRef>
+      <a:fillRef idx="1">
+        <a:scrgbClr r="0" g="0" b="0"/>
+      </a:fillRef>
+      <a:effectRef idx="0">
+        <a:scrgbClr r="0" g="0" b="0"/>
+      </a:effectRef>
+      <a:fontRef idx="minor"/>
+    </dgm:style>
+  </dgm:styleLbl>
+  <dgm:styleLbl name="revTx">
+    <dgm:scene3d>
+      <a:camera prst="orthographicFront"/>
+      <a:lightRig rig="threePt" dir="t"/>
+    </dgm:scene3d>
+    <dgm:sp3d/>
+    <dgm:txPr/>
+    <dgm:style>
+      <a:lnRef idx="0">
+        <a:scrgbClr r="0" g="0" b="0"/>
+      </a:lnRef>
+      <a:fillRef idx="0">
+        <a:scrgbClr r="0" g="0" b="0"/>
+      </a:fillRef>
+      <a:effectRef idx="0">
+        <a:scrgbClr r="0" g="0" b="0"/>
+      </a:effectRef>
+      <a:fontRef idx="minor"/>
+    </dgm:style>
+  </dgm:styleLbl>
+</dgm:styleDef>
 </file>
 
 <file path=ppt/slideLayouts/slideLayout1.xml><?xml version="1.0" encoding="utf-8"?>
@@ -362,7 +4242,7 @@
             <a:fld id="{5586B75A-687E-405C-8A0B-8D00578BA2C3}" type="datetimeFigureOut">
               <a:rPr lang="en-US" dirty="0"/>
               <a:pPr/>
-              <a:t>5/6/2016</a:t>
+              <a:t>5/10/2016</a:t>
             </a:fld>
             <a:endParaRPr lang="en-US" dirty="0"/>
           </a:p>
@@ -529,7 +4409,7 @@
             <a:fld id="{5586B75A-687E-405C-8A0B-8D00578BA2C3}" type="datetimeFigureOut">
               <a:rPr lang="en-US" dirty="0"/>
               <a:pPr/>
-              <a:t>5/6/2016</a:t>
+              <a:t>5/10/2016</a:t>
             </a:fld>
             <a:endParaRPr lang="en-US" dirty="0"/>
           </a:p>
@@ -706,7 +4586,7 @@
             <a:fld id="{5586B75A-687E-405C-8A0B-8D00578BA2C3}" type="datetimeFigureOut">
               <a:rPr lang="en-US" dirty="0"/>
               <a:pPr/>
-              <a:t>5/6/2016</a:t>
+              <a:t>5/10/2016</a:t>
             </a:fld>
             <a:endParaRPr lang="en-US" dirty="0"/>
           </a:p>
@@ -873,7 +4753,7 @@
             <a:fld id="{5586B75A-687E-405C-8A0B-8D00578BA2C3}" type="datetimeFigureOut">
               <a:rPr lang="en-US" dirty="0"/>
               <a:pPr/>
-              <a:t>5/6/2016</a:t>
+              <a:t>5/10/2016</a:t>
             </a:fld>
             <a:endParaRPr lang="en-US" dirty="0"/>
           </a:p>
@@ -1128,7 +5008,7 @@
             <a:fld id="{5586B75A-687E-405C-8A0B-8D00578BA2C3}" type="datetimeFigureOut">
               <a:rPr lang="en-US" dirty="0"/>
               <a:pPr/>
-              <a:t>5/6/2016</a:t>
+              <a:t>5/10/2016</a:t>
             </a:fld>
             <a:endParaRPr lang="en-US" dirty="0"/>
           </a:p>
@@ -1413,7 +5293,7 @@
             <a:fld id="{5586B75A-687E-405C-8A0B-8D00578BA2C3}" type="datetimeFigureOut">
               <a:rPr lang="en-US" dirty="0"/>
               <a:pPr/>
-              <a:t>5/6/2016</a:t>
+              <a:t>5/10/2016</a:t>
             </a:fld>
             <a:endParaRPr lang="en-US" dirty="0"/>
           </a:p>
@@ -1852,7 +5732,7 @@
             <a:fld id="{5586B75A-687E-405C-8A0B-8D00578BA2C3}" type="datetimeFigureOut">
               <a:rPr lang="en-US" dirty="0"/>
               <a:pPr/>
-              <a:t>5/6/2016</a:t>
+              <a:t>5/10/2016</a:t>
             </a:fld>
             <a:endParaRPr lang="en-US" dirty="0"/>
           </a:p>
@@ -1967,7 +5847,7 @@
             <a:fld id="{5586B75A-687E-405C-8A0B-8D00578BA2C3}" type="datetimeFigureOut">
               <a:rPr lang="en-US" dirty="0"/>
               <a:pPr/>
-              <a:t>5/6/2016</a:t>
+              <a:t>5/10/2016</a:t>
             </a:fld>
             <a:endParaRPr lang="en-US" dirty="0"/>
           </a:p>
@@ -2059,7 +5939,7 @@
             <a:fld id="{5586B75A-687E-405C-8A0B-8D00578BA2C3}" type="datetimeFigureOut">
               <a:rPr lang="en-US" dirty="0"/>
               <a:pPr/>
-              <a:t>5/6/2016</a:t>
+              <a:t>5/10/2016</a:t>
             </a:fld>
             <a:endParaRPr lang="en-US" dirty="0"/>
           </a:p>
@@ -2344,7 +6224,7 @@
             <a:fld id="{5586B75A-687E-405C-8A0B-8D00578BA2C3}" type="datetimeFigureOut">
               <a:rPr lang="en-US" dirty="0"/>
               <a:pPr/>
-              <a:t>5/6/2016</a:t>
+              <a:t>5/10/2016</a:t>
             </a:fld>
             <a:endParaRPr lang="en-US" dirty="0"/>
           </a:p>
@@ -2614,7 +6494,7 @@
             <a:fld id="{5586B75A-687E-405C-8A0B-8D00578BA2C3}" type="datetimeFigureOut">
               <a:rPr lang="en-US" dirty="0"/>
               <a:pPr/>
-              <a:t>5/6/2016</a:t>
+              <a:t>5/10/2016</a:t>
             </a:fld>
             <a:endParaRPr lang="en-US" dirty="0"/>
           </a:p>
@@ -2908,7 +6788,7 @@
             <a:fld id="{5586B75A-687E-405C-8A0B-8D00578BA2C3}" type="datetimeFigureOut">
               <a:rPr lang="en-US" dirty="0"/>
               <a:pPr/>
-              <a:t>5/6/2016</a:t>
+              <a:t>5/10/2016</a:t>
             </a:fld>
             <a:endParaRPr lang="en-US" dirty="0"/>
           </a:p>
@@ -3437,7 +7317,14 @@
           <a:p>
             <a:r>
               <a:rPr lang="en-US" dirty="0" smtClean="0"/>
-              <a:t>Dilesh Fernando, Paul Charles, Purna Doddapaneni, Cheng-</a:t>
+              <a:t>Dilesh Fernando, Paul Charles, Purna Doddapaneni, </a:t>
+            </a:r>
+            <a:endParaRPr lang="en-US" dirty="0" smtClean="0"/>
+          </a:p>
+          <a:p>
+            <a:r>
+              <a:rPr lang="en-US" dirty="0" smtClean="0"/>
+              <a:t>Cheng-</a:t>
             </a:r>
             <a:r>
               <a:rPr lang="en-US" dirty="0" err="1" smtClean="0"/>
@@ -3445,7 +7332,11 @@
             </a:r>
             <a:r>
               <a:rPr lang="en-US" dirty="0" smtClean="0"/>
-              <a:t> Lee, Kuei Hsien Chu</a:t>
+              <a:t> </a:t>
+            </a:r>
+            <a:r>
+              <a:rPr lang="en-US" dirty="0" smtClean="0"/>
+              <a:t>Lee, Kuei Hsien Chu</a:t>
             </a:r>
             <a:endParaRPr lang="en-US" dirty="0"/>
           </a:p>
@@ -4295,35 +8186,6 @@
       </p:sp>
       <p:pic>
         <p:nvPicPr>
-          <p:cNvPr id="5" name="Content Placeholder 4"/>
-          <p:cNvPicPr>
-            <a:picLocks noGrp="1" noChangeAspect="1"/>
-          </p:cNvPicPr>
-          <p:nvPr>
-            <p:ph idx="1"/>
-          </p:nvPr>
-        </p:nvPicPr>
-        <p:blipFill>
-          <a:blip r:embed="rId2">
-            <a:extLst>
-              <a:ext uri="{28A0092B-C50C-407E-A947-70E740481C1C}">
-                <a14:useLocalDpi xmlns:a14="http://schemas.microsoft.com/office/drawing/2010/main" val="0"/>
-              </a:ext>
-            </a:extLst>
-          </a:blip>
-          <a:stretch>
-            <a:fillRect/>
-          </a:stretch>
-        </p:blipFill>
-        <p:spPr>
-          <a:xfrm>
-            <a:off x="455639" y="1968985"/>
-            <a:ext cx="2404017" cy="2404017"/>
-          </a:xfrm>
-        </p:spPr>
-      </p:pic>
-      <p:pic>
-        <p:nvPicPr>
           <p:cNvPr id="9" name="Picture 8"/>
           <p:cNvPicPr>
             <a:picLocks noChangeAspect="1"/>
@@ -4331,7 +8193,7 @@
           <p:nvPr/>
         </p:nvPicPr>
         <p:blipFill>
-          <a:blip r:embed="rId3">
+          <a:blip r:embed="rId2">
             <a:extLst>
               <a:ext uri="{28A0092B-C50C-407E-A947-70E740481C1C}">
                 <a14:useLocalDpi xmlns:a14="http://schemas.microsoft.com/office/drawing/2010/main" val="0"/>
@@ -4427,8 +8289,8 @@
         </p:nvSpPr>
         <p:spPr>
           <a:xfrm>
-            <a:off x="3640348" y="1401279"/>
-            <a:ext cx="5589917" cy="1815882"/>
+            <a:off x="3459116" y="1365273"/>
+            <a:ext cx="8212184" cy="2677656"/>
           </a:xfrm>
           <a:prstGeom prst="rect">
             <a:avLst/>
@@ -4450,15 +8312,25 @@
             </a:pPr>
             <a:r>
               <a:rPr lang="en-US" sz="2800" dirty="0" smtClean="0"/>
-              <a:t>TBA</a:t>
+              <a:t>Set Order: </a:t>
+            </a:r>
+            <a:r>
+              <a:rPr lang="en-US" sz="2800" dirty="0" smtClean="0"/>
+              <a:t>In </a:t>
+            </a:r>
+            <a:r>
+              <a:rPr lang="en-US" sz="2800" dirty="0" err="1" smtClean="0"/>
+              <a:t>view_exercises.php</a:t>
+            </a:r>
+            <a:r>
+              <a:rPr lang="en-US" sz="2800" dirty="0" smtClean="0"/>
+              <a:t> or Exercise Info, the set order sometimes shows in reverse order</a:t>
             </a:r>
           </a:p>
           <a:p>
             <a:pPr marL="914400" lvl="1" indent="-457200">
               <a:buClr>
-                <a:schemeClr val="accent1">
-                  <a:lumMod val="75000"/>
-                </a:schemeClr>
+                <a:srgbClr val="0070C0"/>
               </a:buClr>
               <a:buFont typeface="Wingdings" panose="05000000000000000000" pitchFamily="2" charset="2"/>
               <a:buChar char="Ø"/>
@@ -4466,10 +8338,6 @@
             <a:endParaRPr lang="en-US" sz="2800" dirty="0" smtClean="0"/>
           </a:p>
           <a:p>
-            <a:pPr marL="457200" indent="-457200">
-              <a:buFont typeface="Wingdings" panose="05000000000000000000" pitchFamily="2" charset="2"/>
-              <a:buChar char="Ø"/>
-            </a:pPr>
             <a:endParaRPr lang="en-US" sz="2800" dirty="0" smtClean="0"/>
           </a:p>
           <a:p>
@@ -4505,6 +8373,30 @@
           <a:xfrm>
             <a:off x="195355" y="1023586"/>
             <a:ext cx="3054647" cy="2499257"/>
+          </a:xfrm>
+          <a:prstGeom prst="rect">
+            <a:avLst/>
+          </a:prstGeom>
+        </p:spPr>
+      </p:pic>
+      <p:pic>
+        <p:nvPicPr>
+          <p:cNvPr id="2" name="Picture 1"/>
+          <p:cNvPicPr>
+            <a:picLocks noChangeAspect="1"/>
+          </p:cNvPicPr>
+          <p:nvPr/>
+        </p:nvPicPr>
+        <p:blipFill>
+          <a:blip r:embed="rId3"/>
+          <a:stretch>
+            <a:fillRect/>
+          </a:stretch>
+        </p:blipFill>
+        <p:spPr>
+          <a:xfrm>
+            <a:off x="7721600" y="2361047"/>
+            <a:ext cx="3835400" cy="4392602"/>
           </a:xfrm>
           <a:prstGeom prst="rect">
             <a:avLst/>
@@ -4574,69 +8466,6 @@
               <a:rPr lang="en-US" sz="2800" b="1" dirty="0"/>
               <a:t>Deployment Plan</a:t>
             </a:r>
-            <a:endParaRPr lang="en-US" sz="2800" b="1" dirty="0"/>
-          </a:p>
-        </p:txBody>
-      </p:sp>
-      <p:sp>
-        <p:nvSpPr>
-          <p:cNvPr id="11" name="TextBox 10"/>
-          <p:cNvSpPr txBox="1"/>
-          <p:nvPr/>
-        </p:nvSpPr>
-        <p:spPr>
-          <a:xfrm>
-            <a:off x="3640348" y="1401279"/>
-            <a:ext cx="5589917" cy="1815882"/>
-          </a:xfrm>
-          <a:prstGeom prst="rect">
-            <a:avLst/>
-          </a:prstGeom>
-          <a:noFill/>
-        </p:spPr>
-        <p:txBody>
-          <a:bodyPr wrap="square" rtlCol="0">
-            <a:spAutoFit/>
-          </a:bodyPr>
-          <a:lstStyle/>
-          <a:p>
-            <a:pPr marL="914400" lvl="1" indent="-457200">
-              <a:buClr>
-                <a:srgbClr val="0070C0"/>
-              </a:buClr>
-              <a:buFont typeface="Wingdings" panose="05000000000000000000" pitchFamily="2" charset="2"/>
-              <a:buChar char="Ø"/>
-            </a:pPr>
-            <a:r>
-              <a:rPr lang="en-US" sz="2800" dirty="0" smtClean="0"/>
-              <a:t>TBA</a:t>
-            </a:r>
-          </a:p>
-          <a:p>
-            <a:pPr marL="914400" lvl="1" indent="-457200">
-              <a:buClr>
-                <a:schemeClr val="accent1">
-                  <a:lumMod val="75000"/>
-                </a:schemeClr>
-              </a:buClr>
-              <a:buFont typeface="Wingdings" panose="05000000000000000000" pitchFamily="2" charset="2"/>
-              <a:buChar char="Ø"/>
-            </a:pPr>
-            <a:endParaRPr lang="en-US" sz="2800" dirty="0" smtClean="0"/>
-          </a:p>
-          <a:p>
-            <a:pPr marL="457200" indent="-457200">
-              <a:buFont typeface="Wingdings" panose="05000000000000000000" pitchFamily="2" charset="2"/>
-              <a:buChar char="Ø"/>
-            </a:pPr>
-            <a:endParaRPr lang="en-US" sz="2800" dirty="0" smtClean="0"/>
-          </a:p>
-          <a:p>
-            <a:pPr marL="914400" lvl="1" indent="-457200">
-              <a:buFont typeface="Wingdings" panose="05000000000000000000" pitchFamily="2" charset="2"/>
-              <a:buChar char="Ø"/>
-            </a:pPr>
-            <a:endParaRPr lang="en-US" sz="2800" dirty="0" smtClean="0"/>
           </a:p>
         </p:txBody>
       </p:sp>
@@ -4670,6 +8499,434 @@
           </a:prstGeom>
         </p:spPr>
       </p:pic>
+      <p:graphicFrame>
+        <p:nvGraphicFramePr>
+          <p:cNvPr id="2" name="Table 1"/>
+          <p:cNvGraphicFramePr>
+            <a:graphicFrameLocks noGrp="1"/>
+          </p:cNvGraphicFramePr>
+          <p:nvPr>
+            <p:extLst>
+              <p:ext uri="{D42A27DB-BD31-4B8C-83A1-F6EECF244321}">
+                <p14:modId xmlns:p14="http://schemas.microsoft.com/office/powerpoint/2010/main" val="2174365923"/>
+              </p:ext>
+            </p:extLst>
+          </p:nvPr>
+        </p:nvGraphicFramePr>
+        <p:xfrm>
+          <a:off x="3804156" y="1669547"/>
+          <a:ext cx="7194044" cy="4540752"/>
+        </p:xfrm>
+        <a:graphic>
+          <a:graphicData uri="http://schemas.openxmlformats.org/drawingml/2006/table">
+            <a:tbl>
+              <a:tblPr firstRow="1" firstCol="1" bandRow="1">
+                <a:tableStyleId>{5C22544A-7EE6-4342-B048-85BDC9FD1C3A}</a:tableStyleId>
+              </a:tblPr>
+              <a:tblGrid>
+                <a:gridCol w="2693860"/>
+                <a:gridCol w="4500184"/>
+              </a:tblGrid>
+              <a:tr h="756792">
+                <a:tc>
+                  <a:txBody>
+                    <a:bodyPr/>
+                    <a:lstStyle/>
+                    <a:p>
+                      <a:pPr marL="0" marR="0">
+                        <a:lnSpc>
+                          <a:spcPct val="115000"/>
+                        </a:lnSpc>
+                        <a:spcBef>
+                          <a:spcPts val="0"/>
+                        </a:spcBef>
+                        <a:spcAft>
+                          <a:spcPts val="0"/>
+                        </a:spcAft>
+                      </a:pPr>
+                      <a:r>
+                        <a:rPr lang="en-US" sz="2400" dirty="0">
+                          <a:effectLst/>
+                        </a:rPr>
+                        <a:t>Deployment </a:t>
+                      </a:r>
+                      <a:endParaRPr lang="en-US" sz="2400" dirty="0">
+                        <a:effectLst/>
+                        <a:latin typeface="Calibri" panose="020F0502020204030204" pitchFamily="34" charset="0"/>
+                        <a:ea typeface="Calibri" panose="020F0502020204030204" pitchFamily="34" charset="0"/>
+                        <a:cs typeface="Times New Roman" panose="02020603050405020304" pitchFamily="18" charset="0"/>
+                      </a:endParaRPr>
+                    </a:p>
+                  </a:txBody>
+                  <a:tcPr marL="68580" marR="68580" marT="0" marB="0"/>
+                </a:tc>
+                <a:tc>
+                  <a:txBody>
+                    <a:bodyPr/>
+                    <a:lstStyle/>
+                    <a:p>
+                      <a:pPr marL="0" marR="0">
+                        <a:lnSpc>
+                          <a:spcPct val="115000"/>
+                        </a:lnSpc>
+                        <a:spcBef>
+                          <a:spcPts val="0"/>
+                        </a:spcBef>
+                        <a:spcAft>
+                          <a:spcPts val="0"/>
+                        </a:spcAft>
+                      </a:pPr>
+                      <a:r>
+                        <a:rPr lang="en-US" sz="2400">
+                          <a:effectLst/>
+                        </a:rPr>
+                        <a:t>Cost</a:t>
+                      </a:r>
+                      <a:endParaRPr lang="en-US" sz="2400">
+                        <a:effectLst/>
+                        <a:latin typeface="Calibri" panose="020F0502020204030204" pitchFamily="34" charset="0"/>
+                        <a:ea typeface="Calibri" panose="020F0502020204030204" pitchFamily="34" charset="0"/>
+                        <a:cs typeface="Times New Roman" panose="02020603050405020304" pitchFamily="18" charset="0"/>
+                      </a:endParaRPr>
+                    </a:p>
+                  </a:txBody>
+                  <a:tcPr marL="68580" marR="68580" marT="0" marB="0"/>
+                </a:tc>
+              </a:tr>
+              <a:tr h="756792">
+                <a:tc>
+                  <a:txBody>
+                    <a:bodyPr/>
+                    <a:lstStyle/>
+                    <a:p>
+                      <a:pPr marL="0" marR="0">
+                        <a:lnSpc>
+                          <a:spcPct val="115000"/>
+                        </a:lnSpc>
+                        <a:spcBef>
+                          <a:spcPts val="0"/>
+                        </a:spcBef>
+                        <a:spcAft>
+                          <a:spcPts val="0"/>
+                        </a:spcAft>
+                      </a:pPr>
+                      <a:r>
+                        <a:rPr lang="en-US" sz="2400" dirty="0">
+                          <a:effectLst/>
+                        </a:rPr>
+                        <a:t>T-shirts</a:t>
+                      </a:r>
+                      <a:endParaRPr lang="en-US" sz="2400" dirty="0">
+                        <a:effectLst/>
+                        <a:latin typeface="Calibri" panose="020F0502020204030204" pitchFamily="34" charset="0"/>
+                        <a:ea typeface="Calibri" panose="020F0502020204030204" pitchFamily="34" charset="0"/>
+                        <a:cs typeface="Times New Roman" panose="02020603050405020304" pitchFamily="18" charset="0"/>
+                      </a:endParaRPr>
+                    </a:p>
+                  </a:txBody>
+                  <a:tcPr marL="68580" marR="68580" marT="0" marB="0"/>
+                </a:tc>
+                <a:tc>
+                  <a:txBody>
+                    <a:bodyPr/>
+                    <a:lstStyle/>
+                    <a:p>
+                      <a:pPr marL="0" marR="0">
+                        <a:lnSpc>
+                          <a:spcPct val="115000"/>
+                        </a:lnSpc>
+                        <a:spcBef>
+                          <a:spcPts val="0"/>
+                        </a:spcBef>
+                        <a:spcAft>
+                          <a:spcPts val="0"/>
+                        </a:spcAft>
+                      </a:pPr>
+                      <a:r>
+                        <a:rPr lang="en-US" sz="2400">
+                          <a:effectLst/>
+                        </a:rPr>
+                        <a:t>$442.20</a:t>
+                      </a:r>
+                      <a:endParaRPr lang="en-US" sz="2400">
+                        <a:effectLst/>
+                        <a:latin typeface="Calibri" panose="020F0502020204030204" pitchFamily="34" charset="0"/>
+                        <a:ea typeface="Calibri" panose="020F0502020204030204" pitchFamily="34" charset="0"/>
+                        <a:cs typeface="Times New Roman" panose="02020603050405020304" pitchFamily="18" charset="0"/>
+                      </a:endParaRPr>
+                    </a:p>
+                  </a:txBody>
+                  <a:tcPr marL="68580" marR="68580" marT="0" marB="0"/>
+                </a:tc>
+              </a:tr>
+              <a:tr h="756792">
+                <a:tc>
+                  <a:txBody>
+                    <a:bodyPr/>
+                    <a:lstStyle/>
+                    <a:p>
+                      <a:pPr marL="0" marR="0">
+                        <a:lnSpc>
+                          <a:spcPct val="115000"/>
+                        </a:lnSpc>
+                        <a:spcBef>
+                          <a:spcPts val="0"/>
+                        </a:spcBef>
+                        <a:spcAft>
+                          <a:spcPts val="0"/>
+                        </a:spcAft>
+                      </a:pPr>
+                      <a:r>
+                        <a:rPr lang="en-US" sz="2400" dirty="0">
+                          <a:effectLst/>
+                        </a:rPr>
+                        <a:t>Convention</a:t>
+                      </a:r>
+                      <a:endParaRPr lang="en-US" sz="2400" dirty="0">
+                        <a:effectLst/>
+                        <a:latin typeface="Calibri" panose="020F0502020204030204" pitchFamily="34" charset="0"/>
+                        <a:ea typeface="Calibri" panose="020F0502020204030204" pitchFamily="34" charset="0"/>
+                        <a:cs typeface="Times New Roman" panose="02020603050405020304" pitchFamily="18" charset="0"/>
+                      </a:endParaRPr>
+                    </a:p>
+                  </a:txBody>
+                  <a:tcPr marL="68580" marR="68580" marT="0" marB="0"/>
+                </a:tc>
+                <a:tc>
+                  <a:txBody>
+                    <a:bodyPr/>
+                    <a:lstStyle/>
+                    <a:p>
+                      <a:pPr marL="0" marR="0">
+                        <a:lnSpc>
+                          <a:spcPct val="115000"/>
+                        </a:lnSpc>
+                        <a:spcBef>
+                          <a:spcPts val="0"/>
+                        </a:spcBef>
+                        <a:spcAft>
+                          <a:spcPts val="0"/>
+                        </a:spcAft>
+                      </a:pPr>
+                      <a:r>
+                        <a:rPr lang="en-US" sz="2400" dirty="0">
+                          <a:effectLst/>
+                        </a:rPr>
+                        <a:t>$6,600</a:t>
+                      </a:r>
+                      <a:endParaRPr lang="en-US" sz="2400" dirty="0">
+                        <a:effectLst/>
+                        <a:latin typeface="Calibri" panose="020F0502020204030204" pitchFamily="34" charset="0"/>
+                        <a:ea typeface="Calibri" panose="020F0502020204030204" pitchFamily="34" charset="0"/>
+                        <a:cs typeface="Times New Roman" panose="02020603050405020304" pitchFamily="18" charset="0"/>
+                      </a:endParaRPr>
+                    </a:p>
+                  </a:txBody>
+                  <a:tcPr marL="68580" marR="68580" marT="0" marB="0"/>
+                </a:tc>
+              </a:tr>
+              <a:tr h="756792">
+                <a:tc>
+                  <a:txBody>
+                    <a:bodyPr/>
+                    <a:lstStyle/>
+                    <a:p>
+                      <a:pPr marL="0" marR="0">
+                        <a:lnSpc>
+                          <a:spcPct val="115000"/>
+                        </a:lnSpc>
+                        <a:spcBef>
+                          <a:spcPts val="0"/>
+                        </a:spcBef>
+                        <a:spcAft>
+                          <a:spcPts val="0"/>
+                        </a:spcAft>
+                      </a:pPr>
+                      <a:r>
+                        <a:rPr lang="en-US" sz="2400">
+                          <a:effectLst/>
+                        </a:rPr>
+                        <a:t>Web Advertising</a:t>
+                      </a:r>
+                      <a:endParaRPr lang="en-US" sz="2400">
+                        <a:effectLst/>
+                        <a:latin typeface="Calibri" panose="020F0502020204030204" pitchFamily="34" charset="0"/>
+                        <a:ea typeface="Calibri" panose="020F0502020204030204" pitchFamily="34" charset="0"/>
+                        <a:cs typeface="Times New Roman" panose="02020603050405020304" pitchFamily="18" charset="0"/>
+                      </a:endParaRPr>
+                    </a:p>
+                  </a:txBody>
+                  <a:tcPr marL="68580" marR="68580" marT="0" marB="0"/>
+                </a:tc>
+                <a:tc>
+                  <a:txBody>
+                    <a:bodyPr/>
+                    <a:lstStyle/>
+                    <a:p>
+                      <a:pPr marL="0" marR="0">
+                        <a:lnSpc>
+                          <a:spcPct val="115000"/>
+                        </a:lnSpc>
+                        <a:spcBef>
+                          <a:spcPts val="0"/>
+                        </a:spcBef>
+                        <a:spcAft>
+                          <a:spcPts val="0"/>
+                        </a:spcAft>
+                      </a:pPr>
+                      <a:r>
+                        <a:rPr lang="en-US" sz="2400" dirty="0">
+                          <a:effectLst/>
+                        </a:rPr>
+                        <a:t>$100,000</a:t>
+                      </a:r>
+                      <a:endParaRPr lang="en-US" sz="2400" dirty="0">
+                        <a:effectLst/>
+                        <a:latin typeface="Calibri" panose="020F0502020204030204" pitchFamily="34" charset="0"/>
+                        <a:ea typeface="Calibri" panose="020F0502020204030204" pitchFamily="34" charset="0"/>
+                        <a:cs typeface="Times New Roman" panose="02020603050405020304" pitchFamily="18" charset="0"/>
+                      </a:endParaRPr>
+                    </a:p>
+                  </a:txBody>
+                  <a:tcPr marL="68580" marR="68580" marT="0" marB="0"/>
+                </a:tc>
+              </a:tr>
+              <a:tr h="756792">
+                <a:tc>
+                  <a:txBody>
+                    <a:bodyPr/>
+                    <a:lstStyle/>
+                    <a:p>
+                      <a:pPr marL="0" marR="0">
+                        <a:lnSpc>
+                          <a:spcPct val="115000"/>
+                        </a:lnSpc>
+                        <a:spcBef>
+                          <a:spcPts val="0"/>
+                        </a:spcBef>
+                        <a:spcAft>
+                          <a:spcPts val="0"/>
+                        </a:spcAft>
+                      </a:pPr>
+                      <a:r>
+                        <a:rPr lang="en-US" sz="2400">
+                          <a:effectLst/>
+                        </a:rPr>
+                        <a:t>Advertising Banner</a:t>
+                      </a:r>
+                      <a:endParaRPr lang="en-US" sz="2400">
+                        <a:effectLst/>
+                        <a:latin typeface="Calibri" panose="020F0502020204030204" pitchFamily="34" charset="0"/>
+                        <a:ea typeface="Calibri" panose="020F0502020204030204" pitchFamily="34" charset="0"/>
+                        <a:cs typeface="Times New Roman" panose="02020603050405020304" pitchFamily="18" charset="0"/>
+                      </a:endParaRPr>
+                    </a:p>
+                  </a:txBody>
+                  <a:tcPr marL="68580" marR="68580" marT="0" marB="0"/>
+                </a:tc>
+                <a:tc>
+                  <a:txBody>
+                    <a:bodyPr/>
+                    <a:lstStyle/>
+                    <a:p>
+                      <a:pPr marL="0" marR="0">
+                        <a:lnSpc>
+                          <a:spcPct val="115000"/>
+                        </a:lnSpc>
+                        <a:spcBef>
+                          <a:spcPts val="0"/>
+                        </a:spcBef>
+                        <a:spcAft>
+                          <a:spcPts val="0"/>
+                        </a:spcAft>
+                      </a:pPr>
+                      <a:r>
+                        <a:rPr lang="en-US" sz="2400" dirty="0">
+                          <a:effectLst/>
+                        </a:rPr>
+                        <a:t>$79.00</a:t>
+                      </a:r>
+                      <a:endParaRPr lang="en-US" sz="2400" dirty="0">
+                        <a:effectLst/>
+                        <a:latin typeface="Calibri" panose="020F0502020204030204" pitchFamily="34" charset="0"/>
+                        <a:ea typeface="Calibri" panose="020F0502020204030204" pitchFamily="34" charset="0"/>
+                        <a:cs typeface="Times New Roman" panose="02020603050405020304" pitchFamily="18" charset="0"/>
+                      </a:endParaRPr>
+                    </a:p>
+                  </a:txBody>
+                  <a:tcPr marL="68580" marR="68580" marT="0" marB="0"/>
+                </a:tc>
+              </a:tr>
+              <a:tr h="756792">
+                <a:tc>
+                  <a:txBody>
+                    <a:bodyPr/>
+                    <a:lstStyle/>
+                    <a:p>
+                      <a:pPr marL="0" marR="0">
+                        <a:lnSpc>
+                          <a:spcPct val="115000"/>
+                        </a:lnSpc>
+                        <a:spcBef>
+                          <a:spcPts val="0"/>
+                        </a:spcBef>
+                        <a:spcAft>
+                          <a:spcPts val="0"/>
+                        </a:spcAft>
+                      </a:pPr>
+                      <a:r>
+                        <a:rPr lang="en-US" sz="2400">
+                          <a:effectLst/>
+                        </a:rPr>
+                        <a:t>Totals </a:t>
+                      </a:r>
+                      <a:endParaRPr lang="en-US" sz="2400">
+                        <a:effectLst/>
+                        <a:latin typeface="Calibri" panose="020F0502020204030204" pitchFamily="34" charset="0"/>
+                        <a:ea typeface="Calibri" panose="020F0502020204030204" pitchFamily="34" charset="0"/>
+                        <a:cs typeface="Times New Roman" panose="02020603050405020304" pitchFamily="18" charset="0"/>
+                      </a:endParaRPr>
+                    </a:p>
+                  </a:txBody>
+                  <a:tcPr marL="68580" marR="68580" marT="0" marB="0"/>
+                </a:tc>
+                <a:tc>
+                  <a:txBody>
+                    <a:bodyPr/>
+                    <a:lstStyle/>
+                    <a:p>
+                      <a:pPr marL="0" marR="0">
+                        <a:lnSpc>
+                          <a:spcPct val="115000"/>
+                        </a:lnSpc>
+                        <a:spcBef>
+                          <a:spcPts val="0"/>
+                        </a:spcBef>
+                        <a:spcAft>
+                          <a:spcPts val="0"/>
+                        </a:spcAft>
+                      </a:pPr>
+                      <a:r>
+                        <a:rPr lang="en-US" sz="2400" dirty="0">
+                          <a:effectLst/>
+                        </a:rPr>
+                        <a:t>$107,121</a:t>
+                      </a:r>
+                      <a:endParaRPr lang="en-US" sz="2400" dirty="0">
+                        <a:effectLst/>
+                        <a:latin typeface="Calibri" panose="020F0502020204030204" pitchFamily="34" charset="0"/>
+                        <a:ea typeface="Calibri" panose="020F0502020204030204" pitchFamily="34" charset="0"/>
+                        <a:cs typeface="Times New Roman" panose="02020603050405020304" pitchFamily="18" charset="0"/>
+                      </a:endParaRPr>
+                    </a:p>
+                  </a:txBody>
+                  <a:tcPr marL="68580" marR="68580" marT="0" marB="0"/>
+                </a:tc>
+              </a:tr>
+            </a:tbl>
+          </a:graphicData>
+        </a:graphic>
+      </p:graphicFrame>
     </p:spTree>
     <p:extLst>
       <p:ext uri="{BB962C8B-B14F-4D97-AF65-F5344CB8AC3E}">
@@ -4731,71 +8988,13 @@
           <a:p>
             <a:r>
               <a:rPr lang="en-US" sz="2800" b="1" dirty="0"/>
-              <a:t>Maintenance Plan</a:t>
+              <a:t>Deployment </a:t>
+            </a:r>
+            <a:r>
+              <a:rPr lang="en-US" sz="2800" b="1" dirty="0" smtClean="0"/>
+              <a:t>Plan (cont.)</a:t>
             </a:r>
             <a:endParaRPr lang="en-US" sz="2800" b="1" dirty="0"/>
-          </a:p>
-        </p:txBody>
-      </p:sp>
-      <p:sp>
-        <p:nvSpPr>
-          <p:cNvPr id="11" name="TextBox 10"/>
-          <p:cNvSpPr txBox="1"/>
-          <p:nvPr/>
-        </p:nvSpPr>
-        <p:spPr>
-          <a:xfrm>
-            <a:off x="3640348" y="1401279"/>
-            <a:ext cx="5589917" cy="1815882"/>
-          </a:xfrm>
-          <a:prstGeom prst="rect">
-            <a:avLst/>
-          </a:prstGeom>
-          <a:noFill/>
-        </p:spPr>
-        <p:txBody>
-          <a:bodyPr wrap="square" rtlCol="0">
-            <a:spAutoFit/>
-          </a:bodyPr>
-          <a:lstStyle/>
-          <a:p>
-            <a:pPr marL="914400" lvl="1" indent="-457200">
-              <a:buClr>
-                <a:srgbClr val="0070C0"/>
-              </a:buClr>
-              <a:buFont typeface="Wingdings" panose="05000000000000000000" pitchFamily="2" charset="2"/>
-              <a:buChar char="Ø"/>
-            </a:pPr>
-            <a:r>
-              <a:rPr lang="en-US" sz="2800" dirty="0" smtClean="0"/>
-              <a:t>TBA</a:t>
-            </a:r>
-          </a:p>
-          <a:p>
-            <a:pPr marL="914400" lvl="1" indent="-457200">
-              <a:buClr>
-                <a:schemeClr val="accent1">
-                  <a:lumMod val="75000"/>
-                </a:schemeClr>
-              </a:buClr>
-              <a:buFont typeface="Wingdings" panose="05000000000000000000" pitchFamily="2" charset="2"/>
-              <a:buChar char="Ø"/>
-            </a:pPr>
-            <a:endParaRPr lang="en-US" sz="2800" dirty="0" smtClean="0"/>
-          </a:p>
-          <a:p>
-            <a:pPr marL="457200" indent="-457200">
-              <a:buFont typeface="Wingdings" panose="05000000000000000000" pitchFamily="2" charset="2"/>
-              <a:buChar char="Ø"/>
-            </a:pPr>
-            <a:endParaRPr lang="en-US" sz="2800" dirty="0" smtClean="0"/>
-          </a:p>
-          <a:p>
-            <a:pPr marL="914400" lvl="1" indent="-457200">
-              <a:buFont typeface="Wingdings" panose="05000000000000000000" pitchFamily="2" charset="2"/>
-              <a:buChar char="Ø"/>
-            </a:pPr>
-            <a:endParaRPr lang="en-US" sz="2800" dirty="0" smtClean="0"/>
           </a:p>
         </p:txBody>
       </p:sp>
@@ -4829,10 +9028,1828 @@
           </a:prstGeom>
         </p:spPr>
       </p:pic>
+      <p:graphicFrame>
+        <p:nvGraphicFramePr>
+          <p:cNvPr id="5" name="Diagram 4"/>
+          <p:cNvGraphicFramePr/>
+          <p:nvPr>
+            <p:extLst>
+              <p:ext uri="{D42A27DB-BD31-4B8C-83A1-F6EECF244321}">
+                <p14:modId xmlns:p14="http://schemas.microsoft.com/office/powerpoint/2010/main" val="2565939267"/>
+              </p:ext>
+            </p:extLst>
+          </p:nvPr>
+        </p:nvGraphicFramePr>
+        <p:xfrm>
+          <a:off x="3640348" y="1511301"/>
+          <a:ext cx="7319752" cy="4610100"/>
+        </p:xfrm>
+        <a:graphic>
+          <a:graphicData uri="http://schemas.openxmlformats.org/drawingml/2006/diagram">
+            <dgm:relIds xmlns:dgm="http://schemas.openxmlformats.org/drawingml/2006/diagram" xmlns:r="http://schemas.openxmlformats.org/officeDocument/2006/relationships" r:dm="rId3" r:lo="rId4" r:qs="rId5" r:cs="rId6"/>
+          </a:graphicData>
+        </a:graphic>
+      </p:graphicFrame>
     </p:spTree>
     <p:extLst>
       <p:ext uri="{BB962C8B-B14F-4D97-AF65-F5344CB8AC3E}">
-        <p14:creationId xmlns:p14="http://schemas.microsoft.com/office/powerpoint/2010/main" val="2061823959"/>
+        <p14:creationId xmlns:p14="http://schemas.microsoft.com/office/powerpoint/2010/main" val="2427169598"/>
+      </p:ext>
+    </p:extLst>
+  </p:cSld>
+  <p:clrMapOvr>
+    <a:masterClrMapping/>
+  </p:clrMapOvr>
+  <p:timing>
+    <p:tnLst>
+      <p:par>
+        <p:cTn id="1" dur="indefinite" restart="never" nodeType="tmRoot"/>
+      </p:par>
+    </p:tnLst>
+  </p:timing>
+</p:sld>
+</file>
+
+<file path=ppt/slides/slide8.xml><?xml version="1.0" encoding="utf-8"?>
+<p:sld xmlns:a="http://schemas.openxmlformats.org/drawingml/2006/main" xmlns:r="http://schemas.openxmlformats.org/officeDocument/2006/relationships" xmlns:p="http://schemas.openxmlformats.org/presentationml/2006/main">
+  <p:cSld>
+    <p:spTree>
+      <p:nvGrpSpPr>
+        <p:cNvPr id="1" name=""/>
+        <p:cNvGrpSpPr/>
+        <p:nvPr/>
+      </p:nvGrpSpPr>
+      <p:grpSpPr>
+        <a:xfrm>
+          <a:off x="0" y="0"/>
+          <a:ext cx="0" cy="0"/>
+          <a:chOff x="0" y="0"/>
+          <a:chExt cx="0" cy="0"/>
+        </a:xfrm>
+      </p:grpSpPr>
+      <p:sp>
+        <p:nvSpPr>
+          <p:cNvPr id="10" name="TextBox 9"/>
+          <p:cNvSpPr txBox="1"/>
+          <p:nvPr/>
+        </p:nvSpPr>
+        <p:spPr>
+          <a:xfrm>
+            <a:off x="3640348" y="724619"/>
+            <a:ext cx="5589917" cy="523220"/>
+          </a:xfrm>
+          <a:prstGeom prst="rect">
+            <a:avLst/>
+          </a:prstGeom>
+          <a:noFill/>
+        </p:spPr>
+        <p:txBody>
+          <a:bodyPr wrap="square" rtlCol="0">
+            <a:spAutoFit/>
+          </a:bodyPr>
+          <a:lstStyle/>
+          <a:p>
+            <a:r>
+              <a:rPr lang="en-US" sz="2800" b="1" dirty="0"/>
+              <a:t>Maintenance </a:t>
+            </a:r>
+            <a:r>
+              <a:rPr lang="en-US" sz="2800" b="1" dirty="0" smtClean="0"/>
+              <a:t>Plan</a:t>
+            </a:r>
+            <a:endParaRPr lang="en-US" sz="2800" b="1" dirty="0"/>
+          </a:p>
+        </p:txBody>
+      </p:sp>
+      <p:pic>
+        <p:nvPicPr>
+          <p:cNvPr id="9" name="Picture 8"/>
+          <p:cNvPicPr>
+            <a:picLocks noChangeAspect="1"/>
+          </p:cNvPicPr>
+          <p:nvPr/>
+        </p:nvPicPr>
+        <p:blipFill>
+          <a:blip r:embed="rId2">
+            <a:extLst>
+              <a:ext uri="{28A0092B-C50C-407E-A947-70E740481C1C}">
+                <a14:useLocalDpi xmlns:a14="http://schemas.microsoft.com/office/drawing/2010/main" val="0"/>
+              </a:ext>
+            </a:extLst>
+          </a:blip>
+          <a:stretch>
+            <a:fillRect/>
+          </a:stretch>
+        </p:blipFill>
+        <p:spPr>
+          <a:xfrm>
+            <a:off x="195355" y="1023586"/>
+            <a:ext cx="3054647" cy="2499257"/>
+          </a:xfrm>
+          <a:prstGeom prst="rect">
+            <a:avLst/>
+          </a:prstGeom>
+        </p:spPr>
+      </p:pic>
+      <p:graphicFrame>
+        <p:nvGraphicFramePr>
+          <p:cNvPr id="6" name="Chart 5"/>
+          <p:cNvGraphicFramePr/>
+          <p:nvPr>
+            <p:extLst>
+              <p:ext uri="{D42A27DB-BD31-4B8C-83A1-F6EECF244321}">
+                <p14:modId xmlns:p14="http://schemas.microsoft.com/office/powerpoint/2010/main" val="2585529033"/>
+              </p:ext>
+            </p:extLst>
+          </p:nvPr>
+        </p:nvGraphicFramePr>
+        <p:xfrm>
+          <a:off x="2806700" y="1247839"/>
+          <a:ext cx="8128000" cy="4941888"/>
+        </p:xfrm>
+        <a:graphic>
+          <a:graphicData uri="http://schemas.openxmlformats.org/drawingml/2006/chart">
+            <c:chart xmlns:c="http://schemas.openxmlformats.org/drawingml/2006/chart" xmlns:r="http://schemas.openxmlformats.org/officeDocument/2006/relationships" r:id="rId3"/>
+          </a:graphicData>
+        </a:graphic>
+      </p:graphicFrame>
+      <p:graphicFrame>
+        <p:nvGraphicFramePr>
+          <p:cNvPr id="2" name="Table 1"/>
+          <p:cNvGraphicFramePr>
+            <a:graphicFrameLocks noGrp="1"/>
+          </p:cNvGraphicFramePr>
+          <p:nvPr>
+            <p:extLst>
+              <p:ext uri="{D42A27DB-BD31-4B8C-83A1-F6EECF244321}">
+                <p14:modId xmlns:p14="http://schemas.microsoft.com/office/powerpoint/2010/main" val="548697704"/>
+              </p:ext>
+            </p:extLst>
+          </p:nvPr>
+        </p:nvGraphicFramePr>
+        <p:xfrm>
+          <a:off x="7127875" y="5805532"/>
+          <a:ext cx="4454525" cy="907415"/>
+        </p:xfrm>
+        <a:graphic>
+          <a:graphicData uri="http://schemas.openxmlformats.org/drawingml/2006/table">
+            <a:tbl>
+              <a:tblPr firstRow="1" firstCol="1" bandRow="1">
+                <a:tableStyleId>{5C22544A-7EE6-4342-B048-85BDC9FD1C3A}</a:tableStyleId>
+              </a:tblPr>
+              <a:tblGrid>
+                <a:gridCol w="1825625"/>
+                <a:gridCol w="2628900"/>
+              </a:tblGrid>
+              <a:tr h="0">
+                <a:tc>
+                  <a:txBody>
+                    <a:bodyPr/>
+                    <a:lstStyle/>
+                    <a:p>
+                      <a:pPr marL="0" marR="0">
+                        <a:lnSpc>
+                          <a:spcPct val="115000"/>
+                        </a:lnSpc>
+                        <a:spcBef>
+                          <a:spcPts val="0"/>
+                        </a:spcBef>
+                        <a:spcAft>
+                          <a:spcPts val="0"/>
+                        </a:spcAft>
+                      </a:pPr>
+                      <a:r>
+                        <a:rPr lang="en-US" sz="1100">
+                          <a:effectLst/>
+                        </a:rPr>
+                        <a:t>Component</a:t>
+                      </a:r>
+                      <a:endParaRPr lang="en-US" sz="1100">
+                        <a:effectLst/>
+                        <a:latin typeface="Calibri" panose="020F0502020204030204" pitchFamily="34" charset="0"/>
+                        <a:ea typeface="Calibri" panose="020F0502020204030204" pitchFamily="34" charset="0"/>
+                        <a:cs typeface="Times New Roman" panose="02020603050405020304" pitchFamily="18" charset="0"/>
+                      </a:endParaRPr>
+                    </a:p>
+                  </a:txBody>
+                  <a:tcPr marL="68580" marR="68580" marT="0" marB="0"/>
+                </a:tc>
+                <a:tc>
+                  <a:txBody>
+                    <a:bodyPr/>
+                    <a:lstStyle/>
+                    <a:p>
+                      <a:pPr marL="0" marR="0">
+                        <a:lnSpc>
+                          <a:spcPct val="115000"/>
+                        </a:lnSpc>
+                        <a:spcBef>
+                          <a:spcPts val="0"/>
+                        </a:spcBef>
+                        <a:spcAft>
+                          <a:spcPts val="0"/>
+                        </a:spcAft>
+                      </a:pPr>
+                      <a:r>
+                        <a:rPr lang="en-US" sz="1100">
+                          <a:effectLst/>
+                        </a:rPr>
+                        <a:t>Specification</a:t>
+                      </a:r>
+                      <a:endParaRPr lang="en-US" sz="1100">
+                        <a:effectLst/>
+                        <a:latin typeface="Calibri" panose="020F0502020204030204" pitchFamily="34" charset="0"/>
+                        <a:ea typeface="Calibri" panose="020F0502020204030204" pitchFamily="34" charset="0"/>
+                        <a:cs typeface="Times New Roman" panose="02020603050405020304" pitchFamily="18" charset="0"/>
+                      </a:endParaRPr>
+                    </a:p>
+                  </a:txBody>
+                  <a:tcPr marL="68580" marR="68580" marT="0" marB="0"/>
+                </a:tc>
+              </a:tr>
+              <a:tr h="0">
+                <a:tc>
+                  <a:txBody>
+                    <a:bodyPr/>
+                    <a:lstStyle/>
+                    <a:p>
+                      <a:pPr marL="0" marR="0">
+                        <a:lnSpc>
+                          <a:spcPct val="115000"/>
+                        </a:lnSpc>
+                        <a:spcBef>
+                          <a:spcPts val="0"/>
+                        </a:spcBef>
+                        <a:spcAft>
+                          <a:spcPts val="0"/>
+                        </a:spcAft>
+                      </a:pPr>
+                      <a:r>
+                        <a:rPr lang="en-US" sz="1100">
+                          <a:effectLst/>
+                        </a:rPr>
+                        <a:t>Number of CPU’s</a:t>
+                      </a:r>
+                      <a:endParaRPr lang="en-US" sz="1100">
+                        <a:effectLst/>
+                        <a:latin typeface="Calibri" panose="020F0502020204030204" pitchFamily="34" charset="0"/>
+                        <a:ea typeface="Calibri" panose="020F0502020204030204" pitchFamily="34" charset="0"/>
+                        <a:cs typeface="Times New Roman" panose="02020603050405020304" pitchFamily="18" charset="0"/>
+                      </a:endParaRPr>
+                    </a:p>
+                  </a:txBody>
+                  <a:tcPr marL="68580" marR="68580" marT="0" marB="0"/>
+                </a:tc>
+                <a:tc>
+                  <a:txBody>
+                    <a:bodyPr/>
+                    <a:lstStyle/>
+                    <a:p>
+                      <a:pPr marL="0" marR="0">
+                        <a:lnSpc>
+                          <a:spcPct val="115000"/>
+                        </a:lnSpc>
+                        <a:spcBef>
+                          <a:spcPts val="0"/>
+                        </a:spcBef>
+                        <a:spcAft>
+                          <a:spcPts val="0"/>
+                        </a:spcAft>
+                      </a:pPr>
+                      <a:r>
+                        <a:rPr lang="en-US" sz="1100">
+                          <a:effectLst/>
+                        </a:rPr>
+                        <a:t>1</a:t>
+                      </a:r>
+                      <a:endParaRPr lang="en-US" sz="1100">
+                        <a:effectLst/>
+                        <a:latin typeface="Calibri" panose="020F0502020204030204" pitchFamily="34" charset="0"/>
+                        <a:ea typeface="Calibri" panose="020F0502020204030204" pitchFamily="34" charset="0"/>
+                        <a:cs typeface="Times New Roman" panose="02020603050405020304" pitchFamily="18" charset="0"/>
+                      </a:endParaRPr>
+                    </a:p>
+                  </a:txBody>
+                  <a:tcPr marL="68580" marR="68580" marT="0" marB="0"/>
+                </a:tc>
+              </a:tr>
+              <a:tr h="0">
+                <a:tc>
+                  <a:txBody>
+                    <a:bodyPr/>
+                    <a:lstStyle/>
+                    <a:p>
+                      <a:pPr marL="0" marR="0">
+                        <a:lnSpc>
+                          <a:spcPct val="115000"/>
+                        </a:lnSpc>
+                        <a:spcBef>
+                          <a:spcPts val="0"/>
+                        </a:spcBef>
+                        <a:spcAft>
+                          <a:spcPts val="0"/>
+                        </a:spcAft>
+                      </a:pPr>
+                      <a:r>
+                        <a:rPr lang="en-US" sz="1100">
+                          <a:effectLst/>
+                        </a:rPr>
+                        <a:t>RAM</a:t>
+                      </a:r>
+                      <a:endParaRPr lang="en-US" sz="1100">
+                        <a:effectLst/>
+                        <a:latin typeface="Calibri" panose="020F0502020204030204" pitchFamily="34" charset="0"/>
+                        <a:ea typeface="Calibri" panose="020F0502020204030204" pitchFamily="34" charset="0"/>
+                        <a:cs typeface="Times New Roman" panose="02020603050405020304" pitchFamily="18" charset="0"/>
+                      </a:endParaRPr>
+                    </a:p>
+                  </a:txBody>
+                  <a:tcPr marL="68580" marR="68580" marT="0" marB="0"/>
+                </a:tc>
+                <a:tc>
+                  <a:txBody>
+                    <a:bodyPr/>
+                    <a:lstStyle/>
+                    <a:p>
+                      <a:pPr marL="0" marR="0">
+                        <a:lnSpc>
+                          <a:spcPct val="115000"/>
+                        </a:lnSpc>
+                        <a:spcBef>
+                          <a:spcPts val="0"/>
+                        </a:spcBef>
+                        <a:spcAft>
+                          <a:spcPts val="0"/>
+                        </a:spcAft>
+                      </a:pPr>
+                      <a:r>
+                        <a:rPr lang="en-US" sz="1100">
+                          <a:effectLst/>
+                        </a:rPr>
+                        <a:t>3.75 GB</a:t>
+                      </a:r>
+                      <a:endParaRPr lang="en-US" sz="1100">
+                        <a:effectLst/>
+                        <a:latin typeface="Calibri" panose="020F0502020204030204" pitchFamily="34" charset="0"/>
+                        <a:ea typeface="Calibri" panose="020F0502020204030204" pitchFamily="34" charset="0"/>
+                        <a:cs typeface="Times New Roman" panose="02020603050405020304" pitchFamily="18" charset="0"/>
+                      </a:endParaRPr>
+                    </a:p>
+                  </a:txBody>
+                  <a:tcPr marL="68580" marR="68580" marT="0" marB="0"/>
+                </a:tc>
+              </a:tr>
+              <a:tr h="0">
+                <a:tc>
+                  <a:txBody>
+                    <a:bodyPr/>
+                    <a:lstStyle/>
+                    <a:p>
+                      <a:pPr marL="0" marR="0">
+                        <a:lnSpc>
+                          <a:spcPct val="115000"/>
+                        </a:lnSpc>
+                        <a:spcBef>
+                          <a:spcPts val="0"/>
+                        </a:spcBef>
+                        <a:spcAft>
+                          <a:spcPts val="0"/>
+                        </a:spcAft>
+                      </a:pPr>
+                      <a:r>
+                        <a:rPr lang="en-US" sz="1100">
+                          <a:effectLst/>
+                        </a:rPr>
+                        <a:t>Hard Drive Storage</a:t>
+                      </a:r>
+                      <a:endParaRPr lang="en-US" sz="1100">
+                        <a:effectLst/>
+                        <a:latin typeface="Calibri" panose="020F0502020204030204" pitchFamily="34" charset="0"/>
+                        <a:ea typeface="Calibri" panose="020F0502020204030204" pitchFamily="34" charset="0"/>
+                        <a:cs typeface="Times New Roman" panose="02020603050405020304" pitchFamily="18" charset="0"/>
+                      </a:endParaRPr>
+                    </a:p>
+                  </a:txBody>
+                  <a:tcPr marL="68580" marR="68580" marT="0" marB="0"/>
+                </a:tc>
+                <a:tc>
+                  <a:txBody>
+                    <a:bodyPr/>
+                    <a:lstStyle/>
+                    <a:p>
+                      <a:pPr marL="0" marR="0">
+                        <a:lnSpc>
+                          <a:spcPct val="115000"/>
+                        </a:lnSpc>
+                        <a:spcBef>
+                          <a:spcPts val="0"/>
+                        </a:spcBef>
+                        <a:spcAft>
+                          <a:spcPts val="0"/>
+                        </a:spcAft>
+                      </a:pPr>
+                      <a:r>
+                        <a:rPr lang="en-US" sz="1100">
+                          <a:effectLst/>
+                        </a:rPr>
+                        <a:t>8GB</a:t>
+                      </a:r>
+                      <a:endParaRPr lang="en-US" sz="1100">
+                        <a:effectLst/>
+                        <a:latin typeface="Calibri" panose="020F0502020204030204" pitchFamily="34" charset="0"/>
+                        <a:ea typeface="Calibri" panose="020F0502020204030204" pitchFamily="34" charset="0"/>
+                        <a:cs typeface="Times New Roman" panose="02020603050405020304" pitchFamily="18" charset="0"/>
+                      </a:endParaRPr>
+                    </a:p>
+                  </a:txBody>
+                  <a:tcPr marL="68580" marR="68580" marT="0" marB="0"/>
+                </a:tc>
+              </a:tr>
+              <a:tr h="0">
+                <a:tc>
+                  <a:txBody>
+                    <a:bodyPr/>
+                    <a:lstStyle/>
+                    <a:p>
+                      <a:pPr marL="0" marR="0">
+                        <a:lnSpc>
+                          <a:spcPct val="115000"/>
+                        </a:lnSpc>
+                        <a:spcBef>
+                          <a:spcPts val="0"/>
+                        </a:spcBef>
+                        <a:spcAft>
+                          <a:spcPts val="0"/>
+                        </a:spcAft>
+                      </a:pPr>
+                      <a:r>
+                        <a:rPr lang="en-US" sz="1100">
+                          <a:effectLst/>
+                        </a:rPr>
+                        <a:t>Backup Storage</a:t>
+                      </a:r>
+                      <a:endParaRPr lang="en-US" sz="1100">
+                        <a:effectLst/>
+                        <a:latin typeface="Calibri" panose="020F0502020204030204" pitchFamily="34" charset="0"/>
+                        <a:ea typeface="Calibri" panose="020F0502020204030204" pitchFamily="34" charset="0"/>
+                        <a:cs typeface="Times New Roman" panose="02020603050405020304" pitchFamily="18" charset="0"/>
+                      </a:endParaRPr>
+                    </a:p>
+                  </a:txBody>
+                  <a:tcPr marL="68580" marR="68580" marT="0" marB="0"/>
+                </a:tc>
+                <a:tc>
+                  <a:txBody>
+                    <a:bodyPr/>
+                    <a:lstStyle/>
+                    <a:p>
+                      <a:pPr marL="0" marR="0">
+                        <a:lnSpc>
+                          <a:spcPct val="115000"/>
+                        </a:lnSpc>
+                        <a:spcBef>
+                          <a:spcPts val="0"/>
+                        </a:spcBef>
+                        <a:spcAft>
+                          <a:spcPts val="0"/>
+                        </a:spcAft>
+                      </a:pPr>
+                      <a:r>
+                        <a:rPr lang="en-US" sz="1100" dirty="0">
+                          <a:effectLst/>
+                        </a:rPr>
+                        <a:t>2GB</a:t>
+                      </a:r>
+                      <a:endParaRPr lang="en-US" sz="1100" dirty="0">
+                        <a:effectLst/>
+                        <a:latin typeface="Calibri" panose="020F0502020204030204" pitchFamily="34" charset="0"/>
+                        <a:ea typeface="Calibri" panose="020F0502020204030204" pitchFamily="34" charset="0"/>
+                        <a:cs typeface="Times New Roman" panose="02020603050405020304" pitchFamily="18" charset="0"/>
+                      </a:endParaRPr>
+                    </a:p>
+                  </a:txBody>
+                  <a:tcPr marL="68580" marR="68580" marT="0" marB="0"/>
+                </a:tc>
+              </a:tr>
+            </a:tbl>
+          </a:graphicData>
+        </a:graphic>
+      </p:graphicFrame>
+    </p:spTree>
+    <p:extLst>
+      <p:ext uri="{BB962C8B-B14F-4D97-AF65-F5344CB8AC3E}">
+        <p14:creationId xmlns:p14="http://schemas.microsoft.com/office/powerpoint/2010/main" val="2775479263"/>
+      </p:ext>
+    </p:extLst>
+  </p:cSld>
+  <p:clrMapOvr>
+    <a:masterClrMapping/>
+  </p:clrMapOvr>
+  <p:timing>
+    <p:tnLst>
+      <p:par>
+        <p:cTn id="1" dur="indefinite" restart="never" nodeType="tmRoot"/>
+      </p:par>
+    </p:tnLst>
+  </p:timing>
+</p:sld>
+</file>
+
+<file path=ppt/slides/slide9.xml><?xml version="1.0" encoding="utf-8"?>
+<p:sld xmlns:a="http://schemas.openxmlformats.org/drawingml/2006/main" xmlns:r="http://schemas.openxmlformats.org/officeDocument/2006/relationships" xmlns:p="http://schemas.openxmlformats.org/presentationml/2006/main">
+  <p:cSld>
+    <p:spTree>
+      <p:nvGrpSpPr>
+        <p:cNvPr id="1" name=""/>
+        <p:cNvGrpSpPr/>
+        <p:nvPr/>
+      </p:nvGrpSpPr>
+      <p:grpSpPr>
+        <a:xfrm>
+          <a:off x="0" y="0"/>
+          <a:ext cx="0" cy="0"/>
+          <a:chOff x="0" y="0"/>
+          <a:chExt cx="0" cy="0"/>
+        </a:xfrm>
+      </p:grpSpPr>
+      <p:sp>
+        <p:nvSpPr>
+          <p:cNvPr id="10" name="TextBox 9"/>
+          <p:cNvSpPr txBox="1"/>
+          <p:nvPr/>
+        </p:nvSpPr>
+        <p:spPr>
+          <a:xfrm>
+            <a:off x="3640348" y="724619"/>
+            <a:ext cx="5589917" cy="523220"/>
+          </a:xfrm>
+          <a:prstGeom prst="rect">
+            <a:avLst/>
+          </a:prstGeom>
+          <a:noFill/>
+        </p:spPr>
+        <p:txBody>
+          <a:bodyPr wrap="square" rtlCol="0">
+            <a:spAutoFit/>
+          </a:bodyPr>
+          <a:lstStyle/>
+          <a:p>
+            <a:r>
+              <a:rPr lang="en-US" sz="2800" b="1" dirty="0"/>
+              <a:t>Maintenance </a:t>
+            </a:r>
+            <a:r>
+              <a:rPr lang="en-US" sz="2800" b="1" dirty="0" smtClean="0"/>
+              <a:t>Plan (cont.)</a:t>
+            </a:r>
+            <a:endParaRPr lang="en-US" sz="2800" b="1" dirty="0"/>
+          </a:p>
+        </p:txBody>
+      </p:sp>
+      <p:pic>
+        <p:nvPicPr>
+          <p:cNvPr id="9" name="Picture 8"/>
+          <p:cNvPicPr>
+            <a:picLocks noChangeAspect="1"/>
+          </p:cNvPicPr>
+          <p:nvPr/>
+        </p:nvPicPr>
+        <p:blipFill>
+          <a:blip r:embed="rId2">
+            <a:extLst>
+              <a:ext uri="{28A0092B-C50C-407E-A947-70E740481C1C}">
+                <a14:useLocalDpi xmlns:a14="http://schemas.microsoft.com/office/drawing/2010/main" val="0"/>
+              </a:ext>
+            </a:extLst>
+          </a:blip>
+          <a:stretch>
+            <a:fillRect/>
+          </a:stretch>
+        </p:blipFill>
+        <p:spPr>
+          <a:xfrm>
+            <a:off x="195355" y="1023586"/>
+            <a:ext cx="3054647" cy="2499257"/>
+          </a:xfrm>
+          <a:prstGeom prst="rect">
+            <a:avLst/>
+          </a:prstGeom>
+        </p:spPr>
+      </p:pic>
+      <p:graphicFrame>
+        <p:nvGraphicFramePr>
+          <p:cNvPr id="2" name="Table 1"/>
+          <p:cNvGraphicFramePr>
+            <a:graphicFrameLocks noGrp="1"/>
+          </p:cNvGraphicFramePr>
+          <p:nvPr>
+            <p:extLst>
+              <p:ext uri="{D42A27DB-BD31-4B8C-83A1-F6EECF244321}">
+                <p14:modId xmlns:p14="http://schemas.microsoft.com/office/powerpoint/2010/main" val="3123614738"/>
+              </p:ext>
+            </p:extLst>
+          </p:nvPr>
+        </p:nvGraphicFramePr>
+        <p:xfrm>
+          <a:off x="3640348" y="1411414"/>
+          <a:ext cx="7449503" cy="4989391"/>
+        </p:xfrm>
+        <a:graphic>
+          <a:graphicData uri="http://schemas.openxmlformats.org/drawingml/2006/table">
+            <a:tbl>
+              <a:tblPr firstRow="1" firstCol="1" bandRow="1">
+                <a:tableStyleId>{5C22544A-7EE6-4342-B048-85BDC9FD1C3A}</a:tableStyleId>
+              </a:tblPr>
+              <a:tblGrid>
+                <a:gridCol w="3090751"/>
+                <a:gridCol w="2179376"/>
+                <a:gridCol w="2179376"/>
+              </a:tblGrid>
+              <a:tr h="453581">
+                <a:tc>
+                  <a:txBody>
+                    <a:bodyPr/>
+                    <a:lstStyle/>
+                    <a:p>
+                      <a:pPr marL="0" marR="0">
+                        <a:lnSpc>
+                          <a:spcPct val="115000"/>
+                        </a:lnSpc>
+                        <a:spcBef>
+                          <a:spcPts val="0"/>
+                        </a:spcBef>
+                        <a:spcAft>
+                          <a:spcPts val="0"/>
+                        </a:spcAft>
+                      </a:pPr>
+                      <a:r>
+                        <a:rPr lang="en-US" sz="2000" dirty="0">
+                          <a:effectLst/>
+                        </a:rPr>
+                        <a:t> </a:t>
+                      </a:r>
+                      <a:endParaRPr lang="en-US" sz="2000" dirty="0">
+                        <a:solidFill>
+                          <a:srgbClr val="000000"/>
+                        </a:solidFill>
+                        <a:effectLst/>
+                        <a:latin typeface="Calibri" panose="020F0502020204030204" pitchFamily="34" charset="0"/>
+                        <a:ea typeface="Calibri" panose="020F0502020204030204" pitchFamily="34" charset="0"/>
+                        <a:cs typeface="Times New Roman" panose="02020603050405020304" pitchFamily="18" charset="0"/>
+                      </a:endParaRPr>
+                    </a:p>
+                  </a:txBody>
+                  <a:tcPr marL="68580" marR="68580" marT="0" marB="0"/>
+                </a:tc>
+                <a:tc>
+                  <a:txBody>
+                    <a:bodyPr/>
+                    <a:lstStyle/>
+                    <a:p>
+                      <a:pPr marL="0" marR="0">
+                        <a:lnSpc>
+                          <a:spcPct val="115000"/>
+                        </a:lnSpc>
+                        <a:spcBef>
+                          <a:spcPts val="0"/>
+                        </a:spcBef>
+                        <a:spcAft>
+                          <a:spcPts val="0"/>
+                        </a:spcAft>
+                      </a:pPr>
+                      <a:r>
+                        <a:rPr lang="en-US" sz="2000">
+                          <a:effectLst/>
+                        </a:rPr>
+                        <a:t>Cost</a:t>
+                      </a:r>
+                      <a:endParaRPr lang="en-US" sz="2000">
+                        <a:solidFill>
+                          <a:srgbClr val="000000"/>
+                        </a:solidFill>
+                        <a:effectLst/>
+                        <a:latin typeface="Calibri" panose="020F0502020204030204" pitchFamily="34" charset="0"/>
+                        <a:ea typeface="Calibri" panose="020F0502020204030204" pitchFamily="34" charset="0"/>
+                        <a:cs typeface="Times New Roman" panose="02020603050405020304" pitchFamily="18" charset="0"/>
+                      </a:endParaRPr>
+                    </a:p>
+                  </a:txBody>
+                  <a:tcPr marL="68580" marR="68580" marT="0" marB="0"/>
+                </a:tc>
+                <a:tc>
+                  <a:txBody>
+                    <a:bodyPr/>
+                    <a:lstStyle/>
+                    <a:p>
+                      <a:pPr marL="0" marR="0">
+                        <a:lnSpc>
+                          <a:spcPct val="115000"/>
+                        </a:lnSpc>
+                        <a:spcBef>
+                          <a:spcPts val="0"/>
+                        </a:spcBef>
+                        <a:spcAft>
+                          <a:spcPts val="0"/>
+                        </a:spcAft>
+                      </a:pPr>
+                      <a:r>
+                        <a:rPr lang="en-US" sz="2000">
+                          <a:effectLst/>
+                        </a:rPr>
+                        <a:t>Recurring</a:t>
+                      </a:r>
+                      <a:endParaRPr lang="en-US" sz="2000">
+                        <a:solidFill>
+                          <a:srgbClr val="000000"/>
+                        </a:solidFill>
+                        <a:effectLst/>
+                        <a:latin typeface="Calibri" panose="020F0502020204030204" pitchFamily="34" charset="0"/>
+                        <a:ea typeface="Calibri" panose="020F0502020204030204" pitchFamily="34" charset="0"/>
+                        <a:cs typeface="Times New Roman" panose="02020603050405020304" pitchFamily="18" charset="0"/>
+                      </a:endParaRPr>
+                    </a:p>
+                  </a:txBody>
+                  <a:tcPr marL="68580" marR="68580" marT="0" marB="0"/>
+                </a:tc>
+              </a:tr>
+              <a:tr h="453581">
+                <a:tc>
+                  <a:txBody>
+                    <a:bodyPr/>
+                    <a:lstStyle/>
+                    <a:p>
+                      <a:pPr marL="0" marR="0">
+                        <a:lnSpc>
+                          <a:spcPct val="115000"/>
+                        </a:lnSpc>
+                        <a:spcBef>
+                          <a:spcPts val="0"/>
+                        </a:spcBef>
+                        <a:spcAft>
+                          <a:spcPts val="0"/>
+                        </a:spcAft>
+                      </a:pPr>
+                      <a:r>
+                        <a:rPr lang="en-US" sz="2000" dirty="0">
+                          <a:effectLst/>
+                        </a:rPr>
+                        <a:t>Data Storage</a:t>
+                      </a:r>
+                      <a:endParaRPr lang="en-US" sz="2000" dirty="0">
+                        <a:solidFill>
+                          <a:srgbClr val="000000"/>
+                        </a:solidFill>
+                        <a:effectLst/>
+                        <a:latin typeface="Calibri" panose="020F0502020204030204" pitchFamily="34" charset="0"/>
+                        <a:ea typeface="Calibri" panose="020F0502020204030204" pitchFamily="34" charset="0"/>
+                        <a:cs typeface="Times New Roman" panose="02020603050405020304" pitchFamily="18" charset="0"/>
+                      </a:endParaRPr>
+                    </a:p>
+                  </a:txBody>
+                  <a:tcPr marL="68580" marR="68580" marT="0" marB="0"/>
+                </a:tc>
+                <a:tc>
+                  <a:txBody>
+                    <a:bodyPr/>
+                    <a:lstStyle/>
+                    <a:p>
+                      <a:pPr marL="0" marR="0">
+                        <a:lnSpc>
+                          <a:spcPct val="115000"/>
+                        </a:lnSpc>
+                        <a:spcBef>
+                          <a:spcPts val="0"/>
+                        </a:spcBef>
+                        <a:spcAft>
+                          <a:spcPts val="0"/>
+                        </a:spcAft>
+                      </a:pPr>
+                      <a:r>
+                        <a:rPr lang="en-US" sz="2000">
+                          <a:effectLst/>
+                        </a:rPr>
+                        <a:t>$652</a:t>
+                      </a:r>
+                      <a:endParaRPr lang="en-US" sz="2000">
+                        <a:solidFill>
+                          <a:srgbClr val="000000"/>
+                        </a:solidFill>
+                        <a:effectLst/>
+                        <a:latin typeface="Calibri" panose="020F0502020204030204" pitchFamily="34" charset="0"/>
+                        <a:ea typeface="Calibri" panose="020F0502020204030204" pitchFamily="34" charset="0"/>
+                        <a:cs typeface="Times New Roman" panose="02020603050405020304" pitchFamily="18" charset="0"/>
+                      </a:endParaRPr>
+                    </a:p>
+                  </a:txBody>
+                  <a:tcPr marL="68580" marR="68580" marT="0" marB="0"/>
+                </a:tc>
+                <a:tc>
+                  <a:txBody>
+                    <a:bodyPr/>
+                    <a:lstStyle/>
+                    <a:p>
+                      <a:pPr marL="0" marR="0">
+                        <a:lnSpc>
+                          <a:spcPct val="115000"/>
+                        </a:lnSpc>
+                        <a:spcBef>
+                          <a:spcPts val="0"/>
+                        </a:spcBef>
+                        <a:spcAft>
+                          <a:spcPts val="0"/>
+                        </a:spcAft>
+                      </a:pPr>
+                      <a:r>
+                        <a:rPr lang="en-US" sz="2000">
+                          <a:effectLst/>
+                        </a:rPr>
+                        <a:t>Yes</a:t>
+                      </a:r>
+                      <a:endParaRPr lang="en-US" sz="2000">
+                        <a:solidFill>
+                          <a:srgbClr val="000000"/>
+                        </a:solidFill>
+                        <a:effectLst/>
+                        <a:latin typeface="Calibri" panose="020F0502020204030204" pitchFamily="34" charset="0"/>
+                        <a:ea typeface="Calibri" panose="020F0502020204030204" pitchFamily="34" charset="0"/>
+                        <a:cs typeface="Times New Roman" panose="02020603050405020304" pitchFamily="18" charset="0"/>
+                      </a:endParaRPr>
+                    </a:p>
+                  </a:txBody>
+                  <a:tcPr marL="68580" marR="68580" marT="0" marB="0"/>
+                </a:tc>
+              </a:tr>
+              <a:tr h="453581">
+                <a:tc>
+                  <a:txBody>
+                    <a:bodyPr/>
+                    <a:lstStyle/>
+                    <a:p>
+                      <a:pPr marL="0" marR="0">
+                        <a:lnSpc>
+                          <a:spcPct val="115000"/>
+                        </a:lnSpc>
+                        <a:spcBef>
+                          <a:spcPts val="0"/>
+                        </a:spcBef>
+                        <a:spcAft>
+                          <a:spcPts val="0"/>
+                        </a:spcAft>
+                      </a:pPr>
+                      <a:r>
+                        <a:rPr lang="en-US" sz="2000" dirty="0">
+                          <a:effectLst/>
+                        </a:rPr>
+                        <a:t>Domain Name</a:t>
+                      </a:r>
+                      <a:endParaRPr lang="en-US" sz="2000" dirty="0">
+                        <a:solidFill>
+                          <a:srgbClr val="000000"/>
+                        </a:solidFill>
+                        <a:effectLst/>
+                        <a:latin typeface="Calibri" panose="020F0502020204030204" pitchFamily="34" charset="0"/>
+                        <a:ea typeface="Calibri" panose="020F0502020204030204" pitchFamily="34" charset="0"/>
+                        <a:cs typeface="Times New Roman" panose="02020603050405020304" pitchFamily="18" charset="0"/>
+                      </a:endParaRPr>
+                    </a:p>
+                  </a:txBody>
+                  <a:tcPr marL="68580" marR="68580" marT="0" marB="0"/>
+                </a:tc>
+                <a:tc>
+                  <a:txBody>
+                    <a:bodyPr/>
+                    <a:lstStyle/>
+                    <a:p>
+                      <a:pPr marL="0" marR="0">
+                        <a:lnSpc>
+                          <a:spcPct val="115000"/>
+                        </a:lnSpc>
+                        <a:spcBef>
+                          <a:spcPts val="0"/>
+                        </a:spcBef>
+                        <a:spcAft>
+                          <a:spcPts val="0"/>
+                        </a:spcAft>
+                      </a:pPr>
+                      <a:r>
+                        <a:rPr lang="en-US" sz="2000">
+                          <a:effectLst/>
+                        </a:rPr>
+                        <a:t>$12</a:t>
+                      </a:r>
+                      <a:endParaRPr lang="en-US" sz="2000">
+                        <a:solidFill>
+                          <a:srgbClr val="000000"/>
+                        </a:solidFill>
+                        <a:effectLst/>
+                        <a:latin typeface="Calibri" panose="020F0502020204030204" pitchFamily="34" charset="0"/>
+                        <a:ea typeface="Calibri" panose="020F0502020204030204" pitchFamily="34" charset="0"/>
+                        <a:cs typeface="Times New Roman" panose="02020603050405020304" pitchFamily="18" charset="0"/>
+                      </a:endParaRPr>
+                    </a:p>
+                  </a:txBody>
+                  <a:tcPr marL="68580" marR="68580" marT="0" marB="0"/>
+                </a:tc>
+                <a:tc>
+                  <a:txBody>
+                    <a:bodyPr/>
+                    <a:lstStyle/>
+                    <a:p>
+                      <a:pPr marL="0" marR="0">
+                        <a:lnSpc>
+                          <a:spcPct val="115000"/>
+                        </a:lnSpc>
+                        <a:spcBef>
+                          <a:spcPts val="0"/>
+                        </a:spcBef>
+                        <a:spcAft>
+                          <a:spcPts val="0"/>
+                        </a:spcAft>
+                      </a:pPr>
+                      <a:r>
+                        <a:rPr lang="en-US" sz="2000">
+                          <a:effectLst/>
+                        </a:rPr>
+                        <a:t>Yes</a:t>
+                      </a:r>
+                      <a:endParaRPr lang="en-US" sz="2000">
+                        <a:solidFill>
+                          <a:srgbClr val="000000"/>
+                        </a:solidFill>
+                        <a:effectLst/>
+                        <a:latin typeface="Calibri" panose="020F0502020204030204" pitchFamily="34" charset="0"/>
+                        <a:ea typeface="Calibri" panose="020F0502020204030204" pitchFamily="34" charset="0"/>
+                        <a:cs typeface="Times New Roman" panose="02020603050405020304" pitchFamily="18" charset="0"/>
+                      </a:endParaRPr>
+                    </a:p>
+                  </a:txBody>
+                  <a:tcPr marL="68580" marR="68580" marT="0" marB="0"/>
+                </a:tc>
+              </a:tr>
+              <a:tr h="453581">
+                <a:tc>
+                  <a:txBody>
+                    <a:bodyPr/>
+                    <a:lstStyle/>
+                    <a:p>
+                      <a:pPr marL="0" marR="0">
+                        <a:lnSpc>
+                          <a:spcPct val="115000"/>
+                        </a:lnSpc>
+                        <a:spcBef>
+                          <a:spcPts val="0"/>
+                        </a:spcBef>
+                        <a:spcAft>
+                          <a:spcPts val="0"/>
+                        </a:spcAft>
+                      </a:pPr>
+                      <a:r>
+                        <a:rPr lang="en-US" sz="2000" dirty="0">
+                          <a:effectLst/>
+                        </a:rPr>
+                        <a:t>Fitness Consultant</a:t>
+                      </a:r>
+                      <a:endParaRPr lang="en-US" sz="2000" dirty="0">
+                        <a:solidFill>
+                          <a:srgbClr val="000000"/>
+                        </a:solidFill>
+                        <a:effectLst/>
+                        <a:latin typeface="Calibri" panose="020F0502020204030204" pitchFamily="34" charset="0"/>
+                        <a:ea typeface="Calibri" panose="020F0502020204030204" pitchFamily="34" charset="0"/>
+                        <a:cs typeface="Times New Roman" panose="02020603050405020304" pitchFamily="18" charset="0"/>
+                      </a:endParaRPr>
+                    </a:p>
+                  </a:txBody>
+                  <a:tcPr marL="68580" marR="68580" marT="0" marB="0"/>
+                </a:tc>
+                <a:tc>
+                  <a:txBody>
+                    <a:bodyPr/>
+                    <a:lstStyle/>
+                    <a:p>
+                      <a:pPr marL="0" marR="0">
+                        <a:lnSpc>
+                          <a:spcPct val="115000"/>
+                        </a:lnSpc>
+                        <a:spcBef>
+                          <a:spcPts val="0"/>
+                        </a:spcBef>
+                        <a:spcAft>
+                          <a:spcPts val="0"/>
+                        </a:spcAft>
+                      </a:pPr>
+                      <a:r>
+                        <a:rPr lang="en-US" sz="2000" dirty="0">
+                          <a:effectLst/>
+                        </a:rPr>
+                        <a:t>$36,000</a:t>
+                      </a:r>
+                      <a:endParaRPr lang="en-US" sz="2000" dirty="0">
+                        <a:solidFill>
+                          <a:srgbClr val="000000"/>
+                        </a:solidFill>
+                        <a:effectLst/>
+                        <a:latin typeface="Calibri" panose="020F0502020204030204" pitchFamily="34" charset="0"/>
+                        <a:ea typeface="Calibri" panose="020F0502020204030204" pitchFamily="34" charset="0"/>
+                        <a:cs typeface="Times New Roman" panose="02020603050405020304" pitchFamily="18" charset="0"/>
+                      </a:endParaRPr>
+                    </a:p>
+                  </a:txBody>
+                  <a:tcPr marL="68580" marR="68580" marT="0" marB="0"/>
+                </a:tc>
+                <a:tc>
+                  <a:txBody>
+                    <a:bodyPr/>
+                    <a:lstStyle/>
+                    <a:p>
+                      <a:pPr marL="0" marR="0">
+                        <a:lnSpc>
+                          <a:spcPct val="115000"/>
+                        </a:lnSpc>
+                        <a:spcBef>
+                          <a:spcPts val="0"/>
+                        </a:spcBef>
+                        <a:spcAft>
+                          <a:spcPts val="0"/>
+                        </a:spcAft>
+                      </a:pPr>
+                      <a:r>
+                        <a:rPr lang="en-US" sz="2000">
+                          <a:effectLst/>
+                        </a:rPr>
+                        <a:t>Yes</a:t>
+                      </a:r>
+                      <a:endParaRPr lang="en-US" sz="2000">
+                        <a:solidFill>
+                          <a:srgbClr val="000000"/>
+                        </a:solidFill>
+                        <a:effectLst/>
+                        <a:latin typeface="Calibri" panose="020F0502020204030204" pitchFamily="34" charset="0"/>
+                        <a:ea typeface="Calibri" panose="020F0502020204030204" pitchFamily="34" charset="0"/>
+                        <a:cs typeface="Times New Roman" panose="02020603050405020304" pitchFamily="18" charset="0"/>
+                      </a:endParaRPr>
+                    </a:p>
+                  </a:txBody>
+                  <a:tcPr marL="68580" marR="68580" marT="0" marB="0"/>
+                </a:tc>
+              </a:tr>
+              <a:tr h="453581">
+                <a:tc>
+                  <a:txBody>
+                    <a:bodyPr/>
+                    <a:lstStyle/>
+                    <a:p>
+                      <a:pPr marL="0" marR="0">
+                        <a:lnSpc>
+                          <a:spcPct val="115000"/>
+                        </a:lnSpc>
+                        <a:spcBef>
+                          <a:spcPts val="0"/>
+                        </a:spcBef>
+                        <a:spcAft>
+                          <a:spcPts val="0"/>
+                        </a:spcAft>
+                      </a:pPr>
+                      <a:r>
+                        <a:rPr lang="en-US" sz="2000">
+                          <a:effectLst/>
+                        </a:rPr>
+                        <a:t>Android App</a:t>
+                      </a:r>
+                      <a:endParaRPr lang="en-US" sz="2000">
+                        <a:solidFill>
+                          <a:srgbClr val="000000"/>
+                        </a:solidFill>
+                        <a:effectLst/>
+                        <a:latin typeface="Calibri" panose="020F0502020204030204" pitchFamily="34" charset="0"/>
+                        <a:ea typeface="Calibri" panose="020F0502020204030204" pitchFamily="34" charset="0"/>
+                        <a:cs typeface="Times New Roman" panose="02020603050405020304" pitchFamily="18" charset="0"/>
+                      </a:endParaRPr>
+                    </a:p>
+                  </a:txBody>
+                  <a:tcPr marL="68580" marR="68580" marT="0" marB="0"/>
+                </a:tc>
+                <a:tc>
+                  <a:txBody>
+                    <a:bodyPr/>
+                    <a:lstStyle/>
+                    <a:p>
+                      <a:pPr marL="0" marR="0">
+                        <a:lnSpc>
+                          <a:spcPct val="115000"/>
+                        </a:lnSpc>
+                        <a:spcBef>
+                          <a:spcPts val="0"/>
+                        </a:spcBef>
+                        <a:spcAft>
+                          <a:spcPts val="0"/>
+                        </a:spcAft>
+                      </a:pPr>
+                      <a:r>
+                        <a:rPr lang="en-US" sz="2000" dirty="0">
+                          <a:effectLst/>
+                        </a:rPr>
+                        <a:t>$10,000</a:t>
+                      </a:r>
+                      <a:endParaRPr lang="en-US" sz="2000" dirty="0">
+                        <a:solidFill>
+                          <a:srgbClr val="000000"/>
+                        </a:solidFill>
+                        <a:effectLst/>
+                        <a:latin typeface="Calibri" panose="020F0502020204030204" pitchFamily="34" charset="0"/>
+                        <a:ea typeface="Calibri" panose="020F0502020204030204" pitchFamily="34" charset="0"/>
+                        <a:cs typeface="Times New Roman" panose="02020603050405020304" pitchFamily="18" charset="0"/>
+                      </a:endParaRPr>
+                    </a:p>
+                  </a:txBody>
+                  <a:tcPr marL="68580" marR="68580" marT="0" marB="0"/>
+                </a:tc>
+                <a:tc>
+                  <a:txBody>
+                    <a:bodyPr/>
+                    <a:lstStyle/>
+                    <a:p>
+                      <a:pPr marL="0" marR="0">
+                        <a:lnSpc>
+                          <a:spcPct val="115000"/>
+                        </a:lnSpc>
+                        <a:spcBef>
+                          <a:spcPts val="0"/>
+                        </a:spcBef>
+                        <a:spcAft>
+                          <a:spcPts val="0"/>
+                        </a:spcAft>
+                      </a:pPr>
+                      <a:r>
+                        <a:rPr lang="en-US" sz="2000">
+                          <a:effectLst/>
+                        </a:rPr>
+                        <a:t>No</a:t>
+                      </a:r>
+                      <a:endParaRPr lang="en-US" sz="2000">
+                        <a:solidFill>
+                          <a:srgbClr val="000000"/>
+                        </a:solidFill>
+                        <a:effectLst/>
+                        <a:latin typeface="Calibri" panose="020F0502020204030204" pitchFamily="34" charset="0"/>
+                        <a:ea typeface="Calibri" panose="020F0502020204030204" pitchFamily="34" charset="0"/>
+                        <a:cs typeface="Times New Roman" panose="02020603050405020304" pitchFamily="18" charset="0"/>
+                      </a:endParaRPr>
+                    </a:p>
+                  </a:txBody>
+                  <a:tcPr marL="68580" marR="68580" marT="0" marB="0"/>
+                </a:tc>
+              </a:tr>
+              <a:tr h="453581">
+                <a:tc>
+                  <a:txBody>
+                    <a:bodyPr/>
+                    <a:lstStyle/>
+                    <a:p>
+                      <a:pPr marL="0" marR="0">
+                        <a:lnSpc>
+                          <a:spcPct val="115000"/>
+                        </a:lnSpc>
+                        <a:spcBef>
+                          <a:spcPts val="0"/>
+                        </a:spcBef>
+                        <a:spcAft>
+                          <a:spcPts val="0"/>
+                        </a:spcAft>
+                      </a:pPr>
+                      <a:r>
+                        <a:rPr lang="en-US" sz="2000">
+                          <a:effectLst/>
+                        </a:rPr>
+                        <a:t>Android App Maintenance</a:t>
+                      </a:r>
+                      <a:endParaRPr lang="en-US" sz="2000">
+                        <a:solidFill>
+                          <a:srgbClr val="000000"/>
+                        </a:solidFill>
+                        <a:effectLst/>
+                        <a:latin typeface="Calibri" panose="020F0502020204030204" pitchFamily="34" charset="0"/>
+                        <a:ea typeface="Calibri" panose="020F0502020204030204" pitchFamily="34" charset="0"/>
+                        <a:cs typeface="Times New Roman" panose="02020603050405020304" pitchFamily="18" charset="0"/>
+                      </a:endParaRPr>
+                    </a:p>
+                  </a:txBody>
+                  <a:tcPr marL="68580" marR="68580" marT="0" marB="0"/>
+                </a:tc>
+                <a:tc>
+                  <a:txBody>
+                    <a:bodyPr/>
+                    <a:lstStyle/>
+                    <a:p>
+                      <a:pPr marL="0" marR="0">
+                        <a:lnSpc>
+                          <a:spcPct val="115000"/>
+                        </a:lnSpc>
+                        <a:spcBef>
+                          <a:spcPts val="0"/>
+                        </a:spcBef>
+                        <a:spcAft>
+                          <a:spcPts val="0"/>
+                        </a:spcAft>
+                      </a:pPr>
+                      <a:r>
+                        <a:rPr lang="en-US" sz="2000" dirty="0">
+                          <a:effectLst/>
+                        </a:rPr>
+                        <a:t>$5,000</a:t>
+                      </a:r>
+                      <a:endParaRPr lang="en-US" sz="2000" dirty="0">
+                        <a:solidFill>
+                          <a:srgbClr val="000000"/>
+                        </a:solidFill>
+                        <a:effectLst/>
+                        <a:latin typeface="Calibri" panose="020F0502020204030204" pitchFamily="34" charset="0"/>
+                        <a:ea typeface="Calibri" panose="020F0502020204030204" pitchFamily="34" charset="0"/>
+                        <a:cs typeface="Times New Roman" panose="02020603050405020304" pitchFamily="18" charset="0"/>
+                      </a:endParaRPr>
+                    </a:p>
+                  </a:txBody>
+                  <a:tcPr marL="68580" marR="68580" marT="0" marB="0"/>
+                </a:tc>
+                <a:tc>
+                  <a:txBody>
+                    <a:bodyPr/>
+                    <a:lstStyle/>
+                    <a:p>
+                      <a:pPr marL="0" marR="0">
+                        <a:lnSpc>
+                          <a:spcPct val="115000"/>
+                        </a:lnSpc>
+                        <a:spcBef>
+                          <a:spcPts val="0"/>
+                        </a:spcBef>
+                        <a:spcAft>
+                          <a:spcPts val="0"/>
+                        </a:spcAft>
+                      </a:pPr>
+                      <a:r>
+                        <a:rPr lang="en-US" sz="2000">
+                          <a:effectLst/>
+                        </a:rPr>
+                        <a:t>Yes</a:t>
+                      </a:r>
+                      <a:endParaRPr lang="en-US" sz="2000">
+                        <a:solidFill>
+                          <a:srgbClr val="000000"/>
+                        </a:solidFill>
+                        <a:effectLst/>
+                        <a:latin typeface="Calibri" panose="020F0502020204030204" pitchFamily="34" charset="0"/>
+                        <a:ea typeface="Calibri" panose="020F0502020204030204" pitchFamily="34" charset="0"/>
+                        <a:cs typeface="Times New Roman" panose="02020603050405020304" pitchFamily="18" charset="0"/>
+                      </a:endParaRPr>
+                    </a:p>
+                  </a:txBody>
+                  <a:tcPr marL="68580" marR="68580" marT="0" marB="0"/>
+                </a:tc>
+              </a:tr>
+              <a:tr h="453581">
+                <a:tc>
+                  <a:txBody>
+                    <a:bodyPr/>
+                    <a:lstStyle/>
+                    <a:p>
+                      <a:pPr marL="0" marR="0">
+                        <a:lnSpc>
+                          <a:spcPct val="115000"/>
+                        </a:lnSpc>
+                        <a:spcBef>
+                          <a:spcPts val="0"/>
+                        </a:spcBef>
+                        <a:spcAft>
+                          <a:spcPts val="0"/>
+                        </a:spcAft>
+                      </a:pPr>
+                      <a:r>
+                        <a:rPr lang="en-US" sz="2000">
+                          <a:effectLst/>
+                        </a:rPr>
+                        <a:t>Data Analyst</a:t>
+                      </a:r>
+                      <a:endParaRPr lang="en-US" sz="2000">
+                        <a:solidFill>
+                          <a:srgbClr val="000000"/>
+                        </a:solidFill>
+                        <a:effectLst/>
+                        <a:latin typeface="Calibri" panose="020F0502020204030204" pitchFamily="34" charset="0"/>
+                        <a:ea typeface="Calibri" panose="020F0502020204030204" pitchFamily="34" charset="0"/>
+                        <a:cs typeface="Times New Roman" panose="02020603050405020304" pitchFamily="18" charset="0"/>
+                      </a:endParaRPr>
+                    </a:p>
+                  </a:txBody>
+                  <a:tcPr marL="68580" marR="68580" marT="0" marB="0"/>
+                </a:tc>
+                <a:tc>
+                  <a:txBody>
+                    <a:bodyPr/>
+                    <a:lstStyle/>
+                    <a:p>
+                      <a:pPr marL="0" marR="0">
+                        <a:lnSpc>
+                          <a:spcPct val="115000"/>
+                        </a:lnSpc>
+                        <a:spcBef>
+                          <a:spcPts val="0"/>
+                        </a:spcBef>
+                        <a:spcAft>
+                          <a:spcPts val="0"/>
+                        </a:spcAft>
+                      </a:pPr>
+                      <a:r>
+                        <a:rPr lang="en-US" sz="2000" dirty="0">
+                          <a:effectLst/>
+                        </a:rPr>
+                        <a:t>$62,000</a:t>
+                      </a:r>
+                      <a:endParaRPr lang="en-US" sz="2000" dirty="0">
+                        <a:solidFill>
+                          <a:srgbClr val="000000"/>
+                        </a:solidFill>
+                        <a:effectLst/>
+                        <a:latin typeface="Calibri" panose="020F0502020204030204" pitchFamily="34" charset="0"/>
+                        <a:ea typeface="Calibri" panose="020F0502020204030204" pitchFamily="34" charset="0"/>
+                        <a:cs typeface="Times New Roman" panose="02020603050405020304" pitchFamily="18" charset="0"/>
+                      </a:endParaRPr>
+                    </a:p>
+                  </a:txBody>
+                  <a:tcPr marL="68580" marR="68580" marT="0" marB="0"/>
+                </a:tc>
+                <a:tc>
+                  <a:txBody>
+                    <a:bodyPr/>
+                    <a:lstStyle/>
+                    <a:p>
+                      <a:pPr marL="0" marR="0">
+                        <a:lnSpc>
+                          <a:spcPct val="115000"/>
+                        </a:lnSpc>
+                        <a:spcBef>
+                          <a:spcPts val="0"/>
+                        </a:spcBef>
+                        <a:spcAft>
+                          <a:spcPts val="0"/>
+                        </a:spcAft>
+                      </a:pPr>
+                      <a:r>
+                        <a:rPr lang="en-US" sz="2000">
+                          <a:effectLst/>
+                        </a:rPr>
+                        <a:t>Yes</a:t>
+                      </a:r>
+                      <a:endParaRPr lang="en-US" sz="2000">
+                        <a:solidFill>
+                          <a:srgbClr val="000000"/>
+                        </a:solidFill>
+                        <a:effectLst/>
+                        <a:latin typeface="Calibri" panose="020F0502020204030204" pitchFamily="34" charset="0"/>
+                        <a:ea typeface="Calibri" panose="020F0502020204030204" pitchFamily="34" charset="0"/>
+                        <a:cs typeface="Times New Roman" panose="02020603050405020304" pitchFamily="18" charset="0"/>
+                      </a:endParaRPr>
+                    </a:p>
+                  </a:txBody>
+                  <a:tcPr marL="68580" marR="68580" marT="0" marB="0"/>
+                </a:tc>
+              </a:tr>
+              <a:tr h="453581">
+                <a:tc>
+                  <a:txBody>
+                    <a:bodyPr/>
+                    <a:lstStyle/>
+                    <a:p>
+                      <a:pPr marL="0" marR="0">
+                        <a:lnSpc>
+                          <a:spcPct val="115000"/>
+                        </a:lnSpc>
+                        <a:spcBef>
+                          <a:spcPts val="0"/>
+                        </a:spcBef>
+                        <a:spcAft>
+                          <a:spcPts val="0"/>
+                        </a:spcAft>
+                      </a:pPr>
+                      <a:r>
+                        <a:rPr lang="en-US" sz="2000">
+                          <a:effectLst/>
+                        </a:rPr>
+                        <a:t>Developers</a:t>
+                      </a:r>
+                      <a:endParaRPr lang="en-US" sz="2000">
+                        <a:solidFill>
+                          <a:srgbClr val="000000"/>
+                        </a:solidFill>
+                        <a:effectLst/>
+                        <a:latin typeface="Calibri" panose="020F0502020204030204" pitchFamily="34" charset="0"/>
+                        <a:ea typeface="Calibri" panose="020F0502020204030204" pitchFamily="34" charset="0"/>
+                        <a:cs typeface="Times New Roman" panose="02020603050405020304" pitchFamily="18" charset="0"/>
+                      </a:endParaRPr>
+                    </a:p>
+                  </a:txBody>
+                  <a:tcPr marL="68580" marR="68580" marT="0" marB="0"/>
+                </a:tc>
+                <a:tc>
+                  <a:txBody>
+                    <a:bodyPr/>
+                    <a:lstStyle/>
+                    <a:p>
+                      <a:pPr marL="0" marR="0">
+                        <a:lnSpc>
+                          <a:spcPct val="115000"/>
+                        </a:lnSpc>
+                        <a:spcBef>
+                          <a:spcPts val="0"/>
+                        </a:spcBef>
+                        <a:spcAft>
+                          <a:spcPts val="0"/>
+                        </a:spcAft>
+                      </a:pPr>
+                      <a:r>
+                        <a:rPr lang="en-US" sz="2000" dirty="0">
+                          <a:effectLst/>
+                        </a:rPr>
+                        <a:t>$285,000</a:t>
+                      </a:r>
+                      <a:endParaRPr lang="en-US" sz="2000" dirty="0">
+                        <a:solidFill>
+                          <a:srgbClr val="000000"/>
+                        </a:solidFill>
+                        <a:effectLst/>
+                        <a:latin typeface="Calibri" panose="020F0502020204030204" pitchFamily="34" charset="0"/>
+                        <a:ea typeface="Calibri" panose="020F0502020204030204" pitchFamily="34" charset="0"/>
+                        <a:cs typeface="Times New Roman" panose="02020603050405020304" pitchFamily="18" charset="0"/>
+                      </a:endParaRPr>
+                    </a:p>
+                  </a:txBody>
+                  <a:tcPr marL="68580" marR="68580" marT="0" marB="0"/>
+                </a:tc>
+                <a:tc>
+                  <a:txBody>
+                    <a:bodyPr/>
+                    <a:lstStyle/>
+                    <a:p>
+                      <a:pPr marL="0" marR="0">
+                        <a:lnSpc>
+                          <a:spcPct val="115000"/>
+                        </a:lnSpc>
+                        <a:spcBef>
+                          <a:spcPts val="0"/>
+                        </a:spcBef>
+                        <a:spcAft>
+                          <a:spcPts val="0"/>
+                        </a:spcAft>
+                      </a:pPr>
+                      <a:r>
+                        <a:rPr lang="en-US" sz="2000">
+                          <a:effectLst/>
+                        </a:rPr>
+                        <a:t>Yes</a:t>
+                      </a:r>
+                      <a:endParaRPr lang="en-US" sz="2000">
+                        <a:solidFill>
+                          <a:srgbClr val="000000"/>
+                        </a:solidFill>
+                        <a:effectLst/>
+                        <a:latin typeface="Calibri" panose="020F0502020204030204" pitchFamily="34" charset="0"/>
+                        <a:ea typeface="Calibri" panose="020F0502020204030204" pitchFamily="34" charset="0"/>
+                        <a:cs typeface="Times New Roman" panose="02020603050405020304" pitchFamily="18" charset="0"/>
+                      </a:endParaRPr>
+                    </a:p>
+                  </a:txBody>
+                  <a:tcPr marL="68580" marR="68580" marT="0" marB="0"/>
+                </a:tc>
+              </a:tr>
+              <a:tr h="453581">
+                <a:tc>
+                  <a:txBody>
+                    <a:bodyPr/>
+                    <a:lstStyle/>
+                    <a:p>
+                      <a:pPr marL="0" marR="0">
+                        <a:lnSpc>
+                          <a:spcPct val="115000"/>
+                        </a:lnSpc>
+                        <a:spcBef>
+                          <a:spcPts val="0"/>
+                        </a:spcBef>
+                        <a:spcAft>
+                          <a:spcPts val="0"/>
+                        </a:spcAft>
+                      </a:pPr>
+                      <a:r>
+                        <a:rPr lang="en-US" sz="2000">
+                          <a:effectLst/>
+                        </a:rPr>
+                        <a:t>Total Setup Cost</a:t>
+                      </a:r>
+                      <a:endParaRPr lang="en-US" sz="2000">
+                        <a:solidFill>
+                          <a:srgbClr val="000000"/>
+                        </a:solidFill>
+                        <a:effectLst/>
+                        <a:latin typeface="Calibri" panose="020F0502020204030204" pitchFamily="34" charset="0"/>
+                        <a:ea typeface="Calibri" panose="020F0502020204030204" pitchFamily="34" charset="0"/>
+                        <a:cs typeface="Times New Roman" panose="02020603050405020304" pitchFamily="18" charset="0"/>
+                      </a:endParaRPr>
+                    </a:p>
+                  </a:txBody>
+                  <a:tcPr marL="68580" marR="68580" marT="0" marB="0"/>
+                </a:tc>
+                <a:tc>
+                  <a:txBody>
+                    <a:bodyPr/>
+                    <a:lstStyle/>
+                    <a:p>
+                      <a:pPr marL="0" marR="0">
+                        <a:lnSpc>
+                          <a:spcPct val="115000"/>
+                        </a:lnSpc>
+                        <a:spcBef>
+                          <a:spcPts val="0"/>
+                        </a:spcBef>
+                        <a:spcAft>
+                          <a:spcPts val="0"/>
+                        </a:spcAft>
+                      </a:pPr>
+                      <a:r>
+                        <a:rPr lang="en-US" sz="2000" dirty="0">
+                          <a:effectLst/>
+                        </a:rPr>
+                        <a:t>$10,664</a:t>
+                      </a:r>
+                      <a:endParaRPr lang="en-US" sz="2000" dirty="0">
+                        <a:solidFill>
+                          <a:srgbClr val="000000"/>
+                        </a:solidFill>
+                        <a:effectLst/>
+                        <a:latin typeface="Calibri" panose="020F0502020204030204" pitchFamily="34" charset="0"/>
+                        <a:ea typeface="Calibri" panose="020F0502020204030204" pitchFamily="34" charset="0"/>
+                        <a:cs typeface="Times New Roman" panose="02020603050405020304" pitchFamily="18" charset="0"/>
+                      </a:endParaRPr>
+                    </a:p>
+                  </a:txBody>
+                  <a:tcPr marL="68580" marR="68580" marT="0" marB="0"/>
+                </a:tc>
+                <a:tc>
+                  <a:txBody>
+                    <a:bodyPr/>
+                    <a:lstStyle/>
+                    <a:p>
+                      <a:pPr marL="0" marR="0">
+                        <a:lnSpc>
+                          <a:spcPct val="115000"/>
+                        </a:lnSpc>
+                        <a:spcBef>
+                          <a:spcPts val="0"/>
+                        </a:spcBef>
+                        <a:spcAft>
+                          <a:spcPts val="0"/>
+                        </a:spcAft>
+                      </a:pPr>
+                      <a:r>
+                        <a:rPr lang="en-US" sz="2000" dirty="0">
+                          <a:effectLst/>
+                        </a:rPr>
+                        <a:t>No</a:t>
+                      </a:r>
+                      <a:endParaRPr lang="en-US" sz="2000" dirty="0">
+                        <a:solidFill>
+                          <a:srgbClr val="000000"/>
+                        </a:solidFill>
+                        <a:effectLst/>
+                        <a:latin typeface="Calibri" panose="020F0502020204030204" pitchFamily="34" charset="0"/>
+                        <a:ea typeface="Calibri" panose="020F0502020204030204" pitchFamily="34" charset="0"/>
+                        <a:cs typeface="Times New Roman" panose="02020603050405020304" pitchFamily="18" charset="0"/>
+                      </a:endParaRPr>
+                    </a:p>
+                  </a:txBody>
+                  <a:tcPr marL="68580" marR="68580" marT="0" marB="0"/>
+                </a:tc>
+              </a:tr>
+              <a:tr h="453581">
+                <a:tc>
+                  <a:txBody>
+                    <a:bodyPr/>
+                    <a:lstStyle/>
+                    <a:p>
+                      <a:pPr marL="0" marR="0">
+                        <a:lnSpc>
+                          <a:spcPct val="115000"/>
+                        </a:lnSpc>
+                        <a:spcBef>
+                          <a:spcPts val="0"/>
+                        </a:spcBef>
+                        <a:spcAft>
+                          <a:spcPts val="0"/>
+                        </a:spcAft>
+                      </a:pPr>
+                      <a:r>
+                        <a:rPr lang="en-US" sz="2000">
+                          <a:effectLst/>
+                        </a:rPr>
+                        <a:t>Total Recurring Cost</a:t>
+                      </a:r>
+                      <a:endParaRPr lang="en-US" sz="2000">
+                        <a:solidFill>
+                          <a:srgbClr val="000000"/>
+                        </a:solidFill>
+                        <a:effectLst/>
+                        <a:latin typeface="Calibri" panose="020F0502020204030204" pitchFamily="34" charset="0"/>
+                        <a:ea typeface="Calibri" panose="020F0502020204030204" pitchFamily="34" charset="0"/>
+                        <a:cs typeface="Times New Roman" panose="02020603050405020304" pitchFamily="18" charset="0"/>
+                      </a:endParaRPr>
+                    </a:p>
+                  </a:txBody>
+                  <a:tcPr marL="68580" marR="68580" marT="0" marB="0"/>
+                </a:tc>
+                <a:tc>
+                  <a:txBody>
+                    <a:bodyPr/>
+                    <a:lstStyle/>
+                    <a:p>
+                      <a:pPr marL="0" marR="0">
+                        <a:lnSpc>
+                          <a:spcPct val="115000"/>
+                        </a:lnSpc>
+                        <a:spcBef>
+                          <a:spcPts val="0"/>
+                        </a:spcBef>
+                        <a:spcAft>
+                          <a:spcPts val="0"/>
+                        </a:spcAft>
+                      </a:pPr>
+                      <a:r>
+                        <a:rPr lang="en-US" sz="2000">
+                          <a:effectLst/>
+                        </a:rPr>
+                        <a:t>$388,000</a:t>
+                      </a:r>
+                      <a:endParaRPr lang="en-US" sz="2000">
+                        <a:solidFill>
+                          <a:srgbClr val="000000"/>
+                        </a:solidFill>
+                        <a:effectLst/>
+                        <a:latin typeface="Calibri" panose="020F0502020204030204" pitchFamily="34" charset="0"/>
+                        <a:ea typeface="Calibri" panose="020F0502020204030204" pitchFamily="34" charset="0"/>
+                        <a:cs typeface="Times New Roman" panose="02020603050405020304" pitchFamily="18" charset="0"/>
+                      </a:endParaRPr>
+                    </a:p>
+                  </a:txBody>
+                  <a:tcPr marL="68580" marR="68580" marT="0" marB="0"/>
+                </a:tc>
+                <a:tc>
+                  <a:txBody>
+                    <a:bodyPr/>
+                    <a:lstStyle/>
+                    <a:p>
+                      <a:pPr marL="0" marR="0">
+                        <a:lnSpc>
+                          <a:spcPct val="115000"/>
+                        </a:lnSpc>
+                        <a:spcBef>
+                          <a:spcPts val="0"/>
+                        </a:spcBef>
+                        <a:spcAft>
+                          <a:spcPts val="0"/>
+                        </a:spcAft>
+                      </a:pPr>
+                      <a:r>
+                        <a:rPr lang="en-US" sz="2000" dirty="0">
+                          <a:effectLst/>
+                        </a:rPr>
+                        <a:t>Yes</a:t>
+                      </a:r>
+                      <a:endParaRPr lang="en-US" sz="2000" dirty="0">
+                        <a:solidFill>
+                          <a:srgbClr val="000000"/>
+                        </a:solidFill>
+                        <a:effectLst/>
+                        <a:latin typeface="Calibri" panose="020F0502020204030204" pitchFamily="34" charset="0"/>
+                        <a:ea typeface="Calibri" panose="020F0502020204030204" pitchFamily="34" charset="0"/>
+                        <a:cs typeface="Times New Roman" panose="02020603050405020304" pitchFamily="18" charset="0"/>
+                      </a:endParaRPr>
+                    </a:p>
+                  </a:txBody>
+                  <a:tcPr marL="68580" marR="68580" marT="0" marB="0"/>
+                </a:tc>
+              </a:tr>
+              <a:tr h="453581">
+                <a:tc>
+                  <a:txBody>
+                    <a:bodyPr/>
+                    <a:lstStyle/>
+                    <a:p>
+                      <a:pPr marL="0" marR="0">
+                        <a:lnSpc>
+                          <a:spcPct val="115000"/>
+                        </a:lnSpc>
+                        <a:spcBef>
+                          <a:spcPts val="0"/>
+                        </a:spcBef>
+                        <a:spcAft>
+                          <a:spcPts val="0"/>
+                        </a:spcAft>
+                      </a:pPr>
+                      <a:r>
+                        <a:rPr lang="en-US" sz="2000">
+                          <a:effectLst/>
+                        </a:rPr>
+                        <a:t>Total First Year Cost</a:t>
+                      </a:r>
+                      <a:endParaRPr lang="en-US" sz="2000">
+                        <a:solidFill>
+                          <a:srgbClr val="000000"/>
+                        </a:solidFill>
+                        <a:effectLst/>
+                        <a:latin typeface="Calibri" panose="020F0502020204030204" pitchFamily="34" charset="0"/>
+                        <a:ea typeface="Calibri" panose="020F0502020204030204" pitchFamily="34" charset="0"/>
+                        <a:cs typeface="Times New Roman" panose="02020603050405020304" pitchFamily="18" charset="0"/>
+                      </a:endParaRPr>
+                    </a:p>
+                  </a:txBody>
+                  <a:tcPr marL="68580" marR="68580" marT="0" marB="0"/>
+                </a:tc>
+                <a:tc>
+                  <a:txBody>
+                    <a:bodyPr/>
+                    <a:lstStyle/>
+                    <a:p>
+                      <a:pPr marL="0" marR="0">
+                        <a:lnSpc>
+                          <a:spcPct val="115000"/>
+                        </a:lnSpc>
+                        <a:spcBef>
+                          <a:spcPts val="0"/>
+                        </a:spcBef>
+                        <a:spcAft>
+                          <a:spcPts val="0"/>
+                        </a:spcAft>
+                      </a:pPr>
+                      <a:r>
+                        <a:rPr lang="en-US" sz="2000">
+                          <a:effectLst/>
+                        </a:rPr>
+                        <a:t>$398,644</a:t>
+                      </a:r>
+                      <a:endParaRPr lang="en-US" sz="2000">
+                        <a:solidFill>
+                          <a:srgbClr val="000000"/>
+                        </a:solidFill>
+                        <a:effectLst/>
+                        <a:latin typeface="Calibri" panose="020F0502020204030204" pitchFamily="34" charset="0"/>
+                        <a:ea typeface="Calibri" panose="020F0502020204030204" pitchFamily="34" charset="0"/>
+                        <a:cs typeface="Times New Roman" panose="02020603050405020304" pitchFamily="18" charset="0"/>
+                      </a:endParaRPr>
+                    </a:p>
+                  </a:txBody>
+                  <a:tcPr marL="68580" marR="68580" marT="0" marB="0"/>
+                </a:tc>
+                <a:tc>
+                  <a:txBody>
+                    <a:bodyPr/>
+                    <a:lstStyle/>
+                    <a:p>
+                      <a:pPr marL="0" marR="0">
+                        <a:lnSpc>
+                          <a:spcPct val="115000"/>
+                        </a:lnSpc>
+                        <a:spcBef>
+                          <a:spcPts val="0"/>
+                        </a:spcBef>
+                        <a:spcAft>
+                          <a:spcPts val="0"/>
+                        </a:spcAft>
+                      </a:pPr>
+                      <a:r>
+                        <a:rPr lang="en-US" sz="2000" dirty="0">
+                          <a:effectLst/>
+                        </a:rPr>
+                        <a:t>No</a:t>
+                      </a:r>
+                      <a:endParaRPr lang="en-US" sz="2000" dirty="0">
+                        <a:solidFill>
+                          <a:srgbClr val="000000"/>
+                        </a:solidFill>
+                        <a:effectLst/>
+                        <a:latin typeface="Calibri" panose="020F0502020204030204" pitchFamily="34" charset="0"/>
+                        <a:ea typeface="Calibri" panose="020F0502020204030204" pitchFamily="34" charset="0"/>
+                        <a:cs typeface="Times New Roman" panose="02020603050405020304" pitchFamily="18" charset="0"/>
+                      </a:endParaRPr>
+                    </a:p>
+                  </a:txBody>
+                  <a:tcPr marL="68580" marR="68580" marT="0" marB="0"/>
+                </a:tc>
+              </a:tr>
+            </a:tbl>
+          </a:graphicData>
+        </a:graphic>
+      </p:graphicFrame>
+    </p:spTree>
+    <p:extLst>
+      <p:ext uri="{BB962C8B-B14F-4D97-AF65-F5344CB8AC3E}">
+        <p14:creationId xmlns:p14="http://schemas.microsoft.com/office/powerpoint/2010/main" val="2970639057"/>
       </p:ext>
     </p:extLst>
   </p:cSld>

--- a/documentation/EECS448_Project4_Group8.pptx
+++ b/documentation/EECS448_Project4_Group8.pptx
@@ -1,6 +1,6 @@
 
 <file path=ppt/presentation.xml><?xml version="1.0" encoding="utf-8"?>
-<p:presentation xmlns:a="http://schemas.openxmlformats.org/drawingml/2006/main" xmlns:r="http://schemas.openxmlformats.org/officeDocument/2006/relationships" xmlns:p="http://schemas.openxmlformats.org/presentationml/2006/main" autoCompressPictures="0">
+<p:presentation xmlns:a="http://schemas.openxmlformats.org/drawingml/2006/main" xmlns:r="http://schemas.openxmlformats.org/officeDocument/2006/relationships" xmlns:p="http://schemas.openxmlformats.org/presentationml/2006/main" saveSubsetFonts="1" autoCompressPictures="0">
   <p:sldMasterIdLst>
     <p:sldMasterId id="2147483840" r:id="rId1"/>
   </p:sldMasterIdLst>
@@ -10,10 +10,13 @@
     <p:sldId id="266" r:id="rId4"/>
     <p:sldId id="260" r:id="rId5"/>
     <p:sldId id="264" r:id="rId6"/>
-    <p:sldId id="268" r:id="rId7"/>
-    <p:sldId id="269" r:id="rId8"/>
-    <p:sldId id="271" r:id="rId9"/>
-    <p:sldId id="270" r:id="rId10"/>
+    <p:sldId id="272" r:id="rId7"/>
+    <p:sldId id="273" r:id="rId8"/>
+    <p:sldId id="274" r:id="rId9"/>
+    <p:sldId id="268" r:id="rId10"/>
+    <p:sldId id="269" r:id="rId11"/>
+    <p:sldId id="271" r:id="rId12"/>
+    <p:sldId id="270" r:id="rId13"/>
   </p:sldIdLst>
   <p:sldSz cx="12192000" cy="6858000"/>
   <p:notesSz cx="6858000" cy="9144000"/>
@@ -126,6 +129,9 @@
             <p14:sldId id="266"/>
             <p14:sldId id="260"/>
             <p14:sldId id="264"/>
+            <p14:sldId id="272"/>
+            <p14:sldId id="273"/>
+            <p14:sldId id="274"/>
             <p14:sldId id="268"/>
             <p14:sldId id="269"/>
             <p14:sldId id="271"/>
@@ -171,7 +177,6 @@
           </a:p>
         </c:rich>
       </c:tx>
-      <c:layout/>
       <c:overlay val="0"/>
     </c:title>
     <c:autoTitleDeleted val="0"/>
@@ -209,9 +214,7 @@
             <c:showBubbleSize val="0"/>
             <c:showLeaderLines val="1"/>
             <c:extLst xmlns:c16r2="http://schemas.microsoft.com/office/drawing/2015/06/chart">
-              <c:ext xmlns:c15="http://schemas.microsoft.com/office/drawing/2012/chart" uri="{CE6537A1-D6FC-4f65-9D91-7224C49458BB}">
-                <c15:layout/>
-              </c:ext>
+              <c:ext xmlns:c15="http://schemas.microsoft.com/office/drawing/2012/chart" uri="{CE6537A1-D6FC-4f65-9D91-7224C49458BB}"/>
             </c:extLst>
           </c:dLbls>
           <c:cat>
@@ -244,7 +247,7 @@
                 <c:formatCode>0.00</c:formatCode>
                 <c:ptCount val="5"/>
                 <c:pt idx="0">
-                  <c:v>27.724799999999995</c:v>
+                  <c:v>27.72479999999999</c:v>
                 </c:pt>
                 <c:pt idx="1">
                   <c:v>1.36</c:v>
@@ -256,7 +259,7 @@
                   <c:v>7.6</c:v>
                 </c:pt>
                 <c:pt idx="4">
-                  <c:v>15</c:v>
+                  <c:v>15.0</c:v>
                 </c:pt>
               </c:numCache>
             </c:numRef>
@@ -281,7 +284,6 @@
     </c:plotArea>
     <c:legend>
       <c:legendPos val="r"/>
-      <c:layout/>
       <c:overlay val="0"/>
     </c:legend>
     <c:plotVisOnly val="1"/>
@@ -1927,12 +1929,12 @@
         <a:fontRef idx="minor"/>
       </dsp:style>
       <dsp:txBody>
-        <a:bodyPr spcFirstLastPara="0" vert="horz" wrap="square" lIns="227584" tIns="20320" rIns="20320" bIns="20320" numCol="1" spcCol="1270" anchor="ctr" anchorCtr="0">
+        <a:bodyPr spcFirstLastPara="0" vert="horz" wrap="square" lIns="234696" tIns="20955" rIns="20955" bIns="20955" numCol="1" spcCol="1270" anchor="ctr" anchorCtr="0">
           <a:noAutofit/>
         </a:bodyPr>
         <a:lstStyle/>
         <a:p>
-          <a:pPr marL="285750" lvl="1" indent="-285750" algn="l" defTabSz="1422400">
+          <a:pPr marL="285750" lvl="1" indent="-285750" algn="l" defTabSz="1466850">
             <a:lnSpc>
               <a:spcPct val="90000"/>
             </a:lnSpc>
@@ -1945,7 +1947,7 @@
             <a:buChar char="••"/>
           </a:pPr>
           <a:r>
-            <a:rPr lang="en-US" sz="3200" kern="1200"/>
+            <a:rPr lang="en-US" sz="3300" kern="1200"/>
             <a:t>Finish and publish product</a:t>
           </a:r>
         </a:p>
@@ -2079,12 +2081,12 @@
         <a:fontRef idx="minor"/>
       </dsp:style>
       <dsp:txBody>
-        <a:bodyPr spcFirstLastPara="0" vert="horz" wrap="square" lIns="227584" tIns="20320" rIns="20320" bIns="20320" numCol="1" spcCol="1270" anchor="ctr" anchorCtr="0">
+        <a:bodyPr spcFirstLastPara="0" vert="horz" wrap="square" lIns="234696" tIns="20955" rIns="20955" bIns="20955" numCol="1" spcCol="1270" anchor="ctr" anchorCtr="0">
           <a:noAutofit/>
         </a:bodyPr>
         <a:lstStyle/>
         <a:p>
-          <a:pPr marL="285750" lvl="1" indent="-285750" algn="l" defTabSz="1422400">
+          <a:pPr marL="285750" lvl="1" indent="-285750" algn="l" defTabSz="1466850">
             <a:lnSpc>
               <a:spcPct val="90000"/>
             </a:lnSpc>
@@ -2097,7 +2099,7 @@
             <a:buChar char="••"/>
           </a:pPr>
           <a:r>
-            <a:rPr lang="en-US" sz="3200" kern="1200"/>
+            <a:rPr lang="en-US" sz="3300" kern="1200"/>
             <a:t>Advertise on Wescoe Beach</a:t>
           </a:r>
         </a:p>
@@ -2231,12 +2233,12 @@
         <a:fontRef idx="minor"/>
       </dsp:style>
       <dsp:txBody>
-        <a:bodyPr spcFirstLastPara="0" vert="horz" wrap="square" lIns="227584" tIns="20320" rIns="20320" bIns="20320" numCol="1" spcCol="1270" anchor="ctr" anchorCtr="0">
+        <a:bodyPr spcFirstLastPara="0" vert="horz" wrap="square" lIns="234696" tIns="20955" rIns="20955" bIns="20955" numCol="1" spcCol="1270" anchor="ctr" anchorCtr="0">
           <a:noAutofit/>
         </a:bodyPr>
         <a:lstStyle/>
         <a:p>
-          <a:pPr marL="285750" lvl="1" indent="-285750" algn="l" defTabSz="1422400">
+          <a:pPr marL="285750" lvl="1" indent="-285750" algn="l" defTabSz="1466850">
             <a:lnSpc>
               <a:spcPct val="90000"/>
             </a:lnSpc>
@@ -2249,7 +2251,7 @@
             <a:buChar char="••"/>
           </a:pPr>
           <a:r>
-            <a:rPr lang="en-US" sz="3200" kern="1200"/>
+            <a:rPr lang="en-US" sz="3300" kern="1200"/>
             <a:t>Finalize Internet Banner and App</a:t>
           </a:r>
         </a:p>
@@ -2383,12 +2385,12 @@
         <a:fontRef idx="minor"/>
       </dsp:style>
       <dsp:txBody>
-        <a:bodyPr spcFirstLastPara="0" vert="horz" wrap="square" lIns="227584" tIns="20320" rIns="20320" bIns="20320" numCol="1" spcCol="1270" anchor="ctr" anchorCtr="0">
+        <a:bodyPr spcFirstLastPara="0" vert="horz" wrap="square" lIns="234696" tIns="20955" rIns="20955" bIns="20955" numCol="1" spcCol="1270" anchor="ctr" anchorCtr="0">
           <a:noAutofit/>
         </a:bodyPr>
         <a:lstStyle/>
         <a:p>
-          <a:pPr marL="285750" lvl="1" indent="-285750" algn="l" defTabSz="1422400">
+          <a:pPr marL="285750" lvl="1" indent="-285750" algn="l" defTabSz="1466850">
             <a:lnSpc>
               <a:spcPct val="90000"/>
             </a:lnSpc>
@@ -2401,7 +2403,7 @@
             <a:buChar char="••"/>
           </a:pPr>
           <a:r>
-            <a:rPr lang="en-US" sz="3200" kern="1200"/>
+            <a:rPr lang="en-US" sz="3300" kern="1200"/>
             <a:t>Start Advertise on Other Websites</a:t>
           </a:r>
         </a:p>
@@ -2535,12 +2537,12 @@
         <a:fontRef idx="minor"/>
       </dsp:style>
       <dsp:txBody>
-        <a:bodyPr spcFirstLastPara="0" vert="horz" wrap="square" lIns="227584" tIns="20320" rIns="20320" bIns="20320" numCol="1" spcCol="1270" anchor="ctr" anchorCtr="0">
+        <a:bodyPr spcFirstLastPara="0" vert="horz" wrap="square" lIns="234696" tIns="20955" rIns="20955" bIns="20955" numCol="1" spcCol="1270" anchor="ctr" anchorCtr="0">
           <a:noAutofit/>
         </a:bodyPr>
         <a:lstStyle/>
         <a:p>
-          <a:pPr marL="285750" lvl="1" indent="-285750" algn="l" defTabSz="1422400">
+          <a:pPr marL="285750" lvl="1" indent="-285750" algn="l" defTabSz="1466850">
             <a:lnSpc>
               <a:spcPct val="90000"/>
             </a:lnSpc>
@@ -2553,7 +2555,7 @@
             <a:buChar char="••"/>
           </a:pPr>
           <a:r>
-            <a:rPr lang="en-US" sz="3200" kern="1200"/>
+            <a:rPr lang="en-US" sz="3300" kern="1200"/>
             <a:t>Launch App on Amazon App Store</a:t>
           </a:r>
         </a:p>
@@ -4242,7 +4244,7 @@
             <a:fld id="{5586B75A-687E-405C-8A0B-8D00578BA2C3}" type="datetimeFigureOut">
               <a:rPr lang="en-US" dirty="0"/>
               <a:pPr/>
-              <a:t>5/10/2016</a:t>
+              <a:t>5/10/16</a:t>
             </a:fld>
             <a:endParaRPr lang="en-US" dirty="0"/>
           </a:p>
@@ -4409,7 +4411,7 @@
             <a:fld id="{5586B75A-687E-405C-8A0B-8D00578BA2C3}" type="datetimeFigureOut">
               <a:rPr lang="en-US" dirty="0"/>
               <a:pPr/>
-              <a:t>5/10/2016</a:t>
+              <a:t>5/10/16</a:t>
             </a:fld>
             <a:endParaRPr lang="en-US" dirty="0"/>
           </a:p>
@@ -4586,7 +4588,7 @@
             <a:fld id="{5586B75A-687E-405C-8A0B-8D00578BA2C3}" type="datetimeFigureOut">
               <a:rPr lang="en-US" dirty="0"/>
               <a:pPr/>
-              <a:t>5/10/2016</a:t>
+              <a:t>5/10/16</a:t>
             </a:fld>
             <a:endParaRPr lang="en-US" dirty="0"/>
           </a:p>
@@ -4753,7 +4755,7 @@
             <a:fld id="{5586B75A-687E-405C-8A0B-8D00578BA2C3}" type="datetimeFigureOut">
               <a:rPr lang="en-US" dirty="0"/>
               <a:pPr/>
-              <a:t>5/10/2016</a:t>
+              <a:t>5/10/16</a:t>
             </a:fld>
             <a:endParaRPr lang="en-US" dirty="0"/>
           </a:p>
@@ -5008,7 +5010,7 @@
             <a:fld id="{5586B75A-687E-405C-8A0B-8D00578BA2C3}" type="datetimeFigureOut">
               <a:rPr lang="en-US" dirty="0"/>
               <a:pPr/>
-              <a:t>5/10/2016</a:t>
+              <a:t>5/10/16</a:t>
             </a:fld>
             <a:endParaRPr lang="en-US" dirty="0"/>
           </a:p>
@@ -5293,7 +5295,7 @@
             <a:fld id="{5586B75A-687E-405C-8A0B-8D00578BA2C3}" type="datetimeFigureOut">
               <a:rPr lang="en-US" dirty="0"/>
               <a:pPr/>
-              <a:t>5/10/2016</a:t>
+              <a:t>5/10/16</a:t>
             </a:fld>
             <a:endParaRPr lang="en-US" dirty="0"/>
           </a:p>
@@ -5732,7 +5734,7 @@
             <a:fld id="{5586B75A-687E-405C-8A0B-8D00578BA2C3}" type="datetimeFigureOut">
               <a:rPr lang="en-US" dirty="0"/>
               <a:pPr/>
-              <a:t>5/10/2016</a:t>
+              <a:t>5/10/16</a:t>
             </a:fld>
             <a:endParaRPr lang="en-US" dirty="0"/>
           </a:p>
@@ -5847,7 +5849,7 @@
             <a:fld id="{5586B75A-687E-405C-8A0B-8D00578BA2C3}" type="datetimeFigureOut">
               <a:rPr lang="en-US" dirty="0"/>
               <a:pPr/>
-              <a:t>5/10/2016</a:t>
+              <a:t>5/10/16</a:t>
             </a:fld>
             <a:endParaRPr lang="en-US" dirty="0"/>
           </a:p>
@@ -5939,7 +5941,7 @@
             <a:fld id="{5586B75A-687E-405C-8A0B-8D00578BA2C3}" type="datetimeFigureOut">
               <a:rPr lang="en-US" dirty="0"/>
               <a:pPr/>
-              <a:t>5/10/2016</a:t>
+              <a:t>5/10/16</a:t>
             </a:fld>
             <a:endParaRPr lang="en-US" dirty="0"/>
           </a:p>
@@ -6224,7 +6226,7 @@
             <a:fld id="{5586B75A-687E-405C-8A0B-8D00578BA2C3}" type="datetimeFigureOut">
               <a:rPr lang="en-US" dirty="0"/>
               <a:pPr/>
-              <a:t>5/10/2016</a:t>
+              <a:t>5/10/16</a:t>
             </a:fld>
             <a:endParaRPr lang="en-US" dirty="0"/>
           </a:p>
@@ -6494,7 +6496,7 @@
             <a:fld id="{5586B75A-687E-405C-8A0B-8D00578BA2C3}" type="datetimeFigureOut">
               <a:rPr lang="en-US" dirty="0"/>
               <a:pPr/>
-              <a:t>5/10/2016</a:t>
+              <a:t>5/10/16</a:t>
             </a:fld>
             <a:endParaRPr lang="en-US" dirty="0"/>
           </a:p>
@@ -6788,7 +6790,7 @@
             <a:fld id="{5586B75A-687E-405C-8A0B-8D00578BA2C3}" type="datetimeFigureOut">
               <a:rPr lang="en-US" dirty="0"/>
               <a:pPr/>
-              <a:t>5/10/2016</a:t>
+              <a:t>5/10/16</a:t>
             </a:fld>
             <a:endParaRPr lang="en-US" dirty="0"/>
           </a:p>
@@ -7319,7 +7321,6 @@
               <a:rPr lang="en-US" dirty="0" smtClean="0"/>
               <a:t>Dilesh Fernando, Paul Charles, Purna Doddapaneni, </a:t>
             </a:r>
-            <a:endParaRPr lang="en-US" dirty="0" smtClean="0"/>
           </a:p>
           <a:p>
             <a:r>
@@ -7332,11 +7333,7 @@
             </a:r>
             <a:r>
               <a:rPr lang="en-US" dirty="0" smtClean="0"/>
-              <a:t> </a:t>
-            </a:r>
-            <a:r>
-              <a:rPr lang="en-US" dirty="0" smtClean="0"/>
-              <a:t>Lee, Kuei Hsien Chu</a:t>
+              <a:t> Lee, Kuei Hsien Chu</a:t>
             </a:r>
             <a:endParaRPr lang="en-US" dirty="0"/>
           </a:p>
@@ -7392,1562 +7389,7 @@
 </p:sld>
 </file>
 
-<file path=ppt/slides/slide2.xml><?xml version="1.0" encoding="utf-8"?>
-<p:sld xmlns:a="http://schemas.openxmlformats.org/drawingml/2006/main" xmlns:r="http://schemas.openxmlformats.org/officeDocument/2006/relationships" xmlns:p="http://schemas.openxmlformats.org/presentationml/2006/main">
-  <p:cSld>
-    <p:spTree>
-      <p:nvGrpSpPr>
-        <p:cNvPr id="1" name=""/>
-        <p:cNvGrpSpPr/>
-        <p:nvPr/>
-      </p:nvGrpSpPr>
-      <p:grpSpPr>
-        <a:xfrm>
-          <a:off x="0" y="0"/>
-          <a:ext cx="0" cy="0"/>
-          <a:chOff x="0" y="0"/>
-          <a:chExt cx="0" cy="0"/>
-        </a:xfrm>
-      </p:grpSpPr>
-      <p:sp>
-        <p:nvSpPr>
-          <p:cNvPr id="10" name="TextBox 9"/>
-          <p:cNvSpPr txBox="1"/>
-          <p:nvPr/>
-        </p:nvSpPr>
-        <p:spPr>
-          <a:xfrm>
-            <a:off x="3640348" y="724619"/>
-            <a:ext cx="5589917" cy="523220"/>
-          </a:xfrm>
-          <a:prstGeom prst="rect">
-            <a:avLst/>
-          </a:prstGeom>
-          <a:noFill/>
-        </p:spPr>
-        <p:txBody>
-          <a:bodyPr wrap="square" rtlCol="0">
-            <a:spAutoFit/>
-          </a:bodyPr>
-          <a:lstStyle/>
-          <a:p>
-            <a:r>
-              <a:rPr lang="en-US" sz="2800" b="1" dirty="0" smtClean="0"/>
-              <a:t>Product Demo</a:t>
-            </a:r>
-            <a:endParaRPr lang="en-US" sz="2800" b="1" dirty="0"/>
-          </a:p>
-        </p:txBody>
-      </p:sp>
-      <p:sp>
-        <p:nvSpPr>
-          <p:cNvPr id="11" name="TextBox 10"/>
-          <p:cNvSpPr txBox="1"/>
-          <p:nvPr/>
-        </p:nvSpPr>
-        <p:spPr>
-          <a:xfrm>
-            <a:off x="3640348" y="1247839"/>
-            <a:ext cx="5589917" cy="6124754"/>
-          </a:xfrm>
-          <a:prstGeom prst="rect">
-            <a:avLst/>
-          </a:prstGeom>
-          <a:noFill/>
-        </p:spPr>
-        <p:txBody>
-          <a:bodyPr wrap="square" rtlCol="0">
-            <a:spAutoFit/>
-          </a:bodyPr>
-          <a:lstStyle/>
-          <a:p>
-            <a:pPr marL="457200" indent="-457200">
-              <a:buClr>
-                <a:srgbClr val="0070C0"/>
-              </a:buClr>
-              <a:buFont typeface="Wingdings" panose="05000000000000000000" pitchFamily="2" charset="2"/>
-              <a:buChar char="Ø"/>
-            </a:pPr>
-            <a:r>
-              <a:rPr lang="en-US" sz="2800" dirty="0"/>
-              <a:t>Users</a:t>
-            </a:r>
-          </a:p>
-          <a:p>
-            <a:pPr marL="914400" lvl="1" indent="-457200">
-              <a:buClr>
-                <a:srgbClr val="0070C0"/>
-              </a:buClr>
-              <a:buFont typeface="Wingdings" panose="05000000000000000000" pitchFamily="2" charset="2"/>
-              <a:buChar char="Ø"/>
-            </a:pPr>
-            <a:r>
-              <a:rPr lang="en-US" sz="2800" dirty="0"/>
-              <a:t>Login/Create User</a:t>
-            </a:r>
-          </a:p>
-          <a:p>
-            <a:pPr marL="914400" lvl="1" indent="-457200">
-              <a:buClr>
-                <a:srgbClr val="0070C0"/>
-              </a:buClr>
-              <a:buFont typeface="Wingdings" panose="05000000000000000000" pitchFamily="2" charset="2"/>
-              <a:buChar char="Ø"/>
-            </a:pPr>
-            <a:r>
-              <a:rPr lang="en-US" sz="2800" dirty="0"/>
-              <a:t>Display Interface/User Info</a:t>
-            </a:r>
-          </a:p>
-          <a:p>
-            <a:pPr marL="914400" lvl="1" indent="-457200">
-              <a:buClr>
-                <a:srgbClr val="0070C0"/>
-              </a:buClr>
-              <a:buFont typeface="Wingdings" panose="05000000000000000000" pitchFamily="2" charset="2"/>
-              <a:buChar char="Ø"/>
-            </a:pPr>
-            <a:r>
-              <a:rPr lang="en-US" sz="2800" dirty="0"/>
-              <a:t>About/Contact</a:t>
-            </a:r>
-          </a:p>
-          <a:p>
-            <a:pPr marL="457200" indent="-457200">
-              <a:buClr>
-                <a:srgbClr val="0070C0"/>
-              </a:buClr>
-              <a:buFont typeface="Wingdings" panose="05000000000000000000" pitchFamily="2" charset="2"/>
-              <a:buChar char="Ø"/>
-            </a:pPr>
-            <a:r>
-              <a:rPr lang="en-US" sz="2800" dirty="0"/>
-              <a:t>Groups</a:t>
-            </a:r>
-          </a:p>
-          <a:p>
-            <a:pPr marL="914400" lvl="1" indent="-457200">
-              <a:buClr>
-                <a:srgbClr val="0070C0"/>
-              </a:buClr>
-              <a:buFont typeface="Wingdings" panose="05000000000000000000" pitchFamily="2" charset="2"/>
-              <a:buChar char="Ø"/>
-            </a:pPr>
-            <a:r>
-              <a:rPr lang="en-US" sz="2800" dirty="0"/>
-              <a:t>Add Group</a:t>
-            </a:r>
-          </a:p>
-          <a:p>
-            <a:pPr marL="914400" lvl="1" indent="-457200">
-              <a:buClr>
-                <a:srgbClr val="0070C0"/>
-              </a:buClr>
-              <a:buFont typeface="Wingdings" panose="05000000000000000000" pitchFamily="2" charset="2"/>
-              <a:buChar char="Ø"/>
-            </a:pPr>
-            <a:r>
-              <a:rPr lang="en-US" sz="2800" dirty="0"/>
-              <a:t>View Group</a:t>
-            </a:r>
-          </a:p>
-          <a:p>
-            <a:pPr marL="914400" lvl="1" indent="-457200">
-              <a:buClr>
-                <a:srgbClr val="0070C0"/>
-              </a:buClr>
-              <a:buFont typeface="Wingdings" panose="05000000000000000000" pitchFamily="2" charset="2"/>
-              <a:buChar char="Ø"/>
-            </a:pPr>
-            <a:r>
-              <a:rPr lang="en-US" sz="2800" dirty="0"/>
-              <a:t>Add Members</a:t>
-            </a:r>
-          </a:p>
-          <a:p>
-            <a:pPr marL="914400" lvl="1" indent="-457200">
-              <a:buClr>
-                <a:srgbClr val="0070C0"/>
-              </a:buClr>
-              <a:buFont typeface="Wingdings" panose="05000000000000000000" pitchFamily="2" charset="2"/>
-              <a:buChar char="Ø"/>
-            </a:pPr>
-            <a:r>
-              <a:rPr lang="en-US" sz="2800" dirty="0"/>
-              <a:t>Join Group</a:t>
-            </a:r>
-          </a:p>
-          <a:p>
-            <a:pPr marL="457200" indent="-457200">
-              <a:buClr>
-                <a:srgbClr val="0070C0"/>
-              </a:buClr>
-              <a:buFont typeface="Wingdings" panose="05000000000000000000" pitchFamily="2" charset="2"/>
-              <a:buChar char="Ø"/>
-            </a:pPr>
-            <a:r>
-              <a:rPr lang="en-US" sz="2800" dirty="0"/>
-              <a:t>Messaging</a:t>
-            </a:r>
-          </a:p>
-          <a:p>
-            <a:pPr marL="914400" lvl="1" indent="-457200">
-              <a:buClr>
-                <a:srgbClr val="0070C0"/>
-              </a:buClr>
-              <a:buFont typeface="Wingdings" panose="05000000000000000000" pitchFamily="2" charset="2"/>
-              <a:buChar char="Ø"/>
-            </a:pPr>
-            <a:r>
-              <a:rPr lang="en-US" sz="2800" dirty="0"/>
-              <a:t>Send message</a:t>
-            </a:r>
-          </a:p>
-          <a:p>
-            <a:pPr marL="914400" lvl="1" indent="-457200">
-              <a:buClr>
-                <a:srgbClr val="0070C0"/>
-              </a:buClr>
-              <a:buFont typeface="Wingdings" panose="05000000000000000000" pitchFamily="2" charset="2"/>
-              <a:buChar char="Ø"/>
-            </a:pPr>
-            <a:r>
-              <a:rPr lang="en-US" sz="2800" dirty="0"/>
-              <a:t>View Message</a:t>
-            </a:r>
-          </a:p>
-          <a:p>
-            <a:pPr marL="914400" lvl="1" indent="-457200">
-              <a:buClr>
-                <a:srgbClr val="0070C0"/>
-              </a:buClr>
-              <a:buFont typeface="Wingdings" panose="05000000000000000000" pitchFamily="2" charset="2"/>
-              <a:buChar char="Ø"/>
-            </a:pPr>
-            <a:r>
-              <a:rPr lang="en-US" sz="2800" dirty="0"/>
-              <a:t>Inbox Icon</a:t>
-            </a:r>
-          </a:p>
-          <a:p>
-            <a:pPr marL="914400" lvl="1" indent="-457200">
-              <a:buFont typeface="Wingdings" panose="05000000000000000000" pitchFamily="2" charset="2"/>
-              <a:buChar char="Ø"/>
-            </a:pPr>
-            <a:endParaRPr lang="en-US" sz="2800" dirty="0" smtClean="0"/>
-          </a:p>
-        </p:txBody>
-      </p:sp>
-      <p:pic>
-        <p:nvPicPr>
-          <p:cNvPr id="9" name="Picture 8"/>
-          <p:cNvPicPr>
-            <a:picLocks noChangeAspect="1"/>
-          </p:cNvPicPr>
-          <p:nvPr/>
-        </p:nvPicPr>
-        <p:blipFill>
-          <a:blip r:embed="rId2">
-            <a:extLst>
-              <a:ext uri="{28A0092B-C50C-407E-A947-70E740481C1C}">
-                <a14:useLocalDpi xmlns:a14="http://schemas.microsoft.com/office/drawing/2010/main" val="0"/>
-              </a:ext>
-            </a:extLst>
-          </a:blip>
-          <a:stretch>
-            <a:fillRect/>
-          </a:stretch>
-        </p:blipFill>
-        <p:spPr>
-          <a:xfrm>
-            <a:off x="195355" y="1023586"/>
-            <a:ext cx="3054647" cy="2499257"/>
-          </a:xfrm>
-          <a:prstGeom prst="rect">
-            <a:avLst/>
-          </a:prstGeom>
-        </p:spPr>
-      </p:pic>
-    </p:spTree>
-    <p:extLst>
-      <p:ext uri="{BB962C8B-B14F-4D97-AF65-F5344CB8AC3E}">
-        <p14:creationId xmlns:p14="http://schemas.microsoft.com/office/powerpoint/2010/main" val="827005068"/>
-      </p:ext>
-    </p:extLst>
-  </p:cSld>
-  <p:clrMapOvr>
-    <a:masterClrMapping/>
-  </p:clrMapOvr>
-  <p:timing>
-    <p:tnLst>
-      <p:par>
-        <p:cTn id="1" dur="indefinite" restart="never" nodeType="tmRoot"/>
-      </p:par>
-    </p:tnLst>
-  </p:timing>
-</p:sld>
-</file>
-
-<file path=ppt/slides/slide3.xml><?xml version="1.0" encoding="utf-8"?>
-<p:sld xmlns:a="http://schemas.openxmlformats.org/drawingml/2006/main" xmlns:r="http://schemas.openxmlformats.org/officeDocument/2006/relationships" xmlns:p="http://schemas.openxmlformats.org/presentationml/2006/main">
-  <p:cSld>
-    <p:spTree>
-      <p:nvGrpSpPr>
-        <p:cNvPr id="1" name=""/>
-        <p:cNvGrpSpPr/>
-        <p:nvPr/>
-      </p:nvGrpSpPr>
-      <p:grpSpPr>
-        <a:xfrm>
-          <a:off x="0" y="0"/>
-          <a:ext cx="0" cy="0"/>
-          <a:chOff x="0" y="0"/>
-          <a:chExt cx="0" cy="0"/>
-        </a:xfrm>
-      </p:grpSpPr>
-      <p:sp>
-        <p:nvSpPr>
-          <p:cNvPr id="10" name="TextBox 9"/>
-          <p:cNvSpPr txBox="1"/>
-          <p:nvPr/>
-        </p:nvSpPr>
-        <p:spPr>
-          <a:xfrm>
-            <a:off x="3640348" y="724619"/>
-            <a:ext cx="5589917" cy="523220"/>
-          </a:xfrm>
-          <a:prstGeom prst="rect">
-            <a:avLst/>
-          </a:prstGeom>
-          <a:noFill/>
-        </p:spPr>
-        <p:txBody>
-          <a:bodyPr wrap="square" rtlCol="0">
-            <a:spAutoFit/>
-          </a:bodyPr>
-          <a:lstStyle/>
-          <a:p>
-            <a:r>
-              <a:rPr lang="en-US" sz="2800" b="1" dirty="0" smtClean="0"/>
-              <a:t>Product Demo</a:t>
-            </a:r>
-            <a:endParaRPr lang="en-US" sz="2800" b="1" dirty="0"/>
-          </a:p>
-        </p:txBody>
-      </p:sp>
-      <p:sp>
-        <p:nvSpPr>
-          <p:cNvPr id="11" name="TextBox 10"/>
-          <p:cNvSpPr txBox="1"/>
-          <p:nvPr/>
-        </p:nvSpPr>
-        <p:spPr>
-          <a:xfrm>
-            <a:off x="3640348" y="1401279"/>
-            <a:ext cx="5589917" cy="6555641"/>
-          </a:xfrm>
-          <a:prstGeom prst="rect">
-            <a:avLst/>
-          </a:prstGeom>
-          <a:noFill/>
-        </p:spPr>
-        <p:txBody>
-          <a:bodyPr wrap="square" rtlCol="0">
-            <a:spAutoFit/>
-          </a:bodyPr>
-          <a:lstStyle/>
-          <a:p>
-            <a:pPr marL="457200" indent="-457200">
-              <a:buClr>
-                <a:srgbClr val="0070C0"/>
-              </a:buClr>
-              <a:buFont typeface="Wingdings" panose="05000000000000000000" pitchFamily="2" charset="2"/>
-              <a:buChar char="Ø"/>
-            </a:pPr>
-            <a:r>
-              <a:rPr lang="en-US" sz="2800" dirty="0"/>
-              <a:t>Routine</a:t>
-            </a:r>
-          </a:p>
-          <a:p>
-            <a:pPr marL="914400" lvl="1" indent="-457200">
-              <a:buClr>
-                <a:srgbClr val="0070C0"/>
-              </a:buClr>
-              <a:buFont typeface="Wingdings" panose="05000000000000000000" pitchFamily="2" charset="2"/>
-              <a:buChar char="Ø"/>
-            </a:pPr>
-            <a:r>
-              <a:rPr lang="en-US" sz="2800" dirty="0"/>
-              <a:t>Create Routine</a:t>
-            </a:r>
-          </a:p>
-          <a:p>
-            <a:pPr marL="1371600" lvl="2" indent="-457200">
-              <a:buClr>
-                <a:srgbClr val="0070C0"/>
-              </a:buClr>
-              <a:buFont typeface="Wingdings" panose="05000000000000000000" pitchFamily="2" charset="2"/>
-              <a:buChar char="Ø"/>
-            </a:pPr>
-            <a:r>
-              <a:rPr lang="en-US" sz="2800" dirty="0"/>
-              <a:t>Add Exercise</a:t>
-            </a:r>
-          </a:p>
-          <a:p>
-            <a:pPr marL="914400" lvl="1" indent="-457200">
-              <a:buClr>
-                <a:srgbClr val="0070C0"/>
-              </a:buClr>
-              <a:buFont typeface="Wingdings" panose="05000000000000000000" pitchFamily="2" charset="2"/>
-              <a:buChar char="Ø"/>
-            </a:pPr>
-            <a:r>
-              <a:rPr lang="en-US" sz="2800" dirty="0"/>
-              <a:t>View Routine Info Page</a:t>
-            </a:r>
-          </a:p>
-          <a:p>
-            <a:pPr marL="914400" lvl="1" indent="-457200">
-              <a:buClr>
-                <a:srgbClr val="0070C0"/>
-              </a:buClr>
-              <a:buFont typeface="Wingdings" panose="05000000000000000000" pitchFamily="2" charset="2"/>
-              <a:buChar char="Ø"/>
-            </a:pPr>
-            <a:r>
-              <a:rPr lang="en-US" sz="2800" dirty="0"/>
-              <a:t>Edit Routine</a:t>
-            </a:r>
-          </a:p>
-          <a:p>
-            <a:pPr marL="457200" indent="-457200">
-              <a:buClr>
-                <a:srgbClr val="0070C0"/>
-              </a:buClr>
-              <a:buFont typeface="Wingdings" panose="05000000000000000000" pitchFamily="2" charset="2"/>
-              <a:buChar char="Ø"/>
-            </a:pPr>
-            <a:r>
-              <a:rPr lang="en-US" sz="2800" dirty="0"/>
-              <a:t>Exercises</a:t>
-            </a:r>
-          </a:p>
-          <a:p>
-            <a:pPr marL="914400" lvl="1" indent="-457200">
-              <a:buClr>
-                <a:srgbClr val="0070C0"/>
-              </a:buClr>
-              <a:buFont typeface="Wingdings" panose="05000000000000000000" pitchFamily="2" charset="2"/>
-              <a:buChar char="Ø"/>
-            </a:pPr>
-            <a:r>
-              <a:rPr lang="en-US" sz="2800" dirty="0"/>
-              <a:t>View Exercise Info Page</a:t>
-            </a:r>
-          </a:p>
-          <a:p>
-            <a:pPr marL="914400" lvl="1" indent="-457200">
-              <a:buClr>
-                <a:srgbClr val="0070C0"/>
-              </a:buClr>
-              <a:buFont typeface="Wingdings" panose="05000000000000000000" pitchFamily="2" charset="2"/>
-              <a:buChar char="Ø"/>
-            </a:pPr>
-            <a:r>
-              <a:rPr lang="en-US" sz="2800" dirty="0"/>
-              <a:t>Edit Exercise</a:t>
-            </a:r>
-          </a:p>
-          <a:p>
-            <a:pPr marL="457200" indent="-457200">
-              <a:buClr>
-                <a:srgbClr val="0070C0"/>
-              </a:buClr>
-              <a:buFont typeface="Wingdings" panose="05000000000000000000" pitchFamily="2" charset="2"/>
-              <a:buChar char="Ø"/>
-            </a:pPr>
-            <a:r>
-              <a:rPr lang="en-US" sz="2800" dirty="0"/>
-              <a:t>Log</a:t>
-            </a:r>
-          </a:p>
-          <a:p>
-            <a:pPr marL="914400" lvl="1" indent="-457200">
-              <a:buClr>
-                <a:srgbClr val="0070C0"/>
-              </a:buClr>
-              <a:buFont typeface="Wingdings" panose="05000000000000000000" pitchFamily="2" charset="2"/>
-              <a:buChar char="Ø"/>
-            </a:pPr>
-            <a:r>
-              <a:rPr lang="en-US" sz="2800" dirty="0"/>
-              <a:t>Start Routine</a:t>
-            </a:r>
-          </a:p>
-          <a:p>
-            <a:pPr marL="914400" lvl="1" indent="-457200">
-              <a:buClr>
-                <a:srgbClr val="0070C0"/>
-              </a:buClr>
-              <a:buFont typeface="Wingdings" panose="05000000000000000000" pitchFamily="2" charset="2"/>
-              <a:buChar char="Ø"/>
-            </a:pPr>
-            <a:r>
-              <a:rPr lang="en-US" sz="2800" dirty="0"/>
-              <a:t>View Log/Explain Stats</a:t>
-            </a:r>
-          </a:p>
-          <a:p>
-            <a:pPr marL="914400" lvl="1" indent="-457200">
-              <a:buClr>
-                <a:srgbClr val="0070C0"/>
-              </a:buClr>
-              <a:buFont typeface="Wingdings" panose="05000000000000000000" pitchFamily="2" charset="2"/>
-              <a:buChar char="Ø"/>
-            </a:pPr>
-            <a:endParaRPr lang="en-US" sz="2800" dirty="0" smtClean="0"/>
-          </a:p>
-          <a:p>
-            <a:pPr marL="914400" lvl="1" indent="-457200">
-              <a:buClr>
-                <a:schemeClr val="accent1">
-                  <a:lumMod val="75000"/>
-                </a:schemeClr>
-              </a:buClr>
-              <a:buFont typeface="Wingdings" panose="05000000000000000000" pitchFamily="2" charset="2"/>
-              <a:buChar char="Ø"/>
-            </a:pPr>
-            <a:endParaRPr lang="en-US" sz="2800" dirty="0" smtClean="0"/>
-          </a:p>
-          <a:p>
-            <a:pPr marL="457200" indent="-457200">
-              <a:buFont typeface="Wingdings" panose="05000000000000000000" pitchFamily="2" charset="2"/>
-              <a:buChar char="Ø"/>
-            </a:pPr>
-            <a:endParaRPr lang="en-US" sz="2800" dirty="0" smtClean="0"/>
-          </a:p>
-          <a:p>
-            <a:pPr marL="914400" lvl="1" indent="-457200">
-              <a:buFont typeface="Wingdings" panose="05000000000000000000" pitchFamily="2" charset="2"/>
-              <a:buChar char="Ø"/>
-            </a:pPr>
-            <a:endParaRPr lang="en-US" sz="2800" dirty="0" smtClean="0"/>
-          </a:p>
-        </p:txBody>
-      </p:sp>
-      <p:pic>
-        <p:nvPicPr>
-          <p:cNvPr id="9" name="Picture 8"/>
-          <p:cNvPicPr>
-            <a:picLocks noChangeAspect="1"/>
-          </p:cNvPicPr>
-          <p:nvPr/>
-        </p:nvPicPr>
-        <p:blipFill>
-          <a:blip r:embed="rId2">
-            <a:extLst>
-              <a:ext uri="{28A0092B-C50C-407E-A947-70E740481C1C}">
-                <a14:useLocalDpi xmlns:a14="http://schemas.microsoft.com/office/drawing/2010/main" val="0"/>
-              </a:ext>
-            </a:extLst>
-          </a:blip>
-          <a:stretch>
-            <a:fillRect/>
-          </a:stretch>
-        </p:blipFill>
-        <p:spPr>
-          <a:xfrm>
-            <a:off x="195355" y="1023586"/>
-            <a:ext cx="3054647" cy="2499257"/>
-          </a:xfrm>
-          <a:prstGeom prst="rect">
-            <a:avLst/>
-          </a:prstGeom>
-        </p:spPr>
-      </p:pic>
-    </p:spTree>
-    <p:extLst>
-      <p:ext uri="{BB962C8B-B14F-4D97-AF65-F5344CB8AC3E}">
-        <p14:creationId xmlns:p14="http://schemas.microsoft.com/office/powerpoint/2010/main" val="2133008192"/>
-      </p:ext>
-    </p:extLst>
-  </p:cSld>
-  <p:clrMapOvr>
-    <a:masterClrMapping/>
-  </p:clrMapOvr>
-  <p:timing>
-    <p:tnLst>
-      <p:par>
-        <p:cTn id="1" dur="indefinite" restart="never" nodeType="tmRoot"/>
-      </p:par>
-    </p:tnLst>
-  </p:timing>
-</p:sld>
-</file>
-
-<file path=ppt/slides/slide4.xml><?xml version="1.0" encoding="utf-8"?>
-<p:sld xmlns:a="http://schemas.openxmlformats.org/drawingml/2006/main" xmlns:r="http://schemas.openxmlformats.org/officeDocument/2006/relationships" xmlns:p="http://schemas.openxmlformats.org/presentationml/2006/main">
-  <p:cSld>
-    <p:spTree>
-      <p:nvGrpSpPr>
-        <p:cNvPr id="1" name=""/>
-        <p:cNvGrpSpPr/>
-        <p:nvPr/>
-      </p:nvGrpSpPr>
-      <p:grpSpPr>
-        <a:xfrm>
-          <a:off x="0" y="0"/>
-          <a:ext cx="0" cy="0"/>
-          <a:chOff x="0" y="0"/>
-          <a:chExt cx="0" cy="0"/>
-        </a:xfrm>
-      </p:grpSpPr>
-      <p:sp>
-        <p:nvSpPr>
-          <p:cNvPr id="10" name="TextBox 9"/>
-          <p:cNvSpPr txBox="1"/>
-          <p:nvPr/>
-        </p:nvSpPr>
-        <p:spPr>
-          <a:xfrm>
-            <a:off x="3640348" y="724619"/>
-            <a:ext cx="5589917" cy="523220"/>
-          </a:xfrm>
-          <a:prstGeom prst="rect">
-            <a:avLst/>
-          </a:prstGeom>
-          <a:noFill/>
-        </p:spPr>
-        <p:txBody>
-          <a:bodyPr wrap="square" rtlCol="0">
-            <a:spAutoFit/>
-          </a:bodyPr>
-          <a:lstStyle/>
-          <a:p>
-            <a:r>
-              <a:rPr lang="en-US" sz="2800" b="1" dirty="0" smtClean="0"/>
-              <a:t>Product Demo</a:t>
-            </a:r>
-            <a:endParaRPr lang="en-US" sz="2800" b="1" dirty="0"/>
-          </a:p>
-        </p:txBody>
-      </p:sp>
-      <p:sp>
-        <p:nvSpPr>
-          <p:cNvPr id="11" name="TextBox 10"/>
-          <p:cNvSpPr txBox="1"/>
-          <p:nvPr/>
-        </p:nvSpPr>
-        <p:spPr>
-          <a:xfrm>
-            <a:off x="3640348" y="1401279"/>
-            <a:ext cx="5589917" cy="4832092"/>
-          </a:xfrm>
-          <a:prstGeom prst="rect">
-            <a:avLst/>
-          </a:prstGeom>
-          <a:noFill/>
-        </p:spPr>
-        <p:txBody>
-          <a:bodyPr wrap="square" rtlCol="0">
-            <a:spAutoFit/>
-          </a:bodyPr>
-          <a:lstStyle/>
-          <a:p>
-            <a:pPr marL="457200" indent="-457200">
-              <a:buClr>
-                <a:srgbClr val="0070C0"/>
-              </a:buClr>
-              <a:buFont typeface="Wingdings" panose="05000000000000000000" pitchFamily="2" charset="2"/>
-              <a:buChar char="Ø"/>
-            </a:pPr>
-            <a:r>
-              <a:rPr lang="en-US" sz="2800" dirty="0" smtClean="0"/>
-              <a:t>Calendar</a:t>
-            </a:r>
-          </a:p>
-          <a:p>
-            <a:pPr marL="914400" lvl="1" indent="-457200">
-              <a:buClr>
-                <a:srgbClr val="0070C0"/>
-              </a:buClr>
-              <a:buFont typeface="Wingdings" panose="05000000000000000000" pitchFamily="2" charset="2"/>
-              <a:buChar char="Ø"/>
-            </a:pPr>
-            <a:r>
-              <a:rPr lang="en-US" sz="2800" dirty="0" smtClean="0"/>
-              <a:t>Time Frame</a:t>
-            </a:r>
-          </a:p>
-          <a:p>
-            <a:pPr marL="914400" lvl="1" indent="-457200">
-              <a:buClr>
-                <a:srgbClr val="0070C0"/>
-              </a:buClr>
-              <a:buFont typeface="Wingdings" panose="05000000000000000000" pitchFamily="2" charset="2"/>
-              <a:buChar char="Ø"/>
-            </a:pPr>
-            <a:r>
-              <a:rPr lang="en-US" sz="2800" dirty="0" smtClean="0"/>
-              <a:t>Add Events</a:t>
-            </a:r>
-          </a:p>
-          <a:p>
-            <a:pPr marL="914400" lvl="1" indent="-457200">
-              <a:buClr>
-                <a:srgbClr val="0070C0"/>
-              </a:buClr>
-              <a:buFont typeface="Wingdings" panose="05000000000000000000" pitchFamily="2" charset="2"/>
-              <a:buChar char="Ø"/>
-            </a:pPr>
-            <a:r>
-              <a:rPr lang="en-US" sz="2800" dirty="0" smtClean="0"/>
-              <a:t>View Events</a:t>
-            </a:r>
-          </a:p>
-          <a:p>
-            <a:pPr marL="457200" indent="-457200">
-              <a:buClr>
-                <a:srgbClr val="0070C0"/>
-              </a:buClr>
-              <a:buFont typeface="Wingdings" panose="05000000000000000000" pitchFamily="2" charset="2"/>
-              <a:buChar char="Ø"/>
-            </a:pPr>
-            <a:r>
-              <a:rPr lang="en-US" sz="2800" dirty="0" smtClean="0"/>
-              <a:t>Challenges</a:t>
-            </a:r>
-          </a:p>
-          <a:p>
-            <a:pPr marL="914400" lvl="1" indent="-457200">
-              <a:buClr>
-                <a:srgbClr val="0070C0"/>
-              </a:buClr>
-              <a:buFont typeface="Wingdings" panose="05000000000000000000" pitchFamily="2" charset="2"/>
-              <a:buChar char="Ø"/>
-            </a:pPr>
-            <a:r>
-              <a:rPr lang="en-US" sz="2800" dirty="0" smtClean="0"/>
-              <a:t>Add Challenge</a:t>
-            </a:r>
-          </a:p>
-          <a:p>
-            <a:pPr marL="914400" lvl="1" indent="-457200">
-              <a:buClr>
-                <a:srgbClr val="0070C0"/>
-              </a:buClr>
-              <a:buFont typeface="Wingdings" panose="05000000000000000000" pitchFamily="2" charset="2"/>
-              <a:buChar char="Ø"/>
-            </a:pPr>
-            <a:r>
-              <a:rPr lang="en-US" sz="2800" dirty="0" smtClean="0"/>
-              <a:t>View Challenge</a:t>
-            </a:r>
-          </a:p>
-          <a:p>
-            <a:pPr marL="914400" lvl="1" indent="-457200">
-              <a:buClr>
-                <a:srgbClr val="0070C0"/>
-              </a:buClr>
-              <a:buFont typeface="Wingdings" panose="05000000000000000000" pitchFamily="2" charset="2"/>
-              <a:buChar char="Ø"/>
-            </a:pPr>
-            <a:endParaRPr lang="en-US" sz="2800" dirty="0" smtClean="0"/>
-          </a:p>
-          <a:p>
-            <a:pPr marL="914400" lvl="1" indent="-457200">
-              <a:buClr>
-                <a:schemeClr val="accent1">
-                  <a:lumMod val="75000"/>
-                </a:schemeClr>
-              </a:buClr>
-              <a:buFont typeface="Wingdings" panose="05000000000000000000" pitchFamily="2" charset="2"/>
-              <a:buChar char="Ø"/>
-            </a:pPr>
-            <a:endParaRPr lang="en-US" sz="2800" dirty="0" smtClean="0"/>
-          </a:p>
-          <a:p>
-            <a:pPr marL="457200" indent="-457200">
-              <a:buFont typeface="Wingdings" panose="05000000000000000000" pitchFamily="2" charset="2"/>
-              <a:buChar char="Ø"/>
-            </a:pPr>
-            <a:endParaRPr lang="en-US" sz="2800" dirty="0" smtClean="0"/>
-          </a:p>
-          <a:p>
-            <a:pPr marL="914400" lvl="1" indent="-457200">
-              <a:buFont typeface="Wingdings" panose="05000000000000000000" pitchFamily="2" charset="2"/>
-              <a:buChar char="Ø"/>
-            </a:pPr>
-            <a:endParaRPr lang="en-US" sz="2800" dirty="0" smtClean="0"/>
-          </a:p>
-        </p:txBody>
-      </p:sp>
-      <p:pic>
-        <p:nvPicPr>
-          <p:cNvPr id="9" name="Picture 8"/>
-          <p:cNvPicPr>
-            <a:picLocks noChangeAspect="1"/>
-          </p:cNvPicPr>
-          <p:nvPr/>
-        </p:nvPicPr>
-        <p:blipFill>
-          <a:blip r:embed="rId2">
-            <a:extLst>
-              <a:ext uri="{28A0092B-C50C-407E-A947-70E740481C1C}">
-                <a14:useLocalDpi xmlns:a14="http://schemas.microsoft.com/office/drawing/2010/main" val="0"/>
-              </a:ext>
-            </a:extLst>
-          </a:blip>
-          <a:stretch>
-            <a:fillRect/>
-          </a:stretch>
-        </p:blipFill>
-        <p:spPr>
-          <a:xfrm>
-            <a:off x="195355" y="1023586"/>
-            <a:ext cx="3054647" cy="2499257"/>
-          </a:xfrm>
-          <a:prstGeom prst="rect">
-            <a:avLst/>
-          </a:prstGeom>
-        </p:spPr>
-      </p:pic>
-    </p:spTree>
-    <p:extLst>
-      <p:ext uri="{BB962C8B-B14F-4D97-AF65-F5344CB8AC3E}">
-        <p14:creationId xmlns:p14="http://schemas.microsoft.com/office/powerpoint/2010/main" val="2431153840"/>
-      </p:ext>
-    </p:extLst>
-  </p:cSld>
-  <p:clrMapOvr>
-    <a:masterClrMapping/>
-  </p:clrMapOvr>
-  <p:timing>
-    <p:tnLst>
-      <p:par>
-        <p:cTn id="1" dur="indefinite" restart="never" nodeType="tmRoot"/>
-      </p:par>
-    </p:tnLst>
-  </p:timing>
-</p:sld>
-</file>
-
-<file path=ppt/slides/slide5.xml><?xml version="1.0" encoding="utf-8"?>
-<p:sld xmlns:a="http://schemas.openxmlformats.org/drawingml/2006/main" xmlns:r="http://schemas.openxmlformats.org/officeDocument/2006/relationships" xmlns:p="http://schemas.openxmlformats.org/presentationml/2006/main">
-  <p:cSld>
-    <p:spTree>
-      <p:nvGrpSpPr>
-        <p:cNvPr id="1" name=""/>
-        <p:cNvGrpSpPr/>
-        <p:nvPr/>
-      </p:nvGrpSpPr>
-      <p:grpSpPr>
-        <a:xfrm>
-          <a:off x="0" y="0"/>
-          <a:ext cx="0" cy="0"/>
-          <a:chOff x="0" y="0"/>
-          <a:chExt cx="0" cy="0"/>
-        </a:xfrm>
-      </p:grpSpPr>
-      <p:sp>
-        <p:nvSpPr>
-          <p:cNvPr id="10" name="TextBox 9"/>
-          <p:cNvSpPr txBox="1"/>
-          <p:nvPr/>
-        </p:nvSpPr>
-        <p:spPr>
-          <a:xfrm>
-            <a:off x="3640348" y="724619"/>
-            <a:ext cx="5589917" cy="523220"/>
-          </a:xfrm>
-          <a:prstGeom prst="rect">
-            <a:avLst/>
-          </a:prstGeom>
-          <a:noFill/>
-        </p:spPr>
-        <p:txBody>
-          <a:bodyPr wrap="square" rtlCol="0">
-            <a:spAutoFit/>
-          </a:bodyPr>
-          <a:lstStyle/>
-          <a:p>
-            <a:r>
-              <a:rPr lang="en-US" sz="2800" b="1" dirty="0" smtClean="0"/>
-              <a:t>Current Bugs</a:t>
-            </a:r>
-            <a:endParaRPr lang="en-US" sz="2800" b="1" dirty="0"/>
-          </a:p>
-        </p:txBody>
-      </p:sp>
-      <p:sp>
-        <p:nvSpPr>
-          <p:cNvPr id="11" name="TextBox 10"/>
-          <p:cNvSpPr txBox="1"/>
-          <p:nvPr/>
-        </p:nvSpPr>
-        <p:spPr>
-          <a:xfrm>
-            <a:off x="3459116" y="1365273"/>
-            <a:ext cx="8212184" cy="2677656"/>
-          </a:xfrm>
-          <a:prstGeom prst="rect">
-            <a:avLst/>
-          </a:prstGeom>
-          <a:noFill/>
-        </p:spPr>
-        <p:txBody>
-          <a:bodyPr wrap="square" rtlCol="0">
-            <a:spAutoFit/>
-          </a:bodyPr>
-          <a:lstStyle/>
-          <a:p>
-            <a:pPr marL="914400" lvl="1" indent="-457200">
-              <a:buClr>
-                <a:srgbClr val="0070C0"/>
-              </a:buClr>
-              <a:buFont typeface="Wingdings" panose="05000000000000000000" pitchFamily="2" charset="2"/>
-              <a:buChar char="Ø"/>
-            </a:pPr>
-            <a:r>
-              <a:rPr lang="en-US" sz="2800" dirty="0" smtClean="0"/>
-              <a:t>Set Order: </a:t>
-            </a:r>
-            <a:r>
-              <a:rPr lang="en-US" sz="2800" dirty="0" smtClean="0"/>
-              <a:t>In </a:t>
-            </a:r>
-            <a:r>
-              <a:rPr lang="en-US" sz="2800" dirty="0" err="1" smtClean="0"/>
-              <a:t>view_exercises.php</a:t>
-            </a:r>
-            <a:r>
-              <a:rPr lang="en-US" sz="2800" dirty="0" smtClean="0"/>
-              <a:t> or Exercise Info, the set order sometimes shows in reverse order</a:t>
-            </a:r>
-          </a:p>
-          <a:p>
-            <a:pPr marL="914400" lvl="1" indent="-457200">
-              <a:buClr>
-                <a:srgbClr val="0070C0"/>
-              </a:buClr>
-              <a:buFont typeface="Wingdings" panose="05000000000000000000" pitchFamily="2" charset="2"/>
-              <a:buChar char="Ø"/>
-            </a:pPr>
-            <a:endParaRPr lang="en-US" sz="2800" dirty="0" smtClean="0"/>
-          </a:p>
-          <a:p>
-            <a:endParaRPr lang="en-US" sz="2800" dirty="0" smtClean="0"/>
-          </a:p>
-          <a:p>
-            <a:pPr marL="914400" lvl="1" indent="-457200">
-              <a:buFont typeface="Wingdings" panose="05000000000000000000" pitchFamily="2" charset="2"/>
-              <a:buChar char="Ø"/>
-            </a:pPr>
-            <a:endParaRPr lang="en-US" sz="2800" dirty="0" smtClean="0"/>
-          </a:p>
-        </p:txBody>
-      </p:sp>
-      <p:pic>
-        <p:nvPicPr>
-          <p:cNvPr id="9" name="Picture 8"/>
-          <p:cNvPicPr>
-            <a:picLocks noChangeAspect="1"/>
-          </p:cNvPicPr>
-          <p:nvPr/>
-        </p:nvPicPr>
-        <p:blipFill>
-          <a:blip r:embed="rId2">
-            <a:extLst>
-              <a:ext uri="{28A0092B-C50C-407E-A947-70E740481C1C}">
-                <a14:useLocalDpi xmlns:a14="http://schemas.microsoft.com/office/drawing/2010/main" val="0"/>
-              </a:ext>
-            </a:extLst>
-          </a:blip>
-          <a:stretch>
-            <a:fillRect/>
-          </a:stretch>
-        </p:blipFill>
-        <p:spPr>
-          <a:xfrm>
-            <a:off x="195355" y="1023586"/>
-            <a:ext cx="3054647" cy="2499257"/>
-          </a:xfrm>
-          <a:prstGeom prst="rect">
-            <a:avLst/>
-          </a:prstGeom>
-        </p:spPr>
-      </p:pic>
-      <p:pic>
-        <p:nvPicPr>
-          <p:cNvPr id="2" name="Picture 1"/>
-          <p:cNvPicPr>
-            <a:picLocks noChangeAspect="1"/>
-          </p:cNvPicPr>
-          <p:nvPr/>
-        </p:nvPicPr>
-        <p:blipFill>
-          <a:blip r:embed="rId3"/>
-          <a:stretch>
-            <a:fillRect/>
-          </a:stretch>
-        </p:blipFill>
-        <p:spPr>
-          <a:xfrm>
-            <a:off x="7721600" y="2361047"/>
-            <a:ext cx="3835400" cy="4392602"/>
-          </a:xfrm>
-          <a:prstGeom prst="rect">
-            <a:avLst/>
-          </a:prstGeom>
-        </p:spPr>
-      </p:pic>
-    </p:spTree>
-    <p:extLst>
-      <p:ext uri="{BB962C8B-B14F-4D97-AF65-F5344CB8AC3E}">
-        <p14:creationId xmlns:p14="http://schemas.microsoft.com/office/powerpoint/2010/main" val="1391420568"/>
-      </p:ext>
-    </p:extLst>
-  </p:cSld>
-  <p:clrMapOvr>
-    <a:masterClrMapping/>
-  </p:clrMapOvr>
-  <p:timing>
-    <p:tnLst>
-      <p:par>
-        <p:cTn id="1" dur="indefinite" restart="never" nodeType="tmRoot"/>
-      </p:par>
-    </p:tnLst>
-  </p:timing>
-</p:sld>
-</file>
-
-<file path=ppt/slides/slide6.xml><?xml version="1.0" encoding="utf-8"?>
-<p:sld xmlns:a="http://schemas.openxmlformats.org/drawingml/2006/main" xmlns:r="http://schemas.openxmlformats.org/officeDocument/2006/relationships" xmlns:p="http://schemas.openxmlformats.org/presentationml/2006/main">
-  <p:cSld>
-    <p:spTree>
-      <p:nvGrpSpPr>
-        <p:cNvPr id="1" name=""/>
-        <p:cNvGrpSpPr/>
-        <p:nvPr/>
-      </p:nvGrpSpPr>
-      <p:grpSpPr>
-        <a:xfrm>
-          <a:off x="0" y="0"/>
-          <a:ext cx="0" cy="0"/>
-          <a:chOff x="0" y="0"/>
-          <a:chExt cx="0" cy="0"/>
-        </a:xfrm>
-      </p:grpSpPr>
-      <p:sp>
-        <p:nvSpPr>
-          <p:cNvPr id="10" name="TextBox 9"/>
-          <p:cNvSpPr txBox="1"/>
-          <p:nvPr/>
-        </p:nvSpPr>
-        <p:spPr>
-          <a:xfrm>
-            <a:off x="3640348" y="724619"/>
-            <a:ext cx="5589917" cy="523220"/>
-          </a:xfrm>
-          <a:prstGeom prst="rect">
-            <a:avLst/>
-          </a:prstGeom>
-          <a:noFill/>
-        </p:spPr>
-        <p:txBody>
-          <a:bodyPr wrap="square" rtlCol="0">
-            <a:spAutoFit/>
-          </a:bodyPr>
-          <a:lstStyle/>
-          <a:p>
-            <a:r>
-              <a:rPr lang="en-US" sz="2800" b="1" dirty="0"/>
-              <a:t>Deployment Plan</a:t>
-            </a:r>
-          </a:p>
-        </p:txBody>
-      </p:sp>
-      <p:pic>
-        <p:nvPicPr>
-          <p:cNvPr id="9" name="Picture 8"/>
-          <p:cNvPicPr>
-            <a:picLocks noChangeAspect="1"/>
-          </p:cNvPicPr>
-          <p:nvPr/>
-        </p:nvPicPr>
-        <p:blipFill>
-          <a:blip r:embed="rId2">
-            <a:extLst>
-              <a:ext uri="{28A0092B-C50C-407E-A947-70E740481C1C}">
-                <a14:useLocalDpi xmlns:a14="http://schemas.microsoft.com/office/drawing/2010/main" val="0"/>
-              </a:ext>
-            </a:extLst>
-          </a:blip>
-          <a:stretch>
-            <a:fillRect/>
-          </a:stretch>
-        </p:blipFill>
-        <p:spPr>
-          <a:xfrm>
-            <a:off x="195355" y="1023586"/>
-            <a:ext cx="3054647" cy="2499257"/>
-          </a:xfrm>
-          <a:prstGeom prst="rect">
-            <a:avLst/>
-          </a:prstGeom>
-        </p:spPr>
-      </p:pic>
-      <p:graphicFrame>
-        <p:nvGraphicFramePr>
-          <p:cNvPr id="2" name="Table 1"/>
-          <p:cNvGraphicFramePr>
-            <a:graphicFrameLocks noGrp="1"/>
-          </p:cNvGraphicFramePr>
-          <p:nvPr>
-            <p:extLst>
-              <p:ext uri="{D42A27DB-BD31-4B8C-83A1-F6EECF244321}">
-                <p14:modId xmlns:p14="http://schemas.microsoft.com/office/powerpoint/2010/main" val="2174365923"/>
-              </p:ext>
-            </p:extLst>
-          </p:nvPr>
-        </p:nvGraphicFramePr>
-        <p:xfrm>
-          <a:off x="3804156" y="1669547"/>
-          <a:ext cx="7194044" cy="4540752"/>
-        </p:xfrm>
-        <a:graphic>
-          <a:graphicData uri="http://schemas.openxmlformats.org/drawingml/2006/table">
-            <a:tbl>
-              <a:tblPr firstRow="1" firstCol="1" bandRow="1">
-                <a:tableStyleId>{5C22544A-7EE6-4342-B048-85BDC9FD1C3A}</a:tableStyleId>
-              </a:tblPr>
-              <a:tblGrid>
-                <a:gridCol w="2693860"/>
-                <a:gridCol w="4500184"/>
-              </a:tblGrid>
-              <a:tr h="756792">
-                <a:tc>
-                  <a:txBody>
-                    <a:bodyPr/>
-                    <a:lstStyle/>
-                    <a:p>
-                      <a:pPr marL="0" marR="0">
-                        <a:lnSpc>
-                          <a:spcPct val="115000"/>
-                        </a:lnSpc>
-                        <a:spcBef>
-                          <a:spcPts val="0"/>
-                        </a:spcBef>
-                        <a:spcAft>
-                          <a:spcPts val="0"/>
-                        </a:spcAft>
-                      </a:pPr>
-                      <a:r>
-                        <a:rPr lang="en-US" sz="2400" dirty="0">
-                          <a:effectLst/>
-                        </a:rPr>
-                        <a:t>Deployment </a:t>
-                      </a:r>
-                      <a:endParaRPr lang="en-US" sz="2400" dirty="0">
-                        <a:effectLst/>
-                        <a:latin typeface="Calibri" panose="020F0502020204030204" pitchFamily="34" charset="0"/>
-                        <a:ea typeface="Calibri" panose="020F0502020204030204" pitchFamily="34" charset="0"/>
-                        <a:cs typeface="Times New Roman" panose="02020603050405020304" pitchFamily="18" charset="0"/>
-                      </a:endParaRPr>
-                    </a:p>
-                  </a:txBody>
-                  <a:tcPr marL="68580" marR="68580" marT="0" marB="0"/>
-                </a:tc>
-                <a:tc>
-                  <a:txBody>
-                    <a:bodyPr/>
-                    <a:lstStyle/>
-                    <a:p>
-                      <a:pPr marL="0" marR="0">
-                        <a:lnSpc>
-                          <a:spcPct val="115000"/>
-                        </a:lnSpc>
-                        <a:spcBef>
-                          <a:spcPts val="0"/>
-                        </a:spcBef>
-                        <a:spcAft>
-                          <a:spcPts val="0"/>
-                        </a:spcAft>
-                      </a:pPr>
-                      <a:r>
-                        <a:rPr lang="en-US" sz="2400">
-                          <a:effectLst/>
-                        </a:rPr>
-                        <a:t>Cost</a:t>
-                      </a:r>
-                      <a:endParaRPr lang="en-US" sz="2400">
-                        <a:effectLst/>
-                        <a:latin typeface="Calibri" panose="020F0502020204030204" pitchFamily="34" charset="0"/>
-                        <a:ea typeface="Calibri" panose="020F0502020204030204" pitchFamily="34" charset="0"/>
-                        <a:cs typeface="Times New Roman" panose="02020603050405020304" pitchFamily="18" charset="0"/>
-                      </a:endParaRPr>
-                    </a:p>
-                  </a:txBody>
-                  <a:tcPr marL="68580" marR="68580" marT="0" marB="0"/>
-                </a:tc>
-              </a:tr>
-              <a:tr h="756792">
-                <a:tc>
-                  <a:txBody>
-                    <a:bodyPr/>
-                    <a:lstStyle/>
-                    <a:p>
-                      <a:pPr marL="0" marR="0">
-                        <a:lnSpc>
-                          <a:spcPct val="115000"/>
-                        </a:lnSpc>
-                        <a:spcBef>
-                          <a:spcPts val="0"/>
-                        </a:spcBef>
-                        <a:spcAft>
-                          <a:spcPts val="0"/>
-                        </a:spcAft>
-                      </a:pPr>
-                      <a:r>
-                        <a:rPr lang="en-US" sz="2400" dirty="0">
-                          <a:effectLst/>
-                        </a:rPr>
-                        <a:t>T-shirts</a:t>
-                      </a:r>
-                      <a:endParaRPr lang="en-US" sz="2400" dirty="0">
-                        <a:effectLst/>
-                        <a:latin typeface="Calibri" panose="020F0502020204030204" pitchFamily="34" charset="0"/>
-                        <a:ea typeface="Calibri" panose="020F0502020204030204" pitchFamily="34" charset="0"/>
-                        <a:cs typeface="Times New Roman" panose="02020603050405020304" pitchFamily="18" charset="0"/>
-                      </a:endParaRPr>
-                    </a:p>
-                  </a:txBody>
-                  <a:tcPr marL="68580" marR="68580" marT="0" marB="0"/>
-                </a:tc>
-                <a:tc>
-                  <a:txBody>
-                    <a:bodyPr/>
-                    <a:lstStyle/>
-                    <a:p>
-                      <a:pPr marL="0" marR="0">
-                        <a:lnSpc>
-                          <a:spcPct val="115000"/>
-                        </a:lnSpc>
-                        <a:spcBef>
-                          <a:spcPts val="0"/>
-                        </a:spcBef>
-                        <a:spcAft>
-                          <a:spcPts val="0"/>
-                        </a:spcAft>
-                      </a:pPr>
-                      <a:r>
-                        <a:rPr lang="en-US" sz="2400">
-                          <a:effectLst/>
-                        </a:rPr>
-                        <a:t>$442.20</a:t>
-                      </a:r>
-                      <a:endParaRPr lang="en-US" sz="2400">
-                        <a:effectLst/>
-                        <a:latin typeface="Calibri" panose="020F0502020204030204" pitchFamily="34" charset="0"/>
-                        <a:ea typeface="Calibri" panose="020F0502020204030204" pitchFamily="34" charset="0"/>
-                        <a:cs typeface="Times New Roman" panose="02020603050405020304" pitchFamily="18" charset="0"/>
-                      </a:endParaRPr>
-                    </a:p>
-                  </a:txBody>
-                  <a:tcPr marL="68580" marR="68580" marT="0" marB="0"/>
-                </a:tc>
-              </a:tr>
-              <a:tr h="756792">
-                <a:tc>
-                  <a:txBody>
-                    <a:bodyPr/>
-                    <a:lstStyle/>
-                    <a:p>
-                      <a:pPr marL="0" marR="0">
-                        <a:lnSpc>
-                          <a:spcPct val="115000"/>
-                        </a:lnSpc>
-                        <a:spcBef>
-                          <a:spcPts val="0"/>
-                        </a:spcBef>
-                        <a:spcAft>
-                          <a:spcPts val="0"/>
-                        </a:spcAft>
-                      </a:pPr>
-                      <a:r>
-                        <a:rPr lang="en-US" sz="2400" dirty="0">
-                          <a:effectLst/>
-                        </a:rPr>
-                        <a:t>Convention</a:t>
-                      </a:r>
-                      <a:endParaRPr lang="en-US" sz="2400" dirty="0">
-                        <a:effectLst/>
-                        <a:latin typeface="Calibri" panose="020F0502020204030204" pitchFamily="34" charset="0"/>
-                        <a:ea typeface="Calibri" panose="020F0502020204030204" pitchFamily="34" charset="0"/>
-                        <a:cs typeface="Times New Roman" panose="02020603050405020304" pitchFamily="18" charset="0"/>
-                      </a:endParaRPr>
-                    </a:p>
-                  </a:txBody>
-                  <a:tcPr marL="68580" marR="68580" marT="0" marB="0"/>
-                </a:tc>
-                <a:tc>
-                  <a:txBody>
-                    <a:bodyPr/>
-                    <a:lstStyle/>
-                    <a:p>
-                      <a:pPr marL="0" marR="0">
-                        <a:lnSpc>
-                          <a:spcPct val="115000"/>
-                        </a:lnSpc>
-                        <a:spcBef>
-                          <a:spcPts val="0"/>
-                        </a:spcBef>
-                        <a:spcAft>
-                          <a:spcPts val="0"/>
-                        </a:spcAft>
-                      </a:pPr>
-                      <a:r>
-                        <a:rPr lang="en-US" sz="2400" dirty="0">
-                          <a:effectLst/>
-                        </a:rPr>
-                        <a:t>$6,600</a:t>
-                      </a:r>
-                      <a:endParaRPr lang="en-US" sz="2400" dirty="0">
-                        <a:effectLst/>
-                        <a:latin typeface="Calibri" panose="020F0502020204030204" pitchFamily="34" charset="0"/>
-                        <a:ea typeface="Calibri" panose="020F0502020204030204" pitchFamily="34" charset="0"/>
-                        <a:cs typeface="Times New Roman" panose="02020603050405020304" pitchFamily="18" charset="0"/>
-                      </a:endParaRPr>
-                    </a:p>
-                  </a:txBody>
-                  <a:tcPr marL="68580" marR="68580" marT="0" marB="0"/>
-                </a:tc>
-              </a:tr>
-              <a:tr h="756792">
-                <a:tc>
-                  <a:txBody>
-                    <a:bodyPr/>
-                    <a:lstStyle/>
-                    <a:p>
-                      <a:pPr marL="0" marR="0">
-                        <a:lnSpc>
-                          <a:spcPct val="115000"/>
-                        </a:lnSpc>
-                        <a:spcBef>
-                          <a:spcPts val="0"/>
-                        </a:spcBef>
-                        <a:spcAft>
-                          <a:spcPts val="0"/>
-                        </a:spcAft>
-                      </a:pPr>
-                      <a:r>
-                        <a:rPr lang="en-US" sz="2400">
-                          <a:effectLst/>
-                        </a:rPr>
-                        <a:t>Web Advertising</a:t>
-                      </a:r>
-                      <a:endParaRPr lang="en-US" sz="2400">
-                        <a:effectLst/>
-                        <a:latin typeface="Calibri" panose="020F0502020204030204" pitchFamily="34" charset="0"/>
-                        <a:ea typeface="Calibri" panose="020F0502020204030204" pitchFamily="34" charset="0"/>
-                        <a:cs typeface="Times New Roman" panose="02020603050405020304" pitchFamily="18" charset="0"/>
-                      </a:endParaRPr>
-                    </a:p>
-                  </a:txBody>
-                  <a:tcPr marL="68580" marR="68580" marT="0" marB="0"/>
-                </a:tc>
-                <a:tc>
-                  <a:txBody>
-                    <a:bodyPr/>
-                    <a:lstStyle/>
-                    <a:p>
-                      <a:pPr marL="0" marR="0">
-                        <a:lnSpc>
-                          <a:spcPct val="115000"/>
-                        </a:lnSpc>
-                        <a:spcBef>
-                          <a:spcPts val="0"/>
-                        </a:spcBef>
-                        <a:spcAft>
-                          <a:spcPts val="0"/>
-                        </a:spcAft>
-                      </a:pPr>
-                      <a:r>
-                        <a:rPr lang="en-US" sz="2400" dirty="0">
-                          <a:effectLst/>
-                        </a:rPr>
-                        <a:t>$100,000</a:t>
-                      </a:r>
-                      <a:endParaRPr lang="en-US" sz="2400" dirty="0">
-                        <a:effectLst/>
-                        <a:latin typeface="Calibri" panose="020F0502020204030204" pitchFamily="34" charset="0"/>
-                        <a:ea typeface="Calibri" panose="020F0502020204030204" pitchFamily="34" charset="0"/>
-                        <a:cs typeface="Times New Roman" panose="02020603050405020304" pitchFamily="18" charset="0"/>
-                      </a:endParaRPr>
-                    </a:p>
-                  </a:txBody>
-                  <a:tcPr marL="68580" marR="68580" marT="0" marB="0"/>
-                </a:tc>
-              </a:tr>
-              <a:tr h="756792">
-                <a:tc>
-                  <a:txBody>
-                    <a:bodyPr/>
-                    <a:lstStyle/>
-                    <a:p>
-                      <a:pPr marL="0" marR="0">
-                        <a:lnSpc>
-                          <a:spcPct val="115000"/>
-                        </a:lnSpc>
-                        <a:spcBef>
-                          <a:spcPts val="0"/>
-                        </a:spcBef>
-                        <a:spcAft>
-                          <a:spcPts val="0"/>
-                        </a:spcAft>
-                      </a:pPr>
-                      <a:r>
-                        <a:rPr lang="en-US" sz="2400">
-                          <a:effectLst/>
-                        </a:rPr>
-                        <a:t>Advertising Banner</a:t>
-                      </a:r>
-                      <a:endParaRPr lang="en-US" sz="2400">
-                        <a:effectLst/>
-                        <a:latin typeface="Calibri" panose="020F0502020204030204" pitchFamily="34" charset="0"/>
-                        <a:ea typeface="Calibri" panose="020F0502020204030204" pitchFamily="34" charset="0"/>
-                        <a:cs typeface="Times New Roman" panose="02020603050405020304" pitchFamily="18" charset="0"/>
-                      </a:endParaRPr>
-                    </a:p>
-                  </a:txBody>
-                  <a:tcPr marL="68580" marR="68580" marT="0" marB="0"/>
-                </a:tc>
-                <a:tc>
-                  <a:txBody>
-                    <a:bodyPr/>
-                    <a:lstStyle/>
-                    <a:p>
-                      <a:pPr marL="0" marR="0">
-                        <a:lnSpc>
-                          <a:spcPct val="115000"/>
-                        </a:lnSpc>
-                        <a:spcBef>
-                          <a:spcPts val="0"/>
-                        </a:spcBef>
-                        <a:spcAft>
-                          <a:spcPts val="0"/>
-                        </a:spcAft>
-                      </a:pPr>
-                      <a:r>
-                        <a:rPr lang="en-US" sz="2400" dirty="0">
-                          <a:effectLst/>
-                        </a:rPr>
-                        <a:t>$79.00</a:t>
-                      </a:r>
-                      <a:endParaRPr lang="en-US" sz="2400" dirty="0">
-                        <a:effectLst/>
-                        <a:latin typeface="Calibri" panose="020F0502020204030204" pitchFamily="34" charset="0"/>
-                        <a:ea typeface="Calibri" panose="020F0502020204030204" pitchFamily="34" charset="0"/>
-                        <a:cs typeface="Times New Roman" panose="02020603050405020304" pitchFamily="18" charset="0"/>
-                      </a:endParaRPr>
-                    </a:p>
-                  </a:txBody>
-                  <a:tcPr marL="68580" marR="68580" marT="0" marB="0"/>
-                </a:tc>
-              </a:tr>
-              <a:tr h="756792">
-                <a:tc>
-                  <a:txBody>
-                    <a:bodyPr/>
-                    <a:lstStyle/>
-                    <a:p>
-                      <a:pPr marL="0" marR="0">
-                        <a:lnSpc>
-                          <a:spcPct val="115000"/>
-                        </a:lnSpc>
-                        <a:spcBef>
-                          <a:spcPts val="0"/>
-                        </a:spcBef>
-                        <a:spcAft>
-                          <a:spcPts val="0"/>
-                        </a:spcAft>
-                      </a:pPr>
-                      <a:r>
-                        <a:rPr lang="en-US" sz="2400">
-                          <a:effectLst/>
-                        </a:rPr>
-                        <a:t>Totals </a:t>
-                      </a:r>
-                      <a:endParaRPr lang="en-US" sz="2400">
-                        <a:effectLst/>
-                        <a:latin typeface="Calibri" panose="020F0502020204030204" pitchFamily="34" charset="0"/>
-                        <a:ea typeface="Calibri" panose="020F0502020204030204" pitchFamily="34" charset="0"/>
-                        <a:cs typeface="Times New Roman" panose="02020603050405020304" pitchFamily="18" charset="0"/>
-                      </a:endParaRPr>
-                    </a:p>
-                  </a:txBody>
-                  <a:tcPr marL="68580" marR="68580" marT="0" marB="0"/>
-                </a:tc>
-                <a:tc>
-                  <a:txBody>
-                    <a:bodyPr/>
-                    <a:lstStyle/>
-                    <a:p>
-                      <a:pPr marL="0" marR="0">
-                        <a:lnSpc>
-                          <a:spcPct val="115000"/>
-                        </a:lnSpc>
-                        <a:spcBef>
-                          <a:spcPts val="0"/>
-                        </a:spcBef>
-                        <a:spcAft>
-                          <a:spcPts val="0"/>
-                        </a:spcAft>
-                      </a:pPr>
-                      <a:r>
-                        <a:rPr lang="en-US" sz="2400" dirty="0">
-                          <a:effectLst/>
-                        </a:rPr>
-                        <a:t>$107,121</a:t>
-                      </a:r>
-                      <a:endParaRPr lang="en-US" sz="2400" dirty="0">
-                        <a:effectLst/>
-                        <a:latin typeface="Calibri" panose="020F0502020204030204" pitchFamily="34" charset="0"/>
-                        <a:ea typeface="Calibri" panose="020F0502020204030204" pitchFamily="34" charset="0"/>
-                        <a:cs typeface="Times New Roman" panose="02020603050405020304" pitchFamily="18" charset="0"/>
-                      </a:endParaRPr>
-                    </a:p>
-                  </a:txBody>
-                  <a:tcPr marL="68580" marR="68580" marT="0" marB="0"/>
-                </a:tc>
-              </a:tr>
-            </a:tbl>
-          </a:graphicData>
-        </a:graphic>
-      </p:graphicFrame>
-    </p:spTree>
-    <p:extLst>
-      <p:ext uri="{BB962C8B-B14F-4D97-AF65-F5344CB8AC3E}">
-        <p14:creationId xmlns:p14="http://schemas.microsoft.com/office/powerpoint/2010/main" val="960174548"/>
-      </p:ext>
-    </p:extLst>
-  </p:cSld>
-  <p:clrMapOvr>
-    <a:masterClrMapping/>
-  </p:clrMapOvr>
-  <p:timing>
-    <p:tnLst>
-      <p:par>
-        <p:cTn id="1" dur="indefinite" restart="never" nodeType="tmRoot"/>
-      </p:par>
-    </p:tnLst>
-  </p:timing>
-</p:sld>
-</file>
-
-<file path=ppt/slides/slide7.xml><?xml version="1.0" encoding="utf-8"?>
+<file path=ppt/slides/slide10.xml><?xml version="1.0" encoding="utf-8"?>
 <p:sld xmlns:a="http://schemas.openxmlformats.org/drawingml/2006/main" xmlns:r="http://schemas.openxmlformats.org/officeDocument/2006/relationships" xmlns:p="http://schemas.openxmlformats.org/presentationml/2006/main">
   <p:cSld>
     <p:spTree>
@@ -9070,7 +7512,7 @@
 </p:sld>
 </file>
 
-<file path=ppt/slides/slide8.xml><?xml version="1.0" encoding="utf-8"?>
+<file path=ppt/slides/slide11.xml><?xml version="1.0" encoding="utf-8"?>
 <p:sld xmlns:a="http://schemas.openxmlformats.org/drawingml/2006/main" xmlns:r="http://schemas.openxmlformats.org/officeDocument/2006/relationships" xmlns:p="http://schemas.openxmlformats.org/presentationml/2006/main">
   <p:cSld>
     <p:spTree>
@@ -9555,7 +7997,7 @@
 </p:sld>
 </file>
 
-<file path=ppt/slides/slide9.xml><?xml version="1.0" encoding="utf-8"?>
+<file path=ppt/slides/slide12.xml><?xml version="1.0" encoding="utf-8"?>
 <p:sld xmlns:a="http://schemas.openxmlformats.org/drawingml/2006/main" xmlns:r="http://schemas.openxmlformats.org/officeDocument/2006/relationships" xmlns:p="http://schemas.openxmlformats.org/presentationml/2006/main">
   <p:cSld>
     <p:spTree>
@@ -10866,6 +9308,2057 @@
 </p:sld>
 </file>
 
+<file path=ppt/slides/slide2.xml><?xml version="1.0" encoding="utf-8"?>
+<p:sld xmlns:a="http://schemas.openxmlformats.org/drawingml/2006/main" xmlns:r="http://schemas.openxmlformats.org/officeDocument/2006/relationships" xmlns:p="http://schemas.openxmlformats.org/presentationml/2006/main">
+  <p:cSld>
+    <p:spTree>
+      <p:nvGrpSpPr>
+        <p:cNvPr id="1" name=""/>
+        <p:cNvGrpSpPr/>
+        <p:nvPr/>
+      </p:nvGrpSpPr>
+      <p:grpSpPr>
+        <a:xfrm>
+          <a:off x="0" y="0"/>
+          <a:ext cx="0" cy="0"/>
+          <a:chOff x="0" y="0"/>
+          <a:chExt cx="0" cy="0"/>
+        </a:xfrm>
+      </p:grpSpPr>
+      <p:sp>
+        <p:nvSpPr>
+          <p:cNvPr id="10" name="TextBox 9"/>
+          <p:cNvSpPr txBox="1"/>
+          <p:nvPr/>
+        </p:nvSpPr>
+        <p:spPr>
+          <a:xfrm>
+            <a:off x="3640348" y="724619"/>
+            <a:ext cx="5589917" cy="523220"/>
+          </a:xfrm>
+          <a:prstGeom prst="rect">
+            <a:avLst/>
+          </a:prstGeom>
+          <a:noFill/>
+        </p:spPr>
+        <p:txBody>
+          <a:bodyPr wrap="square" rtlCol="0">
+            <a:spAutoFit/>
+          </a:bodyPr>
+          <a:lstStyle/>
+          <a:p>
+            <a:r>
+              <a:rPr lang="en-US" sz="2800" b="1" dirty="0" smtClean="0"/>
+              <a:t>Product Demo</a:t>
+            </a:r>
+            <a:endParaRPr lang="en-US" sz="2800" b="1" dirty="0"/>
+          </a:p>
+        </p:txBody>
+      </p:sp>
+      <p:sp>
+        <p:nvSpPr>
+          <p:cNvPr id="11" name="TextBox 10"/>
+          <p:cNvSpPr txBox="1"/>
+          <p:nvPr/>
+        </p:nvSpPr>
+        <p:spPr>
+          <a:xfrm>
+            <a:off x="3640348" y="1247839"/>
+            <a:ext cx="5589917" cy="6124754"/>
+          </a:xfrm>
+          <a:prstGeom prst="rect">
+            <a:avLst/>
+          </a:prstGeom>
+          <a:noFill/>
+        </p:spPr>
+        <p:txBody>
+          <a:bodyPr wrap="square" rtlCol="0">
+            <a:spAutoFit/>
+          </a:bodyPr>
+          <a:lstStyle/>
+          <a:p>
+            <a:pPr marL="457200" indent="-457200">
+              <a:buClr>
+                <a:srgbClr val="0070C0"/>
+              </a:buClr>
+              <a:buFont typeface="Wingdings" panose="05000000000000000000" pitchFamily="2" charset="2"/>
+              <a:buChar char="Ø"/>
+            </a:pPr>
+            <a:r>
+              <a:rPr lang="en-US" sz="2800" dirty="0"/>
+              <a:t>Users</a:t>
+            </a:r>
+          </a:p>
+          <a:p>
+            <a:pPr marL="914400" lvl="1" indent="-457200">
+              <a:buClr>
+                <a:srgbClr val="0070C0"/>
+              </a:buClr>
+              <a:buFont typeface="Wingdings" panose="05000000000000000000" pitchFamily="2" charset="2"/>
+              <a:buChar char="Ø"/>
+            </a:pPr>
+            <a:r>
+              <a:rPr lang="en-US" sz="2800" dirty="0"/>
+              <a:t>Login/Create User</a:t>
+            </a:r>
+          </a:p>
+          <a:p>
+            <a:pPr marL="914400" lvl="1" indent="-457200">
+              <a:buClr>
+                <a:srgbClr val="0070C0"/>
+              </a:buClr>
+              <a:buFont typeface="Wingdings" panose="05000000000000000000" pitchFamily="2" charset="2"/>
+              <a:buChar char="Ø"/>
+            </a:pPr>
+            <a:r>
+              <a:rPr lang="en-US" sz="2800" dirty="0"/>
+              <a:t>Display Interface/User Info</a:t>
+            </a:r>
+          </a:p>
+          <a:p>
+            <a:pPr marL="914400" lvl="1" indent="-457200">
+              <a:buClr>
+                <a:srgbClr val="0070C0"/>
+              </a:buClr>
+              <a:buFont typeface="Wingdings" panose="05000000000000000000" pitchFamily="2" charset="2"/>
+              <a:buChar char="Ø"/>
+            </a:pPr>
+            <a:r>
+              <a:rPr lang="en-US" sz="2800" dirty="0"/>
+              <a:t>About/Contact</a:t>
+            </a:r>
+          </a:p>
+          <a:p>
+            <a:pPr marL="457200" indent="-457200">
+              <a:buClr>
+                <a:srgbClr val="0070C0"/>
+              </a:buClr>
+              <a:buFont typeface="Wingdings" panose="05000000000000000000" pitchFamily="2" charset="2"/>
+              <a:buChar char="Ø"/>
+            </a:pPr>
+            <a:r>
+              <a:rPr lang="en-US" sz="2800" dirty="0"/>
+              <a:t>Groups</a:t>
+            </a:r>
+          </a:p>
+          <a:p>
+            <a:pPr marL="914400" lvl="1" indent="-457200">
+              <a:buClr>
+                <a:srgbClr val="0070C0"/>
+              </a:buClr>
+              <a:buFont typeface="Wingdings" panose="05000000000000000000" pitchFamily="2" charset="2"/>
+              <a:buChar char="Ø"/>
+            </a:pPr>
+            <a:r>
+              <a:rPr lang="en-US" sz="2800" dirty="0"/>
+              <a:t>Add Group</a:t>
+            </a:r>
+          </a:p>
+          <a:p>
+            <a:pPr marL="914400" lvl="1" indent="-457200">
+              <a:buClr>
+                <a:srgbClr val="0070C0"/>
+              </a:buClr>
+              <a:buFont typeface="Wingdings" panose="05000000000000000000" pitchFamily="2" charset="2"/>
+              <a:buChar char="Ø"/>
+            </a:pPr>
+            <a:r>
+              <a:rPr lang="en-US" sz="2800" dirty="0"/>
+              <a:t>View Group</a:t>
+            </a:r>
+          </a:p>
+          <a:p>
+            <a:pPr marL="914400" lvl="1" indent="-457200">
+              <a:buClr>
+                <a:srgbClr val="0070C0"/>
+              </a:buClr>
+              <a:buFont typeface="Wingdings" panose="05000000000000000000" pitchFamily="2" charset="2"/>
+              <a:buChar char="Ø"/>
+            </a:pPr>
+            <a:r>
+              <a:rPr lang="en-US" sz="2800" dirty="0"/>
+              <a:t>Add Members</a:t>
+            </a:r>
+          </a:p>
+          <a:p>
+            <a:pPr marL="914400" lvl="1" indent="-457200">
+              <a:buClr>
+                <a:srgbClr val="0070C0"/>
+              </a:buClr>
+              <a:buFont typeface="Wingdings" panose="05000000000000000000" pitchFamily="2" charset="2"/>
+              <a:buChar char="Ø"/>
+            </a:pPr>
+            <a:r>
+              <a:rPr lang="en-US" sz="2800" dirty="0"/>
+              <a:t>Join Group</a:t>
+            </a:r>
+          </a:p>
+          <a:p>
+            <a:pPr marL="457200" indent="-457200">
+              <a:buClr>
+                <a:srgbClr val="0070C0"/>
+              </a:buClr>
+              <a:buFont typeface="Wingdings" panose="05000000000000000000" pitchFamily="2" charset="2"/>
+              <a:buChar char="Ø"/>
+            </a:pPr>
+            <a:r>
+              <a:rPr lang="en-US" sz="2800" dirty="0"/>
+              <a:t>Messaging</a:t>
+            </a:r>
+          </a:p>
+          <a:p>
+            <a:pPr marL="914400" lvl="1" indent="-457200">
+              <a:buClr>
+                <a:srgbClr val="0070C0"/>
+              </a:buClr>
+              <a:buFont typeface="Wingdings" panose="05000000000000000000" pitchFamily="2" charset="2"/>
+              <a:buChar char="Ø"/>
+            </a:pPr>
+            <a:r>
+              <a:rPr lang="en-US" sz="2800" dirty="0"/>
+              <a:t>Send message</a:t>
+            </a:r>
+          </a:p>
+          <a:p>
+            <a:pPr marL="914400" lvl="1" indent="-457200">
+              <a:buClr>
+                <a:srgbClr val="0070C0"/>
+              </a:buClr>
+              <a:buFont typeface="Wingdings" panose="05000000000000000000" pitchFamily="2" charset="2"/>
+              <a:buChar char="Ø"/>
+            </a:pPr>
+            <a:r>
+              <a:rPr lang="en-US" sz="2800" dirty="0"/>
+              <a:t>View Message</a:t>
+            </a:r>
+          </a:p>
+          <a:p>
+            <a:pPr marL="914400" lvl="1" indent="-457200">
+              <a:buClr>
+                <a:srgbClr val="0070C0"/>
+              </a:buClr>
+              <a:buFont typeface="Wingdings" panose="05000000000000000000" pitchFamily="2" charset="2"/>
+              <a:buChar char="Ø"/>
+            </a:pPr>
+            <a:r>
+              <a:rPr lang="en-US" sz="2800" dirty="0"/>
+              <a:t>Inbox Icon</a:t>
+            </a:r>
+          </a:p>
+          <a:p>
+            <a:pPr marL="914400" lvl="1" indent="-457200">
+              <a:buFont typeface="Wingdings" panose="05000000000000000000" pitchFamily="2" charset="2"/>
+              <a:buChar char="Ø"/>
+            </a:pPr>
+            <a:endParaRPr lang="en-US" sz="2800" dirty="0" smtClean="0"/>
+          </a:p>
+        </p:txBody>
+      </p:sp>
+      <p:pic>
+        <p:nvPicPr>
+          <p:cNvPr id="9" name="Picture 8"/>
+          <p:cNvPicPr>
+            <a:picLocks noChangeAspect="1"/>
+          </p:cNvPicPr>
+          <p:nvPr/>
+        </p:nvPicPr>
+        <p:blipFill>
+          <a:blip r:embed="rId2">
+            <a:extLst>
+              <a:ext uri="{28A0092B-C50C-407E-A947-70E740481C1C}">
+                <a14:useLocalDpi xmlns:a14="http://schemas.microsoft.com/office/drawing/2010/main" val="0"/>
+              </a:ext>
+            </a:extLst>
+          </a:blip>
+          <a:stretch>
+            <a:fillRect/>
+          </a:stretch>
+        </p:blipFill>
+        <p:spPr>
+          <a:xfrm>
+            <a:off x="195355" y="1023586"/>
+            <a:ext cx="3054647" cy="2499257"/>
+          </a:xfrm>
+          <a:prstGeom prst="rect">
+            <a:avLst/>
+          </a:prstGeom>
+        </p:spPr>
+      </p:pic>
+    </p:spTree>
+    <p:extLst>
+      <p:ext uri="{BB962C8B-B14F-4D97-AF65-F5344CB8AC3E}">
+        <p14:creationId xmlns:p14="http://schemas.microsoft.com/office/powerpoint/2010/main" val="827005068"/>
+      </p:ext>
+    </p:extLst>
+  </p:cSld>
+  <p:clrMapOvr>
+    <a:masterClrMapping/>
+  </p:clrMapOvr>
+  <p:timing>
+    <p:tnLst>
+      <p:par>
+        <p:cTn id="1" dur="indefinite" restart="never" nodeType="tmRoot"/>
+      </p:par>
+    </p:tnLst>
+  </p:timing>
+</p:sld>
+</file>
+
+<file path=ppt/slides/slide3.xml><?xml version="1.0" encoding="utf-8"?>
+<p:sld xmlns:a="http://schemas.openxmlformats.org/drawingml/2006/main" xmlns:r="http://schemas.openxmlformats.org/officeDocument/2006/relationships" xmlns:p="http://schemas.openxmlformats.org/presentationml/2006/main">
+  <p:cSld>
+    <p:spTree>
+      <p:nvGrpSpPr>
+        <p:cNvPr id="1" name=""/>
+        <p:cNvGrpSpPr/>
+        <p:nvPr/>
+      </p:nvGrpSpPr>
+      <p:grpSpPr>
+        <a:xfrm>
+          <a:off x="0" y="0"/>
+          <a:ext cx="0" cy="0"/>
+          <a:chOff x="0" y="0"/>
+          <a:chExt cx="0" cy="0"/>
+        </a:xfrm>
+      </p:grpSpPr>
+      <p:sp>
+        <p:nvSpPr>
+          <p:cNvPr id="10" name="TextBox 9"/>
+          <p:cNvSpPr txBox="1"/>
+          <p:nvPr/>
+        </p:nvSpPr>
+        <p:spPr>
+          <a:xfrm>
+            <a:off x="3640348" y="724619"/>
+            <a:ext cx="5589917" cy="523220"/>
+          </a:xfrm>
+          <a:prstGeom prst="rect">
+            <a:avLst/>
+          </a:prstGeom>
+          <a:noFill/>
+        </p:spPr>
+        <p:txBody>
+          <a:bodyPr wrap="square" rtlCol="0">
+            <a:spAutoFit/>
+          </a:bodyPr>
+          <a:lstStyle/>
+          <a:p>
+            <a:r>
+              <a:rPr lang="en-US" sz="2800" b="1" dirty="0" smtClean="0"/>
+              <a:t>Product Demo</a:t>
+            </a:r>
+            <a:endParaRPr lang="en-US" sz="2800" b="1" dirty="0"/>
+          </a:p>
+        </p:txBody>
+      </p:sp>
+      <p:sp>
+        <p:nvSpPr>
+          <p:cNvPr id="11" name="TextBox 10"/>
+          <p:cNvSpPr txBox="1"/>
+          <p:nvPr/>
+        </p:nvSpPr>
+        <p:spPr>
+          <a:xfrm>
+            <a:off x="3640348" y="1401279"/>
+            <a:ext cx="5589917" cy="6555641"/>
+          </a:xfrm>
+          <a:prstGeom prst="rect">
+            <a:avLst/>
+          </a:prstGeom>
+          <a:noFill/>
+        </p:spPr>
+        <p:txBody>
+          <a:bodyPr wrap="square" rtlCol="0">
+            <a:spAutoFit/>
+          </a:bodyPr>
+          <a:lstStyle/>
+          <a:p>
+            <a:pPr marL="457200" indent="-457200">
+              <a:buClr>
+                <a:srgbClr val="0070C0"/>
+              </a:buClr>
+              <a:buFont typeface="Wingdings" panose="05000000000000000000" pitchFamily="2" charset="2"/>
+              <a:buChar char="Ø"/>
+            </a:pPr>
+            <a:r>
+              <a:rPr lang="en-US" sz="2800" dirty="0"/>
+              <a:t>Routine</a:t>
+            </a:r>
+          </a:p>
+          <a:p>
+            <a:pPr marL="914400" lvl="1" indent="-457200">
+              <a:buClr>
+                <a:srgbClr val="0070C0"/>
+              </a:buClr>
+              <a:buFont typeface="Wingdings" panose="05000000000000000000" pitchFamily="2" charset="2"/>
+              <a:buChar char="Ø"/>
+            </a:pPr>
+            <a:r>
+              <a:rPr lang="en-US" sz="2800" dirty="0"/>
+              <a:t>Create Routine</a:t>
+            </a:r>
+          </a:p>
+          <a:p>
+            <a:pPr marL="1371600" lvl="2" indent="-457200">
+              <a:buClr>
+                <a:srgbClr val="0070C0"/>
+              </a:buClr>
+              <a:buFont typeface="Wingdings" panose="05000000000000000000" pitchFamily="2" charset="2"/>
+              <a:buChar char="Ø"/>
+            </a:pPr>
+            <a:r>
+              <a:rPr lang="en-US" sz="2800" dirty="0"/>
+              <a:t>Add Exercise</a:t>
+            </a:r>
+          </a:p>
+          <a:p>
+            <a:pPr marL="914400" lvl="1" indent="-457200">
+              <a:buClr>
+                <a:srgbClr val="0070C0"/>
+              </a:buClr>
+              <a:buFont typeface="Wingdings" panose="05000000000000000000" pitchFamily="2" charset="2"/>
+              <a:buChar char="Ø"/>
+            </a:pPr>
+            <a:r>
+              <a:rPr lang="en-US" sz="2800" dirty="0"/>
+              <a:t>View Routine Info Page</a:t>
+            </a:r>
+          </a:p>
+          <a:p>
+            <a:pPr marL="914400" lvl="1" indent="-457200">
+              <a:buClr>
+                <a:srgbClr val="0070C0"/>
+              </a:buClr>
+              <a:buFont typeface="Wingdings" panose="05000000000000000000" pitchFamily="2" charset="2"/>
+              <a:buChar char="Ø"/>
+            </a:pPr>
+            <a:r>
+              <a:rPr lang="en-US" sz="2800" dirty="0"/>
+              <a:t>Edit Routine</a:t>
+            </a:r>
+          </a:p>
+          <a:p>
+            <a:pPr marL="457200" indent="-457200">
+              <a:buClr>
+                <a:srgbClr val="0070C0"/>
+              </a:buClr>
+              <a:buFont typeface="Wingdings" panose="05000000000000000000" pitchFamily="2" charset="2"/>
+              <a:buChar char="Ø"/>
+            </a:pPr>
+            <a:r>
+              <a:rPr lang="en-US" sz="2800" dirty="0"/>
+              <a:t>Exercises</a:t>
+            </a:r>
+          </a:p>
+          <a:p>
+            <a:pPr marL="914400" lvl="1" indent="-457200">
+              <a:buClr>
+                <a:srgbClr val="0070C0"/>
+              </a:buClr>
+              <a:buFont typeface="Wingdings" panose="05000000000000000000" pitchFamily="2" charset="2"/>
+              <a:buChar char="Ø"/>
+            </a:pPr>
+            <a:r>
+              <a:rPr lang="en-US" sz="2800" dirty="0"/>
+              <a:t>View Exercise Info Page</a:t>
+            </a:r>
+          </a:p>
+          <a:p>
+            <a:pPr marL="914400" lvl="1" indent="-457200">
+              <a:buClr>
+                <a:srgbClr val="0070C0"/>
+              </a:buClr>
+              <a:buFont typeface="Wingdings" panose="05000000000000000000" pitchFamily="2" charset="2"/>
+              <a:buChar char="Ø"/>
+            </a:pPr>
+            <a:r>
+              <a:rPr lang="en-US" sz="2800" dirty="0"/>
+              <a:t>Edit Exercise</a:t>
+            </a:r>
+          </a:p>
+          <a:p>
+            <a:pPr marL="457200" indent="-457200">
+              <a:buClr>
+                <a:srgbClr val="0070C0"/>
+              </a:buClr>
+              <a:buFont typeface="Wingdings" panose="05000000000000000000" pitchFamily="2" charset="2"/>
+              <a:buChar char="Ø"/>
+            </a:pPr>
+            <a:r>
+              <a:rPr lang="en-US" sz="2800" dirty="0"/>
+              <a:t>Log</a:t>
+            </a:r>
+          </a:p>
+          <a:p>
+            <a:pPr marL="914400" lvl="1" indent="-457200">
+              <a:buClr>
+                <a:srgbClr val="0070C0"/>
+              </a:buClr>
+              <a:buFont typeface="Wingdings" panose="05000000000000000000" pitchFamily="2" charset="2"/>
+              <a:buChar char="Ø"/>
+            </a:pPr>
+            <a:r>
+              <a:rPr lang="en-US" sz="2800" dirty="0"/>
+              <a:t>Start Routine</a:t>
+            </a:r>
+          </a:p>
+          <a:p>
+            <a:pPr marL="914400" lvl="1" indent="-457200">
+              <a:buClr>
+                <a:srgbClr val="0070C0"/>
+              </a:buClr>
+              <a:buFont typeface="Wingdings" panose="05000000000000000000" pitchFamily="2" charset="2"/>
+              <a:buChar char="Ø"/>
+            </a:pPr>
+            <a:r>
+              <a:rPr lang="en-US" sz="2800" dirty="0"/>
+              <a:t>View Log/Explain Stats</a:t>
+            </a:r>
+          </a:p>
+          <a:p>
+            <a:pPr marL="914400" lvl="1" indent="-457200">
+              <a:buClr>
+                <a:srgbClr val="0070C0"/>
+              </a:buClr>
+              <a:buFont typeface="Wingdings" panose="05000000000000000000" pitchFamily="2" charset="2"/>
+              <a:buChar char="Ø"/>
+            </a:pPr>
+            <a:endParaRPr lang="en-US" sz="2800" dirty="0" smtClean="0"/>
+          </a:p>
+          <a:p>
+            <a:pPr marL="914400" lvl="1" indent="-457200">
+              <a:buClr>
+                <a:schemeClr val="accent1">
+                  <a:lumMod val="75000"/>
+                </a:schemeClr>
+              </a:buClr>
+              <a:buFont typeface="Wingdings" panose="05000000000000000000" pitchFamily="2" charset="2"/>
+              <a:buChar char="Ø"/>
+            </a:pPr>
+            <a:endParaRPr lang="en-US" sz="2800" dirty="0" smtClean="0"/>
+          </a:p>
+          <a:p>
+            <a:pPr marL="457200" indent="-457200">
+              <a:buFont typeface="Wingdings" panose="05000000000000000000" pitchFamily="2" charset="2"/>
+              <a:buChar char="Ø"/>
+            </a:pPr>
+            <a:endParaRPr lang="en-US" sz="2800" dirty="0" smtClean="0"/>
+          </a:p>
+          <a:p>
+            <a:pPr marL="914400" lvl="1" indent="-457200">
+              <a:buFont typeface="Wingdings" panose="05000000000000000000" pitchFamily="2" charset="2"/>
+              <a:buChar char="Ø"/>
+            </a:pPr>
+            <a:endParaRPr lang="en-US" sz="2800" dirty="0" smtClean="0"/>
+          </a:p>
+        </p:txBody>
+      </p:sp>
+      <p:pic>
+        <p:nvPicPr>
+          <p:cNvPr id="9" name="Picture 8"/>
+          <p:cNvPicPr>
+            <a:picLocks noChangeAspect="1"/>
+          </p:cNvPicPr>
+          <p:nvPr/>
+        </p:nvPicPr>
+        <p:blipFill>
+          <a:blip r:embed="rId2">
+            <a:extLst>
+              <a:ext uri="{28A0092B-C50C-407E-A947-70E740481C1C}">
+                <a14:useLocalDpi xmlns:a14="http://schemas.microsoft.com/office/drawing/2010/main" val="0"/>
+              </a:ext>
+            </a:extLst>
+          </a:blip>
+          <a:stretch>
+            <a:fillRect/>
+          </a:stretch>
+        </p:blipFill>
+        <p:spPr>
+          <a:xfrm>
+            <a:off x="195355" y="1023586"/>
+            <a:ext cx="3054647" cy="2499257"/>
+          </a:xfrm>
+          <a:prstGeom prst="rect">
+            <a:avLst/>
+          </a:prstGeom>
+        </p:spPr>
+      </p:pic>
+    </p:spTree>
+    <p:extLst>
+      <p:ext uri="{BB962C8B-B14F-4D97-AF65-F5344CB8AC3E}">
+        <p14:creationId xmlns:p14="http://schemas.microsoft.com/office/powerpoint/2010/main" val="2133008192"/>
+      </p:ext>
+    </p:extLst>
+  </p:cSld>
+  <p:clrMapOvr>
+    <a:masterClrMapping/>
+  </p:clrMapOvr>
+  <p:timing>
+    <p:tnLst>
+      <p:par>
+        <p:cTn id="1" dur="indefinite" restart="never" nodeType="tmRoot"/>
+      </p:par>
+    </p:tnLst>
+  </p:timing>
+</p:sld>
+</file>
+
+<file path=ppt/slides/slide4.xml><?xml version="1.0" encoding="utf-8"?>
+<p:sld xmlns:a="http://schemas.openxmlformats.org/drawingml/2006/main" xmlns:r="http://schemas.openxmlformats.org/officeDocument/2006/relationships" xmlns:p="http://schemas.openxmlformats.org/presentationml/2006/main">
+  <p:cSld>
+    <p:spTree>
+      <p:nvGrpSpPr>
+        <p:cNvPr id="1" name=""/>
+        <p:cNvGrpSpPr/>
+        <p:nvPr/>
+      </p:nvGrpSpPr>
+      <p:grpSpPr>
+        <a:xfrm>
+          <a:off x="0" y="0"/>
+          <a:ext cx="0" cy="0"/>
+          <a:chOff x="0" y="0"/>
+          <a:chExt cx="0" cy="0"/>
+        </a:xfrm>
+      </p:grpSpPr>
+      <p:sp>
+        <p:nvSpPr>
+          <p:cNvPr id="10" name="TextBox 9"/>
+          <p:cNvSpPr txBox="1"/>
+          <p:nvPr/>
+        </p:nvSpPr>
+        <p:spPr>
+          <a:xfrm>
+            <a:off x="3640348" y="724619"/>
+            <a:ext cx="5589917" cy="523220"/>
+          </a:xfrm>
+          <a:prstGeom prst="rect">
+            <a:avLst/>
+          </a:prstGeom>
+          <a:noFill/>
+        </p:spPr>
+        <p:txBody>
+          <a:bodyPr wrap="square" rtlCol="0">
+            <a:spAutoFit/>
+          </a:bodyPr>
+          <a:lstStyle/>
+          <a:p>
+            <a:r>
+              <a:rPr lang="en-US" sz="2800" b="1" dirty="0" smtClean="0"/>
+              <a:t>Product Demo</a:t>
+            </a:r>
+            <a:endParaRPr lang="en-US" sz="2800" b="1" dirty="0"/>
+          </a:p>
+        </p:txBody>
+      </p:sp>
+      <p:sp>
+        <p:nvSpPr>
+          <p:cNvPr id="11" name="TextBox 10"/>
+          <p:cNvSpPr txBox="1"/>
+          <p:nvPr/>
+        </p:nvSpPr>
+        <p:spPr>
+          <a:xfrm>
+            <a:off x="3640348" y="1401279"/>
+            <a:ext cx="5589917" cy="4832092"/>
+          </a:xfrm>
+          <a:prstGeom prst="rect">
+            <a:avLst/>
+          </a:prstGeom>
+          <a:noFill/>
+        </p:spPr>
+        <p:txBody>
+          <a:bodyPr wrap="square" rtlCol="0">
+            <a:spAutoFit/>
+          </a:bodyPr>
+          <a:lstStyle/>
+          <a:p>
+            <a:pPr marL="457200" indent="-457200">
+              <a:buClr>
+                <a:srgbClr val="0070C0"/>
+              </a:buClr>
+              <a:buFont typeface="Wingdings" panose="05000000000000000000" pitchFamily="2" charset="2"/>
+              <a:buChar char="Ø"/>
+            </a:pPr>
+            <a:r>
+              <a:rPr lang="en-US" sz="2800" dirty="0" smtClean="0"/>
+              <a:t>Calendar</a:t>
+            </a:r>
+          </a:p>
+          <a:p>
+            <a:pPr marL="914400" lvl="1" indent="-457200">
+              <a:buClr>
+                <a:srgbClr val="0070C0"/>
+              </a:buClr>
+              <a:buFont typeface="Wingdings" panose="05000000000000000000" pitchFamily="2" charset="2"/>
+              <a:buChar char="Ø"/>
+            </a:pPr>
+            <a:r>
+              <a:rPr lang="en-US" sz="2800" dirty="0" smtClean="0"/>
+              <a:t>Time Frame</a:t>
+            </a:r>
+          </a:p>
+          <a:p>
+            <a:pPr marL="914400" lvl="1" indent="-457200">
+              <a:buClr>
+                <a:srgbClr val="0070C0"/>
+              </a:buClr>
+              <a:buFont typeface="Wingdings" panose="05000000000000000000" pitchFamily="2" charset="2"/>
+              <a:buChar char="Ø"/>
+            </a:pPr>
+            <a:r>
+              <a:rPr lang="en-US" sz="2800" dirty="0" smtClean="0"/>
+              <a:t>Add Events</a:t>
+            </a:r>
+          </a:p>
+          <a:p>
+            <a:pPr marL="914400" lvl="1" indent="-457200">
+              <a:buClr>
+                <a:srgbClr val="0070C0"/>
+              </a:buClr>
+              <a:buFont typeface="Wingdings" panose="05000000000000000000" pitchFamily="2" charset="2"/>
+              <a:buChar char="Ø"/>
+            </a:pPr>
+            <a:r>
+              <a:rPr lang="en-US" sz="2800" dirty="0" smtClean="0"/>
+              <a:t>View Events</a:t>
+            </a:r>
+          </a:p>
+          <a:p>
+            <a:pPr marL="457200" indent="-457200">
+              <a:buClr>
+                <a:srgbClr val="0070C0"/>
+              </a:buClr>
+              <a:buFont typeface="Wingdings" panose="05000000000000000000" pitchFamily="2" charset="2"/>
+              <a:buChar char="Ø"/>
+            </a:pPr>
+            <a:r>
+              <a:rPr lang="en-US" sz="2800" dirty="0" smtClean="0"/>
+              <a:t>Challenges</a:t>
+            </a:r>
+          </a:p>
+          <a:p>
+            <a:pPr marL="914400" lvl="1" indent="-457200">
+              <a:buClr>
+                <a:srgbClr val="0070C0"/>
+              </a:buClr>
+              <a:buFont typeface="Wingdings" panose="05000000000000000000" pitchFamily="2" charset="2"/>
+              <a:buChar char="Ø"/>
+            </a:pPr>
+            <a:r>
+              <a:rPr lang="en-US" sz="2800" dirty="0" smtClean="0"/>
+              <a:t>Add Challenge</a:t>
+            </a:r>
+          </a:p>
+          <a:p>
+            <a:pPr marL="914400" lvl="1" indent="-457200">
+              <a:buClr>
+                <a:srgbClr val="0070C0"/>
+              </a:buClr>
+              <a:buFont typeface="Wingdings" panose="05000000000000000000" pitchFamily="2" charset="2"/>
+              <a:buChar char="Ø"/>
+            </a:pPr>
+            <a:r>
+              <a:rPr lang="en-US" sz="2800" dirty="0" smtClean="0"/>
+              <a:t>View Challenge</a:t>
+            </a:r>
+          </a:p>
+          <a:p>
+            <a:pPr marL="914400" lvl="1" indent="-457200">
+              <a:buClr>
+                <a:srgbClr val="0070C0"/>
+              </a:buClr>
+              <a:buFont typeface="Wingdings" panose="05000000000000000000" pitchFamily="2" charset="2"/>
+              <a:buChar char="Ø"/>
+            </a:pPr>
+            <a:endParaRPr lang="en-US" sz="2800" dirty="0" smtClean="0"/>
+          </a:p>
+          <a:p>
+            <a:pPr marL="914400" lvl="1" indent="-457200">
+              <a:buClr>
+                <a:schemeClr val="accent1">
+                  <a:lumMod val="75000"/>
+                </a:schemeClr>
+              </a:buClr>
+              <a:buFont typeface="Wingdings" panose="05000000000000000000" pitchFamily="2" charset="2"/>
+              <a:buChar char="Ø"/>
+            </a:pPr>
+            <a:endParaRPr lang="en-US" sz="2800" dirty="0" smtClean="0"/>
+          </a:p>
+          <a:p>
+            <a:pPr marL="457200" indent="-457200">
+              <a:buFont typeface="Wingdings" panose="05000000000000000000" pitchFamily="2" charset="2"/>
+              <a:buChar char="Ø"/>
+            </a:pPr>
+            <a:endParaRPr lang="en-US" sz="2800" dirty="0" smtClean="0"/>
+          </a:p>
+          <a:p>
+            <a:pPr marL="914400" lvl="1" indent="-457200">
+              <a:buFont typeface="Wingdings" panose="05000000000000000000" pitchFamily="2" charset="2"/>
+              <a:buChar char="Ø"/>
+            </a:pPr>
+            <a:endParaRPr lang="en-US" sz="2800" dirty="0" smtClean="0"/>
+          </a:p>
+        </p:txBody>
+      </p:sp>
+      <p:pic>
+        <p:nvPicPr>
+          <p:cNvPr id="9" name="Picture 8"/>
+          <p:cNvPicPr>
+            <a:picLocks noChangeAspect="1"/>
+          </p:cNvPicPr>
+          <p:nvPr/>
+        </p:nvPicPr>
+        <p:blipFill>
+          <a:blip r:embed="rId2">
+            <a:extLst>
+              <a:ext uri="{28A0092B-C50C-407E-A947-70E740481C1C}">
+                <a14:useLocalDpi xmlns:a14="http://schemas.microsoft.com/office/drawing/2010/main" val="0"/>
+              </a:ext>
+            </a:extLst>
+          </a:blip>
+          <a:stretch>
+            <a:fillRect/>
+          </a:stretch>
+        </p:blipFill>
+        <p:spPr>
+          <a:xfrm>
+            <a:off x="195355" y="1023586"/>
+            <a:ext cx="3054647" cy="2499257"/>
+          </a:xfrm>
+          <a:prstGeom prst="rect">
+            <a:avLst/>
+          </a:prstGeom>
+        </p:spPr>
+      </p:pic>
+    </p:spTree>
+    <p:extLst>
+      <p:ext uri="{BB962C8B-B14F-4D97-AF65-F5344CB8AC3E}">
+        <p14:creationId xmlns:p14="http://schemas.microsoft.com/office/powerpoint/2010/main" val="2431153840"/>
+      </p:ext>
+    </p:extLst>
+  </p:cSld>
+  <p:clrMapOvr>
+    <a:masterClrMapping/>
+  </p:clrMapOvr>
+  <p:timing>
+    <p:tnLst>
+      <p:par>
+        <p:cTn id="1" dur="indefinite" restart="never" nodeType="tmRoot"/>
+      </p:par>
+    </p:tnLst>
+  </p:timing>
+</p:sld>
+</file>
+
+<file path=ppt/slides/slide5.xml><?xml version="1.0" encoding="utf-8"?>
+<p:sld xmlns:a="http://schemas.openxmlformats.org/drawingml/2006/main" xmlns:r="http://schemas.openxmlformats.org/officeDocument/2006/relationships" xmlns:p="http://schemas.openxmlformats.org/presentationml/2006/main">
+  <p:cSld>
+    <p:spTree>
+      <p:nvGrpSpPr>
+        <p:cNvPr id="1" name=""/>
+        <p:cNvGrpSpPr/>
+        <p:nvPr/>
+      </p:nvGrpSpPr>
+      <p:grpSpPr>
+        <a:xfrm>
+          <a:off x="0" y="0"/>
+          <a:ext cx="0" cy="0"/>
+          <a:chOff x="0" y="0"/>
+          <a:chExt cx="0" cy="0"/>
+        </a:xfrm>
+      </p:grpSpPr>
+      <p:sp>
+        <p:nvSpPr>
+          <p:cNvPr id="10" name="TextBox 9"/>
+          <p:cNvSpPr txBox="1"/>
+          <p:nvPr/>
+        </p:nvSpPr>
+        <p:spPr>
+          <a:xfrm>
+            <a:off x="3640348" y="724619"/>
+            <a:ext cx="5589917" cy="523220"/>
+          </a:xfrm>
+          <a:prstGeom prst="rect">
+            <a:avLst/>
+          </a:prstGeom>
+          <a:noFill/>
+        </p:spPr>
+        <p:txBody>
+          <a:bodyPr wrap="square" rtlCol="0">
+            <a:spAutoFit/>
+          </a:bodyPr>
+          <a:lstStyle/>
+          <a:p>
+            <a:r>
+              <a:rPr lang="en-US" sz="2800" b="1" dirty="0" smtClean="0"/>
+              <a:t>Current Bugs</a:t>
+            </a:r>
+            <a:endParaRPr lang="en-US" sz="2800" b="1" dirty="0"/>
+          </a:p>
+        </p:txBody>
+      </p:sp>
+      <p:sp>
+        <p:nvSpPr>
+          <p:cNvPr id="11" name="TextBox 10"/>
+          <p:cNvSpPr txBox="1"/>
+          <p:nvPr/>
+        </p:nvSpPr>
+        <p:spPr>
+          <a:xfrm>
+            <a:off x="3459116" y="1365273"/>
+            <a:ext cx="8212184" cy="2677656"/>
+          </a:xfrm>
+          <a:prstGeom prst="rect">
+            <a:avLst/>
+          </a:prstGeom>
+          <a:noFill/>
+        </p:spPr>
+        <p:txBody>
+          <a:bodyPr wrap="square" rtlCol="0">
+            <a:spAutoFit/>
+          </a:bodyPr>
+          <a:lstStyle/>
+          <a:p>
+            <a:pPr marL="914400" lvl="1" indent="-457200">
+              <a:buClr>
+                <a:srgbClr val="0070C0"/>
+              </a:buClr>
+              <a:buFont typeface="Wingdings" panose="05000000000000000000" pitchFamily="2" charset="2"/>
+              <a:buChar char="Ø"/>
+            </a:pPr>
+            <a:r>
+              <a:rPr lang="en-US" sz="2800" dirty="0" smtClean="0"/>
+              <a:t>Set Order: In </a:t>
+            </a:r>
+            <a:r>
+              <a:rPr lang="en-US" sz="2800" dirty="0" err="1" smtClean="0"/>
+              <a:t>view_exercises.php</a:t>
+            </a:r>
+            <a:r>
+              <a:rPr lang="en-US" sz="2800" dirty="0" smtClean="0"/>
+              <a:t> or Exercise Info, the set order sometimes shows </a:t>
+            </a:r>
+            <a:r>
+              <a:rPr lang="en-US" sz="2800" dirty="0" smtClean="0"/>
+              <a:t>in reverse order</a:t>
+            </a:r>
+            <a:endParaRPr lang="en-US" sz="2800" dirty="0" smtClean="0"/>
+          </a:p>
+          <a:p>
+            <a:pPr marL="914400" lvl="1" indent="-457200">
+              <a:buClr>
+                <a:srgbClr val="0070C0"/>
+              </a:buClr>
+              <a:buFont typeface="Wingdings" panose="05000000000000000000" pitchFamily="2" charset="2"/>
+              <a:buChar char="Ø"/>
+            </a:pPr>
+            <a:endParaRPr lang="en-US" sz="2800" dirty="0" smtClean="0"/>
+          </a:p>
+          <a:p>
+            <a:endParaRPr lang="en-US" sz="2800" dirty="0" smtClean="0"/>
+          </a:p>
+          <a:p>
+            <a:pPr marL="914400" lvl="1" indent="-457200">
+              <a:buFont typeface="Wingdings" panose="05000000000000000000" pitchFamily="2" charset="2"/>
+              <a:buChar char="Ø"/>
+            </a:pPr>
+            <a:endParaRPr lang="en-US" sz="2800" dirty="0" smtClean="0"/>
+          </a:p>
+        </p:txBody>
+      </p:sp>
+      <p:pic>
+        <p:nvPicPr>
+          <p:cNvPr id="9" name="Picture 8"/>
+          <p:cNvPicPr>
+            <a:picLocks noChangeAspect="1"/>
+          </p:cNvPicPr>
+          <p:nvPr/>
+        </p:nvPicPr>
+        <p:blipFill>
+          <a:blip r:embed="rId2">
+            <a:extLst>
+              <a:ext uri="{28A0092B-C50C-407E-A947-70E740481C1C}">
+                <a14:useLocalDpi xmlns:a14="http://schemas.microsoft.com/office/drawing/2010/main" val="0"/>
+              </a:ext>
+            </a:extLst>
+          </a:blip>
+          <a:stretch>
+            <a:fillRect/>
+          </a:stretch>
+        </p:blipFill>
+        <p:spPr>
+          <a:xfrm>
+            <a:off x="195355" y="1023586"/>
+            <a:ext cx="3054647" cy="2499257"/>
+          </a:xfrm>
+          <a:prstGeom prst="rect">
+            <a:avLst/>
+          </a:prstGeom>
+        </p:spPr>
+      </p:pic>
+      <p:pic>
+        <p:nvPicPr>
+          <p:cNvPr id="2" name="Picture 1"/>
+          <p:cNvPicPr>
+            <a:picLocks noChangeAspect="1"/>
+          </p:cNvPicPr>
+          <p:nvPr/>
+        </p:nvPicPr>
+        <p:blipFill>
+          <a:blip r:embed="rId3"/>
+          <a:stretch>
+            <a:fillRect/>
+          </a:stretch>
+        </p:blipFill>
+        <p:spPr>
+          <a:xfrm>
+            <a:off x="7721600" y="2361047"/>
+            <a:ext cx="3835400" cy="4392602"/>
+          </a:xfrm>
+          <a:prstGeom prst="rect">
+            <a:avLst/>
+          </a:prstGeom>
+        </p:spPr>
+      </p:pic>
+    </p:spTree>
+    <p:extLst>
+      <p:ext uri="{BB962C8B-B14F-4D97-AF65-F5344CB8AC3E}">
+        <p14:creationId xmlns:p14="http://schemas.microsoft.com/office/powerpoint/2010/main" val="1391420568"/>
+      </p:ext>
+    </p:extLst>
+  </p:cSld>
+  <p:clrMapOvr>
+    <a:masterClrMapping/>
+  </p:clrMapOvr>
+  <p:timing>
+    <p:tnLst>
+      <p:par>
+        <p:cTn id="1" dur="indefinite" restart="never" nodeType="tmRoot"/>
+      </p:par>
+    </p:tnLst>
+  </p:timing>
+</p:sld>
+</file>
+
+<file path=ppt/slides/slide6.xml><?xml version="1.0" encoding="utf-8"?>
+<p:sld xmlns:a="http://schemas.openxmlformats.org/drawingml/2006/main" xmlns:r="http://schemas.openxmlformats.org/officeDocument/2006/relationships" xmlns:p="http://schemas.openxmlformats.org/presentationml/2006/main">
+  <p:cSld>
+    <p:spTree>
+      <p:nvGrpSpPr>
+        <p:cNvPr id="1" name=""/>
+        <p:cNvGrpSpPr/>
+        <p:nvPr/>
+      </p:nvGrpSpPr>
+      <p:grpSpPr>
+        <a:xfrm>
+          <a:off x="0" y="0"/>
+          <a:ext cx="0" cy="0"/>
+          <a:chOff x="0" y="0"/>
+          <a:chExt cx="0" cy="0"/>
+        </a:xfrm>
+      </p:grpSpPr>
+      <p:sp>
+        <p:nvSpPr>
+          <p:cNvPr id="10" name="TextBox 9"/>
+          <p:cNvSpPr txBox="1"/>
+          <p:nvPr/>
+        </p:nvSpPr>
+        <p:spPr>
+          <a:xfrm>
+            <a:off x="3640348" y="724619"/>
+            <a:ext cx="5589917" cy="523220"/>
+          </a:xfrm>
+          <a:prstGeom prst="rect">
+            <a:avLst/>
+          </a:prstGeom>
+          <a:noFill/>
+        </p:spPr>
+        <p:txBody>
+          <a:bodyPr wrap="square" rtlCol="0">
+            <a:spAutoFit/>
+          </a:bodyPr>
+          <a:lstStyle/>
+          <a:p>
+            <a:r>
+              <a:rPr lang="en-US" sz="2800" b="1" dirty="0" smtClean="0"/>
+              <a:t>Current Bugs</a:t>
+            </a:r>
+            <a:endParaRPr lang="en-US" sz="2800" b="1" dirty="0"/>
+          </a:p>
+        </p:txBody>
+      </p:sp>
+      <p:sp>
+        <p:nvSpPr>
+          <p:cNvPr id="11" name="TextBox 10"/>
+          <p:cNvSpPr txBox="1"/>
+          <p:nvPr/>
+        </p:nvSpPr>
+        <p:spPr>
+          <a:xfrm>
+            <a:off x="3459116" y="1365273"/>
+            <a:ext cx="8212184" cy="3108543"/>
+          </a:xfrm>
+          <a:prstGeom prst="rect">
+            <a:avLst/>
+          </a:prstGeom>
+          <a:noFill/>
+        </p:spPr>
+        <p:txBody>
+          <a:bodyPr wrap="square" rtlCol="0">
+            <a:spAutoFit/>
+          </a:bodyPr>
+          <a:lstStyle/>
+          <a:p>
+            <a:pPr marL="914400" lvl="1" indent="-457200">
+              <a:buClr>
+                <a:srgbClr val="0070C0"/>
+              </a:buClr>
+              <a:buFont typeface="Wingdings" panose="05000000000000000000" pitchFamily="2" charset="2"/>
+              <a:buChar char="Ø"/>
+            </a:pPr>
+            <a:r>
+              <a:rPr lang="en-US" sz="2800" dirty="0" smtClean="0"/>
+              <a:t>Blank Input: </a:t>
+            </a:r>
+            <a:r>
+              <a:rPr lang="en-US" sz="2800" dirty="0"/>
+              <a:t>Safari does not support input attribute "</a:t>
+            </a:r>
+            <a:r>
+              <a:rPr lang="en-US" sz="2800" dirty="0" smtClean="0"/>
+              <a:t>required” so </a:t>
+            </a:r>
+            <a:r>
+              <a:rPr lang="en-US" sz="2800" dirty="0"/>
+              <a:t>the form can be submitted without put in any </a:t>
+            </a:r>
+            <a:r>
+              <a:rPr lang="en-US" sz="2800" dirty="0" smtClean="0"/>
+              <a:t>input (Affected pages</a:t>
+            </a:r>
+            <a:r>
+              <a:rPr lang="en-US" sz="2800" dirty="0"/>
+              <a:t>: </a:t>
+            </a:r>
+            <a:r>
+              <a:rPr lang="en-US" sz="2800" dirty="0" err="1" smtClean="0"/>
+              <a:t>add_routine.php</a:t>
+            </a:r>
+            <a:r>
+              <a:rPr lang="en-US" sz="2800" dirty="0"/>
+              <a:t>, </a:t>
+            </a:r>
+            <a:r>
+              <a:rPr lang="en-US" sz="2800" dirty="0" err="1"/>
+              <a:t>edit_routine.php</a:t>
+            </a:r>
+            <a:r>
+              <a:rPr lang="en-US" sz="2800" dirty="0"/>
+              <a:t>, and </a:t>
+            </a:r>
+            <a:r>
+              <a:rPr lang="en-US" sz="2800" dirty="0" err="1" smtClean="0"/>
+              <a:t>addChallenges.php</a:t>
+            </a:r>
+            <a:r>
+              <a:rPr lang="en-US" sz="2800" dirty="0"/>
+              <a:t>)</a:t>
+            </a:r>
+            <a:endParaRPr lang="en-US" sz="2800" dirty="0" smtClean="0"/>
+          </a:p>
+          <a:p>
+            <a:endParaRPr lang="en-US" sz="2800" dirty="0" smtClean="0"/>
+          </a:p>
+          <a:p>
+            <a:pPr marL="914400" lvl="1" indent="-457200">
+              <a:buFont typeface="Wingdings" panose="05000000000000000000" pitchFamily="2" charset="2"/>
+              <a:buChar char="Ø"/>
+            </a:pPr>
+            <a:endParaRPr lang="en-US" sz="2800" dirty="0" smtClean="0"/>
+          </a:p>
+        </p:txBody>
+      </p:sp>
+      <p:pic>
+        <p:nvPicPr>
+          <p:cNvPr id="9" name="Picture 8"/>
+          <p:cNvPicPr>
+            <a:picLocks noChangeAspect="1"/>
+          </p:cNvPicPr>
+          <p:nvPr/>
+        </p:nvPicPr>
+        <p:blipFill>
+          <a:blip r:embed="rId2">
+            <a:extLst>
+              <a:ext uri="{28A0092B-C50C-407E-A947-70E740481C1C}">
+                <a14:useLocalDpi xmlns:a14="http://schemas.microsoft.com/office/drawing/2010/main" val="0"/>
+              </a:ext>
+            </a:extLst>
+          </a:blip>
+          <a:stretch>
+            <a:fillRect/>
+          </a:stretch>
+        </p:blipFill>
+        <p:spPr>
+          <a:xfrm>
+            <a:off x="195355" y="1023586"/>
+            <a:ext cx="3054647" cy="2499257"/>
+          </a:xfrm>
+          <a:prstGeom prst="rect">
+            <a:avLst/>
+          </a:prstGeom>
+        </p:spPr>
+      </p:pic>
+    </p:spTree>
+    <p:extLst>
+      <p:ext uri="{BB962C8B-B14F-4D97-AF65-F5344CB8AC3E}">
+        <p14:creationId xmlns:p14="http://schemas.microsoft.com/office/powerpoint/2010/main" val="119715449"/>
+      </p:ext>
+    </p:extLst>
+  </p:cSld>
+  <p:clrMapOvr>
+    <a:masterClrMapping/>
+  </p:clrMapOvr>
+  <p:timing>
+    <p:tnLst>
+      <p:par>
+        <p:cTn id="1" dur="indefinite" restart="never" nodeType="tmRoot"/>
+      </p:par>
+    </p:tnLst>
+  </p:timing>
+</p:sld>
+</file>
+
+<file path=ppt/slides/slide7.xml><?xml version="1.0" encoding="utf-8"?>
+<p:sld xmlns:a="http://schemas.openxmlformats.org/drawingml/2006/main" xmlns:r="http://schemas.openxmlformats.org/officeDocument/2006/relationships" xmlns:p="http://schemas.openxmlformats.org/presentationml/2006/main">
+  <p:cSld>
+    <p:spTree>
+      <p:nvGrpSpPr>
+        <p:cNvPr id="1" name=""/>
+        <p:cNvGrpSpPr/>
+        <p:nvPr/>
+      </p:nvGrpSpPr>
+      <p:grpSpPr>
+        <a:xfrm>
+          <a:off x="0" y="0"/>
+          <a:ext cx="0" cy="0"/>
+          <a:chOff x="0" y="0"/>
+          <a:chExt cx="0" cy="0"/>
+        </a:xfrm>
+      </p:grpSpPr>
+      <p:sp>
+        <p:nvSpPr>
+          <p:cNvPr id="10" name="TextBox 9"/>
+          <p:cNvSpPr txBox="1"/>
+          <p:nvPr/>
+        </p:nvSpPr>
+        <p:spPr>
+          <a:xfrm>
+            <a:off x="3640348" y="724619"/>
+            <a:ext cx="5589917" cy="523220"/>
+          </a:xfrm>
+          <a:prstGeom prst="rect">
+            <a:avLst/>
+          </a:prstGeom>
+          <a:noFill/>
+        </p:spPr>
+        <p:txBody>
+          <a:bodyPr wrap="square" rtlCol="0">
+            <a:spAutoFit/>
+          </a:bodyPr>
+          <a:lstStyle/>
+          <a:p>
+            <a:r>
+              <a:rPr lang="en-US" sz="2800" b="1" dirty="0" smtClean="0"/>
+              <a:t>Current Bugs</a:t>
+            </a:r>
+            <a:endParaRPr lang="en-US" sz="2800" b="1" dirty="0"/>
+          </a:p>
+        </p:txBody>
+      </p:sp>
+      <p:sp>
+        <p:nvSpPr>
+          <p:cNvPr id="11" name="TextBox 10"/>
+          <p:cNvSpPr txBox="1"/>
+          <p:nvPr/>
+        </p:nvSpPr>
+        <p:spPr>
+          <a:xfrm>
+            <a:off x="3459116" y="1365273"/>
+            <a:ext cx="8212184" cy="1815882"/>
+          </a:xfrm>
+          <a:prstGeom prst="rect">
+            <a:avLst/>
+          </a:prstGeom>
+          <a:noFill/>
+        </p:spPr>
+        <p:txBody>
+          <a:bodyPr wrap="square" rtlCol="0">
+            <a:spAutoFit/>
+          </a:bodyPr>
+          <a:lstStyle/>
+          <a:p>
+            <a:pPr marL="914400" lvl="1" indent="-457200">
+              <a:buClr>
+                <a:srgbClr val="0070C0"/>
+              </a:buClr>
+              <a:buFont typeface="Wingdings" panose="05000000000000000000" pitchFamily="2" charset="2"/>
+              <a:buChar char="Ø"/>
+            </a:pPr>
+            <a:r>
+              <a:rPr lang="en-US" sz="2800" dirty="0" smtClean="0"/>
+              <a:t>Date Picker: </a:t>
+            </a:r>
+            <a:r>
+              <a:rPr lang="en-US" sz="2800" dirty="0"/>
+              <a:t>In </a:t>
+            </a:r>
+            <a:r>
+              <a:rPr lang="en-US" sz="2800" dirty="0" err="1"/>
+              <a:t>edit_routine.php</a:t>
+            </a:r>
+            <a:r>
+              <a:rPr lang="en-US" sz="2800" dirty="0"/>
+              <a:t>, user can change to a date that has already passed or select a end date before start date</a:t>
+            </a:r>
+            <a:endParaRPr lang="en-US" sz="2800" dirty="0" smtClean="0"/>
+          </a:p>
+          <a:p>
+            <a:pPr marL="914400" lvl="1" indent="-457200">
+              <a:buFont typeface="Wingdings" panose="05000000000000000000" pitchFamily="2" charset="2"/>
+              <a:buChar char="Ø"/>
+            </a:pPr>
+            <a:endParaRPr lang="en-US" sz="2800" dirty="0" smtClean="0"/>
+          </a:p>
+        </p:txBody>
+      </p:sp>
+      <p:pic>
+        <p:nvPicPr>
+          <p:cNvPr id="9" name="Picture 8"/>
+          <p:cNvPicPr>
+            <a:picLocks noChangeAspect="1"/>
+          </p:cNvPicPr>
+          <p:nvPr/>
+        </p:nvPicPr>
+        <p:blipFill>
+          <a:blip r:embed="rId2">
+            <a:extLst>
+              <a:ext uri="{28A0092B-C50C-407E-A947-70E740481C1C}">
+                <a14:useLocalDpi xmlns:a14="http://schemas.microsoft.com/office/drawing/2010/main" val="0"/>
+              </a:ext>
+            </a:extLst>
+          </a:blip>
+          <a:stretch>
+            <a:fillRect/>
+          </a:stretch>
+        </p:blipFill>
+        <p:spPr>
+          <a:xfrm>
+            <a:off x="195355" y="1023586"/>
+            <a:ext cx="3054647" cy="2499257"/>
+          </a:xfrm>
+          <a:prstGeom prst="rect">
+            <a:avLst/>
+          </a:prstGeom>
+        </p:spPr>
+      </p:pic>
+    </p:spTree>
+    <p:extLst>
+      <p:ext uri="{BB962C8B-B14F-4D97-AF65-F5344CB8AC3E}">
+        <p14:creationId xmlns:p14="http://schemas.microsoft.com/office/powerpoint/2010/main" val="1470140807"/>
+      </p:ext>
+    </p:extLst>
+  </p:cSld>
+  <p:clrMapOvr>
+    <a:masterClrMapping/>
+  </p:clrMapOvr>
+  <p:timing>
+    <p:tnLst>
+      <p:par>
+        <p:cTn id="1" dur="indefinite" restart="never" nodeType="tmRoot"/>
+      </p:par>
+    </p:tnLst>
+  </p:timing>
+</p:sld>
+</file>
+
+<file path=ppt/slides/slide8.xml><?xml version="1.0" encoding="utf-8"?>
+<p:sld xmlns:a="http://schemas.openxmlformats.org/drawingml/2006/main" xmlns:r="http://schemas.openxmlformats.org/officeDocument/2006/relationships" xmlns:p="http://schemas.openxmlformats.org/presentationml/2006/main">
+  <p:cSld>
+    <p:spTree>
+      <p:nvGrpSpPr>
+        <p:cNvPr id="1" name=""/>
+        <p:cNvGrpSpPr/>
+        <p:nvPr/>
+      </p:nvGrpSpPr>
+      <p:grpSpPr>
+        <a:xfrm>
+          <a:off x="0" y="0"/>
+          <a:ext cx="0" cy="0"/>
+          <a:chOff x="0" y="0"/>
+          <a:chExt cx="0" cy="0"/>
+        </a:xfrm>
+      </p:grpSpPr>
+      <p:sp>
+        <p:nvSpPr>
+          <p:cNvPr id="10" name="TextBox 9"/>
+          <p:cNvSpPr txBox="1"/>
+          <p:nvPr/>
+        </p:nvSpPr>
+        <p:spPr>
+          <a:xfrm>
+            <a:off x="3640348" y="724619"/>
+            <a:ext cx="5589917" cy="523220"/>
+          </a:xfrm>
+          <a:prstGeom prst="rect">
+            <a:avLst/>
+          </a:prstGeom>
+          <a:noFill/>
+        </p:spPr>
+        <p:txBody>
+          <a:bodyPr wrap="square" rtlCol="0">
+            <a:spAutoFit/>
+          </a:bodyPr>
+          <a:lstStyle/>
+          <a:p>
+            <a:r>
+              <a:rPr lang="en-US" sz="2800" b="1" dirty="0" smtClean="0"/>
+              <a:t>Current Bugs</a:t>
+            </a:r>
+            <a:endParaRPr lang="en-US" sz="2800" b="1" dirty="0"/>
+          </a:p>
+        </p:txBody>
+      </p:sp>
+      <p:sp>
+        <p:nvSpPr>
+          <p:cNvPr id="11" name="TextBox 10"/>
+          <p:cNvSpPr txBox="1"/>
+          <p:nvPr/>
+        </p:nvSpPr>
+        <p:spPr>
+          <a:xfrm>
+            <a:off x="3459116" y="1365273"/>
+            <a:ext cx="8212184" cy="1384995"/>
+          </a:xfrm>
+          <a:prstGeom prst="rect">
+            <a:avLst/>
+          </a:prstGeom>
+          <a:noFill/>
+        </p:spPr>
+        <p:txBody>
+          <a:bodyPr wrap="square" rtlCol="0">
+            <a:spAutoFit/>
+          </a:bodyPr>
+          <a:lstStyle/>
+          <a:p>
+            <a:pPr marL="914400" lvl="1" indent="-457200">
+              <a:buClr>
+                <a:srgbClr val="0070C0"/>
+              </a:buClr>
+              <a:buFont typeface="Wingdings" panose="05000000000000000000" pitchFamily="2" charset="2"/>
+              <a:buChar char="Ø"/>
+            </a:pPr>
+            <a:r>
+              <a:rPr lang="en-US" sz="2800" dirty="0" smtClean="0"/>
+              <a:t>Log entry: </a:t>
+            </a:r>
+            <a:r>
+              <a:rPr lang="en-US" sz="2800" dirty="0"/>
+              <a:t>In </a:t>
+            </a:r>
+            <a:r>
+              <a:rPr lang="en-US" sz="2800" dirty="0" err="1"/>
+              <a:t>view_exercise_log.php</a:t>
+            </a:r>
+            <a:r>
+              <a:rPr lang="en-US" sz="2800" dirty="0"/>
+              <a:t>, the actual reps and weight </a:t>
+            </a:r>
+            <a:r>
+              <a:rPr lang="en-US" sz="2800" dirty="0" smtClean="0"/>
+              <a:t>sometimes display </a:t>
+            </a:r>
+            <a:r>
+              <a:rPr lang="en-US" sz="2800" dirty="0"/>
+              <a:t>in reverse order</a:t>
+            </a:r>
+            <a:endParaRPr lang="en-US" sz="2800" dirty="0" smtClean="0"/>
+          </a:p>
+        </p:txBody>
+      </p:sp>
+      <p:pic>
+        <p:nvPicPr>
+          <p:cNvPr id="9" name="Picture 8"/>
+          <p:cNvPicPr>
+            <a:picLocks noChangeAspect="1"/>
+          </p:cNvPicPr>
+          <p:nvPr/>
+        </p:nvPicPr>
+        <p:blipFill>
+          <a:blip r:embed="rId2">
+            <a:extLst>
+              <a:ext uri="{28A0092B-C50C-407E-A947-70E740481C1C}">
+                <a14:useLocalDpi xmlns:a14="http://schemas.microsoft.com/office/drawing/2010/main" val="0"/>
+              </a:ext>
+            </a:extLst>
+          </a:blip>
+          <a:stretch>
+            <a:fillRect/>
+          </a:stretch>
+        </p:blipFill>
+        <p:spPr>
+          <a:xfrm>
+            <a:off x="195355" y="1023586"/>
+            <a:ext cx="3054647" cy="2499257"/>
+          </a:xfrm>
+          <a:prstGeom prst="rect">
+            <a:avLst/>
+          </a:prstGeom>
+        </p:spPr>
+      </p:pic>
+    </p:spTree>
+    <p:extLst>
+      <p:ext uri="{BB962C8B-B14F-4D97-AF65-F5344CB8AC3E}">
+        <p14:creationId xmlns:p14="http://schemas.microsoft.com/office/powerpoint/2010/main" val="268156130"/>
+      </p:ext>
+    </p:extLst>
+  </p:cSld>
+  <p:clrMapOvr>
+    <a:masterClrMapping/>
+  </p:clrMapOvr>
+  <p:timing>
+    <p:tnLst>
+      <p:par>
+        <p:cTn id="1" dur="indefinite" restart="never" nodeType="tmRoot"/>
+      </p:par>
+    </p:tnLst>
+  </p:timing>
+</p:sld>
+</file>
+
+<file path=ppt/slides/slide9.xml><?xml version="1.0" encoding="utf-8"?>
+<p:sld xmlns:a="http://schemas.openxmlformats.org/drawingml/2006/main" xmlns:r="http://schemas.openxmlformats.org/officeDocument/2006/relationships" xmlns:p="http://schemas.openxmlformats.org/presentationml/2006/main">
+  <p:cSld>
+    <p:spTree>
+      <p:nvGrpSpPr>
+        <p:cNvPr id="1" name=""/>
+        <p:cNvGrpSpPr/>
+        <p:nvPr/>
+      </p:nvGrpSpPr>
+      <p:grpSpPr>
+        <a:xfrm>
+          <a:off x="0" y="0"/>
+          <a:ext cx="0" cy="0"/>
+          <a:chOff x="0" y="0"/>
+          <a:chExt cx="0" cy="0"/>
+        </a:xfrm>
+      </p:grpSpPr>
+      <p:sp>
+        <p:nvSpPr>
+          <p:cNvPr id="10" name="TextBox 9"/>
+          <p:cNvSpPr txBox="1"/>
+          <p:nvPr/>
+        </p:nvSpPr>
+        <p:spPr>
+          <a:xfrm>
+            <a:off x="3640348" y="724619"/>
+            <a:ext cx="5589917" cy="523220"/>
+          </a:xfrm>
+          <a:prstGeom prst="rect">
+            <a:avLst/>
+          </a:prstGeom>
+          <a:noFill/>
+        </p:spPr>
+        <p:txBody>
+          <a:bodyPr wrap="square" rtlCol="0">
+            <a:spAutoFit/>
+          </a:bodyPr>
+          <a:lstStyle/>
+          <a:p>
+            <a:r>
+              <a:rPr lang="en-US" sz="2800" b="1" dirty="0"/>
+              <a:t>Deployment Plan</a:t>
+            </a:r>
+          </a:p>
+        </p:txBody>
+      </p:sp>
+      <p:pic>
+        <p:nvPicPr>
+          <p:cNvPr id="9" name="Picture 8"/>
+          <p:cNvPicPr>
+            <a:picLocks noChangeAspect="1"/>
+          </p:cNvPicPr>
+          <p:nvPr/>
+        </p:nvPicPr>
+        <p:blipFill>
+          <a:blip r:embed="rId2">
+            <a:extLst>
+              <a:ext uri="{28A0092B-C50C-407E-A947-70E740481C1C}">
+                <a14:useLocalDpi xmlns:a14="http://schemas.microsoft.com/office/drawing/2010/main" val="0"/>
+              </a:ext>
+            </a:extLst>
+          </a:blip>
+          <a:stretch>
+            <a:fillRect/>
+          </a:stretch>
+        </p:blipFill>
+        <p:spPr>
+          <a:xfrm>
+            <a:off x="195355" y="1023586"/>
+            <a:ext cx="3054647" cy="2499257"/>
+          </a:xfrm>
+          <a:prstGeom prst="rect">
+            <a:avLst/>
+          </a:prstGeom>
+        </p:spPr>
+      </p:pic>
+      <p:graphicFrame>
+        <p:nvGraphicFramePr>
+          <p:cNvPr id="2" name="Table 1"/>
+          <p:cNvGraphicFramePr>
+            <a:graphicFrameLocks noGrp="1"/>
+          </p:cNvGraphicFramePr>
+          <p:nvPr>
+            <p:extLst>
+              <p:ext uri="{D42A27DB-BD31-4B8C-83A1-F6EECF244321}">
+                <p14:modId xmlns:p14="http://schemas.microsoft.com/office/powerpoint/2010/main" val="2174365923"/>
+              </p:ext>
+            </p:extLst>
+          </p:nvPr>
+        </p:nvGraphicFramePr>
+        <p:xfrm>
+          <a:off x="3804156" y="1669547"/>
+          <a:ext cx="7194044" cy="4540752"/>
+        </p:xfrm>
+        <a:graphic>
+          <a:graphicData uri="http://schemas.openxmlformats.org/drawingml/2006/table">
+            <a:tbl>
+              <a:tblPr firstRow="1" firstCol="1" bandRow="1">
+                <a:tableStyleId>{5C22544A-7EE6-4342-B048-85BDC9FD1C3A}</a:tableStyleId>
+              </a:tblPr>
+              <a:tblGrid>
+                <a:gridCol w="2693860"/>
+                <a:gridCol w="4500184"/>
+              </a:tblGrid>
+              <a:tr h="756792">
+                <a:tc>
+                  <a:txBody>
+                    <a:bodyPr/>
+                    <a:lstStyle/>
+                    <a:p>
+                      <a:pPr marL="0" marR="0">
+                        <a:lnSpc>
+                          <a:spcPct val="115000"/>
+                        </a:lnSpc>
+                        <a:spcBef>
+                          <a:spcPts val="0"/>
+                        </a:spcBef>
+                        <a:spcAft>
+                          <a:spcPts val="0"/>
+                        </a:spcAft>
+                      </a:pPr>
+                      <a:r>
+                        <a:rPr lang="en-US" sz="2400" dirty="0">
+                          <a:effectLst/>
+                        </a:rPr>
+                        <a:t>Deployment </a:t>
+                      </a:r>
+                      <a:endParaRPr lang="en-US" sz="2400" dirty="0">
+                        <a:effectLst/>
+                        <a:latin typeface="Calibri" panose="020F0502020204030204" pitchFamily="34" charset="0"/>
+                        <a:ea typeface="Calibri" panose="020F0502020204030204" pitchFamily="34" charset="0"/>
+                        <a:cs typeface="Times New Roman" panose="02020603050405020304" pitchFamily="18" charset="0"/>
+                      </a:endParaRPr>
+                    </a:p>
+                  </a:txBody>
+                  <a:tcPr marL="68580" marR="68580" marT="0" marB="0"/>
+                </a:tc>
+                <a:tc>
+                  <a:txBody>
+                    <a:bodyPr/>
+                    <a:lstStyle/>
+                    <a:p>
+                      <a:pPr marL="0" marR="0">
+                        <a:lnSpc>
+                          <a:spcPct val="115000"/>
+                        </a:lnSpc>
+                        <a:spcBef>
+                          <a:spcPts val="0"/>
+                        </a:spcBef>
+                        <a:spcAft>
+                          <a:spcPts val="0"/>
+                        </a:spcAft>
+                      </a:pPr>
+                      <a:r>
+                        <a:rPr lang="en-US" sz="2400">
+                          <a:effectLst/>
+                        </a:rPr>
+                        <a:t>Cost</a:t>
+                      </a:r>
+                      <a:endParaRPr lang="en-US" sz="2400">
+                        <a:effectLst/>
+                        <a:latin typeface="Calibri" panose="020F0502020204030204" pitchFamily="34" charset="0"/>
+                        <a:ea typeface="Calibri" panose="020F0502020204030204" pitchFamily="34" charset="0"/>
+                        <a:cs typeface="Times New Roman" panose="02020603050405020304" pitchFamily="18" charset="0"/>
+                      </a:endParaRPr>
+                    </a:p>
+                  </a:txBody>
+                  <a:tcPr marL="68580" marR="68580" marT="0" marB="0"/>
+                </a:tc>
+              </a:tr>
+              <a:tr h="756792">
+                <a:tc>
+                  <a:txBody>
+                    <a:bodyPr/>
+                    <a:lstStyle/>
+                    <a:p>
+                      <a:pPr marL="0" marR="0">
+                        <a:lnSpc>
+                          <a:spcPct val="115000"/>
+                        </a:lnSpc>
+                        <a:spcBef>
+                          <a:spcPts val="0"/>
+                        </a:spcBef>
+                        <a:spcAft>
+                          <a:spcPts val="0"/>
+                        </a:spcAft>
+                      </a:pPr>
+                      <a:r>
+                        <a:rPr lang="en-US" sz="2400" dirty="0">
+                          <a:effectLst/>
+                        </a:rPr>
+                        <a:t>T-shirts</a:t>
+                      </a:r>
+                      <a:endParaRPr lang="en-US" sz="2400" dirty="0">
+                        <a:effectLst/>
+                        <a:latin typeface="Calibri" panose="020F0502020204030204" pitchFamily="34" charset="0"/>
+                        <a:ea typeface="Calibri" panose="020F0502020204030204" pitchFamily="34" charset="0"/>
+                        <a:cs typeface="Times New Roman" panose="02020603050405020304" pitchFamily="18" charset="0"/>
+                      </a:endParaRPr>
+                    </a:p>
+                  </a:txBody>
+                  <a:tcPr marL="68580" marR="68580" marT="0" marB="0"/>
+                </a:tc>
+                <a:tc>
+                  <a:txBody>
+                    <a:bodyPr/>
+                    <a:lstStyle/>
+                    <a:p>
+                      <a:pPr marL="0" marR="0">
+                        <a:lnSpc>
+                          <a:spcPct val="115000"/>
+                        </a:lnSpc>
+                        <a:spcBef>
+                          <a:spcPts val="0"/>
+                        </a:spcBef>
+                        <a:spcAft>
+                          <a:spcPts val="0"/>
+                        </a:spcAft>
+                      </a:pPr>
+                      <a:r>
+                        <a:rPr lang="en-US" sz="2400">
+                          <a:effectLst/>
+                        </a:rPr>
+                        <a:t>$442.20</a:t>
+                      </a:r>
+                      <a:endParaRPr lang="en-US" sz="2400">
+                        <a:effectLst/>
+                        <a:latin typeface="Calibri" panose="020F0502020204030204" pitchFamily="34" charset="0"/>
+                        <a:ea typeface="Calibri" panose="020F0502020204030204" pitchFamily="34" charset="0"/>
+                        <a:cs typeface="Times New Roman" panose="02020603050405020304" pitchFamily="18" charset="0"/>
+                      </a:endParaRPr>
+                    </a:p>
+                  </a:txBody>
+                  <a:tcPr marL="68580" marR="68580" marT="0" marB="0"/>
+                </a:tc>
+              </a:tr>
+              <a:tr h="756792">
+                <a:tc>
+                  <a:txBody>
+                    <a:bodyPr/>
+                    <a:lstStyle/>
+                    <a:p>
+                      <a:pPr marL="0" marR="0">
+                        <a:lnSpc>
+                          <a:spcPct val="115000"/>
+                        </a:lnSpc>
+                        <a:spcBef>
+                          <a:spcPts val="0"/>
+                        </a:spcBef>
+                        <a:spcAft>
+                          <a:spcPts val="0"/>
+                        </a:spcAft>
+                      </a:pPr>
+                      <a:r>
+                        <a:rPr lang="en-US" sz="2400" dirty="0">
+                          <a:effectLst/>
+                        </a:rPr>
+                        <a:t>Convention</a:t>
+                      </a:r>
+                      <a:endParaRPr lang="en-US" sz="2400" dirty="0">
+                        <a:effectLst/>
+                        <a:latin typeface="Calibri" panose="020F0502020204030204" pitchFamily="34" charset="0"/>
+                        <a:ea typeface="Calibri" panose="020F0502020204030204" pitchFamily="34" charset="0"/>
+                        <a:cs typeface="Times New Roman" panose="02020603050405020304" pitchFamily="18" charset="0"/>
+                      </a:endParaRPr>
+                    </a:p>
+                  </a:txBody>
+                  <a:tcPr marL="68580" marR="68580" marT="0" marB="0"/>
+                </a:tc>
+                <a:tc>
+                  <a:txBody>
+                    <a:bodyPr/>
+                    <a:lstStyle/>
+                    <a:p>
+                      <a:pPr marL="0" marR="0">
+                        <a:lnSpc>
+                          <a:spcPct val="115000"/>
+                        </a:lnSpc>
+                        <a:spcBef>
+                          <a:spcPts val="0"/>
+                        </a:spcBef>
+                        <a:spcAft>
+                          <a:spcPts val="0"/>
+                        </a:spcAft>
+                      </a:pPr>
+                      <a:r>
+                        <a:rPr lang="en-US" sz="2400" dirty="0">
+                          <a:effectLst/>
+                        </a:rPr>
+                        <a:t>$6,600</a:t>
+                      </a:r>
+                      <a:endParaRPr lang="en-US" sz="2400" dirty="0">
+                        <a:effectLst/>
+                        <a:latin typeface="Calibri" panose="020F0502020204030204" pitchFamily="34" charset="0"/>
+                        <a:ea typeface="Calibri" panose="020F0502020204030204" pitchFamily="34" charset="0"/>
+                        <a:cs typeface="Times New Roman" panose="02020603050405020304" pitchFamily="18" charset="0"/>
+                      </a:endParaRPr>
+                    </a:p>
+                  </a:txBody>
+                  <a:tcPr marL="68580" marR="68580" marT="0" marB="0"/>
+                </a:tc>
+              </a:tr>
+              <a:tr h="756792">
+                <a:tc>
+                  <a:txBody>
+                    <a:bodyPr/>
+                    <a:lstStyle/>
+                    <a:p>
+                      <a:pPr marL="0" marR="0">
+                        <a:lnSpc>
+                          <a:spcPct val="115000"/>
+                        </a:lnSpc>
+                        <a:spcBef>
+                          <a:spcPts val="0"/>
+                        </a:spcBef>
+                        <a:spcAft>
+                          <a:spcPts val="0"/>
+                        </a:spcAft>
+                      </a:pPr>
+                      <a:r>
+                        <a:rPr lang="en-US" sz="2400">
+                          <a:effectLst/>
+                        </a:rPr>
+                        <a:t>Web Advertising</a:t>
+                      </a:r>
+                      <a:endParaRPr lang="en-US" sz="2400">
+                        <a:effectLst/>
+                        <a:latin typeface="Calibri" panose="020F0502020204030204" pitchFamily="34" charset="0"/>
+                        <a:ea typeface="Calibri" panose="020F0502020204030204" pitchFamily="34" charset="0"/>
+                        <a:cs typeface="Times New Roman" panose="02020603050405020304" pitchFamily="18" charset="0"/>
+                      </a:endParaRPr>
+                    </a:p>
+                  </a:txBody>
+                  <a:tcPr marL="68580" marR="68580" marT="0" marB="0"/>
+                </a:tc>
+                <a:tc>
+                  <a:txBody>
+                    <a:bodyPr/>
+                    <a:lstStyle/>
+                    <a:p>
+                      <a:pPr marL="0" marR="0">
+                        <a:lnSpc>
+                          <a:spcPct val="115000"/>
+                        </a:lnSpc>
+                        <a:spcBef>
+                          <a:spcPts val="0"/>
+                        </a:spcBef>
+                        <a:spcAft>
+                          <a:spcPts val="0"/>
+                        </a:spcAft>
+                      </a:pPr>
+                      <a:r>
+                        <a:rPr lang="en-US" sz="2400" dirty="0">
+                          <a:effectLst/>
+                        </a:rPr>
+                        <a:t>$100,000</a:t>
+                      </a:r>
+                      <a:endParaRPr lang="en-US" sz="2400" dirty="0">
+                        <a:effectLst/>
+                        <a:latin typeface="Calibri" panose="020F0502020204030204" pitchFamily="34" charset="0"/>
+                        <a:ea typeface="Calibri" panose="020F0502020204030204" pitchFamily="34" charset="0"/>
+                        <a:cs typeface="Times New Roman" panose="02020603050405020304" pitchFamily="18" charset="0"/>
+                      </a:endParaRPr>
+                    </a:p>
+                  </a:txBody>
+                  <a:tcPr marL="68580" marR="68580" marT="0" marB="0"/>
+                </a:tc>
+              </a:tr>
+              <a:tr h="756792">
+                <a:tc>
+                  <a:txBody>
+                    <a:bodyPr/>
+                    <a:lstStyle/>
+                    <a:p>
+                      <a:pPr marL="0" marR="0">
+                        <a:lnSpc>
+                          <a:spcPct val="115000"/>
+                        </a:lnSpc>
+                        <a:spcBef>
+                          <a:spcPts val="0"/>
+                        </a:spcBef>
+                        <a:spcAft>
+                          <a:spcPts val="0"/>
+                        </a:spcAft>
+                      </a:pPr>
+                      <a:r>
+                        <a:rPr lang="en-US" sz="2400">
+                          <a:effectLst/>
+                        </a:rPr>
+                        <a:t>Advertising Banner</a:t>
+                      </a:r>
+                      <a:endParaRPr lang="en-US" sz="2400">
+                        <a:effectLst/>
+                        <a:latin typeface="Calibri" panose="020F0502020204030204" pitchFamily="34" charset="0"/>
+                        <a:ea typeface="Calibri" panose="020F0502020204030204" pitchFamily="34" charset="0"/>
+                        <a:cs typeface="Times New Roman" panose="02020603050405020304" pitchFamily="18" charset="0"/>
+                      </a:endParaRPr>
+                    </a:p>
+                  </a:txBody>
+                  <a:tcPr marL="68580" marR="68580" marT="0" marB="0"/>
+                </a:tc>
+                <a:tc>
+                  <a:txBody>
+                    <a:bodyPr/>
+                    <a:lstStyle/>
+                    <a:p>
+                      <a:pPr marL="0" marR="0">
+                        <a:lnSpc>
+                          <a:spcPct val="115000"/>
+                        </a:lnSpc>
+                        <a:spcBef>
+                          <a:spcPts val="0"/>
+                        </a:spcBef>
+                        <a:spcAft>
+                          <a:spcPts val="0"/>
+                        </a:spcAft>
+                      </a:pPr>
+                      <a:r>
+                        <a:rPr lang="en-US" sz="2400" dirty="0">
+                          <a:effectLst/>
+                        </a:rPr>
+                        <a:t>$79.00</a:t>
+                      </a:r>
+                      <a:endParaRPr lang="en-US" sz="2400" dirty="0">
+                        <a:effectLst/>
+                        <a:latin typeface="Calibri" panose="020F0502020204030204" pitchFamily="34" charset="0"/>
+                        <a:ea typeface="Calibri" panose="020F0502020204030204" pitchFamily="34" charset="0"/>
+                        <a:cs typeface="Times New Roman" panose="02020603050405020304" pitchFamily="18" charset="0"/>
+                      </a:endParaRPr>
+                    </a:p>
+                  </a:txBody>
+                  <a:tcPr marL="68580" marR="68580" marT="0" marB="0"/>
+                </a:tc>
+              </a:tr>
+              <a:tr h="756792">
+                <a:tc>
+                  <a:txBody>
+                    <a:bodyPr/>
+                    <a:lstStyle/>
+                    <a:p>
+                      <a:pPr marL="0" marR="0">
+                        <a:lnSpc>
+                          <a:spcPct val="115000"/>
+                        </a:lnSpc>
+                        <a:spcBef>
+                          <a:spcPts val="0"/>
+                        </a:spcBef>
+                        <a:spcAft>
+                          <a:spcPts val="0"/>
+                        </a:spcAft>
+                      </a:pPr>
+                      <a:r>
+                        <a:rPr lang="en-US" sz="2400">
+                          <a:effectLst/>
+                        </a:rPr>
+                        <a:t>Totals </a:t>
+                      </a:r>
+                      <a:endParaRPr lang="en-US" sz="2400">
+                        <a:effectLst/>
+                        <a:latin typeface="Calibri" panose="020F0502020204030204" pitchFamily="34" charset="0"/>
+                        <a:ea typeface="Calibri" panose="020F0502020204030204" pitchFamily="34" charset="0"/>
+                        <a:cs typeface="Times New Roman" panose="02020603050405020304" pitchFamily="18" charset="0"/>
+                      </a:endParaRPr>
+                    </a:p>
+                  </a:txBody>
+                  <a:tcPr marL="68580" marR="68580" marT="0" marB="0"/>
+                </a:tc>
+                <a:tc>
+                  <a:txBody>
+                    <a:bodyPr/>
+                    <a:lstStyle/>
+                    <a:p>
+                      <a:pPr marL="0" marR="0">
+                        <a:lnSpc>
+                          <a:spcPct val="115000"/>
+                        </a:lnSpc>
+                        <a:spcBef>
+                          <a:spcPts val="0"/>
+                        </a:spcBef>
+                        <a:spcAft>
+                          <a:spcPts val="0"/>
+                        </a:spcAft>
+                      </a:pPr>
+                      <a:r>
+                        <a:rPr lang="en-US" sz="2400" dirty="0">
+                          <a:effectLst/>
+                        </a:rPr>
+                        <a:t>$107,121</a:t>
+                      </a:r>
+                      <a:endParaRPr lang="en-US" sz="2400" dirty="0">
+                        <a:effectLst/>
+                        <a:latin typeface="Calibri" panose="020F0502020204030204" pitchFamily="34" charset="0"/>
+                        <a:ea typeface="Calibri" panose="020F0502020204030204" pitchFamily="34" charset="0"/>
+                        <a:cs typeface="Times New Roman" panose="02020603050405020304" pitchFamily="18" charset="0"/>
+                      </a:endParaRPr>
+                    </a:p>
+                  </a:txBody>
+                  <a:tcPr marL="68580" marR="68580" marT="0" marB="0"/>
+                </a:tc>
+              </a:tr>
+            </a:tbl>
+          </a:graphicData>
+        </a:graphic>
+      </p:graphicFrame>
+    </p:spTree>
+    <p:extLst>
+      <p:ext uri="{BB962C8B-B14F-4D97-AF65-F5344CB8AC3E}">
+        <p14:creationId xmlns:p14="http://schemas.microsoft.com/office/powerpoint/2010/main" val="960174548"/>
+      </p:ext>
+    </p:extLst>
+  </p:cSld>
+  <p:clrMapOvr>
+    <a:masterClrMapping/>
+  </p:clrMapOvr>
+  <p:timing>
+    <p:tnLst>
+      <p:par>
+        <p:cTn id="1" dur="indefinite" restart="never" nodeType="tmRoot"/>
+      </p:par>
+    </p:tnLst>
+  </p:timing>
+</p:sld>
+</file>
+
 <file path=ppt/theme/theme1.xml><?xml version="1.0" encoding="utf-8"?>
 <a:theme xmlns:a="http://schemas.openxmlformats.org/drawingml/2006/main" name="Frame">
   <a:themeElements>
